--- a/PPT/python6.pptx
+++ b/PPT/python6.pptx
@@ -153,7 +153,7 @@
 <file path=ppt/revisionInfo.xml><?xml version="1.0" encoding="utf-8"?>
 <p1510:revInfo xmlns:a="http://schemas.openxmlformats.org/drawingml/2006/main" xmlns:r="http://schemas.openxmlformats.org/officeDocument/2006/relationships" xmlns:p1510="http://schemas.microsoft.com/office/powerpoint/2015/10/main">
   <p1510:revLst>
-    <p1510:client id="{88D73D01-CABB-4B2D-80EC-648726E3C219}" v="2381" dt="2023-05-08T02:19:08.309"/>
+    <p1510:client id="{88D73D01-CABB-4B2D-80EC-648726E3C219}" v="2383" dt="2023-05-16T03:56:23.899"/>
   </p1510:revLst>
 </p1510:revInfo>
 </file>
@@ -2459,7 +2459,7 @@
   <pc:docChgLst>
     <pc:chgData name="Scruel Tao" userId="5ea5c98d59b44d4b" providerId="LiveId" clId="{88D73D01-CABB-4B2D-80EC-648726E3C219}"/>
     <pc:docChg chg="undo redo custSel addSld delSld modSld sldOrd modMainMaster">
-      <pc:chgData name="Scruel Tao" userId="5ea5c98d59b44d4b" providerId="LiveId" clId="{88D73D01-CABB-4B2D-80EC-648726E3C219}" dt="2023-05-08T02:20:48.774" v="6375" actId="20577"/>
+      <pc:chgData name="Scruel Tao" userId="5ea5c98d59b44d4b" providerId="LiveId" clId="{88D73D01-CABB-4B2D-80EC-648726E3C219}" dt="2023-05-16T03:56:23.899" v="6377" actId="478"/>
       <pc:docMkLst>
         <pc:docMk/>
       </pc:docMkLst>
@@ -2502,11 +2502,19 @@
         </pc:sldMkLst>
       </pc:sldChg>
       <pc:sldChg chg="addSp delSp modSp mod modTransition modNotes">
-        <pc:chgData name="Scruel Tao" userId="5ea5c98d59b44d4b" providerId="LiveId" clId="{88D73D01-CABB-4B2D-80EC-648726E3C219}" dt="2023-05-05T14:59:33.343" v="4422"/>
+        <pc:chgData name="Scruel Tao" userId="5ea5c98d59b44d4b" providerId="LiveId" clId="{88D73D01-CABB-4B2D-80EC-648726E3C219}" dt="2023-05-16T03:56:16.049" v="6376" actId="478"/>
         <pc:sldMkLst>
           <pc:docMk/>
           <pc:sldMk cId="0" sldId="260"/>
         </pc:sldMkLst>
+        <pc:spChg chg="del">
+          <ac:chgData name="Scruel Tao" userId="5ea5c98d59b44d4b" providerId="LiveId" clId="{88D73D01-CABB-4B2D-80EC-648726E3C219}" dt="2023-05-16T03:56:16.049" v="6376" actId="478"/>
+          <ac:spMkLst>
+            <pc:docMk/>
+            <pc:sldMk cId="0" sldId="260"/>
+            <ac:spMk id="2" creationId="{51B8E4C0-E15B-4BD0-7B5B-A44A3D5B0C34}"/>
+          </ac:spMkLst>
+        </pc:spChg>
         <pc:spChg chg="del">
           <ac:chgData name="Scruel Tao" userId="5ea5c98d59b44d4b" providerId="LiveId" clId="{88D73D01-CABB-4B2D-80EC-648726E3C219}" dt="2023-05-03T00:05:42.931" v="4045" actId="478"/>
           <ac:spMkLst>
@@ -4643,7 +4651,7 @@
         </pc:picChg>
       </pc:sldChg>
       <pc:sldMasterChg chg="modTransition modSldLayout">
-        <pc:chgData name="Scruel Tao" userId="5ea5c98d59b44d4b" providerId="LiveId" clId="{88D73D01-CABB-4B2D-80EC-648726E3C219}" dt="2023-05-05T14:59:33.343" v="4422"/>
+        <pc:chgData name="Scruel Tao" userId="5ea5c98d59b44d4b" providerId="LiveId" clId="{88D73D01-CABB-4B2D-80EC-648726E3C219}" dt="2023-05-16T03:56:23.899" v="6377" actId="478"/>
         <pc:sldMasterMkLst>
           <pc:docMk/>
           <pc:sldMasterMk cId="1766057859" sldId="2147483648"/>
@@ -4772,13 +4780,22 @@
             <pc:sldLayoutMk cId="1976972956" sldId="2147483659"/>
           </pc:sldLayoutMkLst>
         </pc:sldLayoutChg>
-        <pc:sldLayoutChg chg="modTransition">
-          <pc:chgData name="Scruel Tao" userId="5ea5c98d59b44d4b" providerId="LiveId" clId="{88D73D01-CABB-4B2D-80EC-648726E3C219}" dt="2023-05-05T14:59:33.343" v="4422"/>
+        <pc:sldLayoutChg chg="delSp modTransition">
+          <pc:chgData name="Scruel Tao" userId="5ea5c98d59b44d4b" providerId="LiveId" clId="{88D73D01-CABB-4B2D-80EC-648726E3C219}" dt="2023-05-16T03:56:23.899" v="6377" actId="478"/>
           <pc:sldLayoutMkLst>
             <pc:docMk/>
             <pc:sldMasterMk cId="1766057859" sldId="2147483648"/>
             <pc:sldLayoutMk cId="1337634028" sldId="2147483660"/>
           </pc:sldLayoutMkLst>
+          <pc:spChg chg="del">
+            <ac:chgData name="Scruel Tao" userId="5ea5c98d59b44d4b" providerId="LiveId" clId="{88D73D01-CABB-4B2D-80EC-648726E3C219}" dt="2023-05-16T03:56:23.899" v="6377" actId="478"/>
+            <ac:spMkLst>
+              <pc:docMk/>
+              <pc:sldMasterMk cId="1766057859" sldId="2147483648"/>
+              <pc:sldLayoutMk cId="1337634028" sldId="2147483660"/>
+              <ac:spMk id="19472" creationId="{BD0BF484-93B1-9A87-952A-7D5E9B29C38D}"/>
+            </ac:spMkLst>
+          </pc:spChg>
         </pc:sldLayoutChg>
       </pc:sldMasterChg>
     </pc:docChg>
@@ -4880,7 +4897,7 @@
           <a:p>
             <a:fld id="{AC7E1972-C479-4420-A687-8FB83BA90DEB}" type="datetimeFigureOut">
               <a:rPr lang="zh-CN" altLang="en-US" smtClean="0"/>
-              <a:t>2023/5/8</a:t>
+              <a:t>2023/5/16</a:t>
             </a:fld>
             <a:endParaRPr lang="zh-CN" altLang="en-US"/>
           </a:p>
@@ -5057,7 +5074,7 @@
           <a:p>
             <a:fld id="{89B7AB8D-BCC0-43C6-B24C-055A25DB558F}" type="datetimeFigureOut">
               <a:rPr lang="zh-CN" altLang="en-US" smtClean="0"/>
-              <a:t>2023/5/8</a:t>
+              <a:t>2023/5/16</a:t>
             </a:fld>
             <a:endParaRPr lang="zh-CN" altLang="en-US"/>
           </a:p>
@@ -8300,7 +8317,7 @@
           <a:p>
             <a:fld id="{F721228B-0167-4061-A906-8575043315EE}" type="datetimeFigureOut">
               <a:rPr lang="zh-CN" altLang="en-US" smtClean="0"/>
-              <a:t>2023/5/8</a:t>
+              <a:t>2023/5/16</a:t>
             </a:fld>
             <a:endParaRPr lang="zh-CN" altLang="en-US"/>
           </a:p>
@@ -8510,7 +8527,7 @@
           <a:p>
             <a:fld id="{F721228B-0167-4061-A906-8575043315EE}" type="datetimeFigureOut">
               <a:rPr lang="zh-CN" altLang="en-US" smtClean="0"/>
-              <a:t>2023/5/8</a:t>
+              <a:t>2023/5/16</a:t>
             </a:fld>
             <a:endParaRPr lang="zh-CN" altLang="en-US"/>
           </a:p>
@@ -8730,7 +8747,7 @@
           <a:p>
             <a:fld id="{F721228B-0167-4061-A906-8575043315EE}" type="datetimeFigureOut">
               <a:rPr lang="zh-CN" altLang="en-US" smtClean="0"/>
-              <a:t>2023/5/8</a:t>
+              <a:t>2023/5/16</a:t>
             </a:fld>
             <a:endParaRPr lang="zh-CN" altLang="en-US"/>
           </a:p>
@@ -8832,58 +8849,6 @@
           <a:chExt cx="0" cy="0"/>
         </a:xfrm>
       </p:grpSpPr>
-      <p:sp>
-        <p:nvSpPr>
-          <p:cNvPr id="19472" name="Rectangle 16">
-            <a:extLst>
-              <a:ext uri="{FF2B5EF4-FFF2-40B4-BE49-F238E27FC236}">
-                <a16:creationId xmlns:a16="http://schemas.microsoft.com/office/drawing/2014/main" id="{BD0BF484-93B1-9A87-952A-7D5E9B29C38D}"/>
-              </a:ext>
-            </a:extLst>
-          </p:cNvPr>
-          <p:cNvSpPr>
-            <a:spLocks noGrp="1" noChangeArrowheads="1"/>
-          </p:cNvSpPr>
-          <p:nvPr>
-            <p:ph type="sldNum" sz="quarter" idx="4"/>
-          </p:nvPr>
-        </p:nvSpPr>
-        <p:spPr>
-          <a:xfrm>
-            <a:off x="11582400" y="6486525"/>
-            <a:ext cx="609600" cy="381000"/>
-          </a:xfrm>
-          <a:extLst>
-            <a:ext uri="{909E8E84-426E-40DD-AFC4-6F175D3DCCD1}">
-              <a14:hiddenFill xmlns:a14="http://schemas.microsoft.com/office/drawing/2010/main">
-                <a:solidFill>
-                  <a:schemeClr val="bg1"/>
-                </a:solidFill>
-              </a14:hiddenFill>
-            </a:ext>
-          </a:extLst>
-        </p:spPr>
-        <p:txBody>
-          <a:bodyPr/>
-          <a:lstStyle>
-            <a:lvl1pPr>
-              <a:defRPr>
-                <a:solidFill>
-                  <a:schemeClr val="bg1"/>
-                </a:solidFill>
-              </a:defRPr>
-            </a:lvl1pPr>
-          </a:lstStyle>
-          <a:p>
-            <a:fld id="{2715ED00-090C-4140-8C2E-A7E232A15EA9}" type="slidenum">
-              <a:rPr lang="en-US" altLang="zh-CN"/>
-              <a:pPr/>
-              <a:t>‹#›</a:t>
-            </a:fld>
-            <a:endParaRPr lang="en-US" altLang="zh-CN"/>
-          </a:p>
-        </p:txBody>
-      </p:sp>
       <p:sp>
         <p:nvSpPr>
           <p:cNvPr id="19483" name="Rectangle 27">
@@ -9279,7 +9244,7 @@
           <a:p>
             <a:fld id="{F721228B-0167-4061-A906-8575043315EE}" type="datetimeFigureOut">
               <a:rPr lang="zh-CN" altLang="en-US" smtClean="0"/>
-              <a:t>2023/5/8</a:t>
+              <a:t>2023/5/16</a:t>
             </a:fld>
             <a:endParaRPr lang="zh-CN" altLang="en-US"/>
           </a:p>
@@ -9615,7 +9580,7 @@
           <a:p>
             <a:fld id="{F721228B-0167-4061-A906-8575043315EE}" type="datetimeFigureOut">
               <a:rPr lang="zh-CN" altLang="en-US" smtClean="0"/>
-              <a:t>2023/5/8</a:t>
+              <a:t>2023/5/16</a:t>
             </a:fld>
             <a:endParaRPr lang="zh-CN" altLang="en-US"/>
           </a:p>
@@ -9973,7 +9938,7 @@
           <a:p>
             <a:fld id="{F721228B-0167-4061-A906-8575043315EE}" type="datetimeFigureOut">
               <a:rPr lang="zh-CN" altLang="en-US" smtClean="0"/>
-              <a:t>2023/5/8</a:t>
+              <a:t>2023/5/16</a:t>
             </a:fld>
             <a:endParaRPr lang="zh-CN" altLang="en-US"/>
           </a:p>
@@ -10446,7 +10411,7 @@
           <a:p>
             <a:fld id="{F721228B-0167-4061-A906-8575043315EE}" type="datetimeFigureOut">
               <a:rPr lang="zh-CN" altLang="en-US" smtClean="0"/>
-              <a:t>2023/5/8</a:t>
+              <a:t>2023/5/16</a:t>
             </a:fld>
             <a:endParaRPr lang="zh-CN" altLang="en-US"/>
           </a:p>
@@ -10599,7 +10564,7 @@
           <a:p>
             <a:fld id="{F721228B-0167-4061-A906-8575043315EE}" type="datetimeFigureOut">
               <a:rPr lang="zh-CN" altLang="en-US" smtClean="0"/>
-              <a:t>2023/5/8</a:t>
+              <a:t>2023/5/16</a:t>
             </a:fld>
             <a:endParaRPr lang="zh-CN" altLang="en-US"/>
           </a:p>
@@ -10724,7 +10689,7 @@
           <a:p>
             <a:fld id="{F721228B-0167-4061-A906-8575043315EE}" type="datetimeFigureOut">
               <a:rPr lang="zh-CN" altLang="en-US" smtClean="0"/>
-              <a:t>2023/5/8</a:t>
+              <a:t>2023/5/16</a:t>
             </a:fld>
             <a:endParaRPr lang="zh-CN" altLang="en-US"/>
           </a:p>
@@ -11047,7 +11012,7 @@
           <a:p>
             <a:fld id="{F721228B-0167-4061-A906-8575043315EE}" type="datetimeFigureOut">
               <a:rPr lang="zh-CN" altLang="en-US" smtClean="0"/>
-              <a:t>2023/5/8</a:t>
+              <a:t>2023/5/16</a:t>
             </a:fld>
             <a:endParaRPr lang="zh-CN" altLang="en-US"/>
           </a:p>
@@ -11347,7 +11312,7 @@
           <a:p>
             <a:fld id="{F721228B-0167-4061-A906-8575043315EE}" type="datetimeFigureOut">
               <a:rPr lang="zh-CN" altLang="en-US" smtClean="0"/>
-              <a:t>2023/5/8</a:t>
+              <a:t>2023/5/16</a:t>
             </a:fld>
             <a:endParaRPr lang="zh-CN" altLang="en-US"/>
           </a:p>
@@ -11600,7 +11565,7 @@
           <a:p>
             <a:fld id="{F721228B-0167-4061-A906-8575043315EE}" type="datetimeFigureOut">
               <a:rPr lang="zh-CN" altLang="en-US" smtClean="0"/>
-              <a:t>2023/5/8</a:t>
+              <a:t>2023/5/16</a:t>
             </a:fld>
             <a:endParaRPr lang="zh-CN" altLang="en-US"/>
           </a:p>
@@ -12038,36 +12003,6 @@
           <a:chExt cx="0" cy="0"/>
         </a:xfrm>
       </p:grpSpPr>
-      <p:sp>
-        <p:nvSpPr>
-          <p:cNvPr id="2" name="Rectangle 16">
-            <a:extLst>
-              <a:ext uri="{FF2B5EF4-FFF2-40B4-BE49-F238E27FC236}">
-                <a16:creationId xmlns:a16="http://schemas.microsoft.com/office/drawing/2014/main" id="{51B8E4C0-E15B-4BD0-7B5B-A44A3D5B0C34}"/>
-              </a:ext>
-            </a:extLst>
-          </p:cNvPr>
-          <p:cNvSpPr>
-            <a:spLocks noGrp="1" noChangeArrowheads="1"/>
-          </p:cNvSpPr>
-          <p:nvPr>
-            <p:ph type="sldNum" sz="quarter" idx="4"/>
-          </p:nvPr>
-        </p:nvSpPr>
-        <p:spPr/>
-        <p:txBody>
-          <a:bodyPr/>
-          <a:lstStyle/>
-          <a:p>
-            <a:fld id="{142851DF-B74D-4AE2-884A-1FB97A3CB7E1}" type="slidenum">
-              <a:rPr lang="en-US" altLang="zh-CN"/>
-              <a:pPr/>
-              <a:t>1</a:t>
-            </a:fld>
-            <a:endParaRPr lang="en-US" altLang="zh-CN"/>
-          </a:p>
-        </p:txBody>
-      </p:sp>
       <p:sp>
         <p:nvSpPr>
           <p:cNvPr id="1227783" name="Rectangle 7">

--- a/PPT/python6.pptx
+++ b/PPT/python6.pptx
@@ -2459,7 +2459,7 @@
   <pc:docChgLst>
     <pc:chgData name="Scruel Tao" userId="5ea5c98d59b44d4b" providerId="LiveId" clId="{88D73D01-CABB-4B2D-80EC-648726E3C219}"/>
     <pc:docChg chg="undo redo custSel addSld delSld modSld sldOrd modMainMaster">
-      <pc:chgData name="Scruel Tao" userId="5ea5c98d59b44d4b" providerId="LiveId" clId="{88D73D01-CABB-4B2D-80EC-648726E3C219}" dt="2023-05-16T03:56:23.899" v="6377" actId="478"/>
+      <pc:chgData name="Scruel Tao" userId="5ea5c98d59b44d4b" providerId="LiveId" clId="{88D73D01-CABB-4B2D-80EC-648726E3C219}" dt="2023-05-27T04:04:09.324" v="6397" actId="14100"/>
       <pc:docMkLst>
         <pc:docMk/>
       </pc:docMkLst>
@@ -4397,7 +4397,7 @@
         </pc:cxnChg>
       </pc:sldChg>
       <pc:sldChg chg="addSp delSp modSp add mod modAnim">
-        <pc:chgData name="Scruel Tao" userId="5ea5c98d59b44d4b" providerId="LiveId" clId="{88D73D01-CABB-4B2D-80EC-648726E3C219}" dt="2023-05-06T21:11:59.771" v="5915"/>
+        <pc:chgData name="Scruel Tao" userId="5ea5c98d59b44d4b" providerId="LiveId" clId="{88D73D01-CABB-4B2D-80EC-648726E3C219}" dt="2023-05-27T04:04:09.324" v="6397" actId="14100"/>
         <pc:sldMkLst>
           <pc:docMk/>
           <pc:sldMk cId="3746649369" sldId="376"/>
@@ -4451,7 +4451,7 @@
           </ac:picMkLst>
         </pc:picChg>
         <pc:picChg chg="add mod">
-          <ac:chgData name="Scruel Tao" userId="5ea5c98d59b44d4b" providerId="LiveId" clId="{88D73D01-CABB-4B2D-80EC-648726E3C219}" dt="2023-05-06T21:11:06.315" v="5911" actId="1038"/>
+          <ac:chgData name="Scruel Tao" userId="5ea5c98d59b44d4b" providerId="LiveId" clId="{88D73D01-CABB-4B2D-80EC-648726E3C219}" dt="2023-05-27T04:04:09.324" v="6397" actId="14100"/>
           <ac:picMkLst>
             <pc:docMk/>
             <pc:sldMk cId="3746649369" sldId="376"/>
@@ -4459,7 +4459,7 @@
           </ac:picMkLst>
         </pc:picChg>
         <pc:picChg chg="mod">
-          <ac:chgData name="Scruel Tao" userId="5ea5c98d59b44d4b" providerId="LiveId" clId="{88D73D01-CABB-4B2D-80EC-648726E3C219}" dt="2023-05-06T21:10:41.332" v="5905" actId="14826"/>
+          <ac:chgData name="Scruel Tao" userId="5ea5c98d59b44d4b" providerId="LiveId" clId="{88D73D01-CABB-4B2D-80EC-648726E3C219}" dt="2023-05-27T04:03:59.299" v="6396" actId="1036"/>
           <ac:picMkLst>
             <pc:docMk/>
             <pc:sldMk cId="3746649369" sldId="376"/>
@@ -4897,7 +4897,7 @@
           <a:p>
             <a:fld id="{AC7E1972-C479-4420-A687-8FB83BA90DEB}" type="datetimeFigureOut">
               <a:rPr lang="zh-CN" altLang="en-US" smtClean="0"/>
-              <a:t>2023/5/16</a:t>
+              <a:t>2023/5/27</a:t>
             </a:fld>
             <a:endParaRPr lang="zh-CN" altLang="en-US"/>
           </a:p>
@@ -5074,7 +5074,7 @@
           <a:p>
             <a:fld id="{89B7AB8D-BCC0-43C6-B24C-055A25DB558F}" type="datetimeFigureOut">
               <a:rPr lang="zh-CN" altLang="en-US" smtClean="0"/>
-              <a:t>2023/5/16</a:t>
+              <a:t>2023/5/27</a:t>
             </a:fld>
             <a:endParaRPr lang="zh-CN" altLang="en-US"/>
           </a:p>
@@ -8317,7 +8317,7 @@
           <a:p>
             <a:fld id="{F721228B-0167-4061-A906-8575043315EE}" type="datetimeFigureOut">
               <a:rPr lang="zh-CN" altLang="en-US" smtClean="0"/>
-              <a:t>2023/5/16</a:t>
+              <a:t>2023/5/27</a:t>
             </a:fld>
             <a:endParaRPr lang="zh-CN" altLang="en-US"/>
           </a:p>
@@ -8527,7 +8527,7 @@
           <a:p>
             <a:fld id="{F721228B-0167-4061-A906-8575043315EE}" type="datetimeFigureOut">
               <a:rPr lang="zh-CN" altLang="en-US" smtClean="0"/>
-              <a:t>2023/5/16</a:t>
+              <a:t>2023/5/27</a:t>
             </a:fld>
             <a:endParaRPr lang="zh-CN" altLang="en-US"/>
           </a:p>
@@ -8747,7 +8747,7 @@
           <a:p>
             <a:fld id="{F721228B-0167-4061-A906-8575043315EE}" type="datetimeFigureOut">
               <a:rPr lang="zh-CN" altLang="en-US" smtClean="0"/>
-              <a:t>2023/5/16</a:t>
+              <a:t>2023/5/27</a:t>
             </a:fld>
             <a:endParaRPr lang="zh-CN" altLang="en-US"/>
           </a:p>
@@ -9244,7 +9244,7 @@
           <a:p>
             <a:fld id="{F721228B-0167-4061-A906-8575043315EE}" type="datetimeFigureOut">
               <a:rPr lang="zh-CN" altLang="en-US" smtClean="0"/>
-              <a:t>2023/5/16</a:t>
+              <a:t>2023/5/27</a:t>
             </a:fld>
             <a:endParaRPr lang="zh-CN" altLang="en-US"/>
           </a:p>
@@ -9580,7 +9580,7 @@
           <a:p>
             <a:fld id="{F721228B-0167-4061-A906-8575043315EE}" type="datetimeFigureOut">
               <a:rPr lang="zh-CN" altLang="en-US" smtClean="0"/>
-              <a:t>2023/5/16</a:t>
+              <a:t>2023/5/27</a:t>
             </a:fld>
             <a:endParaRPr lang="zh-CN" altLang="en-US"/>
           </a:p>
@@ -9938,7 +9938,7 @@
           <a:p>
             <a:fld id="{F721228B-0167-4061-A906-8575043315EE}" type="datetimeFigureOut">
               <a:rPr lang="zh-CN" altLang="en-US" smtClean="0"/>
-              <a:t>2023/5/16</a:t>
+              <a:t>2023/5/27</a:t>
             </a:fld>
             <a:endParaRPr lang="zh-CN" altLang="en-US"/>
           </a:p>
@@ -10411,7 +10411,7 @@
           <a:p>
             <a:fld id="{F721228B-0167-4061-A906-8575043315EE}" type="datetimeFigureOut">
               <a:rPr lang="zh-CN" altLang="en-US" smtClean="0"/>
-              <a:t>2023/5/16</a:t>
+              <a:t>2023/5/27</a:t>
             </a:fld>
             <a:endParaRPr lang="zh-CN" altLang="en-US"/>
           </a:p>
@@ -10564,7 +10564,7 @@
           <a:p>
             <a:fld id="{F721228B-0167-4061-A906-8575043315EE}" type="datetimeFigureOut">
               <a:rPr lang="zh-CN" altLang="en-US" smtClean="0"/>
-              <a:t>2023/5/16</a:t>
+              <a:t>2023/5/27</a:t>
             </a:fld>
             <a:endParaRPr lang="zh-CN" altLang="en-US"/>
           </a:p>
@@ -10689,7 +10689,7 @@
           <a:p>
             <a:fld id="{F721228B-0167-4061-A906-8575043315EE}" type="datetimeFigureOut">
               <a:rPr lang="zh-CN" altLang="en-US" smtClean="0"/>
-              <a:t>2023/5/16</a:t>
+              <a:t>2023/5/27</a:t>
             </a:fld>
             <a:endParaRPr lang="zh-CN" altLang="en-US"/>
           </a:p>
@@ -11012,7 +11012,7 @@
           <a:p>
             <a:fld id="{F721228B-0167-4061-A906-8575043315EE}" type="datetimeFigureOut">
               <a:rPr lang="zh-CN" altLang="en-US" smtClean="0"/>
-              <a:t>2023/5/16</a:t>
+              <a:t>2023/5/27</a:t>
             </a:fld>
             <a:endParaRPr lang="zh-CN" altLang="en-US"/>
           </a:p>
@@ -11312,7 +11312,7 @@
           <a:p>
             <a:fld id="{F721228B-0167-4061-A906-8575043315EE}" type="datetimeFigureOut">
               <a:rPr lang="zh-CN" altLang="en-US" smtClean="0"/>
-              <a:t>2023/5/16</a:t>
+              <a:t>2023/5/27</a:t>
             </a:fld>
             <a:endParaRPr lang="zh-CN" altLang="en-US"/>
           </a:p>
@@ -11565,7 +11565,7 @@
           <a:p>
             <a:fld id="{F721228B-0167-4061-A906-8575043315EE}" type="datetimeFigureOut">
               <a:rPr lang="zh-CN" altLang="en-US" smtClean="0"/>
-              <a:t>2023/5/16</a:t>
+              <a:t>2023/5/27</a:t>
             </a:fld>
             <a:endParaRPr lang="zh-CN" altLang="en-US"/>
           </a:p>
@@ -30136,7 +30136,7 @@
         </p:blipFill>
         <p:spPr>
           <a:xfrm>
-            <a:off x="187671" y="4886516"/>
+            <a:off x="187671" y="4911683"/>
             <a:ext cx="5615247" cy="1206931"/>
           </a:xfrm>
           <a:prstGeom prst="rect">
@@ -30376,8 +30376,8 @@
         </p:blipFill>
         <p:spPr>
           <a:xfrm>
-            <a:off x="1293295" y="4920980"/>
-            <a:ext cx="3822192" cy="621792"/>
+            <a:off x="1314895" y="4863380"/>
+            <a:ext cx="3802389" cy="618570"/>
           </a:xfrm>
           <a:prstGeom prst="rect">
             <a:avLst/>

--- a/PPT/python6.pptx
+++ b/PPT/python6.pptx
@@ -2459,7 +2459,7 @@
   <pc:docChgLst>
     <pc:chgData name="Scruel Tao" userId="5ea5c98d59b44d4b" providerId="LiveId" clId="{88D73D01-CABB-4B2D-80EC-648726E3C219}"/>
     <pc:docChg chg="undo redo custSel addSld delSld modSld sldOrd modMainMaster">
-      <pc:chgData name="Scruel Tao" userId="5ea5c98d59b44d4b" providerId="LiveId" clId="{88D73D01-CABB-4B2D-80EC-648726E3C219}" dt="2023-05-27T04:04:09.324" v="6397" actId="14100"/>
+      <pc:chgData name="Scruel Tao" userId="5ea5c98d59b44d4b" providerId="LiveId" clId="{88D73D01-CABB-4B2D-80EC-648726E3C219}" dt="2023-06-02T13:43:51.723" v="6398" actId="20577"/>
       <pc:docMkLst>
         <pc:docMk/>
       </pc:docMkLst>
@@ -2502,7 +2502,7 @@
         </pc:sldMkLst>
       </pc:sldChg>
       <pc:sldChg chg="addSp delSp modSp mod modTransition modNotes">
-        <pc:chgData name="Scruel Tao" userId="5ea5c98d59b44d4b" providerId="LiveId" clId="{88D73D01-CABB-4B2D-80EC-648726E3C219}" dt="2023-05-16T03:56:16.049" v="6376" actId="478"/>
+        <pc:chgData name="Scruel Tao" userId="5ea5c98d59b44d4b" providerId="LiveId" clId="{88D73D01-CABB-4B2D-80EC-648726E3C219}" dt="2023-06-02T13:43:51.723" v="6398" actId="20577"/>
         <pc:sldMkLst>
           <pc:docMk/>
           <pc:sldMk cId="0" sldId="260"/>
@@ -2540,7 +2540,7 @@
           </ac:spMkLst>
         </pc:spChg>
         <pc:spChg chg="mod">
-          <ac:chgData name="Scruel Tao" userId="5ea5c98d59b44d4b" providerId="LiveId" clId="{88D73D01-CABB-4B2D-80EC-648726E3C219}" dt="2023-04-29T18:30:12.253" v="2699"/>
+          <ac:chgData name="Scruel Tao" userId="5ea5c98d59b44d4b" providerId="LiveId" clId="{88D73D01-CABB-4B2D-80EC-648726E3C219}" dt="2023-06-02T13:43:51.723" v="6398" actId="20577"/>
           <ac:spMkLst>
             <pc:docMk/>
             <pc:sldMk cId="0" sldId="260"/>
@@ -4897,7 +4897,7 @@
           <a:p>
             <a:fld id="{AC7E1972-C479-4420-A687-8FB83BA90DEB}" type="datetimeFigureOut">
               <a:rPr lang="zh-CN" altLang="en-US" smtClean="0"/>
-              <a:t>2023/5/27</a:t>
+              <a:t>2023/6/2</a:t>
             </a:fld>
             <a:endParaRPr lang="zh-CN" altLang="en-US"/>
           </a:p>
@@ -5074,7 +5074,7 @@
           <a:p>
             <a:fld id="{89B7AB8D-BCC0-43C6-B24C-055A25DB558F}" type="datetimeFigureOut">
               <a:rPr lang="zh-CN" altLang="en-US" smtClean="0"/>
-              <a:t>2023/5/27</a:t>
+              <a:t>2023/6/2</a:t>
             </a:fld>
             <a:endParaRPr lang="zh-CN" altLang="en-US"/>
           </a:p>
@@ -8317,7 +8317,7 @@
           <a:p>
             <a:fld id="{F721228B-0167-4061-A906-8575043315EE}" type="datetimeFigureOut">
               <a:rPr lang="zh-CN" altLang="en-US" smtClean="0"/>
-              <a:t>2023/5/27</a:t>
+              <a:t>2023/6/2</a:t>
             </a:fld>
             <a:endParaRPr lang="zh-CN" altLang="en-US"/>
           </a:p>
@@ -8527,7 +8527,7 @@
           <a:p>
             <a:fld id="{F721228B-0167-4061-A906-8575043315EE}" type="datetimeFigureOut">
               <a:rPr lang="zh-CN" altLang="en-US" smtClean="0"/>
-              <a:t>2023/5/27</a:t>
+              <a:t>2023/6/2</a:t>
             </a:fld>
             <a:endParaRPr lang="zh-CN" altLang="en-US"/>
           </a:p>
@@ -8747,7 +8747,7 @@
           <a:p>
             <a:fld id="{F721228B-0167-4061-A906-8575043315EE}" type="datetimeFigureOut">
               <a:rPr lang="zh-CN" altLang="en-US" smtClean="0"/>
-              <a:t>2023/5/27</a:t>
+              <a:t>2023/6/2</a:t>
             </a:fld>
             <a:endParaRPr lang="zh-CN" altLang="en-US"/>
           </a:p>
@@ -9244,7 +9244,7 @@
           <a:p>
             <a:fld id="{F721228B-0167-4061-A906-8575043315EE}" type="datetimeFigureOut">
               <a:rPr lang="zh-CN" altLang="en-US" smtClean="0"/>
-              <a:t>2023/5/27</a:t>
+              <a:t>2023/6/2</a:t>
             </a:fld>
             <a:endParaRPr lang="zh-CN" altLang="en-US"/>
           </a:p>
@@ -9580,7 +9580,7 @@
           <a:p>
             <a:fld id="{F721228B-0167-4061-A906-8575043315EE}" type="datetimeFigureOut">
               <a:rPr lang="zh-CN" altLang="en-US" smtClean="0"/>
-              <a:t>2023/5/27</a:t>
+              <a:t>2023/6/2</a:t>
             </a:fld>
             <a:endParaRPr lang="zh-CN" altLang="en-US"/>
           </a:p>
@@ -9938,7 +9938,7 @@
           <a:p>
             <a:fld id="{F721228B-0167-4061-A906-8575043315EE}" type="datetimeFigureOut">
               <a:rPr lang="zh-CN" altLang="en-US" smtClean="0"/>
-              <a:t>2023/5/27</a:t>
+              <a:t>2023/6/2</a:t>
             </a:fld>
             <a:endParaRPr lang="zh-CN" altLang="en-US"/>
           </a:p>
@@ -10411,7 +10411,7 @@
           <a:p>
             <a:fld id="{F721228B-0167-4061-A906-8575043315EE}" type="datetimeFigureOut">
               <a:rPr lang="zh-CN" altLang="en-US" smtClean="0"/>
-              <a:t>2023/5/27</a:t>
+              <a:t>2023/6/2</a:t>
             </a:fld>
             <a:endParaRPr lang="zh-CN" altLang="en-US"/>
           </a:p>
@@ -10564,7 +10564,7 @@
           <a:p>
             <a:fld id="{F721228B-0167-4061-A906-8575043315EE}" type="datetimeFigureOut">
               <a:rPr lang="zh-CN" altLang="en-US" smtClean="0"/>
-              <a:t>2023/5/27</a:t>
+              <a:t>2023/6/2</a:t>
             </a:fld>
             <a:endParaRPr lang="zh-CN" altLang="en-US"/>
           </a:p>
@@ -10689,7 +10689,7 @@
           <a:p>
             <a:fld id="{F721228B-0167-4061-A906-8575043315EE}" type="datetimeFigureOut">
               <a:rPr lang="zh-CN" altLang="en-US" smtClean="0"/>
-              <a:t>2023/5/27</a:t>
+              <a:t>2023/6/2</a:t>
             </a:fld>
             <a:endParaRPr lang="zh-CN" altLang="en-US"/>
           </a:p>
@@ -11012,7 +11012,7 @@
           <a:p>
             <a:fld id="{F721228B-0167-4061-A906-8575043315EE}" type="datetimeFigureOut">
               <a:rPr lang="zh-CN" altLang="en-US" smtClean="0"/>
-              <a:t>2023/5/27</a:t>
+              <a:t>2023/6/2</a:t>
             </a:fld>
             <a:endParaRPr lang="zh-CN" altLang="en-US"/>
           </a:p>
@@ -11312,7 +11312,7 @@
           <a:p>
             <a:fld id="{F721228B-0167-4061-A906-8575043315EE}" type="datetimeFigureOut">
               <a:rPr lang="zh-CN" altLang="en-US" smtClean="0"/>
-              <a:t>2023/5/27</a:t>
+              <a:t>2023/6/2</a:t>
             </a:fld>
             <a:endParaRPr lang="zh-CN" altLang="en-US"/>
           </a:p>
@@ -11565,7 +11565,7 @@
           <a:p>
             <a:fld id="{F721228B-0167-4061-A906-8575043315EE}" type="datetimeFigureOut">
               <a:rPr lang="zh-CN" altLang="en-US" smtClean="0"/>
-              <a:t>2023/5/27</a:t>
+              <a:t>2023/6/2</a:t>
             </a:fld>
             <a:endParaRPr lang="zh-CN" altLang="en-US"/>
           </a:p>
@@ -12034,7 +12034,7 @@
           <a:p>
             <a:pPr algn="ctr"/>
             <a:r>
-              <a:rPr lang="en-US" altLang="zh-CN" dirty="0">
+              <a:rPr lang="en-US" altLang="zh-CN">
                 <a:solidFill>
                   <a:schemeClr val="tx1">
                     <a:lumMod val="95000"/>
@@ -12051,10 +12051,10 @@
                 <a:latin typeface="华文琥珀" panose="02010800040101010101" pitchFamily="2" charset="-122"/>
                 <a:ea typeface="华文琥珀" panose="02010800040101010101" pitchFamily="2" charset="-122"/>
               </a:rPr>
-              <a:t>Python</a:t>
-            </a:r>
-            <a:r>
-              <a:rPr lang="zh-CN" altLang="en-US" dirty="0">
+              <a:t>Python </a:t>
+            </a:r>
+            <a:r>
+              <a:rPr lang="zh-CN" altLang="en-US">
                 <a:solidFill>
                   <a:schemeClr val="tx1">
                     <a:lumMod val="95000"/>
@@ -12071,10 +12071,10 @@
                 <a:latin typeface="华文琥珀" panose="02010800040101010101" pitchFamily="2" charset="-122"/>
                 <a:ea typeface="华文琥珀" panose="02010800040101010101" pitchFamily="2" charset="-122"/>
               </a:rPr>
-              <a:t>编程：从入门到实践</a:t>
-            </a:r>
-            <a:br>
-              <a:rPr lang="en-US" altLang="zh-CN" dirty="0">
+              <a:t>编程</a:t>
+            </a:r>
+            <a:r>
+              <a:rPr lang="zh-CN" altLang="en-US" dirty="0">
                 <a:solidFill>
                   <a:schemeClr val="tx1">
                     <a:lumMod val="95000"/>
@@ -12091,9 +12091,29 @@
                 <a:latin typeface="华文琥珀" panose="02010800040101010101" pitchFamily="2" charset="-122"/>
                 <a:ea typeface="华文琥珀" panose="02010800040101010101" pitchFamily="2" charset="-122"/>
               </a:rPr>
+              <a:t>：从入门到实践</a:t>
+            </a:r>
+            <a:br>
+              <a:rPr lang="en-US" altLang="zh-CN" dirty="0">
+                <a:solidFill>
+                  <a:schemeClr val="tx1">
+                    <a:lumMod val="95000"/>
+                    <a:lumOff val="5000"/>
+                  </a:schemeClr>
+                </a:solidFill>
+                <a:effectLst>
+                  <a:outerShdw blurRad="38100" dist="38100" dir="2700000" algn="tl">
+                    <a:srgbClr val="000000">
+                      <a:alpha val="43137"/>
+                    </a:srgbClr>
+                  </a:outerShdw>
+                </a:effectLst>
+                <a:latin typeface="华文琥珀" panose="02010800040101010101" pitchFamily="2" charset="-122"/>
+                <a:ea typeface="华文琥珀" panose="02010800040101010101" pitchFamily="2" charset="-122"/>
+              </a:rPr>
             </a:br>
             <a:r>
-              <a:rPr lang="zh-CN" altLang="en-US">
+              <a:rPr lang="zh-CN" altLang="en-US" dirty="0">
                 <a:solidFill>
                   <a:schemeClr val="tx1">
                     <a:lumMod val="95000"/>

--- a/PPT/python6.pptx
+++ b/PPT/python6.pptx
@@ -150,16 +150,314 @@
 </p:presentation>
 </file>
 
-<file path=ppt/revisionInfo.xml><?xml version="1.0" encoding="utf-8"?>
-<p1510:revInfo xmlns:a="http://schemas.openxmlformats.org/drawingml/2006/main" xmlns:r="http://schemas.openxmlformats.org/officeDocument/2006/relationships" xmlns:p1510="http://schemas.microsoft.com/office/powerpoint/2015/10/main">
-  <p1510:revLst>
-    <p1510:client id="{88D73D01-CABB-4B2D-80EC-648726E3C219}" v="2383" dt="2023-05-16T03:56:23.899"/>
-  </p1510:revLst>
-</p1510:revInfo>
-</file>
-
 <file path=ppt/changesInfos/changesInfo1.xml><?xml version="1.0" encoding="utf-8"?>
 <pc:chgInfo xmlns:a="http://schemas.openxmlformats.org/drawingml/2006/main" xmlns:r="http://schemas.openxmlformats.org/officeDocument/2006/relationships" xmlns:ac="http://schemas.microsoft.com/office/drawing/2013/main/command" xmlns:pc="http://schemas.microsoft.com/office/powerpoint/2013/main/command">
+  <pc:docChgLst>
+    <pc:chgData name="Scruel Tao" userId="5ea5c98d59b44d4b" providerId="LiveId" clId="{90F6E66C-EDE2-4E69-89C8-78233A222532}"/>
+    <pc:docChg chg="undo redo custSel modSld">
+      <pc:chgData name="Scruel Tao" userId="5ea5c98d59b44d4b" providerId="LiveId" clId="{90F6E66C-EDE2-4E69-89C8-78233A222532}" dt="2023-12-03T10:37:30.764" v="334" actId="20577"/>
+      <pc:docMkLst>
+        <pc:docMk/>
+      </pc:docMkLst>
+      <pc:sldChg chg="modSp modAnim">
+        <pc:chgData name="Scruel Tao" userId="5ea5c98d59b44d4b" providerId="LiveId" clId="{90F6E66C-EDE2-4E69-89C8-78233A222532}" dt="2023-12-03T10:09:29.729" v="210" actId="20577"/>
+        <pc:sldMkLst>
+          <pc:docMk/>
+          <pc:sldMk cId="3210565020" sldId="283"/>
+        </pc:sldMkLst>
+        <pc:spChg chg="mod">
+          <ac:chgData name="Scruel Tao" userId="5ea5c98d59b44d4b" providerId="LiveId" clId="{90F6E66C-EDE2-4E69-89C8-78233A222532}" dt="2023-12-03T10:09:29.729" v="210" actId="20577"/>
+          <ac:spMkLst>
+            <pc:docMk/>
+            <pc:sldMk cId="3210565020" sldId="283"/>
+            <ac:spMk id="4" creationId="{85D6D174-6A04-9AED-7984-BD4330ED7E3A}"/>
+          </ac:spMkLst>
+        </pc:spChg>
+      </pc:sldChg>
+      <pc:sldChg chg="modAnim">
+        <pc:chgData name="Scruel Tao" userId="5ea5c98d59b44d4b" providerId="LiveId" clId="{90F6E66C-EDE2-4E69-89C8-78233A222532}" dt="2023-12-03T10:04:14.505" v="88"/>
+        <pc:sldMkLst>
+          <pc:docMk/>
+          <pc:sldMk cId="3618025480" sldId="286"/>
+        </pc:sldMkLst>
+      </pc:sldChg>
+      <pc:sldChg chg="modSp mod">
+        <pc:chgData name="Scruel Tao" userId="5ea5c98d59b44d4b" providerId="LiveId" clId="{90F6E66C-EDE2-4E69-89C8-78233A222532}" dt="2023-12-03T10:09:37.881" v="213"/>
+        <pc:sldMkLst>
+          <pc:docMk/>
+          <pc:sldMk cId="2877461038" sldId="288"/>
+        </pc:sldMkLst>
+        <pc:spChg chg="mod">
+          <ac:chgData name="Scruel Tao" userId="5ea5c98d59b44d4b" providerId="LiveId" clId="{90F6E66C-EDE2-4E69-89C8-78233A222532}" dt="2023-12-03T10:09:37.881" v="213"/>
+          <ac:spMkLst>
+            <pc:docMk/>
+            <pc:sldMk cId="2877461038" sldId="288"/>
+            <ac:spMk id="4" creationId="{85D6D174-6A04-9AED-7984-BD4330ED7E3A}"/>
+          </ac:spMkLst>
+        </pc:spChg>
+      </pc:sldChg>
+      <pc:sldChg chg="modSp mod">
+        <pc:chgData name="Scruel Tao" userId="5ea5c98d59b44d4b" providerId="LiveId" clId="{90F6E66C-EDE2-4E69-89C8-78233A222532}" dt="2023-12-03T10:09:42.806" v="216"/>
+        <pc:sldMkLst>
+          <pc:docMk/>
+          <pc:sldMk cId="348119642" sldId="289"/>
+        </pc:sldMkLst>
+        <pc:spChg chg="mod">
+          <ac:chgData name="Scruel Tao" userId="5ea5c98d59b44d4b" providerId="LiveId" clId="{90F6E66C-EDE2-4E69-89C8-78233A222532}" dt="2023-12-03T10:09:42.806" v="216"/>
+          <ac:spMkLst>
+            <pc:docMk/>
+            <pc:sldMk cId="348119642" sldId="289"/>
+            <ac:spMk id="4" creationId="{85D6D174-6A04-9AED-7984-BD4330ED7E3A}"/>
+          </ac:spMkLst>
+        </pc:spChg>
+      </pc:sldChg>
+      <pc:sldChg chg="modSp mod">
+        <pc:chgData name="Scruel Tao" userId="5ea5c98d59b44d4b" providerId="LiveId" clId="{90F6E66C-EDE2-4E69-89C8-78233A222532}" dt="2023-12-03T10:09:46.416" v="219"/>
+        <pc:sldMkLst>
+          <pc:docMk/>
+          <pc:sldMk cId="1685143547" sldId="290"/>
+        </pc:sldMkLst>
+        <pc:spChg chg="mod">
+          <ac:chgData name="Scruel Tao" userId="5ea5c98d59b44d4b" providerId="LiveId" clId="{90F6E66C-EDE2-4E69-89C8-78233A222532}" dt="2023-12-03T10:09:46.416" v="219"/>
+          <ac:spMkLst>
+            <pc:docMk/>
+            <pc:sldMk cId="1685143547" sldId="290"/>
+            <ac:spMk id="4" creationId="{85D6D174-6A04-9AED-7984-BD4330ED7E3A}"/>
+          </ac:spMkLst>
+        </pc:spChg>
+      </pc:sldChg>
+      <pc:sldChg chg="modSp mod">
+        <pc:chgData name="Scruel Tao" userId="5ea5c98d59b44d4b" providerId="LiveId" clId="{90F6E66C-EDE2-4E69-89C8-78233A222532}" dt="2023-12-03T10:09:50.186" v="222"/>
+        <pc:sldMkLst>
+          <pc:docMk/>
+          <pc:sldMk cId="1485813308" sldId="291"/>
+        </pc:sldMkLst>
+        <pc:spChg chg="mod">
+          <ac:chgData name="Scruel Tao" userId="5ea5c98d59b44d4b" providerId="LiveId" clId="{90F6E66C-EDE2-4E69-89C8-78233A222532}" dt="2023-12-03T10:09:50.186" v="222"/>
+          <ac:spMkLst>
+            <pc:docMk/>
+            <pc:sldMk cId="1485813308" sldId="291"/>
+            <ac:spMk id="4" creationId="{85D6D174-6A04-9AED-7984-BD4330ED7E3A}"/>
+          </ac:spMkLst>
+        </pc:spChg>
+      </pc:sldChg>
+      <pc:sldChg chg="modSp mod">
+        <pc:chgData name="Scruel Tao" userId="5ea5c98d59b44d4b" providerId="LiveId" clId="{90F6E66C-EDE2-4E69-89C8-78233A222532}" dt="2023-12-03T10:09:53.494" v="225"/>
+        <pc:sldMkLst>
+          <pc:docMk/>
+          <pc:sldMk cId="3821772885" sldId="292"/>
+        </pc:sldMkLst>
+        <pc:spChg chg="mod">
+          <ac:chgData name="Scruel Tao" userId="5ea5c98d59b44d4b" providerId="LiveId" clId="{90F6E66C-EDE2-4E69-89C8-78233A222532}" dt="2023-12-03T10:09:53.494" v="225"/>
+          <ac:spMkLst>
+            <pc:docMk/>
+            <pc:sldMk cId="3821772885" sldId="292"/>
+            <ac:spMk id="4" creationId="{85D6D174-6A04-9AED-7984-BD4330ED7E3A}"/>
+          </ac:spMkLst>
+        </pc:spChg>
+      </pc:sldChg>
+      <pc:sldChg chg="modAnim">
+        <pc:chgData name="Scruel Tao" userId="5ea5c98d59b44d4b" providerId="LiveId" clId="{90F6E66C-EDE2-4E69-89C8-78233A222532}" dt="2023-12-03T10:29:44.016" v="227"/>
+        <pc:sldMkLst>
+          <pc:docMk/>
+          <pc:sldMk cId="2065461227" sldId="293"/>
+        </pc:sldMkLst>
+      </pc:sldChg>
+      <pc:sldChg chg="addSp modSp mod chgLayout">
+        <pc:chgData name="Scruel Tao" userId="5ea5c98d59b44d4b" providerId="LiveId" clId="{90F6E66C-EDE2-4E69-89C8-78233A222532}" dt="2023-12-03T10:05:59.072" v="162" actId="1036"/>
+        <pc:sldMkLst>
+          <pc:docMk/>
+          <pc:sldMk cId="4005172658" sldId="303"/>
+        </pc:sldMkLst>
+        <pc:spChg chg="mod ord">
+          <ac:chgData name="Scruel Tao" userId="5ea5c98d59b44d4b" providerId="LiveId" clId="{90F6E66C-EDE2-4E69-89C8-78233A222532}" dt="2023-12-03T10:03:07.718" v="63" actId="700"/>
+          <ac:spMkLst>
+            <pc:docMk/>
+            <pc:sldMk cId="4005172658" sldId="303"/>
+            <ac:spMk id="2" creationId="{BAD162F0-2175-84E9-2387-55F669162449}"/>
+          </ac:spMkLst>
+        </pc:spChg>
+        <pc:spChg chg="add mod ord">
+          <ac:chgData name="Scruel Tao" userId="5ea5c98d59b44d4b" providerId="LiveId" clId="{90F6E66C-EDE2-4E69-89C8-78233A222532}" dt="2023-12-03T10:04:27.399" v="90" actId="21"/>
+          <ac:spMkLst>
+            <pc:docMk/>
+            <pc:sldMk cId="4005172658" sldId="303"/>
+            <ac:spMk id="3" creationId="{5A02116E-3AED-9BB8-B348-7C84B9A10060}"/>
+          </ac:spMkLst>
+        </pc:spChg>
+        <pc:spChg chg="mod">
+          <ac:chgData name="Scruel Tao" userId="5ea5c98d59b44d4b" providerId="LiveId" clId="{90F6E66C-EDE2-4E69-89C8-78233A222532}" dt="2023-12-03T10:04:04.916" v="87" actId="1038"/>
+          <ac:spMkLst>
+            <pc:docMk/>
+            <pc:sldMk cId="4005172658" sldId="303"/>
+            <ac:spMk id="14" creationId="{0E3316AF-03D2-E954-8D9C-19BFF8D01C35}"/>
+          </ac:spMkLst>
+        </pc:spChg>
+        <pc:picChg chg="mod">
+          <ac:chgData name="Scruel Tao" userId="5ea5c98d59b44d4b" providerId="LiveId" clId="{90F6E66C-EDE2-4E69-89C8-78233A222532}" dt="2023-12-03T10:05:59.072" v="162" actId="1036"/>
+          <ac:picMkLst>
+            <pc:docMk/>
+            <pc:sldMk cId="4005172658" sldId="303"/>
+            <ac:picMk id="17" creationId="{B4BA9574-9B96-B884-236F-FE5B9F192448}"/>
+          </ac:picMkLst>
+        </pc:picChg>
+      </pc:sldChg>
+      <pc:sldChg chg="addSp modSp mod modAnim">
+        <pc:chgData name="Scruel Tao" userId="5ea5c98d59b44d4b" providerId="LiveId" clId="{90F6E66C-EDE2-4E69-89C8-78233A222532}" dt="2023-12-03T10:35:03.586" v="265" actId="20577"/>
+        <pc:sldMkLst>
+          <pc:docMk/>
+          <pc:sldMk cId="4150484648" sldId="370"/>
+        </pc:sldMkLst>
+        <pc:spChg chg="mod">
+          <ac:chgData name="Scruel Tao" userId="5ea5c98d59b44d4b" providerId="LiveId" clId="{90F6E66C-EDE2-4E69-89C8-78233A222532}" dt="2023-12-03T10:33:30.445" v="234" actId="20577"/>
+          <ac:spMkLst>
+            <pc:docMk/>
+            <pc:sldMk cId="4150484648" sldId="370"/>
+            <ac:spMk id="4" creationId="{85D6D174-6A04-9AED-7984-BD4330ED7E3A}"/>
+          </ac:spMkLst>
+        </pc:spChg>
+        <pc:spChg chg="add mod">
+          <ac:chgData name="Scruel Tao" userId="5ea5c98d59b44d4b" providerId="LiveId" clId="{90F6E66C-EDE2-4E69-89C8-78233A222532}" dt="2023-12-03T10:35:03.586" v="265" actId="20577"/>
+          <ac:spMkLst>
+            <pc:docMk/>
+            <pc:sldMk cId="4150484648" sldId="370"/>
+            <ac:spMk id="5" creationId="{9C922FF5-5FF8-FEC1-92B6-55AB1FDE9C2A}"/>
+          </ac:spMkLst>
+        </pc:spChg>
+      </pc:sldChg>
+      <pc:sldChg chg="modSp mod">
+        <pc:chgData name="Scruel Tao" userId="5ea5c98d59b44d4b" providerId="LiveId" clId="{90F6E66C-EDE2-4E69-89C8-78233A222532}" dt="2023-12-03T10:35:45.234" v="299" actId="20577"/>
+        <pc:sldMkLst>
+          <pc:docMk/>
+          <pc:sldMk cId="2142768243" sldId="372"/>
+        </pc:sldMkLst>
+        <pc:spChg chg="mod">
+          <ac:chgData name="Scruel Tao" userId="5ea5c98d59b44d4b" providerId="LiveId" clId="{90F6E66C-EDE2-4E69-89C8-78233A222532}" dt="2023-12-03T10:35:45.234" v="299" actId="20577"/>
+          <ac:spMkLst>
+            <pc:docMk/>
+            <pc:sldMk cId="2142768243" sldId="372"/>
+            <ac:spMk id="4" creationId="{85D6D174-6A04-9AED-7984-BD4330ED7E3A}"/>
+          </ac:spMkLst>
+        </pc:spChg>
+      </pc:sldChg>
+      <pc:sldChg chg="modSp mod">
+        <pc:chgData name="Scruel Tao" userId="5ea5c98d59b44d4b" providerId="LiveId" clId="{90F6E66C-EDE2-4E69-89C8-78233A222532}" dt="2023-12-03T10:37:30.764" v="334" actId="20577"/>
+        <pc:sldMkLst>
+          <pc:docMk/>
+          <pc:sldMk cId="402016715" sldId="374"/>
+        </pc:sldMkLst>
+        <pc:spChg chg="mod">
+          <ac:chgData name="Scruel Tao" userId="5ea5c98d59b44d4b" providerId="LiveId" clId="{90F6E66C-EDE2-4E69-89C8-78233A222532}" dt="2023-12-03T10:37:30.764" v="334" actId="20577"/>
+          <ac:spMkLst>
+            <pc:docMk/>
+            <pc:sldMk cId="402016715" sldId="374"/>
+            <ac:spMk id="4" creationId="{85D6D174-6A04-9AED-7984-BD4330ED7E3A}"/>
+          </ac:spMkLst>
+        </pc:spChg>
+      </pc:sldChg>
+      <pc:sldChg chg="modSp mod">
+        <pc:chgData name="Scruel Tao" userId="5ea5c98d59b44d4b" providerId="LiveId" clId="{90F6E66C-EDE2-4E69-89C8-78233A222532}" dt="2023-12-03T10:36:44.790" v="328" actId="20577"/>
+        <pc:sldMkLst>
+          <pc:docMk/>
+          <pc:sldMk cId="310738446" sldId="375"/>
+        </pc:sldMkLst>
+        <pc:spChg chg="mod">
+          <ac:chgData name="Scruel Tao" userId="5ea5c98d59b44d4b" providerId="LiveId" clId="{90F6E66C-EDE2-4E69-89C8-78233A222532}" dt="2023-12-03T10:36:44.790" v="328" actId="20577"/>
+          <ac:spMkLst>
+            <pc:docMk/>
+            <pc:sldMk cId="310738446" sldId="375"/>
+            <ac:spMk id="4" creationId="{85D6D174-6A04-9AED-7984-BD4330ED7E3A}"/>
+          </ac:spMkLst>
+        </pc:spChg>
+      </pc:sldChg>
+      <pc:sldChg chg="addSp modSp mod modAnim chgLayout">
+        <pc:chgData name="Scruel Tao" userId="5ea5c98d59b44d4b" providerId="LiveId" clId="{90F6E66C-EDE2-4E69-89C8-78233A222532}" dt="2023-12-03T10:07:09.468" v="165"/>
+        <pc:sldMkLst>
+          <pc:docMk/>
+          <pc:sldMk cId="3746649369" sldId="376"/>
+        </pc:sldMkLst>
+        <pc:spChg chg="mod ord">
+          <ac:chgData name="Scruel Tao" userId="5ea5c98d59b44d4b" providerId="LiveId" clId="{90F6E66C-EDE2-4E69-89C8-78233A222532}" dt="2023-12-03T10:02:39.276" v="0" actId="700"/>
+          <ac:spMkLst>
+            <pc:docMk/>
+            <pc:sldMk cId="3746649369" sldId="376"/>
+            <ac:spMk id="2" creationId="{BAD162F0-2175-84E9-2387-55F669162449}"/>
+          </ac:spMkLst>
+        </pc:spChg>
+        <pc:spChg chg="add mod ord">
+          <ac:chgData name="Scruel Tao" userId="5ea5c98d59b44d4b" providerId="LiveId" clId="{90F6E66C-EDE2-4E69-89C8-78233A222532}" dt="2023-12-03T10:06:34.264" v="163"/>
+          <ac:spMkLst>
+            <pc:docMk/>
+            <pc:sldMk cId="3746649369" sldId="376"/>
+            <ac:spMk id="3" creationId="{9999C155-A13C-2621-03F6-EB459BEF36BA}"/>
+          </ac:spMkLst>
+        </pc:spChg>
+        <pc:spChg chg="mod">
+          <ac:chgData name="Scruel Tao" userId="5ea5c98d59b44d4b" providerId="LiveId" clId="{90F6E66C-EDE2-4E69-89C8-78233A222532}" dt="2023-12-03T10:06:42.248" v="164" actId="207"/>
+          <ac:spMkLst>
+            <pc:docMk/>
+            <pc:sldMk cId="3746649369" sldId="376"/>
+            <ac:spMk id="14" creationId="{0E3316AF-03D2-E954-8D9C-19BFF8D01C35}"/>
+          </ac:spMkLst>
+        </pc:spChg>
+        <pc:picChg chg="mod">
+          <ac:chgData name="Scruel Tao" userId="5ea5c98d59b44d4b" providerId="LiveId" clId="{90F6E66C-EDE2-4E69-89C8-78233A222532}" dt="2023-12-03T10:05:50.380" v="161" actId="1035"/>
+          <ac:picMkLst>
+            <pc:docMk/>
+            <pc:sldMk cId="3746649369" sldId="376"/>
+            <ac:picMk id="16" creationId="{FEA98888-774B-F489-56BF-D3B6D097529F}"/>
+          </ac:picMkLst>
+        </pc:picChg>
+        <pc:picChg chg="mod">
+          <ac:chgData name="Scruel Tao" userId="5ea5c98d59b44d4b" providerId="LiveId" clId="{90F6E66C-EDE2-4E69-89C8-78233A222532}" dt="2023-12-03T10:05:50.380" v="161" actId="1035"/>
+          <ac:picMkLst>
+            <pc:docMk/>
+            <pc:sldMk cId="3746649369" sldId="376"/>
+            <ac:picMk id="17" creationId="{B4BA9574-9B96-B884-236F-FE5B9F192448}"/>
+          </ac:picMkLst>
+        </pc:picChg>
+      </pc:sldChg>
+      <pc:sldChg chg="addSp delSp modSp mod modAnim">
+        <pc:chgData name="Scruel Tao" userId="5ea5c98d59b44d4b" providerId="LiveId" clId="{90F6E66C-EDE2-4E69-89C8-78233A222532}" dt="2023-12-03T10:09:01.489" v="193"/>
+        <pc:sldMkLst>
+          <pc:docMk/>
+          <pc:sldMk cId="428468609" sldId="377"/>
+        </pc:sldMkLst>
+        <pc:spChg chg="add mod">
+          <ac:chgData name="Scruel Tao" userId="5ea5c98d59b44d4b" providerId="LiveId" clId="{90F6E66C-EDE2-4E69-89C8-78233A222532}" dt="2023-12-03T10:08:48.079" v="191" actId="1076"/>
+          <ac:spMkLst>
+            <pc:docMk/>
+            <pc:sldMk cId="428468609" sldId="377"/>
+            <ac:spMk id="4" creationId="{ED9C3CBF-649C-456F-08A1-19F27C8CD37B}"/>
+          </ac:spMkLst>
+        </pc:spChg>
+        <pc:spChg chg="add del mod">
+          <ac:chgData name="Scruel Tao" userId="5ea5c98d59b44d4b" providerId="LiveId" clId="{90F6E66C-EDE2-4E69-89C8-78233A222532}" dt="2023-12-03T10:07:57.399" v="172" actId="478"/>
+          <ac:spMkLst>
+            <pc:docMk/>
+            <pc:sldMk cId="428468609" sldId="377"/>
+            <ac:spMk id="6" creationId="{E81610C6-56B4-6E53-C048-0AEF0BB9C08F}"/>
+          </ac:spMkLst>
+        </pc:spChg>
+        <pc:spChg chg="del mod">
+          <ac:chgData name="Scruel Tao" userId="5ea5c98d59b44d4b" providerId="LiveId" clId="{90F6E66C-EDE2-4E69-89C8-78233A222532}" dt="2023-12-03T10:07:54.586" v="170" actId="478"/>
+          <ac:spMkLst>
+            <pc:docMk/>
+            <pc:sldMk cId="428468609" sldId="377"/>
+            <ac:spMk id="7" creationId="{0F4A2D72-7588-A1A6-108F-2A6CC629E742}"/>
+          </ac:spMkLst>
+        </pc:spChg>
+        <pc:spChg chg="add mod">
+          <ac:chgData name="Scruel Tao" userId="5ea5c98d59b44d4b" providerId="LiveId" clId="{90F6E66C-EDE2-4E69-89C8-78233A222532}" dt="2023-12-03T10:08:17.081" v="178" actId="1076"/>
+          <ac:spMkLst>
+            <pc:docMk/>
+            <pc:sldMk cId="428468609" sldId="377"/>
+            <ac:spMk id="9" creationId="{1C48257C-ECFA-4DA8-A076-ECED3B7D23F9}"/>
+          </ac:spMkLst>
+        </pc:spChg>
+      </pc:sldChg>
+    </pc:docChg>
+  </pc:docChgLst>
   <pc:docChgLst>
     <pc:chgData name="Scruel Tao" userId="5ea5c98d59b44d4b" providerId="LiveId" clId="{2BA6F94F-59B6-4AA6-9DB6-4A8227DBE37E}"/>
     <pc:docChg chg="undo redo custSel addSld delSld modSld sldOrd modMainMaster">
@@ -4897,7 +5195,7 @@
           <a:p>
             <a:fld id="{AC7E1972-C479-4420-A687-8FB83BA90DEB}" type="datetimeFigureOut">
               <a:rPr lang="zh-CN" altLang="en-US" smtClean="0"/>
-              <a:t>2023/6/2</a:t>
+              <a:t>2023/12/3</a:t>
             </a:fld>
             <a:endParaRPr lang="zh-CN" altLang="en-US"/>
           </a:p>
@@ -5074,7 +5372,7 @@
           <a:p>
             <a:fld id="{89B7AB8D-BCC0-43C6-B24C-055A25DB558F}" type="datetimeFigureOut">
               <a:rPr lang="zh-CN" altLang="en-US" smtClean="0"/>
-              <a:t>2023/6/2</a:t>
+              <a:t>2023/12/2</a:t>
             </a:fld>
             <a:endParaRPr lang="zh-CN" altLang="en-US"/>
           </a:p>
@@ -5979,14 +6277,6 @@
           <a:lstStyle/>
           <a:p>
             <a:pPr algn="l"/>
-            <a:r>
-              <a:rPr lang="zh-CN" altLang="en-US" dirty="0">
-                <a:solidFill>
-                  <a:srgbClr val="333333"/>
-                </a:solidFill>
-              </a:rPr>
-              <a:t>可选实参一般用方括号表示</a:t>
-            </a:r>
             <a:endParaRPr lang="zh-CN" altLang="en-US" dirty="0"/>
           </a:p>
         </p:txBody>
@@ -8317,7 +8607,7 @@
           <a:p>
             <a:fld id="{F721228B-0167-4061-A906-8575043315EE}" type="datetimeFigureOut">
               <a:rPr lang="zh-CN" altLang="en-US" smtClean="0"/>
-              <a:t>2023/6/2</a:t>
+              <a:t>2023/12/3</a:t>
             </a:fld>
             <a:endParaRPr lang="zh-CN" altLang="en-US"/>
           </a:p>
@@ -8527,7 +8817,7 @@
           <a:p>
             <a:fld id="{F721228B-0167-4061-A906-8575043315EE}" type="datetimeFigureOut">
               <a:rPr lang="zh-CN" altLang="en-US" smtClean="0"/>
-              <a:t>2023/6/2</a:t>
+              <a:t>2023/12/3</a:t>
             </a:fld>
             <a:endParaRPr lang="zh-CN" altLang="en-US"/>
           </a:p>
@@ -8747,7 +9037,7 @@
           <a:p>
             <a:fld id="{F721228B-0167-4061-A906-8575043315EE}" type="datetimeFigureOut">
               <a:rPr lang="zh-CN" altLang="en-US" smtClean="0"/>
-              <a:t>2023/6/2</a:t>
+              <a:t>2023/12/3</a:t>
             </a:fld>
             <a:endParaRPr lang="zh-CN" altLang="en-US"/>
           </a:p>
@@ -9244,7 +9534,7 @@
           <a:p>
             <a:fld id="{F721228B-0167-4061-A906-8575043315EE}" type="datetimeFigureOut">
               <a:rPr lang="zh-CN" altLang="en-US" smtClean="0"/>
-              <a:t>2023/6/2</a:t>
+              <a:t>2023/12/2</a:t>
             </a:fld>
             <a:endParaRPr lang="zh-CN" altLang="en-US"/>
           </a:p>
@@ -9580,7 +9870,7 @@
           <a:p>
             <a:fld id="{F721228B-0167-4061-A906-8575043315EE}" type="datetimeFigureOut">
               <a:rPr lang="zh-CN" altLang="en-US" smtClean="0"/>
-              <a:t>2023/6/2</a:t>
+              <a:t>2023/12/3</a:t>
             </a:fld>
             <a:endParaRPr lang="zh-CN" altLang="en-US"/>
           </a:p>
@@ -9938,7 +10228,7 @@
           <a:p>
             <a:fld id="{F721228B-0167-4061-A906-8575043315EE}" type="datetimeFigureOut">
               <a:rPr lang="zh-CN" altLang="en-US" smtClean="0"/>
-              <a:t>2023/6/2</a:t>
+              <a:t>2023/12/3</a:t>
             </a:fld>
             <a:endParaRPr lang="zh-CN" altLang="en-US"/>
           </a:p>
@@ -10411,7 +10701,7 @@
           <a:p>
             <a:fld id="{F721228B-0167-4061-A906-8575043315EE}" type="datetimeFigureOut">
               <a:rPr lang="zh-CN" altLang="en-US" smtClean="0"/>
-              <a:t>2023/6/2</a:t>
+              <a:t>2023/12/3</a:t>
             </a:fld>
             <a:endParaRPr lang="zh-CN" altLang="en-US"/>
           </a:p>
@@ -10564,7 +10854,7 @@
           <a:p>
             <a:fld id="{F721228B-0167-4061-A906-8575043315EE}" type="datetimeFigureOut">
               <a:rPr lang="zh-CN" altLang="en-US" smtClean="0"/>
-              <a:t>2023/6/2</a:t>
+              <a:t>2023/12/3</a:t>
             </a:fld>
             <a:endParaRPr lang="zh-CN" altLang="en-US"/>
           </a:p>
@@ -10689,7 +10979,7 @@
           <a:p>
             <a:fld id="{F721228B-0167-4061-A906-8575043315EE}" type="datetimeFigureOut">
               <a:rPr lang="zh-CN" altLang="en-US" smtClean="0"/>
-              <a:t>2023/6/2</a:t>
+              <a:t>2023/12/3</a:t>
             </a:fld>
             <a:endParaRPr lang="zh-CN" altLang="en-US"/>
           </a:p>
@@ -11012,7 +11302,7 @@
           <a:p>
             <a:fld id="{F721228B-0167-4061-A906-8575043315EE}" type="datetimeFigureOut">
               <a:rPr lang="zh-CN" altLang="en-US" smtClean="0"/>
-              <a:t>2023/6/2</a:t>
+              <a:t>2023/12/3</a:t>
             </a:fld>
             <a:endParaRPr lang="zh-CN" altLang="en-US"/>
           </a:p>
@@ -11312,7 +11602,7 @@
           <a:p>
             <a:fld id="{F721228B-0167-4061-A906-8575043315EE}" type="datetimeFigureOut">
               <a:rPr lang="zh-CN" altLang="en-US" smtClean="0"/>
-              <a:t>2023/6/2</a:t>
+              <a:t>2023/12/3</a:t>
             </a:fld>
             <a:endParaRPr lang="zh-CN" altLang="en-US"/>
           </a:p>
@@ -11565,7 +11855,7 @@
           <a:p>
             <a:fld id="{F721228B-0167-4061-A906-8575043315EE}" type="datetimeFigureOut">
               <a:rPr lang="zh-CN" altLang="en-US" smtClean="0"/>
-              <a:t>2023/6/2</a:t>
+              <a:t>2023/12/2</a:t>
             </a:fld>
             <a:endParaRPr lang="zh-CN" altLang="en-US"/>
           </a:p>
@@ -12513,7 +12803,7 @@
                   </a:schemeClr>
                 </a:solidFill>
               </a:rPr>
-              <a:t>来表示。</a:t>
+              <a:t>来标识。</a:t>
             </a:r>
             <a:endParaRPr lang="en-US" altLang="zh-CN" dirty="0">
               <a:solidFill>
@@ -13249,7 +13539,7 @@
                   </a:schemeClr>
                 </a:solidFill>
               </a:rPr>
-              <a:t>来表示。</a:t>
+              <a:t>来标识。</a:t>
             </a:r>
             <a:endParaRPr lang="en-US" altLang="zh-CN" dirty="0">
               <a:solidFill>
@@ -14020,7 +14310,7 @@
                   </a:schemeClr>
                 </a:solidFill>
               </a:rPr>
-              <a:t>来表示。</a:t>
+              <a:t>来标识。</a:t>
             </a:r>
             <a:endParaRPr lang="en-US" altLang="zh-CN" dirty="0">
               <a:solidFill>
@@ -14776,7 +15066,7 @@
                   </a:schemeClr>
                 </a:solidFill>
               </a:rPr>
-              <a:t>来表示。</a:t>
+              <a:t>来标识。</a:t>
             </a:r>
             <a:endParaRPr lang="en-US" altLang="zh-CN" dirty="0">
               <a:solidFill>
@@ -16457,6 +16747,202 @@
       </p:transition>
     </mc:Fallback>
   </mc:AlternateContent>
+  <p:timing>
+    <p:tnLst>
+      <p:par>
+        <p:cTn id="1" dur="indefinite" restart="never" nodeType="tmRoot">
+          <p:childTnLst>
+            <p:seq concurrent="1" nextAc="seek">
+              <p:cTn id="2" dur="indefinite" nodeType="mainSeq">
+                <p:childTnLst>
+                  <p:par>
+                    <p:cTn id="3" fill="hold">
+                      <p:stCondLst>
+                        <p:cond delay="indefinite"/>
+                      </p:stCondLst>
+                      <p:childTnLst>
+                        <p:par>
+                          <p:cTn id="4" fill="hold">
+                            <p:stCondLst>
+                              <p:cond delay="0"/>
+                            </p:stCondLst>
+                            <p:childTnLst>
+                              <p:par>
+                                <p:cTn id="5" presetID="1" presetClass="entr" presetSubtype="0" fill="hold" grpId="0" nodeType="clickEffect">
+                                  <p:stCondLst>
+                                    <p:cond delay="0"/>
+                                  </p:stCondLst>
+                                  <p:childTnLst>
+                                    <p:set>
+                                      <p:cBhvr>
+                                        <p:cTn id="6" dur="1" fill="hold">
+                                          <p:stCondLst>
+                                            <p:cond delay="0"/>
+                                          </p:stCondLst>
+                                        </p:cTn>
+                                        <p:tgtEl>
+                                          <p:spTgt spid="7"/>
+                                        </p:tgtEl>
+                                        <p:attrNameLst>
+                                          <p:attrName>style.visibility</p:attrName>
+                                        </p:attrNameLst>
+                                      </p:cBhvr>
+                                      <p:to>
+                                        <p:strVal val="visible"/>
+                                      </p:to>
+                                    </p:set>
+                                  </p:childTnLst>
+                                </p:cTn>
+                              </p:par>
+                              <p:par>
+                                <p:cTn id="7" presetID="1" presetClass="entr" presetSubtype="0" fill="hold" grpId="0" nodeType="withEffect">
+                                  <p:stCondLst>
+                                    <p:cond delay="0"/>
+                                  </p:stCondLst>
+                                  <p:childTnLst>
+                                    <p:set>
+                                      <p:cBhvr>
+                                        <p:cTn id="8" dur="1" fill="hold">
+                                          <p:stCondLst>
+                                            <p:cond delay="0"/>
+                                          </p:stCondLst>
+                                        </p:cTn>
+                                        <p:tgtEl>
+                                          <p:spTgt spid="9"/>
+                                        </p:tgtEl>
+                                        <p:attrNameLst>
+                                          <p:attrName>style.visibility</p:attrName>
+                                        </p:attrNameLst>
+                                      </p:cBhvr>
+                                      <p:to>
+                                        <p:strVal val="visible"/>
+                                      </p:to>
+                                    </p:set>
+                                  </p:childTnLst>
+                                </p:cTn>
+                              </p:par>
+                            </p:childTnLst>
+                          </p:cTn>
+                        </p:par>
+                      </p:childTnLst>
+                    </p:cTn>
+                  </p:par>
+                  <p:par>
+                    <p:cTn id="9" fill="hold">
+                      <p:stCondLst>
+                        <p:cond delay="indefinite"/>
+                      </p:stCondLst>
+                      <p:childTnLst>
+                        <p:par>
+                          <p:cTn id="10" fill="hold">
+                            <p:stCondLst>
+                              <p:cond delay="0"/>
+                            </p:stCondLst>
+                            <p:childTnLst>
+                              <p:par>
+                                <p:cTn id="11" presetID="10" presetClass="entr" presetSubtype="0" fill="hold" grpId="0" nodeType="clickEffect">
+                                  <p:stCondLst>
+                                    <p:cond delay="0"/>
+                                  </p:stCondLst>
+                                  <p:childTnLst>
+                                    <p:set>
+                                      <p:cBhvr>
+                                        <p:cTn id="12" dur="1" fill="hold">
+                                          <p:stCondLst>
+                                            <p:cond delay="0"/>
+                                          </p:stCondLst>
+                                        </p:cTn>
+                                        <p:tgtEl>
+                                          <p:spTgt spid="3"/>
+                                        </p:tgtEl>
+                                        <p:attrNameLst>
+                                          <p:attrName>style.visibility</p:attrName>
+                                        </p:attrNameLst>
+                                      </p:cBhvr>
+                                      <p:to>
+                                        <p:strVal val="visible"/>
+                                      </p:to>
+                                    </p:set>
+                                    <p:animEffect transition="in" filter="fade">
+                                      <p:cBhvr>
+                                        <p:cTn id="13" dur="500"/>
+                                        <p:tgtEl>
+                                          <p:spTgt spid="3"/>
+                                        </p:tgtEl>
+                                      </p:cBhvr>
+                                    </p:animEffect>
+                                  </p:childTnLst>
+                                </p:cTn>
+                              </p:par>
+                              <p:par>
+                                <p:cTn id="14" presetID="10" presetClass="entr" presetSubtype="0" fill="hold" grpId="0" nodeType="withEffect">
+                                  <p:stCondLst>
+                                    <p:cond delay="0"/>
+                                  </p:stCondLst>
+                                  <p:childTnLst>
+                                    <p:set>
+                                      <p:cBhvr>
+                                        <p:cTn id="15" dur="1" fill="hold">
+                                          <p:stCondLst>
+                                            <p:cond delay="0"/>
+                                          </p:stCondLst>
+                                        </p:cTn>
+                                        <p:tgtEl>
+                                          <p:spTgt spid="11"/>
+                                        </p:tgtEl>
+                                        <p:attrNameLst>
+                                          <p:attrName>style.visibility</p:attrName>
+                                        </p:attrNameLst>
+                                      </p:cBhvr>
+                                      <p:to>
+                                        <p:strVal val="visible"/>
+                                      </p:to>
+                                    </p:set>
+                                    <p:animEffect transition="in" filter="fade">
+                                      <p:cBhvr>
+                                        <p:cTn id="16" dur="500"/>
+                                        <p:tgtEl>
+                                          <p:spTgt spid="11"/>
+                                        </p:tgtEl>
+                                      </p:cBhvr>
+                                    </p:animEffect>
+                                  </p:childTnLst>
+                                </p:cTn>
+                              </p:par>
+                            </p:childTnLst>
+                          </p:cTn>
+                        </p:par>
+                      </p:childTnLst>
+                    </p:cTn>
+                  </p:par>
+                </p:childTnLst>
+              </p:cTn>
+              <p:prevCondLst>
+                <p:cond evt="onPrev" delay="0">
+                  <p:tgtEl>
+                    <p:sldTgt/>
+                  </p:tgtEl>
+                </p:cond>
+              </p:prevCondLst>
+              <p:nextCondLst>
+                <p:cond evt="onNext" delay="0">
+                  <p:tgtEl>
+                    <p:sldTgt/>
+                  </p:tgtEl>
+                </p:cond>
+              </p:nextCondLst>
+            </p:seq>
+          </p:childTnLst>
+        </p:cTn>
+      </p:par>
+    </p:tnLst>
+    <p:bldLst>
+      <p:bldP spid="7" grpId="0" animBg="1"/>
+      <p:bldP spid="3" grpId="0" animBg="1"/>
+      <p:bldP spid="9" grpId="0"/>
+      <p:bldP spid="11" grpId="0"/>
+    </p:bldLst>
+  </p:timing>
 </p:sld>
 </file>
 
@@ -17648,7 +18134,7 @@
                   <a:srgbClr val="333333"/>
                 </a:solidFill>
               </a:rPr>
-              <a:t>：根据键获取值，方括号中的默认值</a:t>
+              <a:t>：根据键获取值，</a:t>
             </a:r>
             <a:r>
               <a:rPr lang="en-US" altLang="zh-CN" dirty="0">
@@ -17656,7 +18142,7 @@
                   <a:srgbClr val="333333"/>
                 </a:solidFill>
               </a:rPr>
-              <a:t>(default)</a:t>
+              <a:t>default </a:t>
             </a:r>
             <a:r>
               <a:rPr lang="zh-CN" altLang="en-US" dirty="0">
@@ -18070,6 +18556,52 @@
                 <a:srgbClr val="333333"/>
               </a:solidFill>
               <a:latin typeface="Consolas" panose="020B0609020204030204" pitchFamily="49" charset="0"/>
+            </a:endParaRPr>
+          </a:p>
+        </p:txBody>
+      </p:sp>
+      <p:sp>
+        <p:nvSpPr>
+          <p:cNvPr id="5" name="文本框 4">
+            <a:extLst>
+              <a:ext uri="{FF2B5EF4-FFF2-40B4-BE49-F238E27FC236}">
+                <a16:creationId xmlns:a16="http://schemas.microsoft.com/office/drawing/2014/main" id="{9C922FF5-5FF8-FEC1-92B6-55AB1FDE9C2A}"/>
+              </a:ext>
+            </a:extLst>
+          </p:cNvPr>
+          <p:cNvSpPr txBox="1"/>
+          <p:nvPr/>
+        </p:nvSpPr>
+        <p:spPr>
+          <a:xfrm>
+            <a:off x="2767403" y="3430564"/>
+            <a:ext cx="3325800" cy="400110"/>
+          </a:xfrm>
+          <a:prstGeom prst="rect">
+            <a:avLst/>
+          </a:prstGeom>
+          <a:noFill/>
+        </p:spPr>
+        <p:txBody>
+          <a:bodyPr wrap="square">
+            <a:spAutoFit/>
+          </a:bodyPr>
+          <a:lstStyle/>
+          <a:p>
+            <a:pPr algn="l"/>
+            <a:r>
+              <a:rPr lang="zh-CN" altLang="en-US" sz="2000" dirty="0">
+                <a:solidFill>
+                  <a:srgbClr val="333333"/>
+                </a:solidFill>
+                <a:latin typeface="微软雅黑" panose="020B0503020204020204" pitchFamily="34" charset="-122"/>
+                <a:ea typeface="微软雅黑" panose="020B0503020204020204" pitchFamily="34" charset="-122"/>
+              </a:rPr>
+              <a:t>可选实参一般用方括号标识</a:t>
+            </a:r>
+            <a:endParaRPr lang="zh-CN" altLang="en-US" sz="2000" dirty="0">
+              <a:latin typeface="微软雅黑" panose="020B0503020204020204" pitchFamily="34" charset="-122"/>
+              <a:ea typeface="微软雅黑" panose="020B0503020204020204" pitchFamily="34" charset="-122"/>
             </a:endParaRPr>
           </a:p>
         </p:txBody>
@@ -18157,30 +18689,66 @@
                             </p:childTnLst>
                           </p:cTn>
                         </p:par>
-                      </p:childTnLst>
-                    </p:cTn>
-                  </p:par>
-                  <p:par>
-                    <p:cTn id="8" fill="hold">
-                      <p:stCondLst>
-                        <p:cond delay="indefinite"/>
-                      </p:stCondLst>
-                      <p:childTnLst>
                         <p:par>
-                          <p:cTn id="9" fill="hold">
+                          <p:cTn id="8" fill="hold">
                             <p:stCondLst>
-                              <p:cond delay="0"/>
+                              <p:cond delay="500"/>
                             </p:stCondLst>
                             <p:childTnLst>
                               <p:par>
-                                <p:cTn id="10" presetID="1" presetClass="entr" presetSubtype="0" fill="hold" grpId="0" nodeType="clickEffect">
+                                <p:cTn id="9" presetID="1" presetClass="entr" presetSubtype="0" fill="hold" grpId="0" nodeType="afterEffect">
                                   <p:stCondLst>
                                     <p:cond delay="0"/>
                                   </p:stCondLst>
                                   <p:childTnLst>
                                     <p:set>
                                       <p:cBhvr>
-                                        <p:cTn id="11" dur="1" fill="hold">
+                                        <p:cTn id="10" dur="1" fill="hold">
+                                          <p:stCondLst>
+                                            <p:cond delay="0"/>
+                                          </p:stCondLst>
+                                        </p:cTn>
+                                        <p:tgtEl>
+                                          <p:spTgt spid="5"/>
+                                        </p:tgtEl>
+                                        <p:attrNameLst>
+                                          <p:attrName>style.visibility</p:attrName>
+                                        </p:attrNameLst>
+                                      </p:cBhvr>
+                                      <p:to>
+                                        <p:strVal val="visible"/>
+                                      </p:to>
+                                    </p:set>
+                                  </p:childTnLst>
+                                </p:cTn>
+                              </p:par>
+                            </p:childTnLst>
+                          </p:cTn>
+                        </p:par>
+                      </p:childTnLst>
+                    </p:cTn>
+                  </p:par>
+                  <p:par>
+                    <p:cTn id="11" fill="hold">
+                      <p:stCondLst>
+                        <p:cond delay="indefinite"/>
+                      </p:stCondLst>
+                      <p:childTnLst>
+                        <p:par>
+                          <p:cTn id="12" fill="hold">
+                            <p:stCondLst>
+                              <p:cond delay="0"/>
+                            </p:stCondLst>
+                            <p:childTnLst>
+                              <p:par>
+                                <p:cTn id="13" presetID="1" presetClass="entr" presetSubtype="0" fill="hold" grpId="0" nodeType="clickEffect">
+                                  <p:stCondLst>
+                                    <p:cond delay="0"/>
+                                  </p:stCondLst>
+                                  <p:childTnLst>
+                                    <p:set>
+                                      <p:cBhvr>
+                                        <p:cTn id="14" dur="1" fill="hold">
                                           <p:stCondLst>
                                             <p:cond delay="0"/>
                                           </p:stCondLst>
@@ -18206,26 +18774,26 @@
                     </p:cTn>
                   </p:par>
                   <p:par>
-                    <p:cTn id="12" fill="hold">
+                    <p:cTn id="15" fill="hold">
                       <p:stCondLst>
                         <p:cond delay="indefinite"/>
                       </p:stCondLst>
                       <p:childTnLst>
                         <p:par>
-                          <p:cTn id="13" fill="hold">
+                          <p:cTn id="16" fill="hold">
                             <p:stCondLst>
                               <p:cond delay="0"/>
                             </p:stCondLst>
                             <p:childTnLst>
                               <p:par>
-                                <p:cTn id="14" presetID="1" presetClass="entr" presetSubtype="0" fill="hold" grpId="0" nodeType="clickEffect">
+                                <p:cTn id="17" presetID="1" presetClass="entr" presetSubtype="0" fill="hold" grpId="0" nodeType="clickEffect">
                                   <p:stCondLst>
                                     <p:cond delay="0"/>
                                   </p:stCondLst>
                                   <p:childTnLst>
                                     <p:set>
                                       <p:cBhvr>
-                                        <p:cTn id="15" dur="1" fill="hold">
+                                        <p:cTn id="18" dur="1" fill="hold">
                                           <p:stCondLst>
                                             <p:cond delay="0"/>
                                           </p:stCondLst>
@@ -18274,6 +18842,7 @@
     <p:bldLst>
       <p:bldP spid="9" grpId="0" animBg="1"/>
       <p:bldP spid="13" grpId="0" animBg="1"/>
+      <p:bldP spid="5" grpId="0"/>
     </p:bldLst>
   </p:timing>
 </p:sld>
@@ -18512,7 +19081,7 @@
                   <a:srgbClr val="333333"/>
                 </a:solidFill>
               </a:rPr>
-              <a:t>：根据键获取值，方括号中的默认值</a:t>
+              <a:t>：根据键获取值，</a:t>
             </a:r>
             <a:r>
               <a:rPr lang="en-US" altLang="zh-CN" dirty="0">
@@ -18520,7 +19089,7 @@
                   <a:srgbClr val="333333"/>
                 </a:solidFill>
               </a:rPr>
-              <a:t>(default)</a:t>
+              <a:t>default </a:t>
             </a:r>
             <a:r>
               <a:rPr lang="zh-CN" altLang="en-US" dirty="0">
@@ -18528,7 +19097,33 @@
                   <a:srgbClr val="333333"/>
                 </a:solidFill>
               </a:rPr>
-              <a:t>实参是可选的，用于在键不存在时作替代返回，而不是给出错误。</a:t>
+              <a:t>实参是可选的。</a:t>
+            </a:r>
+            <a:endParaRPr lang="en-US" altLang="zh-CN" dirty="0">
+              <a:solidFill>
+                <a:srgbClr val="333333"/>
+              </a:solidFill>
+            </a:endParaRPr>
+          </a:p>
+          <a:p>
+            <a:pPr marL="457200" lvl="1" indent="0">
+              <a:buNone/>
+            </a:pPr>
+            <a:r>
+              <a:rPr lang="en-US" altLang="zh-CN" dirty="0">
+                <a:solidFill>
+                  <a:srgbClr val="333333"/>
+                </a:solidFill>
+              </a:rPr>
+              <a:t>default </a:t>
+            </a:r>
+            <a:r>
+              <a:rPr lang="zh-CN" altLang="en-US" dirty="0">
+                <a:solidFill>
+                  <a:srgbClr val="333333"/>
+                </a:solidFill>
+              </a:rPr>
+              <a:t>即默认值，用于在键不存在时作替代返回，而不是给出错误。</a:t>
             </a:r>
             <a:endParaRPr lang="en-US" altLang="zh-CN" dirty="0">
               <a:solidFill>
@@ -19157,7 +19752,7 @@
                   <a:srgbClr val="333333"/>
                 </a:solidFill>
               </a:rPr>
-              <a:t>：根据键获取值，方括号中的默认值</a:t>
+              <a:t>：根据键获取值，</a:t>
             </a:r>
             <a:r>
               <a:rPr lang="en-US" altLang="zh-CN" dirty="0">
@@ -19165,7 +19760,7 @@
                   <a:srgbClr val="333333"/>
                 </a:solidFill>
               </a:rPr>
-              <a:t>(default)</a:t>
+              <a:t>default </a:t>
             </a:r>
             <a:r>
               <a:rPr lang="zh-CN" altLang="en-US" dirty="0">
@@ -19173,7 +19768,7 @@
                   <a:srgbClr val="333333"/>
                 </a:solidFill>
               </a:rPr>
-              <a:t>实参是可选的，用于在键不存在时作替代返回，而不是给出错误。</a:t>
+              <a:t>实参是可选的。</a:t>
             </a:r>
             <a:endParaRPr lang="en-US" altLang="zh-CN" dirty="0">
               <a:solidFill>
@@ -19182,6 +19777,32 @@
             </a:endParaRPr>
           </a:p>
           <a:p>
+            <a:pPr marL="457200" lvl="1" indent="0">
+              <a:buNone/>
+            </a:pPr>
+            <a:r>
+              <a:rPr lang="en-US" altLang="zh-CN" dirty="0">
+                <a:solidFill>
+                  <a:srgbClr val="333333"/>
+                </a:solidFill>
+              </a:rPr>
+              <a:t>default </a:t>
+            </a:r>
+            <a:r>
+              <a:rPr lang="zh-CN" altLang="en-US" dirty="0">
+                <a:solidFill>
+                  <a:srgbClr val="333333"/>
+                </a:solidFill>
+              </a:rPr>
+              <a:t>即默认值，用于在键不存在时作替代返回，而不是给出错误。</a:t>
+            </a:r>
+            <a:endParaRPr lang="en-US" altLang="zh-CN" dirty="0">
+              <a:solidFill>
+                <a:srgbClr val="333333"/>
+              </a:solidFill>
+            </a:endParaRPr>
+          </a:p>
+          <a:p>
             <a:pPr lvl="1"/>
             <a:r>
               <a:rPr lang="zh-CN" altLang="en-US" dirty="0">
@@ -19189,7 +19810,7 @@
                   <a:srgbClr val="333333"/>
                 </a:solidFill>
               </a:rPr>
-              <a:t>提供该值时，方法将返回它</a:t>
+              <a:t>提供该值时，当键不存在，方法将返回它</a:t>
             </a:r>
             <a:endParaRPr lang="en-US" altLang="zh-CN" dirty="0">
               <a:solidFill>
@@ -20203,7 +20824,7 @@
                   <a:srgbClr val="333333"/>
                 </a:solidFill>
               </a:rPr>
-              <a:t>：根据键获取值，方括号中的默认值</a:t>
+              <a:t>：根据键获取值，</a:t>
             </a:r>
             <a:r>
               <a:rPr lang="en-US" altLang="zh-CN" dirty="0">
@@ -20211,7 +20832,7 @@
                   <a:srgbClr val="333333"/>
                 </a:solidFill>
               </a:rPr>
-              <a:t>(default)</a:t>
+              <a:t>default </a:t>
             </a:r>
             <a:r>
               <a:rPr lang="zh-CN" altLang="en-US" dirty="0">
@@ -20219,7 +20840,7 @@
                   <a:srgbClr val="333333"/>
                 </a:solidFill>
               </a:rPr>
-              <a:t>实参是可选的，用于在键不存在时作替代返回，而不是给出错误。</a:t>
+              <a:t>实参是可选的。</a:t>
             </a:r>
             <a:endParaRPr lang="en-US" altLang="zh-CN" dirty="0">
               <a:solidFill>
@@ -20228,6 +20849,32 @@
             </a:endParaRPr>
           </a:p>
           <a:p>
+            <a:pPr marL="457200" lvl="1" indent="0">
+              <a:buNone/>
+            </a:pPr>
+            <a:r>
+              <a:rPr lang="en-US" altLang="zh-CN" dirty="0">
+                <a:solidFill>
+                  <a:srgbClr val="333333"/>
+                </a:solidFill>
+              </a:rPr>
+              <a:t>default </a:t>
+            </a:r>
+            <a:r>
+              <a:rPr lang="zh-CN" altLang="en-US" dirty="0">
+                <a:solidFill>
+                  <a:srgbClr val="333333"/>
+                </a:solidFill>
+              </a:rPr>
+              <a:t>即默认值，用于在键不存在时作替代返回，而不是给出错误。</a:t>
+            </a:r>
+            <a:endParaRPr lang="en-US" altLang="zh-CN" dirty="0">
+              <a:solidFill>
+                <a:srgbClr val="333333"/>
+              </a:solidFill>
+            </a:endParaRPr>
+          </a:p>
+          <a:p>
             <a:pPr lvl="1"/>
             <a:r>
               <a:rPr lang="zh-CN" altLang="en-US" dirty="0">
@@ -20235,7 +20882,7 @@
                   <a:srgbClr val="333333"/>
                 </a:solidFill>
               </a:rPr>
-              <a:t>提供该值时，方法将返回它，否则将返回特殊值 </a:t>
+              <a:t>提供该值时，当键不存在，方法将返回它，否则将返回特殊值 </a:t>
             </a:r>
             <a:r>
               <a:rPr lang="en-US" altLang="zh-CN" b="1" dirty="0">
@@ -29524,6 +30171,84 @@
       </p:transition>
     </mc:Fallback>
   </mc:AlternateContent>
+  <p:timing>
+    <p:tnLst>
+      <p:par>
+        <p:cTn id="1" dur="indefinite" restart="never" nodeType="tmRoot">
+          <p:childTnLst>
+            <p:seq concurrent="1" nextAc="seek">
+              <p:cTn id="2" dur="indefinite" nodeType="mainSeq">
+                <p:childTnLst>
+                  <p:par>
+                    <p:cTn id="3" fill="hold">
+                      <p:stCondLst>
+                        <p:cond delay="indefinite"/>
+                      </p:stCondLst>
+                      <p:childTnLst>
+                        <p:par>
+                          <p:cTn id="4" fill="hold">
+                            <p:stCondLst>
+                              <p:cond delay="0"/>
+                            </p:stCondLst>
+                            <p:childTnLst>
+                              <p:par>
+                                <p:cTn id="5" presetID="1" presetClass="entr" presetSubtype="0" fill="hold" grpId="0" nodeType="clickEffect">
+                                  <p:stCondLst>
+                                    <p:cond delay="0"/>
+                                  </p:stCondLst>
+                                  <p:childTnLst>
+                                    <p:set>
+                                      <p:cBhvr>
+                                        <p:cTn id="6" dur="1" fill="hold">
+                                          <p:stCondLst>
+                                            <p:cond delay="0"/>
+                                          </p:stCondLst>
+                                        </p:cTn>
+                                        <p:tgtEl>
+                                          <p:spTgt spid="5"/>
+                                        </p:tgtEl>
+                                        <p:attrNameLst>
+                                          <p:attrName>style.visibility</p:attrName>
+                                        </p:attrNameLst>
+                                      </p:cBhvr>
+                                      <p:to>
+                                        <p:strVal val="visible"/>
+                                      </p:to>
+                                    </p:set>
+                                  </p:childTnLst>
+                                </p:cTn>
+                              </p:par>
+                            </p:childTnLst>
+                          </p:cTn>
+                        </p:par>
+                      </p:childTnLst>
+                    </p:cTn>
+                  </p:par>
+                </p:childTnLst>
+              </p:cTn>
+              <p:prevCondLst>
+                <p:cond evt="onPrev" delay="0">
+                  <p:tgtEl>
+                    <p:sldTgt/>
+                  </p:tgtEl>
+                </p:cond>
+              </p:prevCondLst>
+              <p:nextCondLst>
+                <p:cond evt="onNext" delay="0">
+                  <p:tgtEl>
+                    <p:sldTgt/>
+                  </p:tgtEl>
+                </p:cond>
+              </p:nextCondLst>
+            </p:seq>
+          </p:childTnLst>
+        </p:cTn>
+      </p:par>
+    </p:tnLst>
+    <p:bldLst>
+      <p:bldP spid="5" grpId="0" animBg="1"/>
+    </p:bldLst>
+  </p:timing>
 </p:sld>
 </file>
 
@@ -29581,6 +30306,37 @@
       </p:sp>
       <p:sp>
         <p:nvSpPr>
+          <p:cNvPr id="3" name="内容占位符 2">
+            <a:extLst>
+              <a:ext uri="{FF2B5EF4-FFF2-40B4-BE49-F238E27FC236}">
+                <a16:creationId xmlns:a16="http://schemas.microsoft.com/office/drawing/2014/main" id="{5A02116E-3AED-9BB8-B348-7C84B9A10060}"/>
+              </a:ext>
+            </a:extLst>
+          </p:cNvPr>
+          <p:cNvSpPr>
+            <a:spLocks noGrp="1"/>
+          </p:cNvSpPr>
+          <p:nvPr>
+            <p:ph idx="1"/>
+          </p:nvPr>
+        </p:nvSpPr>
+        <p:spPr/>
+        <p:txBody>
+          <a:bodyPr/>
+          <a:lstStyle/>
+          <a:p>
+            <a:pPr marL="0" indent="0">
+              <a:buNone/>
+            </a:pPr>
+            <a:r>
+              <a:rPr lang="zh-CN" altLang="en-US" dirty="0"/>
+              <a:t>让我们来看看这个字典：</a:t>
+            </a:r>
+          </a:p>
+        </p:txBody>
+      </p:sp>
+      <p:sp>
+        <p:nvSpPr>
           <p:cNvPr id="14" name="文本框 13">
             <a:extLst>
               <a:ext uri="{FF2B5EF4-FFF2-40B4-BE49-F238E27FC236}">
@@ -29593,7 +30349,7 @@
         </p:nvSpPr>
         <p:spPr>
           <a:xfrm>
-            <a:off x="687127" y="2459504"/>
+            <a:off x="955265" y="2435224"/>
             <a:ext cx="4267258" cy="1569660"/>
           </a:xfrm>
           <a:prstGeom prst="rect">
@@ -29788,7 +30544,7 @@
         </p:blipFill>
         <p:spPr>
           <a:xfrm>
-            <a:off x="187671" y="4862377"/>
+            <a:off x="187671" y="4639177"/>
             <a:ext cx="5615247" cy="1255209"/>
           </a:xfrm>
           <a:prstGeom prst="rect">
@@ -29875,6 +30631,37 @@
       </p:sp>
       <p:sp>
         <p:nvSpPr>
+          <p:cNvPr id="3" name="内容占位符 2">
+            <a:extLst>
+              <a:ext uri="{FF2B5EF4-FFF2-40B4-BE49-F238E27FC236}">
+                <a16:creationId xmlns:a16="http://schemas.microsoft.com/office/drawing/2014/main" id="{9999C155-A13C-2621-03F6-EB459BEF36BA}"/>
+              </a:ext>
+            </a:extLst>
+          </p:cNvPr>
+          <p:cNvSpPr>
+            <a:spLocks noGrp="1"/>
+          </p:cNvSpPr>
+          <p:nvPr>
+            <p:ph idx="1"/>
+          </p:nvPr>
+        </p:nvSpPr>
+        <p:spPr/>
+        <p:txBody>
+          <a:bodyPr/>
+          <a:lstStyle/>
+          <a:p>
+            <a:pPr marL="0" indent="0">
+              <a:buNone/>
+            </a:pPr>
+            <a:r>
+              <a:rPr lang="zh-CN" altLang="en-US" dirty="0"/>
+              <a:t>让我们来看看这个字典：</a:t>
+            </a:r>
+          </a:p>
+        </p:txBody>
+      </p:sp>
+      <p:sp>
+        <p:nvSpPr>
           <p:cNvPr id="14" name="文本框 13">
             <a:extLst>
               <a:ext uri="{FF2B5EF4-FFF2-40B4-BE49-F238E27FC236}">
@@ -29887,7 +30674,7 @@
         </p:nvSpPr>
         <p:spPr>
           <a:xfrm>
-            <a:off x="687127" y="2459504"/>
+            <a:off x="950843" y="2436894"/>
             <a:ext cx="4267258" cy="1938992"/>
           </a:xfrm>
           <a:prstGeom prst="rect">
@@ -29909,39 +30696,23 @@
             <a:r>
               <a:rPr lang="en-US" altLang="zh-CN" sz="2400" b="1" dirty="0">
                 <a:solidFill>
-                  <a:srgbClr val="333333"/>
-                </a:solidFill>
-                <a:effectLst/>
-                <a:latin typeface="Consolas" panose="020B0609020204030204" pitchFamily="49" charset="0"/>
-              </a:rPr>
-              <a:t>alien_0 </a:t>
-            </a:r>
-            <a:r>
-              <a:rPr lang="en-US" altLang="zh-CN" sz="2400" b="1" dirty="0">
-                <a:solidFill>
-                  <a:srgbClr val="A71D5D"/>
-                </a:solidFill>
-                <a:effectLst/>
-                <a:latin typeface="Consolas" panose="020B0609020204030204" pitchFamily="49" charset="0"/>
-              </a:rPr>
-              <a:t>= </a:t>
-            </a:r>
-            <a:r>
-              <a:rPr lang="en-US" altLang="zh-CN" sz="2400" b="1" dirty="0">
-                <a:solidFill>
-                  <a:srgbClr val="3F9101"/>
-                </a:solidFill>
-                <a:effectLst/>
-                <a:latin typeface="Consolas" panose="020B0609020204030204" pitchFamily="49" charset="0"/>
-              </a:rPr>
-              <a:t>{</a:t>
-            </a:r>
-          </a:p>
-          <a:p>
-            <a:r>
-              <a:rPr lang="en-US" altLang="zh-CN" sz="2400" b="1" dirty="0">
-                <a:solidFill>
-                  <a:srgbClr val="3F9101"/>
+                  <a:schemeClr val="bg1">
+                    <a:lumMod val="65000"/>
+                  </a:schemeClr>
+                </a:solidFill>
+                <a:effectLst/>
+                <a:latin typeface="Consolas" panose="020B0609020204030204" pitchFamily="49" charset="0"/>
+              </a:rPr>
+              <a:t>alien_0 = {</a:t>
+            </a:r>
+          </a:p>
+          <a:p>
+            <a:r>
+              <a:rPr lang="en-US" altLang="zh-CN" sz="2400" b="1" dirty="0">
+                <a:solidFill>
+                  <a:schemeClr val="bg1">
+                    <a:lumMod val="65000"/>
+                  </a:schemeClr>
                 </a:solidFill>
                 <a:latin typeface="Consolas" panose="020B0609020204030204" pitchFamily="49" charset="0"/>
               </a:rPr>
@@ -29950,49 +30721,23 @@
             <a:r>
               <a:rPr lang="en-US" altLang="zh-CN" sz="2400" b="1" dirty="0">
                 <a:solidFill>
-                  <a:srgbClr val="F2612A"/>
-                </a:solidFill>
-                <a:effectLst/>
-                <a:latin typeface="Consolas" panose="020B0609020204030204" pitchFamily="49" charset="0"/>
-              </a:rPr>
-              <a:t>'color'</a:t>
-            </a:r>
-            <a:r>
-              <a:rPr lang="en-US" altLang="zh-CN" sz="2400" b="1" dirty="0">
-                <a:solidFill>
-                  <a:srgbClr val="A71D5D"/>
-                </a:solidFill>
-                <a:effectLst/>
-                <a:latin typeface="Consolas" panose="020B0609020204030204" pitchFamily="49" charset="0"/>
-              </a:rPr>
-              <a:t>: </a:t>
-            </a:r>
-            <a:r>
-              <a:rPr lang="en-US" altLang="zh-CN" sz="2400" b="1" dirty="0">
-                <a:solidFill>
-                  <a:srgbClr val="F2612A"/>
-                </a:solidFill>
-                <a:effectLst/>
-                <a:latin typeface="Consolas" panose="020B0609020204030204" pitchFamily="49" charset="0"/>
-              </a:rPr>
-              <a:t>'green'</a:t>
-            </a:r>
-            <a:r>
-              <a:rPr lang="en-US" altLang="zh-CN" sz="2400" b="1" dirty="0">
-                <a:solidFill>
-                  <a:srgbClr val="63A35C"/>
-                </a:solidFill>
-                <a:effectLst/>
-                <a:latin typeface="Consolas" panose="020B0609020204030204" pitchFamily="49" charset="0"/>
-              </a:rPr>
-              <a:t>,</a:t>
-            </a:r>
-          </a:p>
-          <a:p>
-            <a:r>
-              <a:rPr lang="en-US" altLang="zh-CN" sz="2400" b="1" dirty="0">
-                <a:solidFill>
-                  <a:srgbClr val="63A35C"/>
+                  <a:schemeClr val="bg1">
+                    <a:lumMod val="65000"/>
+                  </a:schemeClr>
+                </a:solidFill>
+                <a:effectLst/>
+                <a:latin typeface="Consolas" panose="020B0609020204030204" pitchFamily="49" charset="0"/>
+              </a:rPr>
+              <a:t>'color': 'green',</a:t>
+            </a:r>
+          </a:p>
+          <a:p>
+            <a:r>
+              <a:rPr lang="en-US" altLang="zh-CN" sz="2400" b="1" dirty="0">
+                <a:solidFill>
+                  <a:schemeClr val="bg1">
+                    <a:lumMod val="65000"/>
+                  </a:schemeClr>
                 </a:solidFill>
                 <a:latin typeface="Consolas" panose="020B0609020204030204" pitchFamily="49" charset="0"/>
               </a:rPr>
@@ -30001,49 +30746,23 @@
             <a:r>
               <a:rPr lang="en-US" altLang="zh-CN" sz="2400" b="1" dirty="0">
                 <a:solidFill>
-                  <a:srgbClr val="63A35C"/>
-                </a:solidFill>
-                <a:effectLst/>
-                <a:latin typeface="Consolas" panose="020B0609020204030204" pitchFamily="49" charset="0"/>
-              </a:rPr>
-              <a:t> </a:t>
-            </a:r>
-            <a:r>
-              <a:rPr lang="en-US" altLang="zh-CN" sz="2400" b="1" dirty="0">
-                <a:solidFill>
-                  <a:srgbClr val="F2612A"/>
-                </a:solidFill>
-                <a:effectLst/>
-                <a:latin typeface="Consolas" panose="020B0609020204030204" pitchFamily="49" charset="0"/>
-              </a:rPr>
-              <a:t>'points'</a:t>
-            </a:r>
-            <a:r>
-              <a:rPr lang="en-US" altLang="zh-CN" sz="2400" b="1" dirty="0">
-                <a:solidFill>
-                  <a:srgbClr val="A71D5D"/>
-                </a:solidFill>
-                <a:effectLst/>
-                <a:latin typeface="Consolas" panose="020B0609020204030204" pitchFamily="49" charset="0"/>
-              </a:rPr>
-              <a:t>: </a:t>
-            </a:r>
-            <a:r>
-              <a:rPr lang="en-US" altLang="zh-CN" sz="2400" b="1" dirty="0">
-                <a:solidFill>
-                  <a:srgbClr val="2E6446"/>
-                </a:solidFill>
-                <a:effectLst/>
-                <a:latin typeface="Consolas" panose="020B0609020204030204" pitchFamily="49" charset="0"/>
-              </a:rPr>
-              <a:t>5</a:t>
-            </a:r>
-          </a:p>
-          <a:p>
-            <a:r>
-              <a:rPr lang="en-US" altLang="zh-CN" sz="2400" b="1" dirty="0">
-                <a:solidFill>
-                  <a:srgbClr val="3F9101"/>
+                  <a:schemeClr val="bg1">
+                    <a:lumMod val="65000"/>
+                  </a:schemeClr>
+                </a:solidFill>
+                <a:effectLst/>
+                <a:latin typeface="Consolas" panose="020B0609020204030204" pitchFamily="49" charset="0"/>
+              </a:rPr>
+              <a:t> 'points': 5</a:t>
+            </a:r>
+          </a:p>
+          <a:p>
+            <a:r>
+              <a:rPr lang="en-US" altLang="zh-CN" sz="2400" b="1" dirty="0">
+                <a:solidFill>
+                  <a:schemeClr val="bg1">
+                    <a:lumMod val="65000"/>
+                  </a:schemeClr>
                 </a:solidFill>
                 <a:effectLst/>
                 <a:latin typeface="Consolas" panose="020B0609020204030204" pitchFamily="49" charset="0"/>
@@ -30156,7 +30875,7 @@
         </p:blipFill>
         <p:spPr>
           <a:xfrm>
-            <a:off x="187671" y="4911683"/>
+            <a:off x="187671" y="4688483"/>
             <a:ext cx="5615247" cy="1206931"/>
           </a:xfrm>
           <a:prstGeom prst="rect">
@@ -30396,7 +31115,7 @@
         </p:blipFill>
         <p:spPr>
           <a:xfrm>
-            <a:off x="1314895" y="4863380"/>
+            <a:off x="1314895" y="4640180"/>
             <a:ext cx="3802389" cy="618570"/>
           </a:xfrm>
           <a:prstGeom prst="rect">
@@ -30575,30 +31294,21 @@
                             </p:childTnLst>
                           </p:cTn>
                         </p:par>
-                      </p:childTnLst>
-                    </p:cTn>
-                  </p:par>
-                  <p:par>
-                    <p:cTn id="16" fill="hold">
-                      <p:stCondLst>
-                        <p:cond delay="indefinite"/>
-                      </p:stCondLst>
-                      <p:childTnLst>
                         <p:par>
-                          <p:cTn id="17" fill="hold">
+                          <p:cTn id="16" fill="hold">
                             <p:stCondLst>
-                              <p:cond delay="0"/>
+                              <p:cond delay="500"/>
                             </p:stCondLst>
                             <p:childTnLst>
                               <p:par>
-                                <p:cTn id="18" presetID="35" presetClass="emph" presetSubtype="0" repeatCount="2000" fill="hold" nodeType="clickEffect">
+                                <p:cTn id="17" presetID="35" presetClass="emph" presetSubtype="0" repeatCount="2000" fill="hold" nodeType="afterEffect">
                                   <p:stCondLst>
                                     <p:cond delay="0"/>
                                   </p:stCondLst>
                                   <p:childTnLst>
                                     <p:anim calcmode="discrete" valueType="str">
                                       <p:cBhvr>
-                                        <p:cTn id="19" dur="300" fill="hold"/>
+                                        <p:cTn id="18" dur="300" fill="hold"/>
                                         <p:tgtEl>
                                           <p:spTgt spid="16"/>
                                         </p:tgtEl>
@@ -30626,20 +31336,20 @@
                           </p:cTn>
                         </p:par>
                         <p:par>
-                          <p:cTn id="20" fill="hold">
+                          <p:cTn id="19" fill="hold">
                             <p:stCondLst>
-                              <p:cond delay="600"/>
+                              <p:cond delay="1100"/>
                             </p:stCondLst>
                             <p:childTnLst>
                               <p:par>
-                                <p:cTn id="21" presetID="22" presetClass="entr" presetSubtype="1" fill="hold" nodeType="afterEffect">
+                                <p:cTn id="20" presetID="22" presetClass="entr" presetSubtype="1" fill="hold" nodeType="afterEffect">
                                   <p:stCondLst>
                                     <p:cond delay="0"/>
                                   </p:stCondLst>
                                   <p:childTnLst>
                                     <p:set>
                                       <p:cBhvr>
-                                        <p:cTn id="22" dur="1" fill="hold">
+                                        <p:cTn id="21" dur="1" fill="hold">
                                           <p:stCondLst>
                                             <p:cond delay="0"/>
                                           </p:stCondLst>
@@ -30657,7 +31367,7 @@
                                     </p:set>
                                     <p:animEffect transition="in" filter="wipe(up)">
                                       <p:cBhvr>
-                                        <p:cTn id="23" dur="500"/>
+                                        <p:cTn id="22" dur="500"/>
                                         <p:tgtEl>
                                           <p:spTgt spid="4"/>
                                         </p:tgtEl>
@@ -30670,20 +31380,20 @@
                           </p:cTn>
                         </p:par>
                         <p:par>
-                          <p:cTn id="24" fill="hold">
+                          <p:cTn id="23" fill="hold">
                             <p:stCondLst>
-                              <p:cond delay="1100"/>
+                              <p:cond delay="1600"/>
                             </p:stCondLst>
                             <p:childTnLst>
                               <p:par>
-                                <p:cTn id="25" presetID="10" presetClass="entr" presetSubtype="0" fill="hold" nodeType="afterEffect">
+                                <p:cTn id="24" presetID="10" presetClass="entr" presetSubtype="0" fill="hold" nodeType="afterEffect">
                                   <p:stCondLst>
                                     <p:cond delay="0"/>
                                   </p:stCondLst>
                                   <p:childTnLst>
                                     <p:set>
                                       <p:cBhvr>
-                                        <p:cTn id="26" dur="1" fill="hold">
+                                        <p:cTn id="25" dur="1" fill="hold">
                                           <p:stCondLst>
                                             <p:cond delay="0"/>
                                           </p:stCondLst>
@@ -30701,7 +31411,7 @@
                                     </p:set>
                                     <p:animEffect transition="in" filter="fade">
                                       <p:cBhvr>
-                                        <p:cTn id="27" dur="500"/>
+                                        <p:cTn id="26" dur="500"/>
                                         <p:tgtEl>
                                           <p:spTgt spid="6"/>
                                         </p:tgtEl>
@@ -30714,20 +31424,20 @@
                           </p:cTn>
                         </p:par>
                         <p:par>
-                          <p:cTn id="28" fill="hold">
+                          <p:cTn id="27" fill="hold">
                             <p:stCondLst>
-                              <p:cond delay="1600"/>
+                              <p:cond delay="2100"/>
                             </p:stCondLst>
                             <p:childTnLst>
                               <p:par>
-                                <p:cTn id="29" presetID="22" presetClass="entr" presetSubtype="1" fill="hold" nodeType="afterEffect">
+                                <p:cTn id="28" presetID="22" presetClass="entr" presetSubtype="1" fill="hold" nodeType="afterEffect">
                                   <p:stCondLst>
                                     <p:cond delay="0"/>
                                   </p:stCondLst>
                                   <p:childTnLst>
                                     <p:set>
                                       <p:cBhvr>
-                                        <p:cTn id="30" dur="1" fill="hold">
+                                        <p:cTn id="29" dur="1" fill="hold">
                                           <p:stCondLst>
                                             <p:cond delay="0"/>
                                           </p:stCondLst>
@@ -30745,7 +31455,7 @@
                                     </p:set>
                                     <p:animEffect transition="in" filter="wipe(up)">
                                       <p:cBhvr>
-                                        <p:cTn id="31" dur="500"/>
+                                        <p:cTn id="30" dur="500"/>
                                         <p:tgtEl>
                                           <p:spTgt spid="13"/>
                                         </p:tgtEl>
@@ -30834,47 +31544,6 @@
               <a:t>使用字典</a:t>
             </a:r>
             <a:endParaRPr lang="en-US" altLang="zh-CN" dirty="0"/>
-          </a:p>
-        </p:txBody>
-      </p:sp>
-      <p:sp>
-        <p:nvSpPr>
-          <p:cNvPr id="7" name="内容占位符 6">
-            <a:extLst>
-              <a:ext uri="{FF2B5EF4-FFF2-40B4-BE49-F238E27FC236}">
-                <a16:creationId xmlns:a16="http://schemas.microsoft.com/office/drawing/2014/main" id="{0F4A2D72-7588-A1A6-108F-2A6CC629E742}"/>
-              </a:ext>
-            </a:extLst>
-          </p:cNvPr>
-          <p:cNvSpPr>
-            <a:spLocks noGrp="1"/>
-          </p:cNvSpPr>
-          <p:nvPr>
-            <p:ph idx="1"/>
-          </p:nvPr>
-        </p:nvSpPr>
-        <p:spPr/>
-        <p:txBody>
-          <a:bodyPr>
-            <a:normAutofit/>
-          </a:bodyPr>
-          <a:lstStyle/>
-          <a:p>
-            <a:pPr marL="0" indent="0">
-              <a:buNone/>
-            </a:pPr>
-            <a:r>
-              <a:rPr lang="zh-CN" altLang="en-US" sz="2600" dirty="0"/>
-              <a:t>比起拥有一词多义的字典              </a:t>
-            </a:r>
-            <a:r>
-              <a:rPr lang="en-US" altLang="zh-CN" sz="2600" dirty="0"/>
-              <a:t>Python </a:t>
-            </a:r>
-            <a:r>
-              <a:rPr lang="zh-CN" altLang="en-US" sz="2600" dirty="0"/>
-              <a:t>的字典更像是菜单</a:t>
-            </a:r>
           </a:p>
         </p:txBody>
       </p:sp>
@@ -31068,6 +31737,89 @@
           </a:p>
         </p:txBody>
       </p:sp>
+      <p:sp>
+        <p:nvSpPr>
+          <p:cNvPr id="4" name="文本框 3">
+            <a:extLst>
+              <a:ext uri="{FF2B5EF4-FFF2-40B4-BE49-F238E27FC236}">
+                <a16:creationId xmlns:a16="http://schemas.microsoft.com/office/drawing/2014/main" id="{ED9C3CBF-649C-456F-08A1-19F27C8CD37B}"/>
+              </a:ext>
+            </a:extLst>
+          </p:cNvPr>
+          <p:cNvSpPr txBox="1"/>
+          <p:nvPr/>
+        </p:nvSpPr>
+        <p:spPr>
+          <a:xfrm>
+            <a:off x="1740263" y="2035852"/>
+            <a:ext cx="3507863" cy="492443"/>
+          </a:xfrm>
+          <a:prstGeom prst="rect">
+            <a:avLst/>
+          </a:prstGeom>
+          <a:noFill/>
+        </p:spPr>
+        <p:txBody>
+          <a:bodyPr wrap="square">
+            <a:spAutoFit/>
+          </a:bodyPr>
+          <a:lstStyle/>
+          <a:p>
+            <a:r>
+              <a:rPr lang="zh-CN" altLang="en-US" sz="2600" dirty="0">
+                <a:latin typeface="微软雅黑" panose="020B0503020204020204" pitchFamily="34" charset="-122"/>
+                <a:ea typeface="微软雅黑" panose="020B0503020204020204" pitchFamily="34" charset="-122"/>
+              </a:rPr>
+              <a:t>比起一词有多义的字典 </a:t>
+            </a:r>
+          </a:p>
+        </p:txBody>
+      </p:sp>
+      <p:sp>
+        <p:nvSpPr>
+          <p:cNvPr id="9" name="文本框 8">
+            <a:extLst>
+              <a:ext uri="{FF2B5EF4-FFF2-40B4-BE49-F238E27FC236}">
+                <a16:creationId xmlns:a16="http://schemas.microsoft.com/office/drawing/2014/main" id="{1C48257C-ECFA-4DA8-A076-ECED3B7D23F9}"/>
+              </a:ext>
+            </a:extLst>
+          </p:cNvPr>
+          <p:cNvSpPr txBox="1"/>
+          <p:nvPr/>
+        </p:nvSpPr>
+        <p:spPr>
+          <a:xfrm>
+            <a:off x="6898439" y="1913068"/>
+            <a:ext cx="4224600" cy="492443"/>
+          </a:xfrm>
+          <a:prstGeom prst="rect">
+            <a:avLst/>
+          </a:prstGeom>
+          <a:noFill/>
+        </p:spPr>
+        <p:txBody>
+          <a:bodyPr wrap="square">
+            <a:spAutoFit/>
+          </a:bodyPr>
+          <a:lstStyle/>
+          <a:p>
+            <a:r>
+              <a:rPr lang="en-US" altLang="zh-CN" sz="2600" dirty="0">
+                <a:latin typeface="微软雅黑" panose="020B0503020204020204" pitchFamily="34" charset="-122"/>
+                <a:ea typeface="微软雅黑" panose="020B0503020204020204" pitchFamily="34" charset="-122"/>
+              </a:rPr>
+              <a:t>Python </a:t>
+            </a:r>
+            <a:r>
+              <a:rPr lang="zh-CN" altLang="en-US" sz="2600" dirty="0">
+                <a:latin typeface="微软雅黑" panose="020B0503020204020204" pitchFamily="34" charset="-122"/>
+                <a:ea typeface="微软雅黑" panose="020B0503020204020204" pitchFamily="34" charset="-122"/>
+              </a:rPr>
+              <a:t>的字典更像是菜单</a:t>
+            </a:r>
+          </a:p>
+        </p:txBody>
+      </p:sp>
     </p:spTree>
     <p:extLst>
       <p:ext uri="{BB962C8B-B14F-4D97-AF65-F5344CB8AC3E}">
@@ -31090,6 +31842,240 @@
       </p:transition>
     </mc:Fallback>
   </mc:AlternateContent>
+  <p:timing>
+    <p:tnLst>
+      <p:par>
+        <p:cTn id="1" dur="indefinite" restart="never" nodeType="tmRoot">
+          <p:childTnLst>
+            <p:seq concurrent="1" nextAc="seek">
+              <p:cTn id="2" dur="indefinite" nodeType="mainSeq">
+                <p:childTnLst>
+                  <p:par>
+                    <p:cTn id="3" fill="hold">
+                      <p:stCondLst>
+                        <p:cond delay="indefinite"/>
+                      </p:stCondLst>
+                      <p:childTnLst>
+                        <p:par>
+                          <p:cTn id="4" fill="hold">
+                            <p:stCondLst>
+                              <p:cond delay="0"/>
+                            </p:stCondLst>
+                            <p:childTnLst>
+                              <p:par>
+                                <p:cTn id="5" presetID="1" presetClass="entr" presetSubtype="0" fill="hold" nodeType="clickEffect">
+                                  <p:stCondLst>
+                                    <p:cond delay="0"/>
+                                  </p:stCondLst>
+                                  <p:childTnLst>
+                                    <p:set>
+                                      <p:cBhvr>
+                                        <p:cTn id="6" dur="1" fill="hold">
+                                          <p:stCondLst>
+                                            <p:cond delay="0"/>
+                                          </p:stCondLst>
+                                        </p:cTn>
+                                        <p:tgtEl>
+                                          <p:spTgt spid="15"/>
+                                        </p:tgtEl>
+                                        <p:attrNameLst>
+                                          <p:attrName>style.visibility</p:attrName>
+                                        </p:attrNameLst>
+                                      </p:cBhvr>
+                                      <p:to>
+                                        <p:strVal val="visible"/>
+                                      </p:to>
+                                    </p:set>
+                                  </p:childTnLst>
+                                </p:cTn>
+                              </p:par>
+                              <p:par>
+                                <p:cTn id="7" presetID="1" presetClass="entr" presetSubtype="0" fill="hold" grpId="0" nodeType="withEffect">
+                                  <p:stCondLst>
+                                    <p:cond delay="0"/>
+                                  </p:stCondLst>
+                                  <p:childTnLst>
+                                    <p:set>
+                                      <p:cBhvr>
+                                        <p:cTn id="8" dur="1" fill="hold">
+                                          <p:stCondLst>
+                                            <p:cond delay="0"/>
+                                          </p:stCondLst>
+                                        </p:cTn>
+                                        <p:tgtEl>
+                                          <p:spTgt spid="25"/>
+                                        </p:tgtEl>
+                                        <p:attrNameLst>
+                                          <p:attrName>style.visibility</p:attrName>
+                                        </p:attrNameLst>
+                                      </p:cBhvr>
+                                      <p:to>
+                                        <p:strVal val="visible"/>
+                                      </p:to>
+                                    </p:set>
+                                  </p:childTnLst>
+                                </p:cTn>
+                              </p:par>
+                              <p:par>
+                                <p:cTn id="9" presetID="1" presetClass="entr" presetSubtype="0" fill="hold" grpId="0" nodeType="withEffect">
+                                  <p:stCondLst>
+                                    <p:cond delay="0"/>
+                                  </p:stCondLst>
+                                  <p:childTnLst>
+                                    <p:set>
+                                      <p:cBhvr>
+                                        <p:cTn id="10" dur="1" fill="hold">
+                                          <p:stCondLst>
+                                            <p:cond delay="0"/>
+                                          </p:stCondLst>
+                                        </p:cTn>
+                                        <p:tgtEl>
+                                          <p:spTgt spid="4"/>
+                                        </p:tgtEl>
+                                        <p:attrNameLst>
+                                          <p:attrName>style.visibility</p:attrName>
+                                        </p:attrNameLst>
+                                      </p:cBhvr>
+                                      <p:to>
+                                        <p:strVal val="visible"/>
+                                      </p:to>
+                                    </p:set>
+                                  </p:childTnLst>
+                                </p:cTn>
+                              </p:par>
+                            </p:childTnLst>
+                          </p:cTn>
+                        </p:par>
+                      </p:childTnLst>
+                    </p:cTn>
+                  </p:par>
+                  <p:par>
+                    <p:cTn id="11" fill="hold">
+                      <p:stCondLst>
+                        <p:cond delay="indefinite"/>
+                      </p:stCondLst>
+                      <p:childTnLst>
+                        <p:par>
+                          <p:cTn id="12" fill="hold">
+                            <p:stCondLst>
+                              <p:cond delay="0"/>
+                            </p:stCondLst>
+                            <p:childTnLst>
+                              <p:par>
+                                <p:cTn id="13" presetID="1" presetClass="entr" presetSubtype="0" fill="hold" nodeType="clickEffect">
+                                  <p:stCondLst>
+                                    <p:cond delay="0"/>
+                                  </p:stCondLst>
+                                  <p:childTnLst>
+                                    <p:set>
+                                      <p:cBhvr>
+                                        <p:cTn id="14" dur="1" fill="hold">
+                                          <p:stCondLst>
+                                            <p:cond delay="0"/>
+                                          </p:stCondLst>
+                                        </p:cTn>
+                                        <p:tgtEl>
+                                          <p:spTgt spid="23"/>
+                                        </p:tgtEl>
+                                        <p:attrNameLst>
+                                          <p:attrName>style.visibility</p:attrName>
+                                        </p:attrNameLst>
+                                      </p:cBhvr>
+                                      <p:to>
+                                        <p:strVal val="visible"/>
+                                      </p:to>
+                                    </p:set>
+                                  </p:childTnLst>
+                                </p:cTn>
+                              </p:par>
+                              <p:par>
+                                <p:cTn id="15" presetID="1" presetClass="entr" presetSubtype="0" fill="hold" grpId="0" nodeType="withEffect">
+                                  <p:stCondLst>
+                                    <p:cond delay="0"/>
+                                  </p:stCondLst>
+                                  <p:childTnLst>
+                                    <p:set>
+                                      <p:cBhvr>
+                                        <p:cTn id="16" dur="1" fill="hold">
+                                          <p:stCondLst>
+                                            <p:cond delay="0"/>
+                                          </p:stCondLst>
+                                        </p:cTn>
+                                        <p:tgtEl>
+                                          <p:spTgt spid="26"/>
+                                        </p:tgtEl>
+                                        <p:attrNameLst>
+                                          <p:attrName>style.visibility</p:attrName>
+                                        </p:attrNameLst>
+                                      </p:cBhvr>
+                                      <p:to>
+                                        <p:strVal val="visible"/>
+                                      </p:to>
+                                    </p:set>
+                                  </p:childTnLst>
+                                </p:cTn>
+                              </p:par>
+                              <p:par>
+                                <p:cTn id="17" presetID="1" presetClass="entr" presetSubtype="0" fill="hold" grpId="0" nodeType="withEffect">
+                                  <p:stCondLst>
+                                    <p:cond delay="0"/>
+                                  </p:stCondLst>
+                                  <p:childTnLst>
+                                    <p:set>
+                                      <p:cBhvr>
+                                        <p:cTn id="18" dur="1" fill="hold">
+                                          <p:stCondLst>
+                                            <p:cond delay="0"/>
+                                          </p:stCondLst>
+                                        </p:cTn>
+                                        <p:tgtEl>
+                                          <p:spTgt spid="9"/>
+                                        </p:tgtEl>
+                                        <p:attrNameLst>
+                                          <p:attrName>style.visibility</p:attrName>
+                                        </p:attrNameLst>
+                                      </p:cBhvr>
+                                      <p:to>
+                                        <p:strVal val="visible"/>
+                                      </p:to>
+                                    </p:set>
+                                  </p:childTnLst>
+                                </p:cTn>
+                              </p:par>
+                            </p:childTnLst>
+                          </p:cTn>
+                        </p:par>
+                      </p:childTnLst>
+                    </p:cTn>
+                  </p:par>
+                </p:childTnLst>
+              </p:cTn>
+              <p:prevCondLst>
+                <p:cond evt="onPrev" delay="0">
+                  <p:tgtEl>
+                    <p:sldTgt/>
+                  </p:tgtEl>
+                </p:cond>
+              </p:prevCondLst>
+              <p:nextCondLst>
+                <p:cond evt="onNext" delay="0">
+                  <p:tgtEl>
+                    <p:sldTgt/>
+                  </p:tgtEl>
+                </p:cond>
+              </p:nextCondLst>
+            </p:seq>
+          </p:childTnLst>
+        </p:cTn>
+      </p:par>
+    </p:tnLst>
+    <p:bldLst>
+      <p:bldP spid="25" grpId="0"/>
+      <p:bldP spid="26" grpId="0"/>
+      <p:bldP spid="4" grpId="0"/>
+      <p:bldP spid="9" grpId="0"/>
+    </p:bldLst>
+  </p:timing>
 </p:sld>
 </file>
 
@@ -31198,7 +32184,7 @@
             </a:r>
             <a:r>
               <a:rPr lang="zh-CN" altLang="en-US" dirty="0"/>
-              <a:t>来表示。</a:t>
+              <a:t>来标识。</a:t>
             </a:r>
             <a:endParaRPr lang="en-US" altLang="zh-CN" dirty="0"/>
           </a:p>
@@ -31334,7 +32320,7 @@
                                         <p:tgtEl>
                                           <p:spTgt spid="4">
                                             <p:txEl>
-                                              <p:pRg st="0" end="0"/>
+                                              <p:pRg st="1" end="1"/>
                                             </p:txEl>
                                           </p:spTgt>
                                         </p:tgtEl>
@@ -31376,55 +32362,6 @@
                                     <p:set>
                                       <p:cBhvr>
                                         <p:cTn id="10" dur="1" fill="hold">
-                                          <p:stCondLst>
-                                            <p:cond delay="0"/>
-                                          </p:stCondLst>
-                                        </p:cTn>
-                                        <p:tgtEl>
-                                          <p:spTgt spid="4">
-                                            <p:txEl>
-                                              <p:pRg st="1" end="1"/>
-                                            </p:txEl>
-                                          </p:spTgt>
-                                        </p:tgtEl>
-                                        <p:attrNameLst>
-                                          <p:attrName>style.visibility</p:attrName>
-                                        </p:attrNameLst>
-                                      </p:cBhvr>
-                                      <p:to>
-                                        <p:strVal val="visible"/>
-                                      </p:to>
-                                    </p:set>
-                                  </p:childTnLst>
-                                </p:cTn>
-                              </p:par>
-                            </p:childTnLst>
-                          </p:cTn>
-                        </p:par>
-                      </p:childTnLst>
-                    </p:cTn>
-                  </p:par>
-                  <p:par>
-                    <p:cTn id="11" fill="hold">
-                      <p:stCondLst>
-                        <p:cond delay="indefinite"/>
-                      </p:stCondLst>
-                      <p:childTnLst>
-                        <p:par>
-                          <p:cTn id="12" fill="hold">
-                            <p:stCondLst>
-                              <p:cond delay="0"/>
-                            </p:stCondLst>
-                            <p:childTnLst>
-                              <p:par>
-                                <p:cTn id="13" presetID="1" presetClass="entr" presetSubtype="0" fill="hold" nodeType="clickEffect">
-                                  <p:stCondLst>
-                                    <p:cond delay="0"/>
-                                  </p:stCondLst>
-                                  <p:childTnLst>
-                                    <p:set>
-                                      <p:cBhvr>
-                                        <p:cTn id="14" dur="1" fill="hold">
                                           <p:stCondLst>
                                             <p:cond delay="0"/>
                                           </p:stCondLst>
@@ -31631,7 +32568,7 @@
                   </a:schemeClr>
                 </a:solidFill>
               </a:rPr>
-              <a:t>来表示。</a:t>
+              <a:t>来标识。</a:t>
             </a:r>
             <a:endParaRPr lang="en-US" altLang="zh-CN" dirty="0">
               <a:solidFill>

--- a/PPT/python6.pptx
+++ b/PPT/python6.pptx
@@ -155,7 +155,7 @@
   <pc:docChgLst>
     <pc:chgData name="Scruel Tao" userId="5ea5c98d59b44d4b" providerId="LiveId" clId="{90F6E66C-EDE2-4E69-89C8-78233A222532}"/>
     <pc:docChg chg="undo redo custSel modSld">
-      <pc:chgData name="Scruel Tao" userId="5ea5c98d59b44d4b" providerId="LiveId" clId="{90F6E66C-EDE2-4E69-89C8-78233A222532}" dt="2023-12-03T10:37:30.764" v="334" actId="20577"/>
+      <pc:chgData name="Scruel Tao" userId="5ea5c98d59b44d4b" providerId="LiveId" clId="{90F6E66C-EDE2-4E69-89C8-78233A222532}" dt="2024-01-02T08:35:55.132" v="344" actId="20577"/>
       <pc:docMkLst>
         <pc:docMk/>
       </pc:docMkLst>
@@ -171,6 +171,21 @@
             <pc:docMk/>
             <pc:sldMk cId="3210565020" sldId="283"/>
             <ac:spMk id="4" creationId="{85D6D174-6A04-9AED-7984-BD4330ED7E3A}"/>
+          </ac:spMkLst>
+        </pc:spChg>
+      </pc:sldChg>
+      <pc:sldChg chg="modSp">
+        <pc:chgData name="Scruel Tao" userId="5ea5c98d59b44d4b" providerId="LiveId" clId="{90F6E66C-EDE2-4E69-89C8-78233A222532}" dt="2024-01-02T08:35:55.132" v="344" actId="20577"/>
+        <pc:sldMkLst>
+          <pc:docMk/>
+          <pc:sldMk cId="587836252" sldId="284"/>
+        </pc:sldMkLst>
+        <pc:spChg chg="mod">
+          <ac:chgData name="Scruel Tao" userId="5ea5c98d59b44d4b" providerId="LiveId" clId="{90F6E66C-EDE2-4E69-89C8-78233A222532}" dt="2024-01-02T08:35:55.132" v="344" actId="20577"/>
+          <ac:spMkLst>
+            <pc:docMk/>
+            <pc:sldMk cId="587836252" sldId="284"/>
+            <ac:spMk id="5" creationId="{B7A8CE03-6A77-60EC-056E-D7A0019640A3}"/>
           </ac:spMkLst>
         </pc:spChg>
       </pc:sldChg>
@@ -301,6 +316,21 @@
             <ac:picMk id="17" creationId="{B4BA9574-9B96-B884-236F-FE5B9F192448}"/>
           </ac:picMkLst>
         </pc:picChg>
+      </pc:sldChg>
+      <pc:sldChg chg="modSp mod modAnim">
+        <pc:chgData name="Scruel Tao" userId="5ea5c98d59b44d4b" providerId="LiveId" clId="{90F6E66C-EDE2-4E69-89C8-78233A222532}" dt="2024-01-02T08:34:37.912" v="341" actId="313"/>
+        <pc:sldMkLst>
+          <pc:docMk/>
+          <pc:sldMk cId="696613599" sldId="308"/>
+        </pc:sldMkLst>
+        <pc:spChg chg="mod">
+          <ac:chgData name="Scruel Tao" userId="5ea5c98d59b44d4b" providerId="LiveId" clId="{90F6E66C-EDE2-4E69-89C8-78233A222532}" dt="2024-01-02T08:34:36.672" v="340" actId="313"/>
+          <ac:spMkLst>
+            <pc:docMk/>
+            <pc:sldMk cId="696613599" sldId="308"/>
+            <ac:spMk id="7" creationId="{12C899D8-51C5-D9B7-A323-E6EFE4AB5C33}"/>
+          </ac:spMkLst>
+        </pc:spChg>
       </pc:sldChg>
       <pc:sldChg chg="addSp modSp mod modAnim">
         <pc:chgData name="Scruel Tao" userId="5ea5c98d59b44d4b" providerId="LiveId" clId="{90F6E66C-EDE2-4E69-89C8-78233A222532}" dt="2023-12-03T10:35:03.586" v="265" actId="20577"/>
@@ -5195,7 +5225,7 @@
           <a:p>
             <a:fld id="{AC7E1972-C479-4420-A687-8FB83BA90DEB}" type="datetimeFigureOut">
               <a:rPr lang="zh-CN" altLang="en-US" smtClean="0"/>
-              <a:t>2023/12/3</a:t>
+              <a:t>2024/1/2</a:t>
             </a:fld>
             <a:endParaRPr lang="zh-CN" altLang="en-US"/>
           </a:p>
@@ -5372,7 +5402,7 @@
           <a:p>
             <a:fld id="{89B7AB8D-BCC0-43C6-B24C-055A25DB558F}" type="datetimeFigureOut">
               <a:rPr lang="zh-CN" altLang="en-US" smtClean="0"/>
-              <a:t>2023/12/2</a:t>
+              <a:t>2024/1/2</a:t>
             </a:fld>
             <a:endParaRPr lang="zh-CN" altLang="en-US"/>
           </a:p>
@@ -8607,7 +8637,7 @@
           <a:p>
             <a:fld id="{F721228B-0167-4061-A906-8575043315EE}" type="datetimeFigureOut">
               <a:rPr lang="zh-CN" altLang="en-US" smtClean="0"/>
-              <a:t>2023/12/3</a:t>
+              <a:t>2024/1/2</a:t>
             </a:fld>
             <a:endParaRPr lang="zh-CN" altLang="en-US"/>
           </a:p>
@@ -8817,7 +8847,7 @@
           <a:p>
             <a:fld id="{F721228B-0167-4061-A906-8575043315EE}" type="datetimeFigureOut">
               <a:rPr lang="zh-CN" altLang="en-US" smtClean="0"/>
-              <a:t>2023/12/3</a:t>
+              <a:t>2024/1/2</a:t>
             </a:fld>
             <a:endParaRPr lang="zh-CN" altLang="en-US"/>
           </a:p>
@@ -9037,7 +9067,7 @@
           <a:p>
             <a:fld id="{F721228B-0167-4061-A906-8575043315EE}" type="datetimeFigureOut">
               <a:rPr lang="zh-CN" altLang="en-US" smtClean="0"/>
-              <a:t>2023/12/3</a:t>
+              <a:t>2024/1/2</a:t>
             </a:fld>
             <a:endParaRPr lang="zh-CN" altLang="en-US"/>
           </a:p>
@@ -9534,7 +9564,7 @@
           <a:p>
             <a:fld id="{F721228B-0167-4061-A906-8575043315EE}" type="datetimeFigureOut">
               <a:rPr lang="zh-CN" altLang="en-US" smtClean="0"/>
-              <a:t>2023/12/2</a:t>
+              <a:t>2024/1/2</a:t>
             </a:fld>
             <a:endParaRPr lang="zh-CN" altLang="en-US"/>
           </a:p>
@@ -9870,7 +9900,7 @@
           <a:p>
             <a:fld id="{F721228B-0167-4061-A906-8575043315EE}" type="datetimeFigureOut">
               <a:rPr lang="zh-CN" altLang="en-US" smtClean="0"/>
-              <a:t>2023/12/3</a:t>
+              <a:t>2024/1/2</a:t>
             </a:fld>
             <a:endParaRPr lang="zh-CN" altLang="en-US"/>
           </a:p>
@@ -10228,7 +10258,7 @@
           <a:p>
             <a:fld id="{F721228B-0167-4061-A906-8575043315EE}" type="datetimeFigureOut">
               <a:rPr lang="zh-CN" altLang="en-US" smtClean="0"/>
-              <a:t>2023/12/3</a:t>
+              <a:t>2024/1/2</a:t>
             </a:fld>
             <a:endParaRPr lang="zh-CN" altLang="en-US"/>
           </a:p>
@@ -10701,7 +10731,7 @@
           <a:p>
             <a:fld id="{F721228B-0167-4061-A906-8575043315EE}" type="datetimeFigureOut">
               <a:rPr lang="zh-CN" altLang="en-US" smtClean="0"/>
-              <a:t>2023/12/3</a:t>
+              <a:t>2024/1/2</a:t>
             </a:fld>
             <a:endParaRPr lang="zh-CN" altLang="en-US"/>
           </a:p>
@@ -10854,7 +10884,7 @@
           <a:p>
             <a:fld id="{F721228B-0167-4061-A906-8575043315EE}" type="datetimeFigureOut">
               <a:rPr lang="zh-CN" altLang="en-US" smtClean="0"/>
-              <a:t>2023/12/3</a:t>
+              <a:t>2024/1/2</a:t>
             </a:fld>
             <a:endParaRPr lang="zh-CN" altLang="en-US"/>
           </a:p>
@@ -10979,7 +11009,7 @@
           <a:p>
             <a:fld id="{F721228B-0167-4061-A906-8575043315EE}" type="datetimeFigureOut">
               <a:rPr lang="zh-CN" altLang="en-US" smtClean="0"/>
-              <a:t>2023/12/3</a:t>
+              <a:t>2024/1/2</a:t>
             </a:fld>
             <a:endParaRPr lang="zh-CN" altLang="en-US"/>
           </a:p>
@@ -11302,7 +11332,7 @@
           <a:p>
             <a:fld id="{F721228B-0167-4061-A906-8575043315EE}" type="datetimeFigureOut">
               <a:rPr lang="zh-CN" altLang="en-US" smtClean="0"/>
-              <a:t>2023/12/3</a:t>
+              <a:t>2024/1/2</a:t>
             </a:fld>
             <a:endParaRPr lang="zh-CN" altLang="en-US"/>
           </a:p>
@@ -11602,7 +11632,7 @@
           <a:p>
             <a:fld id="{F721228B-0167-4061-A906-8575043315EE}" type="datetimeFigureOut">
               <a:rPr lang="zh-CN" altLang="en-US" smtClean="0"/>
-              <a:t>2023/12/3</a:t>
+              <a:t>2024/1/2</a:t>
             </a:fld>
             <a:endParaRPr lang="zh-CN" altLang="en-US"/>
           </a:p>
@@ -11855,7 +11885,7 @@
           <a:p>
             <a:fld id="{F721228B-0167-4061-A906-8575043315EE}" type="datetimeFigureOut">
               <a:rPr lang="zh-CN" altLang="en-US" smtClean="0"/>
-              <a:t>2023/12/2</a:t>
+              <a:t>2024/1/2</a:t>
             </a:fld>
             <a:endParaRPr lang="zh-CN" altLang="en-US"/>
           </a:p>
@@ -22668,7 +22698,7 @@
                 <a:latin typeface="Consolas" panose="020B0609020204030204" pitchFamily="49" charset="0"/>
                 <a:ea typeface="微软雅黑" panose="020B0503020204020204" pitchFamily="34" charset="-122"/>
               </a:rPr>
-              <a:t>jen loves python.</a:t>
+              <a:t>Jen loves python.</a:t>
             </a:r>
           </a:p>
           <a:p>
@@ -22680,7 +22710,27 @@
                 <a:latin typeface="Consolas" panose="020B0609020204030204" pitchFamily="49" charset="0"/>
                 <a:ea typeface="微软雅黑" panose="020B0503020204020204" pitchFamily="34" charset="-122"/>
               </a:rPr>
-              <a:t>edward loves rust.</a:t>
+              <a:t>E</a:t>
+            </a:r>
+            <a:r>
+              <a:rPr lang="da-DK" altLang="zh-CN" sz="2400">
+                <a:solidFill>
+                  <a:srgbClr val="333333"/>
+                </a:solidFill>
+                <a:latin typeface="Consolas" panose="020B0609020204030204" pitchFamily="49" charset="0"/>
+                <a:ea typeface="微软雅黑" panose="020B0503020204020204" pitchFamily="34" charset="-122"/>
+              </a:rPr>
+              <a:t>dward </a:t>
+            </a:r>
+            <a:r>
+              <a:rPr lang="da-DK" altLang="zh-CN" sz="2400" dirty="0">
+                <a:solidFill>
+                  <a:srgbClr val="333333"/>
+                </a:solidFill>
+                <a:latin typeface="Consolas" panose="020B0609020204030204" pitchFamily="49" charset="0"/>
+                <a:ea typeface="微软雅黑" panose="020B0503020204020204" pitchFamily="34" charset="-122"/>
+              </a:rPr>
+              <a:t>loves rust.</a:t>
             </a:r>
           </a:p>
         </p:txBody>
@@ -27744,7 +27794,7 @@
                 </a:solidFill>
                 <a:latin typeface="Consolas" panose="020B0609020204030204" pitchFamily="49" charset="0"/>
               </a:rPr>
-              <a:t> {</a:t>
+              <a:t>{</a:t>
             </a:r>
             <a:r>
               <a:rPr lang="en-US" altLang="zh-CN" sz="2000" b="1" dirty="0" err="1">
@@ -27772,6 +27822,42 @@
                 <a:latin typeface="Consolas" panose="020B0609020204030204" pitchFamily="49" charset="0"/>
               </a:rPr>
               <a:t>'last'</a:t>
+            </a:r>
+            <a:r>
+              <a:rPr lang="en-US" altLang="zh-CN" sz="2000" b="1" dirty="0">
+                <a:solidFill>
+                  <a:srgbClr val="3F9101"/>
+                </a:solidFill>
+                <a:latin typeface="Consolas" panose="020B0609020204030204" pitchFamily="49" charset="0"/>
+              </a:rPr>
+              <a:t>]}  {</a:t>
+            </a:r>
+            <a:r>
+              <a:rPr lang="en-US" altLang="zh-CN" sz="2000" b="1" dirty="0" err="1">
+                <a:solidFill>
+                  <a:srgbClr val="333333"/>
+                </a:solidFill>
+                <a:latin typeface="Consolas" panose="020B0609020204030204" pitchFamily="49" charset="0"/>
+              </a:rPr>
+              <a:t>user_info</a:t>
+            </a:r>
+            <a:r>
+              <a:rPr lang="en-US" altLang="zh-CN" sz="2000" b="1" dirty="0">
+                <a:solidFill>
+                  <a:srgbClr val="3F9101"/>
+                </a:solidFill>
+                <a:latin typeface="Consolas" panose="020B0609020204030204" pitchFamily="49" charset="0"/>
+              </a:rPr>
+              <a:t>[</a:t>
+            </a:r>
+            <a:r>
+              <a:rPr lang="en-US" altLang="zh-CN" sz="2000" b="1" dirty="0">
+                <a:solidFill>
+                  <a:srgbClr val="F2612A"/>
+                </a:solidFill>
+                <a:latin typeface="Consolas" panose="020B0609020204030204" pitchFamily="49" charset="0"/>
+              </a:rPr>
+              <a:t>'first'</a:t>
             </a:r>
             <a:r>
               <a:rPr lang="en-US" altLang="zh-CN" sz="2000" b="1" dirty="0">
@@ -27860,43 +27946,7 @@
                 </a:solidFill>
                 <a:latin typeface="Consolas" panose="020B0609020204030204" pitchFamily="49" charset="0"/>
               </a:rPr>
-              <a:t>]{</a:t>
-            </a:r>
-            <a:r>
-              <a:rPr lang="en-US" altLang="zh-CN" sz="2000" b="1" dirty="0" err="1">
-                <a:solidFill>
-                  <a:srgbClr val="333333"/>
-                </a:solidFill>
-                <a:latin typeface="Consolas" panose="020B0609020204030204" pitchFamily="49" charset="0"/>
-              </a:rPr>
-              <a:t>user_info</a:t>
-            </a:r>
-            <a:r>
-              <a:rPr lang="en-US" altLang="zh-CN" sz="2000" b="1" dirty="0">
-                <a:solidFill>
-                  <a:srgbClr val="3F9101"/>
-                </a:solidFill>
-                <a:latin typeface="Consolas" panose="020B0609020204030204" pitchFamily="49" charset="0"/>
-              </a:rPr>
-              <a:t>[</a:t>
-            </a:r>
-            <a:r>
-              <a:rPr lang="en-US" altLang="zh-CN" sz="2000" b="1" dirty="0">
-                <a:solidFill>
-                  <a:srgbClr val="F2612A"/>
-                </a:solidFill>
-                <a:latin typeface="Consolas" panose="020B0609020204030204" pitchFamily="49" charset="0"/>
-              </a:rPr>
-              <a:t>'first'</a:t>
-            </a:r>
-            <a:r>
-              <a:rPr lang="en-US" altLang="zh-CN" sz="2000" b="1" dirty="0">
-                <a:solidFill>
-                  <a:srgbClr val="3F9101"/>
-                </a:solidFill>
-                <a:latin typeface="Consolas" panose="020B0609020204030204" pitchFamily="49" charset="0"/>
-              </a:rPr>
-              <a:t>]}</a:t>
+              <a:t>]</a:t>
             </a:r>
           </a:p>
           <a:p>

--- a/PPT/python6.pptx
+++ b/PPT/python6.pptx
@@ -153,342 +153,6 @@
 <file path=ppt/changesInfos/changesInfo1.xml><?xml version="1.0" encoding="utf-8"?>
 <pc:chgInfo xmlns:a="http://schemas.openxmlformats.org/drawingml/2006/main" xmlns:r="http://schemas.openxmlformats.org/officeDocument/2006/relationships" xmlns:ac="http://schemas.microsoft.com/office/drawing/2013/main/command" xmlns:pc="http://schemas.microsoft.com/office/powerpoint/2013/main/command">
   <pc:docChgLst>
-    <pc:chgData name="Scruel Tao" userId="5ea5c98d59b44d4b" providerId="LiveId" clId="{90F6E66C-EDE2-4E69-89C8-78233A222532}"/>
-    <pc:docChg chg="undo redo custSel modSld">
-      <pc:chgData name="Scruel Tao" userId="5ea5c98d59b44d4b" providerId="LiveId" clId="{90F6E66C-EDE2-4E69-89C8-78233A222532}" dt="2024-01-02T08:35:55.132" v="344" actId="20577"/>
-      <pc:docMkLst>
-        <pc:docMk/>
-      </pc:docMkLst>
-      <pc:sldChg chg="modSp modAnim">
-        <pc:chgData name="Scruel Tao" userId="5ea5c98d59b44d4b" providerId="LiveId" clId="{90F6E66C-EDE2-4E69-89C8-78233A222532}" dt="2023-12-03T10:09:29.729" v="210" actId="20577"/>
-        <pc:sldMkLst>
-          <pc:docMk/>
-          <pc:sldMk cId="3210565020" sldId="283"/>
-        </pc:sldMkLst>
-        <pc:spChg chg="mod">
-          <ac:chgData name="Scruel Tao" userId="5ea5c98d59b44d4b" providerId="LiveId" clId="{90F6E66C-EDE2-4E69-89C8-78233A222532}" dt="2023-12-03T10:09:29.729" v="210" actId="20577"/>
-          <ac:spMkLst>
-            <pc:docMk/>
-            <pc:sldMk cId="3210565020" sldId="283"/>
-            <ac:spMk id="4" creationId="{85D6D174-6A04-9AED-7984-BD4330ED7E3A}"/>
-          </ac:spMkLst>
-        </pc:spChg>
-      </pc:sldChg>
-      <pc:sldChg chg="modSp">
-        <pc:chgData name="Scruel Tao" userId="5ea5c98d59b44d4b" providerId="LiveId" clId="{90F6E66C-EDE2-4E69-89C8-78233A222532}" dt="2024-01-02T08:35:55.132" v="344" actId="20577"/>
-        <pc:sldMkLst>
-          <pc:docMk/>
-          <pc:sldMk cId="587836252" sldId="284"/>
-        </pc:sldMkLst>
-        <pc:spChg chg="mod">
-          <ac:chgData name="Scruel Tao" userId="5ea5c98d59b44d4b" providerId="LiveId" clId="{90F6E66C-EDE2-4E69-89C8-78233A222532}" dt="2024-01-02T08:35:55.132" v="344" actId="20577"/>
-          <ac:spMkLst>
-            <pc:docMk/>
-            <pc:sldMk cId="587836252" sldId="284"/>
-            <ac:spMk id="5" creationId="{B7A8CE03-6A77-60EC-056E-D7A0019640A3}"/>
-          </ac:spMkLst>
-        </pc:spChg>
-      </pc:sldChg>
-      <pc:sldChg chg="modAnim">
-        <pc:chgData name="Scruel Tao" userId="5ea5c98d59b44d4b" providerId="LiveId" clId="{90F6E66C-EDE2-4E69-89C8-78233A222532}" dt="2023-12-03T10:04:14.505" v="88"/>
-        <pc:sldMkLst>
-          <pc:docMk/>
-          <pc:sldMk cId="3618025480" sldId="286"/>
-        </pc:sldMkLst>
-      </pc:sldChg>
-      <pc:sldChg chg="modSp mod">
-        <pc:chgData name="Scruel Tao" userId="5ea5c98d59b44d4b" providerId="LiveId" clId="{90F6E66C-EDE2-4E69-89C8-78233A222532}" dt="2023-12-03T10:09:37.881" v="213"/>
-        <pc:sldMkLst>
-          <pc:docMk/>
-          <pc:sldMk cId="2877461038" sldId="288"/>
-        </pc:sldMkLst>
-        <pc:spChg chg="mod">
-          <ac:chgData name="Scruel Tao" userId="5ea5c98d59b44d4b" providerId="LiveId" clId="{90F6E66C-EDE2-4E69-89C8-78233A222532}" dt="2023-12-03T10:09:37.881" v="213"/>
-          <ac:spMkLst>
-            <pc:docMk/>
-            <pc:sldMk cId="2877461038" sldId="288"/>
-            <ac:spMk id="4" creationId="{85D6D174-6A04-9AED-7984-BD4330ED7E3A}"/>
-          </ac:spMkLst>
-        </pc:spChg>
-      </pc:sldChg>
-      <pc:sldChg chg="modSp mod">
-        <pc:chgData name="Scruel Tao" userId="5ea5c98d59b44d4b" providerId="LiveId" clId="{90F6E66C-EDE2-4E69-89C8-78233A222532}" dt="2023-12-03T10:09:42.806" v="216"/>
-        <pc:sldMkLst>
-          <pc:docMk/>
-          <pc:sldMk cId="348119642" sldId="289"/>
-        </pc:sldMkLst>
-        <pc:spChg chg="mod">
-          <ac:chgData name="Scruel Tao" userId="5ea5c98d59b44d4b" providerId="LiveId" clId="{90F6E66C-EDE2-4E69-89C8-78233A222532}" dt="2023-12-03T10:09:42.806" v="216"/>
-          <ac:spMkLst>
-            <pc:docMk/>
-            <pc:sldMk cId="348119642" sldId="289"/>
-            <ac:spMk id="4" creationId="{85D6D174-6A04-9AED-7984-BD4330ED7E3A}"/>
-          </ac:spMkLst>
-        </pc:spChg>
-      </pc:sldChg>
-      <pc:sldChg chg="modSp mod">
-        <pc:chgData name="Scruel Tao" userId="5ea5c98d59b44d4b" providerId="LiveId" clId="{90F6E66C-EDE2-4E69-89C8-78233A222532}" dt="2023-12-03T10:09:46.416" v="219"/>
-        <pc:sldMkLst>
-          <pc:docMk/>
-          <pc:sldMk cId="1685143547" sldId="290"/>
-        </pc:sldMkLst>
-        <pc:spChg chg="mod">
-          <ac:chgData name="Scruel Tao" userId="5ea5c98d59b44d4b" providerId="LiveId" clId="{90F6E66C-EDE2-4E69-89C8-78233A222532}" dt="2023-12-03T10:09:46.416" v="219"/>
-          <ac:spMkLst>
-            <pc:docMk/>
-            <pc:sldMk cId="1685143547" sldId="290"/>
-            <ac:spMk id="4" creationId="{85D6D174-6A04-9AED-7984-BD4330ED7E3A}"/>
-          </ac:spMkLst>
-        </pc:spChg>
-      </pc:sldChg>
-      <pc:sldChg chg="modSp mod">
-        <pc:chgData name="Scruel Tao" userId="5ea5c98d59b44d4b" providerId="LiveId" clId="{90F6E66C-EDE2-4E69-89C8-78233A222532}" dt="2023-12-03T10:09:50.186" v="222"/>
-        <pc:sldMkLst>
-          <pc:docMk/>
-          <pc:sldMk cId="1485813308" sldId="291"/>
-        </pc:sldMkLst>
-        <pc:spChg chg="mod">
-          <ac:chgData name="Scruel Tao" userId="5ea5c98d59b44d4b" providerId="LiveId" clId="{90F6E66C-EDE2-4E69-89C8-78233A222532}" dt="2023-12-03T10:09:50.186" v="222"/>
-          <ac:spMkLst>
-            <pc:docMk/>
-            <pc:sldMk cId="1485813308" sldId="291"/>
-            <ac:spMk id="4" creationId="{85D6D174-6A04-9AED-7984-BD4330ED7E3A}"/>
-          </ac:spMkLst>
-        </pc:spChg>
-      </pc:sldChg>
-      <pc:sldChg chg="modSp mod">
-        <pc:chgData name="Scruel Tao" userId="5ea5c98d59b44d4b" providerId="LiveId" clId="{90F6E66C-EDE2-4E69-89C8-78233A222532}" dt="2023-12-03T10:09:53.494" v="225"/>
-        <pc:sldMkLst>
-          <pc:docMk/>
-          <pc:sldMk cId="3821772885" sldId="292"/>
-        </pc:sldMkLst>
-        <pc:spChg chg="mod">
-          <ac:chgData name="Scruel Tao" userId="5ea5c98d59b44d4b" providerId="LiveId" clId="{90F6E66C-EDE2-4E69-89C8-78233A222532}" dt="2023-12-03T10:09:53.494" v="225"/>
-          <ac:spMkLst>
-            <pc:docMk/>
-            <pc:sldMk cId="3821772885" sldId="292"/>
-            <ac:spMk id="4" creationId="{85D6D174-6A04-9AED-7984-BD4330ED7E3A}"/>
-          </ac:spMkLst>
-        </pc:spChg>
-      </pc:sldChg>
-      <pc:sldChg chg="modAnim">
-        <pc:chgData name="Scruel Tao" userId="5ea5c98d59b44d4b" providerId="LiveId" clId="{90F6E66C-EDE2-4E69-89C8-78233A222532}" dt="2023-12-03T10:29:44.016" v="227"/>
-        <pc:sldMkLst>
-          <pc:docMk/>
-          <pc:sldMk cId="2065461227" sldId="293"/>
-        </pc:sldMkLst>
-      </pc:sldChg>
-      <pc:sldChg chg="addSp modSp mod chgLayout">
-        <pc:chgData name="Scruel Tao" userId="5ea5c98d59b44d4b" providerId="LiveId" clId="{90F6E66C-EDE2-4E69-89C8-78233A222532}" dt="2023-12-03T10:05:59.072" v="162" actId="1036"/>
-        <pc:sldMkLst>
-          <pc:docMk/>
-          <pc:sldMk cId="4005172658" sldId="303"/>
-        </pc:sldMkLst>
-        <pc:spChg chg="mod ord">
-          <ac:chgData name="Scruel Tao" userId="5ea5c98d59b44d4b" providerId="LiveId" clId="{90F6E66C-EDE2-4E69-89C8-78233A222532}" dt="2023-12-03T10:03:07.718" v="63" actId="700"/>
-          <ac:spMkLst>
-            <pc:docMk/>
-            <pc:sldMk cId="4005172658" sldId="303"/>
-            <ac:spMk id="2" creationId="{BAD162F0-2175-84E9-2387-55F669162449}"/>
-          </ac:spMkLst>
-        </pc:spChg>
-        <pc:spChg chg="add mod ord">
-          <ac:chgData name="Scruel Tao" userId="5ea5c98d59b44d4b" providerId="LiveId" clId="{90F6E66C-EDE2-4E69-89C8-78233A222532}" dt="2023-12-03T10:04:27.399" v="90" actId="21"/>
-          <ac:spMkLst>
-            <pc:docMk/>
-            <pc:sldMk cId="4005172658" sldId="303"/>
-            <ac:spMk id="3" creationId="{5A02116E-3AED-9BB8-B348-7C84B9A10060}"/>
-          </ac:spMkLst>
-        </pc:spChg>
-        <pc:spChg chg="mod">
-          <ac:chgData name="Scruel Tao" userId="5ea5c98d59b44d4b" providerId="LiveId" clId="{90F6E66C-EDE2-4E69-89C8-78233A222532}" dt="2023-12-03T10:04:04.916" v="87" actId="1038"/>
-          <ac:spMkLst>
-            <pc:docMk/>
-            <pc:sldMk cId="4005172658" sldId="303"/>
-            <ac:spMk id="14" creationId="{0E3316AF-03D2-E954-8D9C-19BFF8D01C35}"/>
-          </ac:spMkLst>
-        </pc:spChg>
-        <pc:picChg chg="mod">
-          <ac:chgData name="Scruel Tao" userId="5ea5c98d59b44d4b" providerId="LiveId" clId="{90F6E66C-EDE2-4E69-89C8-78233A222532}" dt="2023-12-03T10:05:59.072" v="162" actId="1036"/>
-          <ac:picMkLst>
-            <pc:docMk/>
-            <pc:sldMk cId="4005172658" sldId="303"/>
-            <ac:picMk id="17" creationId="{B4BA9574-9B96-B884-236F-FE5B9F192448}"/>
-          </ac:picMkLst>
-        </pc:picChg>
-      </pc:sldChg>
-      <pc:sldChg chg="modSp mod modAnim">
-        <pc:chgData name="Scruel Tao" userId="5ea5c98d59b44d4b" providerId="LiveId" clId="{90F6E66C-EDE2-4E69-89C8-78233A222532}" dt="2024-01-02T08:34:37.912" v="341" actId="313"/>
-        <pc:sldMkLst>
-          <pc:docMk/>
-          <pc:sldMk cId="696613599" sldId="308"/>
-        </pc:sldMkLst>
-        <pc:spChg chg="mod">
-          <ac:chgData name="Scruel Tao" userId="5ea5c98d59b44d4b" providerId="LiveId" clId="{90F6E66C-EDE2-4E69-89C8-78233A222532}" dt="2024-01-02T08:34:36.672" v="340" actId="313"/>
-          <ac:spMkLst>
-            <pc:docMk/>
-            <pc:sldMk cId="696613599" sldId="308"/>
-            <ac:spMk id="7" creationId="{12C899D8-51C5-D9B7-A323-E6EFE4AB5C33}"/>
-          </ac:spMkLst>
-        </pc:spChg>
-      </pc:sldChg>
-      <pc:sldChg chg="addSp modSp mod modAnim">
-        <pc:chgData name="Scruel Tao" userId="5ea5c98d59b44d4b" providerId="LiveId" clId="{90F6E66C-EDE2-4E69-89C8-78233A222532}" dt="2023-12-03T10:35:03.586" v="265" actId="20577"/>
-        <pc:sldMkLst>
-          <pc:docMk/>
-          <pc:sldMk cId="4150484648" sldId="370"/>
-        </pc:sldMkLst>
-        <pc:spChg chg="mod">
-          <ac:chgData name="Scruel Tao" userId="5ea5c98d59b44d4b" providerId="LiveId" clId="{90F6E66C-EDE2-4E69-89C8-78233A222532}" dt="2023-12-03T10:33:30.445" v="234" actId="20577"/>
-          <ac:spMkLst>
-            <pc:docMk/>
-            <pc:sldMk cId="4150484648" sldId="370"/>
-            <ac:spMk id="4" creationId="{85D6D174-6A04-9AED-7984-BD4330ED7E3A}"/>
-          </ac:spMkLst>
-        </pc:spChg>
-        <pc:spChg chg="add mod">
-          <ac:chgData name="Scruel Tao" userId="5ea5c98d59b44d4b" providerId="LiveId" clId="{90F6E66C-EDE2-4E69-89C8-78233A222532}" dt="2023-12-03T10:35:03.586" v="265" actId="20577"/>
-          <ac:spMkLst>
-            <pc:docMk/>
-            <pc:sldMk cId="4150484648" sldId="370"/>
-            <ac:spMk id="5" creationId="{9C922FF5-5FF8-FEC1-92B6-55AB1FDE9C2A}"/>
-          </ac:spMkLst>
-        </pc:spChg>
-      </pc:sldChg>
-      <pc:sldChg chg="modSp mod">
-        <pc:chgData name="Scruel Tao" userId="5ea5c98d59b44d4b" providerId="LiveId" clId="{90F6E66C-EDE2-4E69-89C8-78233A222532}" dt="2023-12-03T10:35:45.234" v="299" actId="20577"/>
-        <pc:sldMkLst>
-          <pc:docMk/>
-          <pc:sldMk cId="2142768243" sldId="372"/>
-        </pc:sldMkLst>
-        <pc:spChg chg="mod">
-          <ac:chgData name="Scruel Tao" userId="5ea5c98d59b44d4b" providerId="LiveId" clId="{90F6E66C-EDE2-4E69-89C8-78233A222532}" dt="2023-12-03T10:35:45.234" v="299" actId="20577"/>
-          <ac:spMkLst>
-            <pc:docMk/>
-            <pc:sldMk cId="2142768243" sldId="372"/>
-            <ac:spMk id="4" creationId="{85D6D174-6A04-9AED-7984-BD4330ED7E3A}"/>
-          </ac:spMkLst>
-        </pc:spChg>
-      </pc:sldChg>
-      <pc:sldChg chg="modSp mod">
-        <pc:chgData name="Scruel Tao" userId="5ea5c98d59b44d4b" providerId="LiveId" clId="{90F6E66C-EDE2-4E69-89C8-78233A222532}" dt="2023-12-03T10:37:30.764" v="334" actId="20577"/>
-        <pc:sldMkLst>
-          <pc:docMk/>
-          <pc:sldMk cId="402016715" sldId="374"/>
-        </pc:sldMkLst>
-        <pc:spChg chg="mod">
-          <ac:chgData name="Scruel Tao" userId="5ea5c98d59b44d4b" providerId="LiveId" clId="{90F6E66C-EDE2-4E69-89C8-78233A222532}" dt="2023-12-03T10:37:30.764" v="334" actId="20577"/>
-          <ac:spMkLst>
-            <pc:docMk/>
-            <pc:sldMk cId="402016715" sldId="374"/>
-            <ac:spMk id="4" creationId="{85D6D174-6A04-9AED-7984-BD4330ED7E3A}"/>
-          </ac:spMkLst>
-        </pc:spChg>
-      </pc:sldChg>
-      <pc:sldChg chg="modSp mod">
-        <pc:chgData name="Scruel Tao" userId="5ea5c98d59b44d4b" providerId="LiveId" clId="{90F6E66C-EDE2-4E69-89C8-78233A222532}" dt="2023-12-03T10:36:44.790" v="328" actId="20577"/>
-        <pc:sldMkLst>
-          <pc:docMk/>
-          <pc:sldMk cId="310738446" sldId="375"/>
-        </pc:sldMkLst>
-        <pc:spChg chg="mod">
-          <ac:chgData name="Scruel Tao" userId="5ea5c98d59b44d4b" providerId="LiveId" clId="{90F6E66C-EDE2-4E69-89C8-78233A222532}" dt="2023-12-03T10:36:44.790" v="328" actId="20577"/>
-          <ac:spMkLst>
-            <pc:docMk/>
-            <pc:sldMk cId="310738446" sldId="375"/>
-            <ac:spMk id="4" creationId="{85D6D174-6A04-9AED-7984-BD4330ED7E3A}"/>
-          </ac:spMkLst>
-        </pc:spChg>
-      </pc:sldChg>
-      <pc:sldChg chg="addSp modSp mod modAnim chgLayout">
-        <pc:chgData name="Scruel Tao" userId="5ea5c98d59b44d4b" providerId="LiveId" clId="{90F6E66C-EDE2-4E69-89C8-78233A222532}" dt="2023-12-03T10:07:09.468" v="165"/>
-        <pc:sldMkLst>
-          <pc:docMk/>
-          <pc:sldMk cId="3746649369" sldId="376"/>
-        </pc:sldMkLst>
-        <pc:spChg chg="mod ord">
-          <ac:chgData name="Scruel Tao" userId="5ea5c98d59b44d4b" providerId="LiveId" clId="{90F6E66C-EDE2-4E69-89C8-78233A222532}" dt="2023-12-03T10:02:39.276" v="0" actId="700"/>
-          <ac:spMkLst>
-            <pc:docMk/>
-            <pc:sldMk cId="3746649369" sldId="376"/>
-            <ac:spMk id="2" creationId="{BAD162F0-2175-84E9-2387-55F669162449}"/>
-          </ac:spMkLst>
-        </pc:spChg>
-        <pc:spChg chg="add mod ord">
-          <ac:chgData name="Scruel Tao" userId="5ea5c98d59b44d4b" providerId="LiveId" clId="{90F6E66C-EDE2-4E69-89C8-78233A222532}" dt="2023-12-03T10:06:34.264" v="163"/>
-          <ac:spMkLst>
-            <pc:docMk/>
-            <pc:sldMk cId="3746649369" sldId="376"/>
-            <ac:spMk id="3" creationId="{9999C155-A13C-2621-03F6-EB459BEF36BA}"/>
-          </ac:spMkLst>
-        </pc:spChg>
-        <pc:spChg chg="mod">
-          <ac:chgData name="Scruel Tao" userId="5ea5c98d59b44d4b" providerId="LiveId" clId="{90F6E66C-EDE2-4E69-89C8-78233A222532}" dt="2023-12-03T10:06:42.248" v="164" actId="207"/>
-          <ac:spMkLst>
-            <pc:docMk/>
-            <pc:sldMk cId="3746649369" sldId="376"/>
-            <ac:spMk id="14" creationId="{0E3316AF-03D2-E954-8D9C-19BFF8D01C35}"/>
-          </ac:spMkLst>
-        </pc:spChg>
-        <pc:picChg chg="mod">
-          <ac:chgData name="Scruel Tao" userId="5ea5c98d59b44d4b" providerId="LiveId" clId="{90F6E66C-EDE2-4E69-89C8-78233A222532}" dt="2023-12-03T10:05:50.380" v="161" actId="1035"/>
-          <ac:picMkLst>
-            <pc:docMk/>
-            <pc:sldMk cId="3746649369" sldId="376"/>
-            <ac:picMk id="16" creationId="{FEA98888-774B-F489-56BF-D3B6D097529F}"/>
-          </ac:picMkLst>
-        </pc:picChg>
-        <pc:picChg chg="mod">
-          <ac:chgData name="Scruel Tao" userId="5ea5c98d59b44d4b" providerId="LiveId" clId="{90F6E66C-EDE2-4E69-89C8-78233A222532}" dt="2023-12-03T10:05:50.380" v="161" actId="1035"/>
-          <ac:picMkLst>
-            <pc:docMk/>
-            <pc:sldMk cId="3746649369" sldId="376"/>
-            <ac:picMk id="17" creationId="{B4BA9574-9B96-B884-236F-FE5B9F192448}"/>
-          </ac:picMkLst>
-        </pc:picChg>
-      </pc:sldChg>
-      <pc:sldChg chg="addSp delSp modSp mod modAnim">
-        <pc:chgData name="Scruel Tao" userId="5ea5c98d59b44d4b" providerId="LiveId" clId="{90F6E66C-EDE2-4E69-89C8-78233A222532}" dt="2023-12-03T10:09:01.489" v="193"/>
-        <pc:sldMkLst>
-          <pc:docMk/>
-          <pc:sldMk cId="428468609" sldId="377"/>
-        </pc:sldMkLst>
-        <pc:spChg chg="add mod">
-          <ac:chgData name="Scruel Tao" userId="5ea5c98d59b44d4b" providerId="LiveId" clId="{90F6E66C-EDE2-4E69-89C8-78233A222532}" dt="2023-12-03T10:08:48.079" v="191" actId="1076"/>
-          <ac:spMkLst>
-            <pc:docMk/>
-            <pc:sldMk cId="428468609" sldId="377"/>
-            <ac:spMk id="4" creationId="{ED9C3CBF-649C-456F-08A1-19F27C8CD37B}"/>
-          </ac:spMkLst>
-        </pc:spChg>
-        <pc:spChg chg="add del mod">
-          <ac:chgData name="Scruel Tao" userId="5ea5c98d59b44d4b" providerId="LiveId" clId="{90F6E66C-EDE2-4E69-89C8-78233A222532}" dt="2023-12-03T10:07:57.399" v="172" actId="478"/>
-          <ac:spMkLst>
-            <pc:docMk/>
-            <pc:sldMk cId="428468609" sldId="377"/>
-            <ac:spMk id="6" creationId="{E81610C6-56B4-6E53-C048-0AEF0BB9C08F}"/>
-          </ac:spMkLst>
-        </pc:spChg>
-        <pc:spChg chg="del mod">
-          <ac:chgData name="Scruel Tao" userId="5ea5c98d59b44d4b" providerId="LiveId" clId="{90F6E66C-EDE2-4E69-89C8-78233A222532}" dt="2023-12-03T10:07:54.586" v="170" actId="478"/>
-          <ac:spMkLst>
-            <pc:docMk/>
-            <pc:sldMk cId="428468609" sldId="377"/>
-            <ac:spMk id="7" creationId="{0F4A2D72-7588-A1A6-108F-2A6CC629E742}"/>
-          </ac:spMkLst>
-        </pc:spChg>
-        <pc:spChg chg="add mod">
-          <ac:chgData name="Scruel Tao" userId="5ea5c98d59b44d4b" providerId="LiveId" clId="{90F6E66C-EDE2-4E69-89C8-78233A222532}" dt="2023-12-03T10:08:17.081" v="178" actId="1076"/>
-          <ac:spMkLst>
-            <pc:docMk/>
-            <pc:sldMk cId="428468609" sldId="377"/>
-            <ac:spMk id="9" creationId="{1C48257C-ECFA-4DA8-A076-ECED3B7D23F9}"/>
-          </ac:spMkLst>
-        </pc:spChg>
-      </pc:sldChg>
-    </pc:docChg>
-  </pc:docChgLst>
-  <pc:docChgLst>
     <pc:chgData name="Scruel Tao" userId="5ea5c98d59b44d4b" providerId="LiveId" clId="{2BA6F94F-59B6-4AA6-9DB6-4A8227DBE37E}"/>
     <pc:docChg chg="undo redo custSel addSld delSld modSld sldOrd modMainMaster">
       <pc:chgData name="Scruel Tao" userId="5ea5c98d59b44d4b" providerId="LiveId" clId="{2BA6F94F-59B6-4AA6-9DB6-4A8227DBE37E}" dt="2023-04-06T03:22:01.021" v="6326" actId="20577"/>
@@ -1778,6 +1442,2686 @@
     </pc:docChg>
   </pc:docChgLst>
   <pc:docChgLst>
+    <pc:chgData name="Scruel Tao" userId="5ea5c98d59b44d4b" providerId="LiveId" clId="{88D73D01-CABB-4B2D-80EC-648726E3C219}"/>
+    <pc:docChg chg="undo redo custSel addSld delSld modSld sldOrd modMainMaster">
+      <pc:chgData name="Scruel Tao" userId="5ea5c98d59b44d4b" providerId="LiveId" clId="{88D73D01-CABB-4B2D-80EC-648726E3C219}" dt="2023-06-02T13:43:51.723" v="6398" actId="20577"/>
+      <pc:docMkLst>
+        <pc:docMk/>
+      </pc:docMkLst>
+      <pc:sldChg chg="addSp delSp modSp add del mod modTransition">
+        <pc:chgData name="Scruel Tao" userId="5ea5c98d59b44d4b" providerId="LiveId" clId="{88D73D01-CABB-4B2D-80EC-648726E3C219}" dt="2023-05-05T14:59:33.343" v="4422"/>
+        <pc:sldMkLst>
+          <pc:docMk/>
+          <pc:sldMk cId="1112998187" sldId="257"/>
+        </pc:sldMkLst>
+        <pc:spChg chg="mod">
+          <ac:chgData name="Scruel Tao" userId="5ea5c98d59b44d4b" providerId="LiveId" clId="{88D73D01-CABB-4B2D-80EC-648726E3C219}" dt="2023-04-26T04:44:19.770" v="24" actId="20577"/>
+          <ac:spMkLst>
+            <pc:docMk/>
+            <pc:sldMk cId="1112998187" sldId="257"/>
+            <ac:spMk id="2" creationId="{1422DFF6-0952-1023-64E3-97184D36BE3F}"/>
+          </ac:spMkLst>
+        </pc:spChg>
+        <pc:spChg chg="mod">
+          <ac:chgData name="Scruel Tao" userId="5ea5c98d59b44d4b" providerId="LiveId" clId="{88D73D01-CABB-4B2D-80EC-648726E3C219}" dt="2023-04-26T04:45:06.262" v="47"/>
+          <ac:spMkLst>
+            <pc:docMk/>
+            <pc:sldMk cId="1112998187" sldId="257"/>
+            <ac:spMk id="3" creationId="{AC7759D9-0BB4-08ED-8476-24F7D903D6DE}"/>
+          </ac:spMkLst>
+        </pc:spChg>
+        <pc:spChg chg="add del mod">
+          <ac:chgData name="Scruel Tao" userId="5ea5c98d59b44d4b" providerId="LiveId" clId="{88D73D01-CABB-4B2D-80EC-648726E3C219}" dt="2023-04-26T10:57:28.701" v="2621" actId="478"/>
+          <ac:spMkLst>
+            <pc:docMk/>
+            <pc:sldMk cId="1112998187" sldId="257"/>
+            <ac:spMk id="4" creationId="{B1A8FEFE-AF03-7678-E583-B0C324FF7C5C}"/>
+          </ac:spMkLst>
+        </pc:spChg>
+      </pc:sldChg>
+      <pc:sldChg chg="del">
+        <pc:chgData name="Scruel Tao" userId="5ea5c98d59b44d4b" providerId="LiveId" clId="{88D73D01-CABB-4B2D-80EC-648726E3C219}" dt="2023-04-26T02:43:28.228" v="0" actId="47"/>
+        <pc:sldMkLst>
+          <pc:docMk/>
+          <pc:sldMk cId="1199684676" sldId="259"/>
+        </pc:sldMkLst>
+      </pc:sldChg>
+      <pc:sldChg chg="addSp delSp modSp mod modTransition modNotes">
+        <pc:chgData name="Scruel Tao" userId="5ea5c98d59b44d4b" providerId="LiveId" clId="{88D73D01-CABB-4B2D-80EC-648726E3C219}" dt="2023-06-02T13:43:51.723" v="6398" actId="20577"/>
+        <pc:sldMkLst>
+          <pc:docMk/>
+          <pc:sldMk cId="0" sldId="260"/>
+        </pc:sldMkLst>
+        <pc:spChg chg="del">
+          <ac:chgData name="Scruel Tao" userId="5ea5c98d59b44d4b" providerId="LiveId" clId="{88D73D01-CABB-4B2D-80EC-648726E3C219}" dt="2023-05-16T03:56:16.049" v="6376" actId="478"/>
+          <ac:spMkLst>
+            <pc:docMk/>
+            <pc:sldMk cId="0" sldId="260"/>
+            <ac:spMk id="2" creationId="{51B8E4C0-E15B-4BD0-7B5B-A44A3D5B0C34}"/>
+          </ac:spMkLst>
+        </pc:spChg>
+        <pc:spChg chg="del">
+          <ac:chgData name="Scruel Tao" userId="5ea5c98d59b44d4b" providerId="LiveId" clId="{88D73D01-CABB-4B2D-80EC-648726E3C219}" dt="2023-05-03T00:05:42.931" v="4045" actId="478"/>
+          <ac:spMkLst>
+            <pc:docMk/>
+            <pc:sldMk cId="0" sldId="260"/>
+            <ac:spMk id="3" creationId="{C8068F35-EF78-6218-F528-48E9ED924DF4}"/>
+          </ac:spMkLst>
+        </pc:spChg>
+        <pc:spChg chg="add del mod">
+          <ac:chgData name="Scruel Tao" userId="5ea5c98d59b44d4b" providerId="LiveId" clId="{88D73D01-CABB-4B2D-80EC-648726E3C219}" dt="2023-05-03T00:05:41.674" v="4044"/>
+          <ac:spMkLst>
+            <pc:docMk/>
+            <pc:sldMk cId="0" sldId="260"/>
+            <ac:spMk id="4" creationId="{836A5BEA-0B28-F483-0FC5-ECAA0890B72D}"/>
+          </ac:spMkLst>
+        </pc:spChg>
+        <pc:spChg chg="add mod">
+          <ac:chgData name="Scruel Tao" userId="5ea5c98d59b44d4b" providerId="LiveId" clId="{88D73D01-CABB-4B2D-80EC-648726E3C219}" dt="2023-05-03T00:05:43.302" v="4046"/>
+          <ac:spMkLst>
+            <pc:docMk/>
+            <pc:sldMk cId="0" sldId="260"/>
+            <ac:spMk id="5" creationId="{44939AF0-12AF-355A-65AB-49B915A3AE52}"/>
+          </ac:spMkLst>
+        </pc:spChg>
+        <pc:spChg chg="mod">
+          <ac:chgData name="Scruel Tao" userId="5ea5c98d59b44d4b" providerId="LiveId" clId="{88D73D01-CABB-4B2D-80EC-648726E3C219}" dt="2023-06-02T13:43:51.723" v="6398" actId="20577"/>
+          <ac:spMkLst>
+            <pc:docMk/>
+            <pc:sldMk cId="0" sldId="260"/>
+            <ac:spMk id="1227783" creationId="{F7B3941E-B689-22D6-F18C-358E4BAEDF5F}"/>
+          </ac:spMkLst>
+        </pc:spChg>
+      </pc:sldChg>
+      <pc:sldChg chg="del">
+        <pc:chgData name="Scruel Tao" userId="5ea5c98d59b44d4b" providerId="LiveId" clId="{88D73D01-CABB-4B2D-80EC-648726E3C219}" dt="2023-04-26T02:43:28.228" v="0" actId="47"/>
+        <pc:sldMkLst>
+          <pc:docMk/>
+          <pc:sldMk cId="1751565490" sldId="276"/>
+        </pc:sldMkLst>
+      </pc:sldChg>
+      <pc:sldChg chg="add del">
+        <pc:chgData name="Scruel Tao" userId="5ea5c98d59b44d4b" providerId="LiveId" clId="{88D73D01-CABB-4B2D-80EC-648726E3C219}" dt="2023-05-01T18:27:14.756" v="4038" actId="47"/>
+        <pc:sldMkLst>
+          <pc:docMk/>
+          <pc:sldMk cId="2706538019" sldId="277"/>
+        </pc:sldMkLst>
+      </pc:sldChg>
+      <pc:sldChg chg="modSp add del mod modAnim">
+        <pc:chgData name="Scruel Tao" userId="5ea5c98d59b44d4b" providerId="LiveId" clId="{88D73D01-CABB-4B2D-80EC-648726E3C219}" dt="2023-04-26T08:55:49.663" v="79" actId="47"/>
+        <pc:sldMkLst>
+          <pc:docMk/>
+          <pc:sldMk cId="3519437269" sldId="279"/>
+        </pc:sldMkLst>
+        <pc:spChg chg="mod">
+          <ac:chgData name="Scruel Tao" userId="5ea5c98d59b44d4b" providerId="LiveId" clId="{88D73D01-CABB-4B2D-80EC-648726E3C219}" dt="2023-04-26T04:44:30.725" v="31"/>
+          <ac:spMkLst>
+            <pc:docMk/>
+            <pc:sldMk cId="3519437269" sldId="279"/>
+            <ac:spMk id="2" creationId="{BAD162F0-2175-84E9-2387-55F669162449}"/>
+          </ac:spMkLst>
+        </pc:spChg>
+      </pc:sldChg>
+      <pc:sldChg chg="modSp add mod modTransition modAnim">
+        <pc:chgData name="Scruel Tao" userId="5ea5c98d59b44d4b" providerId="LiveId" clId="{88D73D01-CABB-4B2D-80EC-648726E3C219}" dt="2023-05-05T14:59:33.343" v="4422"/>
+        <pc:sldMkLst>
+          <pc:docMk/>
+          <pc:sldMk cId="3745708182" sldId="280"/>
+        </pc:sldMkLst>
+        <pc:spChg chg="mod">
+          <ac:chgData name="Scruel Tao" userId="5ea5c98d59b44d4b" providerId="LiveId" clId="{88D73D01-CABB-4B2D-80EC-648726E3C219}" dt="2023-05-04T10:03:57.350" v="4416" actId="20577"/>
+          <ac:spMkLst>
+            <pc:docMk/>
+            <pc:sldMk cId="3745708182" sldId="280"/>
+            <ac:spMk id="3" creationId="{9E0BA8B8-92DA-1AC9-79B9-A552D184BB54}"/>
+          </ac:spMkLst>
+        </pc:spChg>
+      </pc:sldChg>
+      <pc:sldChg chg="modSp add mod modTransition modAnim">
+        <pc:chgData name="Scruel Tao" userId="5ea5c98d59b44d4b" providerId="LiveId" clId="{88D73D01-CABB-4B2D-80EC-648726E3C219}" dt="2023-05-05T14:59:33.343" v="4422"/>
+        <pc:sldMkLst>
+          <pc:docMk/>
+          <pc:sldMk cId="364430658" sldId="282"/>
+        </pc:sldMkLst>
+        <pc:spChg chg="mod">
+          <ac:chgData name="Scruel Tao" userId="5ea5c98d59b44d4b" providerId="LiveId" clId="{88D73D01-CABB-4B2D-80EC-648726E3C219}" dt="2023-04-26T04:45:09.137" v="50"/>
+          <ac:spMkLst>
+            <pc:docMk/>
+            <pc:sldMk cId="364430658" sldId="282"/>
+            <ac:spMk id="2" creationId="{1CBF67D3-549D-0623-7687-618F66C7933B}"/>
+          </ac:spMkLst>
+        </pc:spChg>
+        <pc:spChg chg="mod">
+          <ac:chgData name="Scruel Tao" userId="5ea5c98d59b44d4b" providerId="LiveId" clId="{88D73D01-CABB-4B2D-80EC-648726E3C219}" dt="2023-05-01T16:07:27.756" v="4032" actId="5793"/>
+          <ac:spMkLst>
+            <pc:docMk/>
+            <pc:sldMk cId="364430658" sldId="282"/>
+            <ac:spMk id="5" creationId="{27E734E7-DC50-2043-E0F4-ADDF97100AAB}"/>
+          </ac:spMkLst>
+        </pc:spChg>
+      </pc:sldChg>
+      <pc:sldChg chg="addSp delSp modSp add mod modTransition modClrScheme delAnim modAnim chgLayout">
+        <pc:chgData name="Scruel Tao" userId="5ea5c98d59b44d4b" providerId="LiveId" clId="{88D73D01-CABB-4B2D-80EC-648726E3C219}" dt="2023-05-08T01:30:51.838" v="5977" actId="5793"/>
+        <pc:sldMkLst>
+          <pc:docMk/>
+          <pc:sldMk cId="3210565020" sldId="283"/>
+        </pc:sldMkLst>
+        <pc:spChg chg="mod ord">
+          <ac:chgData name="Scruel Tao" userId="5ea5c98d59b44d4b" providerId="LiveId" clId="{88D73D01-CABB-4B2D-80EC-648726E3C219}" dt="2023-04-26T08:58:46.693" v="302" actId="700"/>
+          <ac:spMkLst>
+            <pc:docMk/>
+            <pc:sldMk cId="3210565020" sldId="283"/>
+            <ac:spMk id="2" creationId="{BAD162F0-2175-84E9-2387-55F669162449}"/>
+          </ac:spMkLst>
+        </pc:spChg>
+        <pc:spChg chg="del mod ord">
+          <ac:chgData name="Scruel Tao" userId="5ea5c98d59b44d4b" providerId="LiveId" clId="{88D73D01-CABB-4B2D-80EC-648726E3C219}" dt="2023-04-26T08:58:46.693" v="302" actId="700"/>
+          <ac:spMkLst>
+            <pc:docMk/>
+            <pc:sldMk cId="3210565020" sldId="283"/>
+            <ac:spMk id="3" creationId="{0E2FC508-1AFD-A957-52F2-FA1DEF2A9D27}"/>
+          </ac:spMkLst>
+        </pc:spChg>
+        <pc:spChg chg="add mod ord">
+          <ac:chgData name="Scruel Tao" userId="5ea5c98d59b44d4b" providerId="LiveId" clId="{88D73D01-CABB-4B2D-80EC-648726E3C219}" dt="2023-05-08T01:30:51.838" v="5977" actId="5793"/>
+          <ac:spMkLst>
+            <pc:docMk/>
+            <pc:sldMk cId="3210565020" sldId="283"/>
+            <ac:spMk id="4" creationId="{85D6D174-6A04-9AED-7984-BD4330ED7E3A}"/>
+          </ac:spMkLst>
+        </pc:spChg>
+        <pc:spChg chg="del mod">
+          <ac:chgData name="Scruel Tao" userId="5ea5c98d59b44d4b" providerId="LiveId" clId="{88D73D01-CABB-4B2D-80EC-648726E3C219}" dt="2023-04-30T17:26:16.714" v="2804" actId="478"/>
+          <ac:spMkLst>
+            <pc:docMk/>
+            <pc:sldMk cId="3210565020" sldId="283"/>
+            <ac:spMk id="5" creationId="{B7A8CE03-6A77-60EC-056E-D7A0019640A3}"/>
+          </ac:spMkLst>
+        </pc:spChg>
+        <pc:spChg chg="del mod">
+          <ac:chgData name="Scruel Tao" userId="5ea5c98d59b44d4b" providerId="LiveId" clId="{88D73D01-CABB-4B2D-80EC-648726E3C219}" dt="2023-04-30T17:26:15.943" v="2803" actId="478"/>
+          <ac:spMkLst>
+            <pc:docMk/>
+            <pc:sldMk cId="3210565020" sldId="283"/>
+            <ac:spMk id="7" creationId="{12C899D8-51C5-D9B7-A323-E6EFE4AB5C33}"/>
+          </ac:spMkLst>
+        </pc:spChg>
+      </pc:sldChg>
+      <pc:sldChg chg="addSp delSp modSp add mod modTransition modClrScheme delAnim modAnim chgLayout modNotesTx">
+        <pc:chgData name="Scruel Tao" userId="5ea5c98d59b44d4b" providerId="LiveId" clId="{88D73D01-CABB-4B2D-80EC-648726E3C219}" dt="2023-05-05T15:52:30.247" v="4449"/>
+        <pc:sldMkLst>
+          <pc:docMk/>
+          <pc:sldMk cId="587836252" sldId="284"/>
+        </pc:sldMkLst>
+        <pc:spChg chg="mod ord">
+          <ac:chgData name="Scruel Tao" userId="5ea5c98d59b44d4b" providerId="LiveId" clId="{88D73D01-CABB-4B2D-80EC-648726E3C219}" dt="2023-05-01T13:35:29.457" v="3583"/>
+          <ac:spMkLst>
+            <pc:docMk/>
+            <pc:sldMk cId="587836252" sldId="284"/>
+            <ac:spMk id="2" creationId="{BAD162F0-2175-84E9-2387-55F669162449}"/>
+          </ac:spMkLst>
+        </pc:spChg>
+        <pc:spChg chg="del mod ord">
+          <ac:chgData name="Scruel Tao" userId="5ea5c98d59b44d4b" providerId="LiveId" clId="{88D73D01-CABB-4B2D-80EC-648726E3C219}" dt="2023-04-26T08:59:08.110" v="309" actId="700"/>
+          <ac:spMkLst>
+            <pc:docMk/>
+            <pc:sldMk cId="587836252" sldId="284"/>
+            <ac:spMk id="3" creationId="{0E2FC508-1AFD-A957-52F2-FA1DEF2A9D27}"/>
+          </ac:spMkLst>
+        </pc:spChg>
+        <pc:spChg chg="add mod ord">
+          <ac:chgData name="Scruel Tao" userId="5ea5c98d59b44d4b" providerId="LiveId" clId="{88D73D01-CABB-4B2D-80EC-648726E3C219}" dt="2023-05-01T13:35:10.735" v="3570" actId="21"/>
+          <ac:spMkLst>
+            <pc:docMk/>
+            <pc:sldMk cId="587836252" sldId="284"/>
+            <ac:spMk id="4" creationId="{01B48343-3D1C-FDA9-2DD5-C88222E962F2}"/>
+          </ac:spMkLst>
+        </pc:spChg>
+        <pc:spChg chg="mod">
+          <ac:chgData name="Scruel Tao" userId="5ea5c98d59b44d4b" providerId="LiveId" clId="{88D73D01-CABB-4B2D-80EC-648726E3C219}" dt="2023-05-01T13:36:47.015" v="3592" actId="1076"/>
+          <ac:spMkLst>
+            <pc:docMk/>
+            <pc:sldMk cId="587836252" sldId="284"/>
+            <ac:spMk id="5" creationId="{B7A8CE03-6A77-60EC-056E-D7A0019640A3}"/>
+          </ac:spMkLst>
+        </pc:spChg>
+        <pc:spChg chg="add del mod">
+          <ac:chgData name="Scruel Tao" userId="5ea5c98d59b44d4b" providerId="LiveId" clId="{88D73D01-CABB-4B2D-80EC-648726E3C219}" dt="2023-05-03T14:53:45.399" v="4127" actId="207"/>
+          <ac:spMkLst>
+            <pc:docMk/>
+            <pc:sldMk cId="587836252" sldId="284"/>
+            <ac:spMk id="7" creationId="{12C899D8-51C5-D9B7-A323-E6EFE4AB5C33}"/>
+          </ac:spMkLst>
+        </pc:spChg>
+        <pc:spChg chg="add del">
+          <ac:chgData name="Scruel Tao" userId="5ea5c98d59b44d4b" providerId="LiveId" clId="{88D73D01-CABB-4B2D-80EC-648726E3C219}" dt="2023-04-30T17:32:29.730" v="2880" actId="21"/>
+          <ac:spMkLst>
+            <pc:docMk/>
+            <pc:sldMk cId="587836252" sldId="284"/>
+            <ac:spMk id="9" creationId="{CEA4ADB6-F110-0C2A-2981-2983A6B642FF}"/>
+          </ac:spMkLst>
+        </pc:spChg>
+        <pc:spChg chg="add del">
+          <ac:chgData name="Scruel Tao" userId="5ea5c98d59b44d4b" providerId="LiveId" clId="{88D73D01-CABB-4B2D-80EC-648726E3C219}" dt="2023-04-30T17:32:39.928" v="2882" actId="21"/>
+          <ac:spMkLst>
+            <pc:docMk/>
+            <pc:sldMk cId="587836252" sldId="284"/>
+            <ac:spMk id="10" creationId="{3FC8D461-926B-6656-DCF4-4AE13D8DE588}"/>
+          </ac:spMkLst>
+        </pc:spChg>
+        <pc:spChg chg="add del mod">
+          <ac:chgData name="Scruel Tao" userId="5ea5c98d59b44d4b" providerId="LiveId" clId="{88D73D01-CABB-4B2D-80EC-648726E3C219}" dt="2023-04-30T17:32:52.412" v="2885" actId="21"/>
+          <ac:spMkLst>
+            <pc:docMk/>
+            <pc:sldMk cId="587836252" sldId="284"/>
+            <ac:spMk id="11" creationId="{98E4F262-E710-3617-DD49-27801B58C19E}"/>
+          </ac:spMkLst>
+        </pc:spChg>
+        <pc:spChg chg="add del mod">
+          <ac:chgData name="Scruel Tao" userId="5ea5c98d59b44d4b" providerId="LiveId" clId="{88D73D01-CABB-4B2D-80EC-648726E3C219}" dt="2023-04-30T17:35:45.694" v="2904" actId="21"/>
+          <ac:spMkLst>
+            <pc:docMk/>
+            <pc:sldMk cId="587836252" sldId="284"/>
+            <ac:spMk id="12" creationId="{069450B2-0ABB-BC6F-8094-6C23BE64DB69}"/>
+          </ac:spMkLst>
+        </pc:spChg>
+        <pc:spChg chg="add del mod">
+          <ac:chgData name="Scruel Tao" userId="5ea5c98d59b44d4b" providerId="LiveId" clId="{88D73D01-CABB-4B2D-80EC-648726E3C219}" dt="2023-04-30T17:35:03.098" v="2897" actId="21"/>
+          <ac:spMkLst>
+            <pc:docMk/>
+            <pc:sldMk cId="587836252" sldId="284"/>
+            <ac:spMk id="13" creationId="{FD59A6F6-582F-FA0B-4600-DB1F88A24D5E}"/>
+          </ac:spMkLst>
+        </pc:spChg>
+        <pc:cxnChg chg="add del mod">
+          <ac:chgData name="Scruel Tao" userId="5ea5c98d59b44d4b" providerId="LiveId" clId="{88D73D01-CABB-4B2D-80EC-648726E3C219}" dt="2023-04-30T17:32:02.262" v="2878" actId="21"/>
+          <ac:cxnSpMkLst>
+            <pc:docMk/>
+            <pc:sldMk cId="587836252" sldId="284"/>
+            <ac:cxnSpMk id="6" creationId="{5F4ED83B-299C-9A93-5774-4B9CD8EACF47}"/>
+          </ac:cxnSpMkLst>
+        </pc:cxnChg>
+        <pc:cxnChg chg="add del mod">
+          <ac:chgData name="Scruel Tao" userId="5ea5c98d59b44d4b" providerId="LiveId" clId="{88D73D01-CABB-4B2D-80EC-648726E3C219}" dt="2023-04-30T17:35:34.083" v="2902" actId="21"/>
+          <ac:cxnSpMkLst>
+            <pc:docMk/>
+            <pc:sldMk cId="587836252" sldId="284"/>
+            <ac:cxnSpMk id="15" creationId="{BC744BA8-C5D6-E1D2-2E10-3B10FD2910C8}"/>
+          </ac:cxnSpMkLst>
+        </pc:cxnChg>
+        <pc:cxnChg chg="add del mod">
+          <ac:chgData name="Scruel Tao" userId="5ea5c98d59b44d4b" providerId="LiveId" clId="{88D73D01-CABB-4B2D-80EC-648726E3C219}" dt="2023-04-30T17:35:35.788" v="2903" actId="21"/>
+          <ac:cxnSpMkLst>
+            <pc:docMk/>
+            <pc:sldMk cId="587836252" sldId="284"/>
+            <ac:cxnSpMk id="17" creationId="{8DA404D1-D015-9AEA-D85F-A63EA4FC580C}"/>
+          </ac:cxnSpMkLst>
+        </pc:cxnChg>
+      </pc:sldChg>
+      <pc:sldChg chg="addSp delSp modSp add del mod modClrScheme chgLayout">
+        <pc:chgData name="Scruel Tao" userId="5ea5c98d59b44d4b" providerId="LiveId" clId="{88D73D01-CABB-4B2D-80EC-648726E3C219}" dt="2023-04-26T09:46:22.271" v="2343" actId="47"/>
+        <pc:sldMkLst>
+          <pc:docMk/>
+          <pc:sldMk cId="1774767121" sldId="285"/>
+        </pc:sldMkLst>
+        <pc:spChg chg="mod ord">
+          <ac:chgData name="Scruel Tao" userId="5ea5c98d59b44d4b" providerId="LiveId" clId="{88D73D01-CABB-4B2D-80EC-648726E3C219}" dt="2023-04-26T09:44:52.526" v="2282"/>
+          <ac:spMkLst>
+            <pc:docMk/>
+            <pc:sldMk cId="1774767121" sldId="285"/>
+            <ac:spMk id="2" creationId="{BAD162F0-2175-84E9-2387-55F669162449}"/>
+          </ac:spMkLst>
+        </pc:spChg>
+        <pc:spChg chg="del mod ord">
+          <ac:chgData name="Scruel Tao" userId="5ea5c98d59b44d4b" providerId="LiveId" clId="{88D73D01-CABB-4B2D-80EC-648726E3C219}" dt="2023-04-26T08:59:08.110" v="309" actId="700"/>
+          <ac:spMkLst>
+            <pc:docMk/>
+            <pc:sldMk cId="1774767121" sldId="285"/>
+            <ac:spMk id="3" creationId="{0E2FC508-1AFD-A957-52F2-FA1DEF2A9D27}"/>
+          </ac:spMkLst>
+        </pc:spChg>
+        <pc:spChg chg="add mod ord">
+          <ac:chgData name="Scruel Tao" userId="5ea5c98d59b44d4b" providerId="LiveId" clId="{88D73D01-CABB-4B2D-80EC-648726E3C219}" dt="2023-04-26T08:59:08.110" v="309" actId="700"/>
+          <ac:spMkLst>
+            <pc:docMk/>
+            <pc:sldMk cId="1774767121" sldId="285"/>
+            <ac:spMk id="4" creationId="{A8729A87-597D-F8A5-FA4B-9A53ABB05769}"/>
+          </ac:spMkLst>
+        </pc:spChg>
+      </pc:sldChg>
+      <pc:sldChg chg="addSp delSp modSp add mod modTransition modAnim">
+        <pc:chgData name="Scruel Tao" userId="5ea5c98d59b44d4b" providerId="LiveId" clId="{88D73D01-CABB-4B2D-80EC-648726E3C219}" dt="2023-05-05T14:59:33.343" v="4422"/>
+        <pc:sldMkLst>
+          <pc:docMk/>
+          <pc:sldMk cId="3618025480" sldId="286"/>
+        </pc:sldMkLst>
+        <pc:spChg chg="mod">
+          <ac:chgData name="Scruel Tao" userId="5ea5c98d59b44d4b" providerId="LiveId" clId="{88D73D01-CABB-4B2D-80EC-648726E3C219}" dt="2023-04-26T08:55:46.727" v="78"/>
+          <ac:spMkLst>
+            <pc:docMk/>
+            <pc:sldMk cId="3618025480" sldId="286"/>
+            <ac:spMk id="2" creationId="{BAD162F0-2175-84E9-2387-55F669162449}"/>
+          </ac:spMkLst>
+        </pc:spChg>
+        <pc:spChg chg="mod">
+          <ac:chgData name="Scruel Tao" userId="5ea5c98d59b44d4b" providerId="LiveId" clId="{88D73D01-CABB-4B2D-80EC-648726E3C219}" dt="2023-05-01T09:23:05.787" v="3492" actId="20577"/>
+          <ac:spMkLst>
+            <pc:docMk/>
+            <pc:sldMk cId="3618025480" sldId="286"/>
+            <ac:spMk id="3" creationId="{0E2FC508-1AFD-A957-52F2-FA1DEF2A9D27}"/>
+          </ac:spMkLst>
+        </pc:spChg>
+        <pc:spChg chg="mod">
+          <ac:chgData name="Scruel Tao" userId="5ea5c98d59b44d4b" providerId="LiveId" clId="{88D73D01-CABB-4B2D-80EC-648726E3C219}" dt="2023-05-04T09:54:39.904" v="4310" actId="947"/>
+          <ac:spMkLst>
+            <pc:docMk/>
+            <pc:sldMk cId="3618025480" sldId="286"/>
+            <ac:spMk id="5" creationId="{B7A8CE03-6A77-60EC-056E-D7A0019640A3}"/>
+          </ac:spMkLst>
+        </pc:spChg>
+        <pc:spChg chg="add del mod">
+          <ac:chgData name="Scruel Tao" userId="5ea5c98d59b44d4b" providerId="LiveId" clId="{88D73D01-CABB-4B2D-80EC-648726E3C219}" dt="2023-04-30T16:34:31.753" v="2702" actId="21"/>
+          <ac:spMkLst>
+            <pc:docMk/>
+            <pc:sldMk cId="3618025480" sldId="286"/>
+            <ac:spMk id="6" creationId="{AEDF4E98-4C73-5D1D-E9CA-9CA75FC57374}"/>
+          </ac:spMkLst>
+        </pc:spChg>
+        <pc:spChg chg="mod">
+          <ac:chgData name="Scruel Tao" userId="5ea5c98d59b44d4b" providerId="LiveId" clId="{88D73D01-CABB-4B2D-80EC-648726E3C219}" dt="2023-04-30T16:34:37.382" v="2704" actId="1076"/>
+          <ac:spMkLst>
+            <pc:docMk/>
+            <pc:sldMk cId="3618025480" sldId="286"/>
+            <ac:spMk id="7" creationId="{12C899D8-51C5-D9B7-A323-E6EFE4AB5C33}"/>
+          </ac:spMkLst>
+        </pc:spChg>
+      </pc:sldChg>
+      <pc:sldChg chg="modSp add del mod">
+        <pc:chgData name="Scruel Tao" userId="5ea5c98d59b44d4b" providerId="LiveId" clId="{88D73D01-CABB-4B2D-80EC-648726E3C219}" dt="2023-04-26T09:07:11.328" v="701" actId="47"/>
+        <pc:sldMkLst>
+          <pc:docMk/>
+          <pc:sldMk cId="1430406189" sldId="287"/>
+        </pc:sldMkLst>
+        <pc:spChg chg="mod">
+          <ac:chgData name="Scruel Tao" userId="5ea5c98d59b44d4b" providerId="LiveId" clId="{88D73D01-CABB-4B2D-80EC-648726E3C219}" dt="2023-04-26T09:06:31.420" v="648" actId="20577"/>
+          <ac:spMkLst>
+            <pc:docMk/>
+            <pc:sldMk cId="1430406189" sldId="287"/>
+            <ac:spMk id="4" creationId="{85D6D174-6A04-9AED-7984-BD4330ED7E3A}"/>
+          </ac:spMkLst>
+        </pc:spChg>
+      </pc:sldChg>
+      <pc:sldChg chg="modSp add mod modTransition modAnim">
+        <pc:chgData name="Scruel Tao" userId="5ea5c98d59b44d4b" providerId="LiveId" clId="{88D73D01-CABB-4B2D-80EC-648726E3C219}" dt="2023-05-08T01:30:49.497" v="5976" actId="5793"/>
+        <pc:sldMkLst>
+          <pc:docMk/>
+          <pc:sldMk cId="2877461038" sldId="288"/>
+        </pc:sldMkLst>
+        <pc:spChg chg="mod">
+          <ac:chgData name="Scruel Tao" userId="5ea5c98d59b44d4b" providerId="LiveId" clId="{88D73D01-CABB-4B2D-80EC-648726E3C219}" dt="2023-04-26T09:10:33.967" v="824"/>
+          <ac:spMkLst>
+            <pc:docMk/>
+            <pc:sldMk cId="2877461038" sldId="288"/>
+            <ac:spMk id="2" creationId="{BAD162F0-2175-84E9-2387-55F669162449}"/>
+          </ac:spMkLst>
+        </pc:spChg>
+        <pc:spChg chg="mod">
+          <ac:chgData name="Scruel Tao" userId="5ea5c98d59b44d4b" providerId="LiveId" clId="{88D73D01-CABB-4B2D-80EC-648726E3C219}" dt="2023-05-08T01:30:49.497" v="5976" actId="5793"/>
+          <ac:spMkLst>
+            <pc:docMk/>
+            <pc:sldMk cId="2877461038" sldId="288"/>
+            <ac:spMk id="4" creationId="{85D6D174-6A04-9AED-7984-BD4330ED7E3A}"/>
+          </ac:spMkLst>
+        </pc:spChg>
+        <pc:spChg chg="mod">
+          <ac:chgData name="Scruel Tao" userId="5ea5c98d59b44d4b" providerId="LiveId" clId="{88D73D01-CABB-4B2D-80EC-648726E3C219}" dt="2023-04-29T18:19:58.150" v="2673" actId="14100"/>
+          <ac:spMkLst>
+            <pc:docMk/>
+            <pc:sldMk cId="2877461038" sldId="288"/>
+            <ac:spMk id="7" creationId="{12C899D8-51C5-D9B7-A323-E6EFE4AB5C33}"/>
+          </ac:spMkLst>
+        </pc:spChg>
+      </pc:sldChg>
+      <pc:sldChg chg="modSp add mod modTransition modAnim">
+        <pc:chgData name="Scruel Tao" userId="5ea5c98d59b44d4b" providerId="LiveId" clId="{88D73D01-CABB-4B2D-80EC-648726E3C219}" dt="2023-05-08T01:30:59.834" v="5981"/>
+        <pc:sldMkLst>
+          <pc:docMk/>
+          <pc:sldMk cId="348119642" sldId="289"/>
+        </pc:sldMkLst>
+        <pc:spChg chg="mod">
+          <ac:chgData name="Scruel Tao" userId="5ea5c98d59b44d4b" providerId="LiveId" clId="{88D73D01-CABB-4B2D-80EC-648726E3C219}" dt="2023-04-26T09:10:42.494" v="830"/>
+          <ac:spMkLst>
+            <pc:docMk/>
+            <pc:sldMk cId="348119642" sldId="289"/>
+            <ac:spMk id="2" creationId="{BAD162F0-2175-84E9-2387-55F669162449}"/>
+          </ac:spMkLst>
+        </pc:spChg>
+        <pc:spChg chg="mod">
+          <ac:chgData name="Scruel Tao" userId="5ea5c98d59b44d4b" providerId="LiveId" clId="{88D73D01-CABB-4B2D-80EC-648726E3C219}" dt="2023-05-08T01:30:59.834" v="5981"/>
+          <ac:spMkLst>
+            <pc:docMk/>
+            <pc:sldMk cId="348119642" sldId="289"/>
+            <ac:spMk id="4" creationId="{85D6D174-6A04-9AED-7984-BD4330ED7E3A}"/>
+          </ac:spMkLst>
+        </pc:spChg>
+        <pc:spChg chg="mod">
+          <ac:chgData name="Scruel Tao" userId="5ea5c98d59b44d4b" providerId="LiveId" clId="{88D73D01-CABB-4B2D-80EC-648726E3C219}" dt="2023-04-26T09:19:02.637" v="1129" actId="1076"/>
+          <ac:spMkLst>
+            <pc:docMk/>
+            <pc:sldMk cId="348119642" sldId="289"/>
+            <ac:spMk id="5" creationId="{B7A8CE03-6A77-60EC-056E-D7A0019640A3}"/>
+          </ac:spMkLst>
+        </pc:spChg>
+        <pc:spChg chg="mod">
+          <ac:chgData name="Scruel Tao" userId="5ea5c98d59b44d4b" providerId="LiveId" clId="{88D73D01-CABB-4B2D-80EC-648726E3C219}" dt="2023-04-29T18:20:36.028" v="2678" actId="14100"/>
+          <ac:spMkLst>
+            <pc:docMk/>
+            <pc:sldMk cId="348119642" sldId="289"/>
+            <ac:spMk id="7" creationId="{12C899D8-51C5-D9B7-A323-E6EFE4AB5C33}"/>
+          </ac:spMkLst>
+        </pc:spChg>
+      </pc:sldChg>
+      <pc:sldChg chg="addSp delSp modSp add mod modTransition delAnim modAnim">
+        <pc:chgData name="Scruel Tao" userId="5ea5c98d59b44d4b" providerId="LiveId" clId="{88D73D01-CABB-4B2D-80EC-648726E3C219}" dt="2023-05-08T01:31:03.910" v="5985"/>
+        <pc:sldMkLst>
+          <pc:docMk/>
+          <pc:sldMk cId="1685143547" sldId="290"/>
+        </pc:sldMkLst>
+        <pc:spChg chg="mod">
+          <ac:chgData name="Scruel Tao" userId="5ea5c98d59b44d4b" providerId="LiveId" clId="{88D73D01-CABB-4B2D-80EC-648726E3C219}" dt="2023-04-26T09:13:21.201" v="880"/>
+          <ac:spMkLst>
+            <pc:docMk/>
+            <pc:sldMk cId="1685143547" sldId="290"/>
+            <ac:spMk id="2" creationId="{BAD162F0-2175-84E9-2387-55F669162449}"/>
+          </ac:spMkLst>
+        </pc:spChg>
+        <pc:spChg chg="add mod">
+          <ac:chgData name="Scruel Tao" userId="5ea5c98d59b44d4b" providerId="LiveId" clId="{88D73D01-CABB-4B2D-80EC-648726E3C219}" dt="2023-04-29T18:20:24.280" v="2677"/>
+          <ac:spMkLst>
+            <pc:docMk/>
+            <pc:sldMk cId="1685143547" sldId="290"/>
+            <ac:spMk id="3" creationId="{A6880A42-6751-187F-0E58-18DA12F5EB9F}"/>
+          </ac:spMkLst>
+        </pc:spChg>
+        <pc:spChg chg="mod">
+          <ac:chgData name="Scruel Tao" userId="5ea5c98d59b44d4b" providerId="LiveId" clId="{88D73D01-CABB-4B2D-80EC-648726E3C219}" dt="2023-05-08T01:31:03.910" v="5985"/>
+          <ac:spMkLst>
+            <pc:docMk/>
+            <pc:sldMk cId="1685143547" sldId="290"/>
+            <ac:spMk id="4" creationId="{85D6D174-6A04-9AED-7984-BD4330ED7E3A}"/>
+          </ac:spMkLst>
+        </pc:spChg>
+        <pc:spChg chg="del mod">
+          <ac:chgData name="Scruel Tao" userId="5ea5c98d59b44d4b" providerId="LiveId" clId="{88D73D01-CABB-4B2D-80EC-648726E3C219}" dt="2023-04-29T18:20:20.273" v="2676" actId="21"/>
+          <ac:spMkLst>
+            <pc:docMk/>
+            <pc:sldMk cId="1685143547" sldId="290"/>
+            <ac:spMk id="5" creationId="{B7A8CE03-6A77-60EC-056E-D7A0019640A3}"/>
+          </ac:spMkLst>
+        </pc:spChg>
+        <pc:spChg chg="mod">
+          <ac:chgData name="Scruel Tao" userId="5ea5c98d59b44d4b" providerId="LiveId" clId="{88D73D01-CABB-4B2D-80EC-648726E3C219}" dt="2023-04-29T18:19:39.969" v="2670" actId="1076"/>
+          <ac:spMkLst>
+            <pc:docMk/>
+            <pc:sldMk cId="1685143547" sldId="290"/>
+            <ac:spMk id="7" creationId="{12C899D8-51C5-D9B7-A323-E6EFE4AB5C33}"/>
+          </ac:spMkLst>
+        </pc:spChg>
+      </pc:sldChg>
+      <pc:sldChg chg="modSp add mod modTransition modAnim">
+        <pc:chgData name="Scruel Tao" userId="5ea5c98d59b44d4b" providerId="LiveId" clId="{88D73D01-CABB-4B2D-80EC-648726E3C219}" dt="2023-05-08T01:31:08.632" v="5989"/>
+        <pc:sldMkLst>
+          <pc:docMk/>
+          <pc:sldMk cId="1485813308" sldId="291"/>
+        </pc:sldMkLst>
+        <pc:spChg chg="mod">
+          <ac:chgData name="Scruel Tao" userId="5ea5c98d59b44d4b" providerId="LiveId" clId="{88D73D01-CABB-4B2D-80EC-648726E3C219}" dt="2023-04-26T09:16:53.596" v="1071"/>
+          <ac:spMkLst>
+            <pc:docMk/>
+            <pc:sldMk cId="1485813308" sldId="291"/>
+            <ac:spMk id="2" creationId="{BAD162F0-2175-84E9-2387-55F669162449}"/>
+          </ac:spMkLst>
+        </pc:spChg>
+        <pc:spChg chg="mod">
+          <ac:chgData name="Scruel Tao" userId="5ea5c98d59b44d4b" providerId="LiveId" clId="{88D73D01-CABB-4B2D-80EC-648726E3C219}" dt="2023-05-08T01:31:08.632" v="5989"/>
+          <ac:spMkLst>
+            <pc:docMk/>
+            <pc:sldMk cId="1485813308" sldId="291"/>
+            <ac:spMk id="4" creationId="{85D6D174-6A04-9AED-7984-BD4330ED7E3A}"/>
+          </ac:spMkLst>
+        </pc:spChg>
+        <pc:spChg chg="mod">
+          <ac:chgData name="Scruel Tao" userId="5ea5c98d59b44d4b" providerId="LiveId" clId="{88D73D01-CABB-4B2D-80EC-648726E3C219}" dt="2023-04-26T09:16:40.908" v="1067" actId="1076"/>
+          <ac:spMkLst>
+            <pc:docMk/>
+            <pc:sldMk cId="1485813308" sldId="291"/>
+            <ac:spMk id="5" creationId="{B7A8CE03-6A77-60EC-056E-D7A0019640A3}"/>
+          </ac:spMkLst>
+        </pc:spChg>
+        <pc:spChg chg="mod">
+          <ac:chgData name="Scruel Tao" userId="5ea5c98d59b44d4b" providerId="LiveId" clId="{88D73D01-CABB-4B2D-80EC-648726E3C219}" dt="2023-04-29T18:11:18.357" v="2651" actId="113"/>
+          <ac:spMkLst>
+            <pc:docMk/>
+            <pc:sldMk cId="1485813308" sldId="291"/>
+            <ac:spMk id="7" creationId="{12C899D8-51C5-D9B7-A323-E6EFE4AB5C33}"/>
+          </ac:spMkLst>
+        </pc:spChg>
+      </pc:sldChg>
+      <pc:sldChg chg="modSp add mod modTransition modAnim modNotesTx">
+        <pc:chgData name="Scruel Tao" userId="5ea5c98d59b44d4b" providerId="LiveId" clId="{88D73D01-CABB-4B2D-80EC-648726E3C219}" dt="2023-05-08T01:31:13.544" v="5993"/>
+        <pc:sldMkLst>
+          <pc:docMk/>
+          <pc:sldMk cId="3821772885" sldId="292"/>
+        </pc:sldMkLst>
+        <pc:spChg chg="mod">
+          <ac:chgData name="Scruel Tao" userId="5ea5c98d59b44d4b" providerId="LiveId" clId="{88D73D01-CABB-4B2D-80EC-648726E3C219}" dt="2023-04-26T09:17:03.202" v="1077" actId="20577"/>
+          <ac:spMkLst>
+            <pc:docMk/>
+            <pc:sldMk cId="3821772885" sldId="292"/>
+            <ac:spMk id="2" creationId="{BAD162F0-2175-84E9-2387-55F669162449}"/>
+          </ac:spMkLst>
+        </pc:spChg>
+        <pc:spChg chg="mod">
+          <ac:chgData name="Scruel Tao" userId="5ea5c98d59b44d4b" providerId="LiveId" clId="{88D73D01-CABB-4B2D-80EC-648726E3C219}" dt="2023-05-08T01:31:13.544" v="5993"/>
+          <ac:spMkLst>
+            <pc:docMk/>
+            <pc:sldMk cId="3821772885" sldId="292"/>
+            <ac:spMk id="4" creationId="{85D6D174-6A04-9AED-7984-BD4330ED7E3A}"/>
+          </ac:spMkLst>
+        </pc:spChg>
+        <pc:spChg chg="mod">
+          <ac:chgData name="Scruel Tao" userId="5ea5c98d59b44d4b" providerId="LiveId" clId="{88D73D01-CABB-4B2D-80EC-648726E3C219}" dt="2023-05-06T10:06:51.336" v="4502" actId="1076"/>
+          <ac:spMkLst>
+            <pc:docMk/>
+            <pc:sldMk cId="3821772885" sldId="292"/>
+            <ac:spMk id="5" creationId="{B7A8CE03-6A77-60EC-056E-D7A0019640A3}"/>
+          </ac:spMkLst>
+        </pc:spChg>
+        <pc:spChg chg="mod">
+          <ac:chgData name="Scruel Tao" userId="5ea5c98d59b44d4b" providerId="LiveId" clId="{88D73D01-CABB-4B2D-80EC-648726E3C219}" dt="2023-05-06T10:06:38.573" v="4500" actId="20577"/>
+          <ac:spMkLst>
+            <pc:docMk/>
+            <pc:sldMk cId="3821772885" sldId="292"/>
+            <ac:spMk id="7" creationId="{12C899D8-51C5-D9B7-A323-E6EFE4AB5C33}"/>
+          </ac:spMkLst>
+        </pc:spChg>
+      </pc:sldChg>
+      <pc:sldChg chg="addSp delSp modSp add mod modTransition delAnim">
+        <pc:chgData name="Scruel Tao" userId="5ea5c98d59b44d4b" providerId="LiveId" clId="{88D73D01-CABB-4B2D-80EC-648726E3C219}" dt="2023-05-05T14:59:33.343" v="4422"/>
+        <pc:sldMkLst>
+          <pc:docMk/>
+          <pc:sldMk cId="2065461227" sldId="293"/>
+        </pc:sldMkLst>
+        <pc:spChg chg="mod">
+          <ac:chgData name="Scruel Tao" userId="5ea5c98d59b44d4b" providerId="LiveId" clId="{88D73D01-CABB-4B2D-80EC-648726E3C219}" dt="2023-04-26T09:21:02.860" v="1158"/>
+          <ac:spMkLst>
+            <pc:docMk/>
+            <pc:sldMk cId="2065461227" sldId="293"/>
+            <ac:spMk id="2" creationId="{BAD162F0-2175-84E9-2387-55F669162449}"/>
+          </ac:spMkLst>
+        </pc:spChg>
+        <pc:spChg chg="add mod">
+          <ac:chgData name="Scruel Tao" userId="5ea5c98d59b44d4b" providerId="LiveId" clId="{88D73D01-CABB-4B2D-80EC-648726E3C219}" dt="2023-04-29T18:11:07.779" v="2646" actId="113"/>
+          <ac:spMkLst>
+            <pc:docMk/>
+            <pc:sldMk cId="2065461227" sldId="293"/>
+            <ac:spMk id="3" creationId="{6161918E-4117-86BA-1348-EFDCE664B1EF}"/>
+          </ac:spMkLst>
+        </pc:spChg>
+        <pc:spChg chg="mod">
+          <ac:chgData name="Scruel Tao" userId="5ea5c98d59b44d4b" providerId="LiveId" clId="{88D73D01-CABB-4B2D-80EC-648726E3C219}" dt="2023-05-03T02:45:19.180" v="4057" actId="5793"/>
+          <ac:spMkLst>
+            <pc:docMk/>
+            <pc:sldMk cId="2065461227" sldId="293"/>
+            <ac:spMk id="4" creationId="{85D6D174-6A04-9AED-7984-BD4330ED7E3A}"/>
+          </ac:spMkLst>
+        </pc:spChg>
+        <pc:spChg chg="del">
+          <ac:chgData name="Scruel Tao" userId="5ea5c98d59b44d4b" providerId="LiveId" clId="{88D73D01-CABB-4B2D-80EC-648726E3C219}" dt="2023-04-26T09:24:34.514" v="1284" actId="478"/>
+          <ac:spMkLst>
+            <pc:docMk/>
+            <pc:sldMk cId="2065461227" sldId="293"/>
+            <ac:spMk id="5" creationId="{B7A8CE03-6A77-60EC-056E-D7A0019640A3}"/>
+          </ac:spMkLst>
+        </pc:spChg>
+        <pc:spChg chg="add del mod">
+          <ac:chgData name="Scruel Tao" userId="5ea5c98d59b44d4b" providerId="LiveId" clId="{88D73D01-CABB-4B2D-80EC-648726E3C219}" dt="2023-04-26T09:22:02.165" v="1164"/>
+          <ac:spMkLst>
+            <pc:docMk/>
+            <pc:sldMk cId="2065461227" sldId="293"/>
+            <ac:spMk id="6" creationId="{E44E8B36-6CC4-8694-3BD6-AA5FC778B064}"/>
+          </ac:spMkLst>
+        </pc:spChg>
+        <pc:spChg chg="mod">
+          <ac:chgData name="Scruel Tao" userId="5ea5c98d59b44d4b" providerId="LiveId" clId="{88D73D01-CABB-4B2D-80EC-648726E3C219}" dt="2023-04-29T18:11:11.543" v="2647"/>
+          <ac:spMkLst>
+            <pc:docMk/>
+            <pc:sldMk cId="2065461227" sldId="293"/>
+            <ac:spMk id="7" creationId="{12C899D8-51C5-D9B7-A323-E6EFE4AB5C33}"/>
+          </ac:spMkLst>
+        </pc:spChg>
+        <pc:spChg chg="add mod">
+          <ac:chgData name="Scruel Tao" userId="5ea5c98d59b44d4b" providerId="LiveId" clId="{88D73D01-CABB-4B2D-80EC-648726E3C219}" dt="2023-05-03T02:23:24.241" v="4055" actId="2711"/>
+          <ac:spMkLst>
+            <pc:docMk/>
+            <pc:sldMk cId="2065461227" sldId="293"/>
+            <ac:spMk id="9" creationId="{E08D2CD8-382B-DC0F-3A4E-1F4D30B0F2D1}"/>
+          </ac:spMkLst>
+        </pc:spChg>
+        <pc:spChg chg="add mod">
+          <ac:chgData name="Scruel Tao" userId="5ea5c98d59b44d4b" providerId="LiveId" clId="{88D73D01-CABB-4B2D-80EC-648726E3C219}" dt="2023-05-03T02:23:29.364" v="4056" actId="2711"/>
+          <ac:spMkLst>
+            <pc:docMk/>
+            <pc:sldMk cId="2065461227" sldId="293"/>
+            <ac:spMk id="11" creationId="{ACFAA2F2-2C12-2F3E-6F61-A2E4D3BBAF3C}"/>
+          </ac:spMkLst>
+        </pc:spChg>
+      </pc:sldChg>
+      <pc:sldChg chg="addSp delSp modSp add mod modTransition modAnim">
+        <pc:chgData name="Scruel Tao" userId="5ea5c98d59b44d4b" providerId="LiveId" clId="{88D73D01-CABB-4B2D-80EC-648726E3C219}" dt="2023-05-05T14:59:33.343" v="4422"/>
+        <pc:sldMkLst>
+          <pc:docMk/>
+          <pc:sldMk cId="1915997927" sldId="294"/>
+        </pc:sldMkLst>
+        <pc:spChg chg="mod">
+          <ac:chgData name="Scruel Tao" userId="5ea5c98d59b44d4b" providerId="LiveId" clId="{88D73D01-CABB-4B2D-80EC-648726E3C219}" dt="2023-04-26T09:26:35.093" v="1494" actId="20577"/>
+          <ac:spMkLst>
+            <pc:docMk/>
+            <pc:sldMk cId="1915997927" sldId="294"/>
+            <ac:spMk id="2" creationId="{BAD162F0-2175-84E9-2387-55F669162449}"/>
+          </ac:spMkLst>
+        </pc:spChg>
+        <pc:spChg chg="del">
+          <ac:chgData name="Scruel Tao" userId="5ea5c98d59b44d4b" providerId="LiveId" clId="{88D73D01-CABB-4B2D-80EC-648726E3C219}" dt="2023-04-26T09:37:02.376" v="1988" actId="478"/>
+          <ac:spMkLst>
+            <pc:docMk/>
+            <pc:sldMk cId="1915997927" sldId="294"/>
+            <ac:spMk id="3" creationId="{6161918E-4117-86BA-1348-EFDCE664B1EF}"/>
+          </ac:spMkLst>
+        </pc:spChg>
+        <pc:spChg chg="mod">
+          <ac:chgData name="Scruel Tao" userId="5ea5c98d59b44d4b" providerId="LiveId" clId="{88D73D01-CABB-4B2D-80EC-648726E3C219}" dt="2023-05-03T02:22:54.232" v="4052" actId="113"/>
+          <ac:spMkLst>
+            <pc:docMk/>
+            <pc:sldMk cId="1915997927" sldId="294"/>
+            <ac:spMk id="4" creationId="{85D6D174-6A04-9AED-7984-BD4330ED7E3A}"/>
+          </ac:spMkLst>
+        </pc:spChg>
+        <pc:spChg chg="add mod">
+          <ac:chgData name="Scruel Tao" userId="5ea5c98d59b44d4b" providerId="LiveId" clId="{88D73D01-CABB-4B2D-80EC-648726E3C219}" dt="2023-05-03T12:52:19.065" v="4125" actId="207"/>
+          <ac:spMkLst>
+            <pc:docMk/>
+            <pc:sldMk cId="1915997927" sldId="294"/>
+            <ac:spMk id="5" creationId="{4B3FACC7-2E92-1DB1-1018-0263AD342247}"/>
+          </ac:spMkLst>
+        </pc:spChg>
+        <pc:spChg chg="mod">
+          <ac:chgData name="Scruel Tao" userId="5ea5c98d59b44d4b" providerId="LiveId" clId="{88D73D01-CABB-4B2D-80EC-648726E3C219}" dt="2023-04-29T18:11:35.970" v="2654" actId="113"/>
+          <ac:spMkLst>
+            <pc:docMk/>
+            <pc:sldMk cId="1915997927" sldId="294"/>
+            <ac:spMk id="7" creationId="{12C899D8-51C5-D9B7-A323-E6EFE4AB5C33}"/>
+          </ac:spMkLst>
+        </pc:spChg>
+        <pc:spChg chg="del">
+          <ac:chgData name="Scruel Tao" userId="5ea5c98d59b44d4b" providerId="LiveId" clId="{88D73D01-CABB-4B2D-80EC-648726E3C219}" dt="2023-04-26T09:37:41.485" v="2000" actId="478"/>
+          <ac:spMkLst>
+            <pc:docMk/>
+            <pc:sldMk cId="1915997927" sldId="294"/>
+            <ac:spMk id="9" creationId="{E08D2CD8-382B-DC0F-3A4E-1F4D30B0F2D1}"/>
+          </ac:spMkLst>
+        </pc:spChg>
+        <pc:spChg chg="del">
+          <ac:chgData name="Scruel Tao" userId="5ea5c98d59b44d4b" providerId="LiveId" clId="{88D73D01-CABB-4B2D-80EC-648726E3C219}" dt="2023-04-26T09:37:42.788" v="2001" actId="478"/>
+          <ac:spMkLst>
+            <pc:docMk/>
+            <pc:sldMk cId="1915997927" sldId="294"/>
+            <ac:spMk id="11" creationId="{ACFAA2F2-2C12-2F3E-6F61-A2E4D3BBAF3C}"/>
+          </ac:spMkLst>
+        </pc:spChg>
+      </pc:sldChg>
+      <pc:sldChg chg="addSp delSp modSp add mod modTransition delAnim modAnim modNotesTx">
+        <pc:chgData name="Scruel Tao" userId="5ea5c98d59b44d4b" providerId="LiveId" clId="{88D73D01-CABB-4B2D-80EC-648726E3C219}" dt="2023-05-06T10:22:43.987" v="5236" actId="478"/>
+        <pc:sldMkLst>
+          <pc:docMk/>
+          <pc:sldMk cId="1937024701" sldId="295"/>
+        </pc:sldMkLst>
+        <pc:spChg chg="mod">
+          <ac:chgData name="Scruel Tao" userId="5ea5c98d59b44d4b" providerId="LiveId" clId="{88D73D01-CABB-4B2D-80EC-648726E3C219}" dt="2023-05-06T10:19:53.302" v="5073" actId="20577"/>
+          <ac:spMkLst>
+            <pc:docMk/>
+            <pc:sldMk cId="1937024701" sldId="295"/>
+            <ac:spMk id="4" creationId="{85D6D174-6A04-9AED-7984-BD4330ED7E3A}"/>
+          </ac:spMkLst>
+        </pc:spChg>
+        <pc:spChg chg="del mod">
+          <ac:chgData name="Scruel Tao" userId="5ea5c98d59b44d4b" providerId="LiveId" clId="{88D73D01-CABB-4B2D-80EC-648726E3C219}" dt="2023-05-06T10:20:59.567" v="5178" actId="21"/>
+          <ac:spMkLst>
+            <pc:docMk/>
+            <pc:sldMk cId="1937024701" sldId="295"/>
+            <ac:spMk id="5" creationId="{4B3FACC7-2E92-1DB1-1018-0263AD342247}"/>
+          </ac:spMkLst>
+        </pc:spChg>
+        <pc:spChg chg="del mod">
+          <ac:chgData name="Scruel Tao" userId="5ea5c98d59b44d4b" providerId="LiveId" clId="{88D73D01-CABB-4B2D-80EC-648726E3C219}" dt="2023-05-06T10:22:43.987" v="5236" actId="478"/>
+          <ac:spMkLst>
+            <pc:docMk/>
+            <pc:sldMk cId="1937024701" sldId="295"/>
+            <ac:spMk id="7" creationId="{12C899D8-51C5-D9B7-A323-E6EFE4AB5C33}"/>
+          </ac:spMkLst>
+        </pc:spChg>
+        <pc:cxnChg chg="add del mod">
+          <ac:chgData name="Scruel Tao" userId="5ea5c98d59b44d4b" providerId="LiveId" clId="{88D73D01-CABB-4B2D-80EC-648726E3C219}" dt="2023-05-06T10:15:22.925" v="4874" actId="21"/>
+          <ac:cxnSpMkLst>
+            <pc:docMk/>
+            <pc:sldMk cId="1937024701" sldId="295"/>
+            <ac:cxnSpMk id="6" creationId="{8DD8547B-651D-8B2E-1A48-B2E55E635FA7}"/>
+          </ac:cxnSpMkLst>
+        </pc:cxnChg>
+      </pc:sldChg>
+      <pc:sldChg chg="modSp add del mod">
+        <pc:chgData name="Scruel Tao" userId="5ea5c98d59b44d4b" providerId="LiveId" clId="{88D73D01-CABB-4B2D-80EC-648726E3C219}" dt="2023-04-26T09:47:57.021" v="2416" actId="2696"/>
+        <pc:sldMkLst>
+          <pc:docMk/>
+          <pc:sldMk cId="749947478" sldId="296"/>
+        </pc:sldMkLst>
+        <pc:spChg chg="mod">
+          <ac:chgData name="Scruel Tao" userId="5ea5c98d59b44d4b" providerId="LiveId" clId="{88D73D01-CABB-4B2D-80EC-648726E3C219}" dt="2023-04-26T09:45:04.423" v="2286"/>
+          <ac:spMkLst>
+            <pc:docMk/>
+            <pc:sldMk cId="749947478" sldId="296"/>
+            <ac:spMk id="2" creationId="{BAD162F0-2175-84E9-2387-55F669162449}"/>
+          </ac:spMkLst>
+        </pc:spChg>
+      </pc:sldChg>
+      <pc:sldChg chg="modSp add del mod">
+        <pc:chgData name="Scruel Tao" userId="5ea5c98d59b44d4b" providerId="LiveId" clId="{88D73D01-CABB-4B2D-80EC-648726E3C219}" dt="2023-04-26T09:48:15.363" v="2419" actId="2696"/>
+        <pc:sldMkLst>
+          <pc:docMk/>
+          <pc:sldMk cId="3393753264" sldId="297"/>
+        </pc:sldMkLst>
+        <pc:spChg chg="mod">
+          <ac:chgData name="Scruel Tao" userId="5ea5c98d59b44d4b" providerId="LiveId" clId="{88D73D01-CABB-4B2D-80EC-648726E3C219}" dt="2023-04-26T09:45:17.420" v="2290"/>
+          <ac:spMkLst>
+            <pc:docMk/>
+            <pc:sldMk cId="3393753264" sldId="297"/>
+            <ac:spMk id="2" creationId="{BAD162F0-2175-84E9-2387-55F669162449}"/>
+          </ac:spMkLst>
+        </pc:spChg>
+        <pc:spChg chg="mod">
+          <ac:chgData name="Scruel Tao" userId="5ea5c98d59b44d4b" providerId="LiveId" clId="{88D73D01-CABB-4B2D-80EC-648726E3C219}" dt="2023-04-26T09:46:14.704" v="2339" actId="20577"/>
+          <ac:spMkLst>
+            <pc:docMk/>
+            <pc:sldMk cId="3393753264" sldId="297"/>
+            <ac:spMk id="4" creationId="{A8729A87-597D-F8A5-FA4B-9A53ABB05769}"/>
+          </ac:spMkLst>
+        </pc:spChg>
+        <pc:spChg chg="mod">
+          <ac:chgData name="Scruel Tao" userId="5ea5c98d59b44d4b" providerId="LiveId" clId="{88D73D01-CABB-4B2D-80EC-648726E3C219}" dt="2023-04-26T09:45:53.859" v="2297" actId="1076"/>
+          <ac:spMkLst>
+            <pc:docMk/>
+            <pc:sldMk cId="3393753264" sldId="297"/>
+            <ac:spMk id="7" creationId="{12C899D8-51C5-D9B7-A323-E6EFE4AB5C33}"/>
+          </ac:spMkLst>
+        </pc:spChg>
+      </pc:sldChg>
+      <pc:sldChg chg="addSp modSp add mod ord modTransition modAnim modNotesTx">
+        <pc:chgData name="Scruel Tao" userId="5ea5c98d59b44d4b" providerId="LiveId" clId="{88D73D01-CABB-4B2D-80EC-648726E3C219}" dt="2023-05-06T03:52:09.847" v="4475"/>
+        <pc:sldMkLst>
+          <pc:docMk/>
+          <pc:sldMk cId="1877091463" sldId="298"/>
+        </pc:sldMkLst>
+        <pc:spChg chg="mod">
+          <ac:chgData name="Scruel Tao" userId="5ea5c98d59b44d4b" providerId="LiveId" clId="{88D73D01-CABB-4B2D-80EC-648726E3C219}" dt="2023-04-26T09:46:24.820" v="2344"/>
+          <ac:spMkLst>
+            <pc:docMk/>
+            <pc:sldMk cId="1877091463" sldId="298"/>
+            <ac:spMk id="2" creationId="{BAD162F0-2175-84E9-2387-55F669162449}"/>
+          </ac:spMkLst>
+        </pc:spChg>
+        <pc:spChg chg="add mod">
+          <ac:chgData name="Scruel Tao" userId="5ea5c98d59b44d4b" providerId="LiveId" clId="{88D73D01-CABB-4B2D-80EC-648726E3C219}" dt="2023-05-06T03:52:06.220" v="4473" actId="14100"/>
+          <ac:spMkLst>
+            <pc:docMk/>
+            <pc:sldMk cId="1877091463" sldId="298"/>
+            <ac:spMk id="3" creationId="{1226AE05-381E-07B9-F66E-CC6235D17313}"/>
+          </ac:spMkLst>
+        </pc:spChg>
+        <pc:spChg chg="mod">
+          <ac:chgData name="Scruel Tao" userId="5ea5c98d59b44d4b" providerId="LiveId" clId="{88D73D01-CABB-4B2D-80EC-648726E3C219}" dt="2023-05-03T02:45:25.928" v="4058" actId="5793"/>
+          <ac:spMkLst>
+            <pc:docMk/>
+            <pc:sldMk cId="1877091463" sldId="298"/>
+            <ac:spMk id="4" creationId="{A8729A87-597D-F8A5-FA4B-9A53ABB05769}"/>
+          </ac:spMkLst>
+        </pc:spChg>
+        <pc:spChg chg="mod">
+          <ac:chgData name="Scruel Tao" userId="5ea5c98d59b44d4b" providerId="LiveId" clId="{88D73D01-CABB-4B2D-80EC-648726E3C219}" dt="2023-04-26T09:47:17.949" v="2400" actId="14100"/>
+          <ac:spMkLst>
+            <pc:docMk/>
+            <pc:sldMk cId="1877091463" sldId="298"/>
+            <ac:spMk id="5" creationId="{B7A8CE03-6A77-60EC-056E-D7A0019640A3}"/>
+          </ac:spMkLst>
+        </pc:spChg>
+        <pc:spChg chg="mod">
+          <ac:chgData name="Scruel Tao" userId="5ea5c98d59b44d4b" providerId="LiveId" clId="{88D73D01-CABB-4B2D-80EC-648726E3C219}" dt="2023-04-29T18:12:05.924" v="2663" actId="113"/>
+          <ac:spMkLst>
+            <pc:docMk/>
+            <pc:sldMk cId="1877091463" sldId="298"/>
+            <ac:spMk id="7" creationId="{12C899D8-51C5-D9B7-A323-E6EFE4AB5C33}"/>
+          </ac:spMkLst>
+        </pc:spChg>
+      </pc:sldChg>
+      <pc:sldChg chg="addSp delSp modSp add mod modTransition delAnim modAnim modNotesTx">
+        <pc:chgData name="Scruel Tao" userId="5ea5c98d59b44d4b" providerId="LiveId" clId="{88D73D01-CABB-4B2D-80EC-648726E3C219}" dt="2023-05-05T16:31:55.622" v="4468" actId="20577"/>
+        <pc:sldMkLst>
+          <pc:docMk/>
+          <pc:sldMk cId="3690737645" sldId="299"/>
+        </pc:sldMkLst>
+        <pc:spChg chg="mod">
+          <ac:chgData name="Scruel Tao" userId="5ea5c98d59b44d4b" providerId="LiveId" clId="{88D73D01-CABB-4B2D-80EC-648726E3C219}" dt="2023-04-26T09:48:25.692" v="2420" actId="20577"/>
+          <ac:spMkLst>
+            <pc:docMk/>
+            <pc:sldMk cId="3690737645" sldId="299"/>
+            <ac:spMk id="2" creationId="{BAD162F0-2175-84E9-2387-55F669162449}"/>
+          </ac:spMkLst>
+        </pc:spChg>
+        <pc:spChg chg="add del mod">
+          <ac:chgData name="Scruel Tao" userId="5ea5c98d59b44d4b" providerId="LiveId" clId="{88D73D01-CABB-4B2D-80EC-648726E3C219}" dt="2023-05-01T13:46:12.614" v="3846" actId="478"/>
+          <ac:spMkLst>
+            <pc:docMk/>
+            <pc:sldMk cId="3690737645" sldId="299"/>
+            <ac:spMk id="3" creationId="{7E49B1C0-55DA-B300-490F-82C8CB51DD16}"/>
+          </ac:spMkLst>
+        </pc:spChg>
+        <pc:spChg chg="mod">
+          <ac:chgData name="Scruel Tao" userId="5ea5c98d59b44d4b" providerId="LiveId" clId="{88D73D01-CABB-4B2D-80EC-648726E3C219}" dt="2023-05-03T02:45:26.793" v="4059" actId="5793"/>
+          <ac:spMkLst>
+            <pc:docMk/>
+            <pc:sldMk cId="3690737645" sldId="299"/>
+            <ac:spMk id="4" creationId="{A8729A87-597D-F8A5-FA4B-9A53ABB05769}"/>
+          </ac:spMkLst>
+        </pc:spChg>
+        <pc:spChg chg="mod">
+          <ac:chgData name="Scruel Tao" userId="5ea5c98d59b44d4b" providerId="LiveId" clId="{88D73D01-CABB-4B2D-80EC-648726E3C219}" dt="2023-05-01T13:45:43.318" v="3841" actId="1076"/>
+          <ac:spMkLst>
+            <pc:docMk/>
+            <pc:sldMk cId="3690737645" sldId="299"/>
+            <ac:spMk id="5" creationId="{B7A8CE03-6A77-60EC-056E-D7A0019640A3}"/>
+          </ac:spMkLst>
+        </pc:spChg>
+        <pc:spChg chg="add mod">
+          <ac:chgData name="Scruel Tao" userId="5ea5c98d59b44d4b" providerId="LiveId" clId="{88D73D01-CABB-4B2D-80EC-648726E3C219}" dt="2023-05-01T13:46:17.494" v="3849" actId="1038"/>
+          <ac:spMkLst>
+            <pc:docMk/>
+            <pc:sldMk cId="3690737645" sldId="299"/>
+            <ac:spMk id="6" creationId="{9558DF9E-DBDC-9969-D142-F5FE785F300E}"/>
+          </ac:spMkLst>
+        </pc:spChg>
+        <pc:spChg chg="mod">
+          <ac:chgData name="Scruel Tao" userId="5ea5c98d59b44d4b" providerId="LiveId" clId="{88D73D01-CABB-4B2D-80EC-648726E3C219}" dt="2023-05-01T13:45:41.289" v="3840" actId="1076"/>
+          <ac:spMkLst>
+            <pc:docMk/>
+            <pc:sldMk cId="3690737645" sldId="299"/>
+            <ac:spMk id="7" creationId="{12C899D8-51C5-D9B7-A323-E6EFE4AB5C33}"/>
+          </ac:spMkLst>
+        </pc:spChg>
+        <pc:spChg chg="add mod">
+          <ac:chgData name="Scruel Tao" userId="5ea5c98d59b44d4b" providerId="LiveId" clId="{88D73D01-CABB-4B2D-80EC-648726E3C219}" dt="2023-05-01T13:46:21.375" v="3850" actId="1076"/>
+          <ac:spMkLst>
+            <pc:docMk/>
+            <pc:sldMk cId="3690737645" sldId="299"/>
+            <ac:spMk id="8" creationId="{80A85D88-CBBF-E591-A75C-E5C10B0DD5F1}"/>
+          </ac:spMkLst>
+        </pc:spChg>
+      </pc:sldChg>
+      <pc:sldChg chg="addSp delSp modSp add mod modTransition delAnim modAnim modNotesTx">
+        <pc:chgData name="Scruel Tao" userId="5ea5c98d59b44d4b" providerId="LiveId" clId="{88D73D01-CABB-4B2D-80EC-648726E3C219}" dt="2023-05-05T14:59:33.343" v="4422"/>
+        <pc:sldMkLst>
+          <pc:docMk/>
+          <pc:sldMk cId="3466020836" sldId="300"/>
+        </pc:sldMkLst>
+        <pc:spChg chg="mod">
+          <ac:chgData name="Scruel Tao" userId="5ea5c98d59b44d4b" providerId="LiveId" clId="{88D73D01-CABB-4B2D-80EC-648726E3C219}" dt="2023-04-26T09:48:32.508" v="2422"/>
+          <ac:spMkLst>
+            <pc:docMk/>
+            <pc:sldMk cId="3466020836" sldId="300"/>
+            <ac:spMk id="2" creationId="{BAD162F0-2175-84E9-2387-55F669162449}"/>
+          </ac:spMkLst>
+        </pc:spChg>
+        <pc:spChg chg="add del mod">
+          <ac:chgData name="Scruel Tao" userId="5ea5c98d59b44d4b" providerId="LiveId" clId="{88D73D01-CABB-4B2D-80EC-648726E3C219}" dt="2023-05-01T13:51:09.841" v="3947" actId="21"/>
+          <ac:spMkLst>
+            <pc:docMk/>
+            <pc:sldMk cId="3466020836" sldId="300"/>
+            <ac:spMk id="3" creationId="{3582DCCD-854D-FFAC-5FCD-D309DDC9FA2E}"/>
+          </ac:spMkLst>
+        </pc:spChg>
+        <pc:spChg chg="add del mod">
+          <ac:chgData name="Scruel Tao" userId="5ea5c98d59b44d4b" providerId="LiveId" clId="{88D73D01-CABB-4B2D-80EC-648726E3C219}" dt="2023-04-26T09:54:57.958" v="2599" actId="21"/>
+          <ac:spMkLst>
+            <pc:docMk/>
+            <pc:sldMk cId="3466020836" sldId="300"/>
+            <ac:spMk id="3" creationId="{6D534F35-9D9D-39E7-D401-825A0475250F}"/>
+          </ac:spMkLst>
+        </pc:spChg>
+        <pc:spChg chg="mod">
+          <ac:chgData name="Scruel Tao" userId="5ea5c98d59b44d4b" providerId="LiveId" clId="{88D73D01-CABB-4B2D-80EC-648726E3C219}" dt="2023-05-03T02:45:27.675" v="4060" actId="5793"/>
+          <ac:spMkLst>
+            <pc:docMk/>
+            <pc:sldMk cId="3466020836" sldId="300"/>
+            <ac:spMk id="4" creationId="{A8729A87-597D-F8A5-FA4B-9A53ABB05769}"/>
+          </ac:spMkLst>
+        </pc:spChg>
+        <pc:spChg chg="add del mod">
+          <ac:chgData name="Scruel Tao" userId="5ea5c98d59b44d4b" providerId="LiveId" clId="{88D73D01-CABB-4B2D-80EC-648726E3C219}" dt="2023-05-01T13:51:09.841" v="3947" actId="21"/>
+          <ac:spMkLst>
+            <pc:docMk/>
+            <pc:sldMk cId="3466020836" sldId="300"/>
+            <ac:spMk id="5" creationId="{A60E2775-3E9E-E228-883B-C145AE0AD99C}"/>
+          </ac:spMkLst>
+        </pc:spChg>
+        <pc:spChg chg="del">
+          <ac:chgData name="Scruel Tao" userId="5ea5c98d59b44d4b" providerId="LiveId" clId="{88D73D01-CABB-4B2D-80EC-648726E3C219}" dt="2023-04-26T09:54:22.405" v="2592" actId="478"/>
+          <ac:spMkLst>
+            <pc:docMk/>
+            <pc:sldMk cId="3466020836" sldId="300"/>
+            <ac:spMk id="5" creationId="{B7A8CE03-6A77-60EC-056E-D7A0019640A3}"/>
+          </ac:spMkLst>
+        </pc:spChg>
+        <pc:spChg chg="add del mod">
+          <ac:chgData name="Scruel Tao" userId="5ea5c98d59b44d4b" providerId="LiveId" clId="{88D73D01-CABB-4B2D-80EC-648726E3C219}" dt="2023-05-01T13:48:49.268" v="3891" actId="478"/>
+          <ac:spMkLst>
+            <pc:docMk/>
+            <pc:sldMk cId="3466020836" sldId="300"/>
+            <ac:spMk id="6" creationId="{5A0CF9C0-4BEE-6A42-A1A5-10454583A2EA}"/>
+          </ac:spMkLst>
+        </pc:spChg>
+        <pc:spChg chg="mod">
+          <ac:chgData name="Scruel Tao" userId="5ea5c98d59b44d4b" providerId="LiveId" clId="{88D73D01-CABB-4B2D-80EC-648726E3C219}" dt="2023-05-01T13:51:19.360" v="3948" actId="1076"/>
+          <ac:spMkLst>
+            <pc:docMk/>
+            <pc:sldMk cId="3466020836" sldId="300"/>
+            <ac:spMk id="7" creationId="{12C899D8-51C5-D9B7-A323-E6EFE4AB5C33}"/>
+          </ac:spMkLst>
+        </pc:spChg>
+      </pc:sldChg>
+      <pc:sldChg chg="add del">
+        <pc:chgData name="Scruel Tao" userId="5ea5c98d59b44d4b" providerId="LiveId" clId="{88D73D01-CABB-4B2D-80EC-648726E3C219}" dt="2023-04-26T09:48:34.256" v="2423" actId="47"/>
+        <pc:sldMkLst>
+          <pc:docMk/>
+          <pc:sldMk cId="609854546" sldId="301"/>
+        </pc:sldMkLst>
+      </pc:sldChg>
+      <pc:sldChg chg="addSp delSp modSp add del mod delAnim">
+        <pc:chgData name="Scruel Tao" userId="5ea5c98d59b44d4b" providerId="LiveId" clId="{88D73D01-CABB-4B2D-80EC-648726E3C219}" dt="2023-04-30T17:53:55.378" v="3358" actId="47"/>
+        <pc:sldMkLst>
+          <pc:docMk/>
+          <pc:sldMk cId="2686343367" sldId="301"/>
+        </pc:sldMkLst>
+        <pc:spChg chg="del">
+          <ac:chgData name="Scruel Tao" userId="5ea5c98d59b44d4b" providerId="LiveId" clId="{88D73D01-CABB-4B2D-80EC-648726E3C219}" dt="2023-04-26T09:53:32.524" v="2562" actId="21"/>
+          <ac:spMkLst>
+            <pc:docMk/>
+            <pc:sldMk cId="2686343367" sldId="301"/>
+            <ac:spMk id="3" creationId="{6D534F35-9D9D-39E7-D401-825A0475250F}"/>
+          </ac:spMkLst>
+        </pc:spChg>
+        <pc:spChg chg="mod">
+          <ac:chgData name="Scruel Tao" userId="5ea5c98d59b44d4b" providerId="LiveId" clId="{88D73D01-CABB-4B2D-80EC-648726E3C219}" dt="2023-04-26T09:55:27.370" v="2609"/>
+          <ac:spMkLst>
+            <pc:docMk/>
+            <pc:sldMk cId="2686343367" sldId="301"/>
+            <ac:spMk id="4" creationId="{A8729A87-597D-F8A5-FA4B-9A53ABB05769}"/>
+          </ac:spMkLst>
+        </pc:spChg>
+        <pc:spChg chg="del mod">
+          <ac:chgData name="Scruel Tao" userId="5ea5c98d59b44d4b" providerId="LiveId" clId="{88D73D01-CABB-4B2D-80EC-648726E3C219}" dt="2023-04-26T09:55:16.748" v="2606" actId="21"/>
+          <ac:spMkLst>
+            <pc:docMk/>
+            <pc:sldMk cId="2686343367" sldId="301"/>
+            <ac:spMk id="5" creationId="{B7A8CE03-6A77-60EC-056E-D7A0019640A3}"/>
+          </ac:spMkLst>
+        </pc:spChg>
+        <pc:spChg chg="add mod">
+          <ac:chgData name="Scruel Tao" userId="5ea5c98d59b44d4b" providerId="LiveId" clId="{88D73D01-CABB-4B2D-80EC-648726E3C219}" dt="2023-04-29T18:12:11.220" v="2666" actId="113"/>
+          <ac:spMkLst>
+            <pc:docMk/>
+            <pc:sldMk cId="2686343367" sldId="301"/>
+            <ac:spMk id="6" creationId="{96E40A6E-E2C7-A8E8-BC3B-0C034B391FDD}"/>
+          </ac:spMkLst>
+        </pc:spChg>
+        <pc:spChg chg="del">
+          <ac:chgData name="Scruel Tao" userId="5ea5c98d59b44d4b" providerId="LiveId" clId="{88D73D01-CABB-4B2D-80EC-648726E3C219}" dt="2023-04-26T09:53:31.626" v="2561" actId="21"/>
+          <ac:spMkLst>
+            <pc:docMk/>
+            <pc:sldMk cId="2686343367" sldId="301"/>
+            <ac:spMk id="7" creationId="{12C899D8-51C5-D9B7-A323-E6EFE4AB5C33}"/>
+          </ac:spMkLst>
+        </pc:spChg>
+      </pc:sldChg>
+      <pc:sldChg chg="delSp modSp add del mod">
+        <pc:chgData name="Scruel Tao" userId="5ea5c98d59b44d4b" providerId="LiveId" clId="{88D73D01-CABB-4B2D-80EC-648726E3C219}" dt="2023-04-30T17:55:19.916" v="3368" actId="47"/>
+        <pc:sldMkLst>
+          <pc:docMk/>
+          <pc:sldMk cId="1645371285" sldId="302"/>
+        </pc:sldMkLst>
+        <pc:spChg chg="mod">
+          <ac:chgData name="Scruel Tao" userId="5ea5c98d59b44d4b" providerId="LiveId" clId="{88D73D01-CABB-4B2D-80EC-648726E3C219}" dt="2023-04-26T09:55:29.640" v="2610"/>
+          <ac:spMkLst>
+            <pc:docMk/>
+            <pc:sldMk cId="1645371285" sldId="302"/>
+            <ac:spMk id="4" creationId="{A8729A87-597D-F8A5-FA4B-9A53ABB05769}"/>
+          </ac:spMkLst>
+        </pc:spChg>
+        <pc:spChg chg="mod">
+          <ac:chgData name="Scruel Tao" userId="5ea5c98d59b44d4b" providerId="LiveId" clId="{88D73D01-CABB-4B2D-80EC-648726E3C219}" dt="2023-04-26T09:55:22.535" v="2608" actId="1076"/>
+          <ac:spMkLst>
+            <pc:docMk/>
+            <pc:sldMk cId="1645371285" sldId="302"/>
+            <ac:spMk id="5" creationId="{B7A8CE03-6A77-60EC-056E-D7A0019640A3}"/>
+          </ac:spMkLst>
+        </pc:spChg>
+        <pc:spChg chg="del">
+          <ac:chgData name="Scruel Tao" userId="5ea5c98d59b44d4b" providerId="LiveId" clId="{88D73D01-CABB-4B2D-80EC-648726E3C219}" dt="2023-04-26T09:55:19.313" v="2607" actId="21"/>
+          <ac:spMkLst>
+            <pc:docMk/>
+            <pc:sldMk cId="1645371285" sldId="302"/>
+            <ac:spMk id="6" creationId="{96E40A6E-E2C7-A8E8-BC3B-0C034B391FDD}"/>
+          </ac:spMkLst>
+        </pc:spChg>
+      </pc:sldChg>
+      <pc:sldChg chg="addSp delSp modSp add mod modTransition delAnim">
+        <pc:chgData name="Scruel Tao" userId="5ea5c98d59b44d4b" providerId="LiveId" clId="{88D73D01-CABB-4B2D-80EC-648726E3C219}" dt="2023-05-05T14:59:33.343" v="4422"/>
+        <pc:sldMkLst>
+          <pc:docMk/>
+          <pc:sldMk cId="4005172658" sldId="303"/>
+        </pc:sldMkLst>
+        <pc:spChg chg="add del mod">
+          <ac:chgData name="Scruel Tao" userId="5ea5c98d59b44d4b" providerId="LiveId" clId="{88D73D01-CABB-4B2D-80EC-648726E3C219}" dt="2023-04-30T17:07:35.632" v="2726" actId="478"/>
+          <ac:spMkLst>
+            <pc:docMk/>
+            <pc:sldMk cId="4005172658" sldId="303"/>
+            <ac:spMk id="3" creationId="{0E2FC508-1AFD-A957-52F2-FA1DEF2A9D27}"/>
+          </ac:spMkLst>
+        </pc:spChg>
+        <pc:spChg chg="del">
+          <ac:chgData name="Scruel Tao" userId="5ea5c98d59b44d4b" providerId="LiveId" clId="{88D73D01-CABB-4B2D-80EC-648726E3C219}" dt="2023-04-30T17:06:55.678" v="2710" actId="478"/>
+          <ac:spMkLst>
+            <pc:docMk/>
+            <pc:sldMk cId="4005172658" sldId="303"/>
+            <ac:spMk id="5" creationId="{B7A8CE03-6A77-60EC-056E-D7A0019640A3}"/>
+          </ac:spMkLst>
+        </pc:spChg>
+        <pc:spChg chg="del mod">
+          <ac:chgData name="Scruel Tao" userId="5ea5c98d59b44d4b" providerId="LiveId" clId="{88D73D01-CABB-4B2D-80EC-648726E3C219}" dt="2023-04-30T17:06:54.841" v="2709" actId="478"/>
+          <ac:spMkLst>
+            <pc:docMk/>
+            <pc:sldMk cId="4005172658" sldId="303"/>
+            <ac:spMk id="7" creationId="{12C899D8-51C5-D9B7-A323-E6EFE4AB5C33}"/>
+          </ac:spMkLst>
+        </pc:spChg>
+        <pc:spChg chg="add mod">
+          <ac:chgData name="Scruel Tao" userId="5ea5c98d59b44d4b" providerId="LiveId" clId="{88D73D01-CABB-4B2D-80EC-648726E3C219}" dt="2023-04-30T17:25:20.630" v="2785" actId="21"/>
+          <ac:spMkLst>
+            <pc:docMk/>
+            <pc:sldMk cId="4005172658" sldId="303"/>
+            <ac:spMk id="14" creationId="{0E3316AF-03D2-E954-8D9C-19BFF8D01C35}"/>
+          </ac:spMkLst>
+        </pc:spChg>
+        <pc:spChg chg="add del mod">
+          <ac:chgData name="Scruel Tao" userId="5ea5c98d59b44d4b" providerId="LiveId" clId="{88D73D01-CABB-4B2D-80EC-648726E3C219}" dt="2023-04-30T17:17:43.400" v="2767" actId="21"/>
+          <ac:spMkLst>
+            <pc:docMk/>
+            <pc:sldMk cId="4005172658" sldId="303"/>
+            <ac:spMk id="15" creationId="{B86710B8-8E24-3096-1823-5BC0A6C16F23}"/>
+          </ac:spMkLst>
+        </pc:spChg>
+        <pc:picChg chg="add del mod">
+          <ac:chgData name="Scruel Tao" userId="5ea5c98d59b44d4b" providerId="LiveId" clId="{88D73D01-CABB-4B2D-80EC-648726E3C219}" dt="2023-04-30T17:07:10.637" v="2716" actId="21"/>
+          <ac:picMkLst>
+            <pc:docMk/>
+            <pc:sldMk cId="4005172658" sldId="303"/>
+            <ac:picMk id="6" creationId="{F565E68C-0CEE-A04A-671B-03DB47E0C6F5}"/>
+          </ac:picMkLst>
+        </pc:picChg>
+        <pc:picChg chg="add del mod ord">
+          <ac:chgData name="Scruel Tao" userId="5ea5c98d59b44d4b" providerId="LiveId" clId="{88D73D01-CABB-4B2D-80EC-648726E3C219}" dt="2023-04-30T17:07:32.222" v="2725" actId="22"/>
+          <ac:picMkLst>
+            <pc:docMk/>
+            <pc:sldMk cId="4005172658" sldId="303"/>
+            <ac:picMk id="9" creationId="{A615F8B8-143C-45E2-C75D-730EBD2E4B7C}"/>
+          </ac:picMkLst>
+        </pc:picChg>
+        <pc:picChg chg="add del mod">
+          <ac:chgData name="Scruel Tao" userId="5ea5c98d59b44d4b" providerId="LiveId" clId="{88D73D01-CABB-4B2D-80EC-648726E3C219}" dt="2023-04-30T17:14:16.240" v="2734" actId="21"/>
+          <ac:picMkLst>
+            <pc:docMk/>
+            <pc:sldMk cId="4005172658" sldId="303"/>
+            <ac:picMk id="11" creationId="{D3C63D22-ED70-BC91-005E-CFE848BA4AF5}"/>
+          </ac:picMkLst>
+        </pc:picChg>
+        <pc:picChg chg="add del mod">
+          <ac:chgData name="Scruel Tao" userId="5ea5c98d59b44d4b" providerId="LiveId" clId="{88D73D01-CABB-4B2D-80EC-648726E3C219}" dt="2023-04-30T17:25:22.374" v="2786" actId="478"/>
+          <ac:picMkLst>
+            <pc:docMk/>
+            <pc:sldMk cId="4005172658" sldId="303"/>
+            <ac:picMk id="13" creationId="{1FDF7BE3-899F-35AE-FB9D-5F8091A8E461}"/>
+          </ac:picMkLst>
+        </pc:picChg>
+        <pc:picChg chg="add mod">
+          <ac:chgData name="Scruel Tao" userId="5ea5c98d59b44d4b" providerId="LiveId" clId="{88D73D01-CABB-4B2D-80EC-648726E3C219}" dt="2023-04-30T17:25:49.168" v="2800" actId="1036"/>
+          <ac:picMkLst>
+            <pc:docMk/>
+            <pc:sldMk cId="4005172658" sldId="303"/>
+            <ac:picMk id="17" creationId="{B4BA9574-9B96-B884-236F-FE5B9F192448}"/>
+          </ac:picMkLst>
+        </pc:picChg>
+      </pc:sldChg>
+      <pc:sldChg chg="addSp delSp modSp add del mod modTransition">
+        <pc:chgData name="Scruel Tao" userId="5ea5c98d59b44d4b" providerId="LiveId" clId="{88D73D01-CABB-4B2D-80EC-648726E3C219}" dt="2023-05-06T21:07:39.913" v="5888" actId="47"/>
+        <pc:sldMkLst>
+          <pc:docMk/>
+          <pc:sldMk cId="2904614809" sldId="304"/>
+        </pc:sldMkLst>
+        <pc:spChg chg="add del">
+          <ac:chgData name="Scruel Tao" userId="5ea5c98d59b44d4b" providerId="LiveId" clId="{88D73D01-CABB-4B2D-80EC-648726E3C219}" dt="2023-05-06T20:59:14.766" v="5770" actId="22"/>
+          <ac:spMkLst>
+            <pc:docMk/>
+            <pc:sldMk cId="2904614809" sldId="304"/>
+            <ac:spMk id="4" creationId="{4BD13178-00F2-52DB-BDA7-D53E6A1DAA64}"/>
+          </ac:spMkLst>
+        </pc:spChg>
+        <pc:spChg chg="add del">
+          <ac:chgData name="Scruel Tao" userId="5ea5c98d59b44d4b" providerId="LiveId" clId="{88D73D01-CABB-4B2D-80EC-648726E3C219}" dt="2023-05-06T21:02:48.602" v="5799" actId="22"/>
+          <ac:spMkLst>
+            <pc:docMk/>
+            <pc:sldMk cId="2904614809" sldId="304"/>
+            <ac:spMk id="15" creationId="{A837DDAD-95CE-417C-0C9A-28A5813F9745}"/>
+          </ac:spMkLst>
+        </pc:spChg>
+        <pc:spChg chg="add del">
+          <ac:chgData name="Scruel Tao" userId="5ea5c98d59b44d4b" providerId="LiveId" clId="{88D73D01-CABB-4B2D-80EC-648726E3C219}" dt="2023-05-06T21:03:06.579" v="5804" actId="22"/>
+          <ac:spMkLst>
+            <pc:docMk/>
+            <pc:sldMk cId="2904614809" sldId="304"/>
+            <ac:spMk id="20" creationId="{C3B19355-9CDD-AB83-B52C-BDB364B40561}"/>
+          </ac:spMkLst>
+        </pc:spChg>
+        <pc:picChg chg="add del mod">
+          <ac:chgData name="Scruel Tao" userId="5ea5c98d59b44d4b" providerId="LiveId" clId="{88D73D01-CABB-4B2D-80EC-648726E3C219}" dt="2023-05-06T21:00:21.409" v="5784" actId="21"/>
+          <ac:picMkLst>
+            <pc:docMk/>
+            <pc:sldMk cId="2904614809" sldId="304"/>
+            <ac:picMk id="6" creationId="{5C4F9057-7536-57A2-F29B-861865706BFC}"/>
+          </ac:picMkLst>
+        </pc:picChg>
+        <pc:picChg chg="add mod">
+          <ac:chgData name="Scruel Tao" userId="5ea5c98d59b44d4b" providerId="LiveId" clId="{88D73D01-CABB-4B2D-80EC-648726E3C219}" dt="2023-05-06T21:04:57.208" v="5853" actId="1035"/>
+          <ac:picMkLst>
+            <pc:docMk/>
+            <pc:sldMk cId="2904614809" sldId="304"/>
+            <ac:picMk id="8" creationId="{8AB5090F-5018-48C0-EBF4-ED6B0DBB8E37}"/>
+          </ac:picMkLst>
+        </pc:picChg>
+        <pc:picChg chg="add del mod">
+          <ac:chgData name="Scruel Tao" userId="5ea5c98d59b44d4b" providerId="LiveId" clId="{88D73D01-CABB-4B2D-80EC-648726E3C219}" dt="2023-05-06T21:02:46.868" v="5797" actId="478"/>
+          <ac:picMkLst>
+            <pc:docMk/>
+            <pc:sldMk cId="2904614809" sldId="304"/>
+            <ac:picMk id="10" creationId="{4AEF12E1-0C3C-CCF5-4389-965AF8B4FE21}"/>
+          </ac:picMkLst>
+        </pc:picChg>
+        <pc:picChg chg="add del mod">
+          <ac:chgData name="Scruel Tao" userId="5ea5c98d59b44d4b" providerId="LiveId" clId="{88D73D01-CABB-4B2D-80EC-648726E3C219}" dt="2023-05-06T21:01:02.155" v="5794" actId="21"/>
+          <ac:picMkLst>
+            <pc:docMk/>
+            <pc:sldMk cId="2904614809" sldId="304"/>
+            <ac:picMk id="11" creationId="{93A7E669-6699-DCB8-A0BE-DFE699276A6C}"/>
+          </ac:picMkLst>
+        </pc:picChg>
+        <pc:picChg chg="del">
+          <ac:chgData name="Scruel Tao" userId="5ea5c98d59b44d4b" providerId="LiveId" clId="{88D73D01-CABB-4B2D-80EC-648726E3C219}" dt="2023-05-06T20:59:34.858" v="5776" actId="21"/>
+          <ac:picMkLst>
+            <pc:docMk/>
+            <pc:sldMk cId="2904614809" sldId="304"/>
+            <ac:picMk id="13" creationId="{1FDF7BE3-899F-35AE-FB9D-5F8091A8E461}"/>
+          </ac:picMkLst>
+        </pc:picChg>
+        <pc:picChg chg="mod">
+          <ac:chgData name="Scruel Tao" userId="5ea5c98d59b44d4b" providerId="LiveId" clId="{88D73D01-CABB-4B2D-80EC-648726E3C219}" dt="2023-04-30T17:25:37.227" v="2799" actId="1035"/>
+          <ac:picMkLst>
+            <pc:docMk/>
+            <pc:sldMk cId="2904614809" sldId="304"/>
+            <ac:picMk id="17" creationId="{B4BA9574-9B96-B884-236F-FE5B9F192448}"/>
+          </ac:picMkLst>
+        </pc:picChg>
+        <pc:picChg chg="add mod">
+          <ac:chgData name="Scruel Tao" userId="5ea5c98d59b44d4b" providerId="LiveId" clId="{88D73D01-CABB-4B2D-80EC-648726E3C219}" dt="2023-05-06T21:04:57.208" v="5853" actId="1035"/>
+          <ac:picMkLst>
+            <pc:docMk/>
+            <pc:sldMk cId="2904614809" sldId="304"/>
+            <ac:picMk id="18" creationId="{25B4A285-7F44-C972-3812-DD190DC73F65}"/>
+          </ac:picMkLst>
+        </pc:picChg>
+        <pc:picChg chg="add mod">
+          <ac:chgData name="Scruel Tao" userId="5ea5c98d59b44d4b" providerId="LiveId" clId="{88D73D01-CABB-4B2D-80EC-648726E3C219}" dt="2023-05-06T21:04:57.208" v="5853" actId="1035"/>
+          <ac:picMkLst>
+            <pc:docMk/>
+            <pc:sldMk cId="2904614809" sldId="304"/>
+            <ac:picMk id="22" creationId="{3A55B12E-91EC-DC60-A02F-622D42775EFC}"/>
+          </ac:picMkLst>
+        </pc:picChg>
+        <pc:picChg chg="add del mod">
+          <ac:chgData name="Scruel Tao" userId="5ea5c98d59b44d4b" providerId="LiveId" clId="{88D73D01-CABB-4B2D-80EC-648726E3C219}" dt="2023-05-06T21:05:06.961" v="5862" actId="21"/>
+          <ac:picMkLst>
+            <pc:docMk/>
+            <pc:sldMk cId="2904614809" sldId="304"/>
+            <ac:picMk id="24" creationId="{B299B1EC-1ACF-C4FC-CE97-D8A4F4C2ADE6}"/>
+          </ac:picMkLst>
+        </pc:picChg>
+      </pc:sldChg>
+      <pc:sldChg chg="modSp add mod ord modTransition">
+        <pc:chgData name="Scruel Tao" userId="5ea5c98d59b44d4b" providerId="LiveId" clId="{88D73D01-CABB-4B2D-80EC-648726E3C219}" dt="2023-05-05T14:59:33.343" v="4422"/>
+        <pc:sldMkLst>
+          <pc:docMk/>
+          <pc:sldMk cId="126184490" sldId="305"/>
+        </pc:sldMkLst>
+        <pc:spChg chg="mod">
+          <ac:chgData name="Scruel Tao" userId="5ea5c98d59b44d4b" providerId="LiveId" clId="{88D73D01-CABB-4B2D-80EC-648726E3C219}" dt="2023-05-01T13:34:40.825" v="3560" actId="20577"/>
+          <ac:spMkLst>
+            <pc:docMk/>
+            <pc:sldMk cId="126184490" sldId="305"/>
+            <ac:spMk id="2" creationId="{BAD162F0-2175-84E9-2387-55F669162449}"/>
+          </ac:spMkLst>
+        </pc:spChg>
+        <pc:spChg chg="mod">
+          <ac:chgData name="Scruel Tao" userId="5ea5c98d59b44d4b" providerId="LiveId" clId="{88D73D01-CABB-4B2D-80EC-648726E3C219}" dt="2023-05-01T13:34:23.020" v="3554" actId="21"/>
+          <ac:spMkLst>
+            <pc:docMk/>
+            <pc:sldMk cId="126184490" sldId="305"/>
+            <ac:spMk id="4" creationId="{01B48343-3D1C-FDA9-2DD5-C88222E962F2}"/>
+          </ac:spMkLst>
+        </pc:spChg>
+        <pc:spChg chg="mod">
+          <ac:chgData name="Scruel Tao" userId="5ea5c98d59b44d4b" providerId="LiveId" clId="{88D73D01-CABB-4B2D-80EC-648726E3C219}" dt="2023-05-01T13:35:01.954" v="3568" actId="21"/>
+          <ac:spMkLst>
+            <pc:docMk/>
+            <pc:sldMk cId="126184490" sldId="305"/>
+            <ac:spMk id="5" creationId="{B7A8CE03-6A77-60EC-056E-D7A0019640A3}"/>
+          </ac:spMkLst>
+        </pc:spChg>
+        <pc:spChg chg="mod">
+          <ac:chgData name="Scruel Tao" userId="5ea5c98d59b44d4b" providerId="LiveId" clId="{88D73D01-CABB-4B2D-80EC-648726E3C219}" dt="2023-05-01T13:34:58.738" v="3566" actId="21"/>
+          <ac:spMkLst>
+            <pc:docMk/>
+            <pc:sldMk cId="126184490" sldId="305"/>
+            <ac:spMk id="7" creationId="{12C899D8-51C5-D9B7-A323-E6EFE4AB5C33}"/>
+          </ac:spMkLst>
+        </pc:spChg>
+      </pc:sldChg>
+      <pc:sldChg chg="modSp add del mod modAnim">
+        <pc:chgData name="Scruel Tao" userId="5ea5c98d59b44d4b" providerId="LiveId" clId="{88D73D01-CABB-4B2D-80EC-648726E3C219}" dt="2023-04-30T17:27:14.869" v="2812" actId="47"/>
+        <pc:sldMkLst>
+          <pc:docMk/>
+          <pc:sldMk cId="3117374983" sldId="305"/>
+        </pc:sldMkLst>
+        <pc:spChg chg="mod">
+          <ac:chgData name="Scruel Tao" userId="5ea5c98d59b44d4b" providerId="LiveId" clId="{88D73D01-CABB-4B2D-80EC-648726E3C219}" dt="2023-04-30T17:26:28.979" v="2805" actId="113"/>
+          <ac:spMkLst>
+            <pc:docMk/>
+            <pc:sldMk cId="3117374983" sldId="305"/>
+            <ac:spMk id="4" creationId="{85D6D174-6A04-9AED-7984-BD4330ED7E3A}"/>
+          </ac:spMkLst>
+        </pc:spChg>
+      </pc:sldChg>
+      <pc:sldChg chg="modSp add mod modTransition modAnim">
+        <pc:chgData name="Scruel Tao" userId="5ea5c98d59b44d4b" providerId="LiveId" clId="{88D73D01-CABB-4B2D-80EC-648726E3C219}" dt="2023-05-05T14:59:33.343" v="4422"/>
+        <pc:sldMkLst>
+          <pc:docMk/>
+          <pc:sldMk cId="2742842729" sldId="306"/>
+        </pc:sldMkLst>
+        <pc:spChg chg="mod">
+          <ac:chgData name="Scruel Tao" userId="5ea5c98d59b44d4b" providerId="LiveId" clId="{88D73D01-CABB-4B2D-80EC-648726E3C219}" dt="2023-05-01T13:39:51.539" v="3751"/>
+          <ac:spMkLst>
+            <pc:docMk/>
+            <pc:sldMk cId="2742842729" sldId="306"/>
+            <ac:spMk id="2" creationId="{BAD162F0-2175-84E9-2387-55F669162449}"/>
+          </ac:spMkLst>
+        </pc:spChg>
+        <pc:spChg chg="mod">
+          <ac:chgData name="Scruel Tao" userId="5ea5c98d59b44d4b" providerId="LiveId" clId="{88D73D01-CABB-4B2D-80EC-648726E3C219}" dt="2023-05-01T13:41:00.638" v="3798" actId="20577"/>
+          <ac:spMkLst>
+            <pc:docMk/>
+            <pc:sldMk cId="2742842729" sldId="306"/>
+            <ac:spMk id="5" creationId="{B7A8CE03-6A77-60EC-056E-D7A0019640A3}"/>
+          </ac:spMkLst>
+        </pc:spChg>
+        <pc:spChg chg="mod">
+          <ac:chgData name="Scruel Tao" userId="5ea5c98d59b44d4b" providerId="LiveId" clId="{88D73D01-CABB-4B2D-80EC-648726E3C219}" dt="2023-05-03T14:54:28.453" v="4130" actId="207"/>
+          <ac:spMkLst>
+            <pc:docMk/>
+            <pc:sldMk cId="2742842729" sldId="306"/>
+            <ac:spMk id="7" creationId="{12C899D8-51C5-D9B7-A323-E6EFE4AB5C33}"/>
+          </ac:spMkLst>
+        </pc:spChg>
+      </pc:sldChg>
+      <pc:sldChg chg="addSp delSp modSp add mod modTransition modAnim">
+        <pc:chgData name="Scruel Tao" userId="5ea5c98d59b44d4b" providerId="LiveId" clId="{88D73D01-CABB-4B2D-80EC-648726E3C219}" dt="2023-05-06T03:52:01.685" v="4472"/>
+        <pc:sldMkLst>
+          <pc:docMk/>
+          <pc:sldMk cId="1966825670" sldId="307"/>
+        </pc:sldMkLst>
+        <pc:spChg chg="mod">
+          <ac:chgData name="Scruel Tao" userId="5ea5c98d59b44d4b" providerId="LiveId" clId="{88D73D01-CABB-4B2D-80EC-648726E3C219}" dt="2023-05-01T13:37:46.747" v="3697" actId="20577"/>
+          <ac:spMkLst>
+            <pc:docMk/>
+            <pc:sldMk cId="1966825670" sldId="307"/>
+            <ac:spMk id="2" creationId="{BAD162F0-2175-84E9-2387-55F669162449}"/>
+          </ac:spMkLst>
+        </pc:spChg>
+        <pc:spChg chg="add del mod">
+          <ac:chgData name="Scruel Tao" userId="5ea5c98d59b44d4b" providerId="LiveId" clId="{88D73D01-CABB-4B2D-80EC-648726E3C219}" dt="2023-05-01T13:39:32.162" v="3746" actId="21"/>
+          <ac:spMkLst>
+            <pc:docMk/>
+            <pc:sldMk cId="1966825670" sldId="307"/>
+            <ac:spMk id="3" creationId="{F2477069-A667-C3D0-B7FD-F2E8D83C6D3A}"/>
+          </ac:spMkLst>
+        </pc:spChg>
+        <pc:spChg chg="mod">
+          <ac:chgData name="Scruel Tao" userId="5ea5c98d59b44d4b" providerId="LiveId" clId="{88D73D01-CABB-4B2D-80EC-648726E3C219}" dt="2023-05-03T16:45:53.982" v="4302" actId="115"/>
+          <ac:spMkLst>
+            <pc:docMk/>
+            <pc:sldMk cId="1966825670" sldId="307"/>
+            <ac:spMk id="4" creationId="{01B48343-3D1C-FDA9-2DD5-C88222E962F2}"/>
+          </ac:spMkLst>
+        </pc:spChg>
+        <pc:spChg chg="mod">
+          <ac:chgData name="Scruel Tao" userId="5ea5c98d59b44d4b" providerId="LiveId" clId="{88D73D01-CABB-4B2D-80EC-648726E3C219}" dt="2023-05-01T13:41:45" v="3799" actId="20577"/>
+          <ac:spMkLst>
+            <pc:docMk/>
+            <pc:sldMk cId="1966825670" sldId="307"/>
+            <ac:spMk id="5" creationId="{B7A8CE03-6A77-60EC-056E-D7A0019640A3}"/>
+          </ac:spMkLst>
+        </pc:spChg>
+        <pc:spChg chg="add">
+          <ac:chgData name="Scruel Tao" userId="5ea5c98d59b44d4b" providerId="LiveId" clId="{88D73D01-CABB-4B2D-80EC-648726E3C219}" dt="2023-05-01T13:39:39.118" v="3747" actId="11529"/>
+          <ac:spMkLst>
+            <pc:docMk/>
+            <pc:sldMk cId="1966825670" sldId="307"/>
+            <ac:spMk id="6" creationId="{095BDCDC-C8E9-12DF-C5CE-151016E4FC92}"/>
+          </ac:spMkLst>
+        </pc:spChg>
+        <pc:spChg chg="mod">
+          <ac:chgData name="Scruel Tao" userId="5ea5c98d59b44d4b" providerId="LiveId" clId="{88D73D01-CABB-4B2D-80EC-648726E3C219}" dt="2023-05-03T14:54:02.061" v="4129" actId="207"/>
+          <ac:spMkLst>
+            <pc:docMk/>
+            <pc:sldMk cId="1966825670" sldId="307"/>
+            <ac:spMk id="7" creationId="{12C899D8-51C5-D9B7-A323-E6EFE4AB5C33}"/>
+          </ac:spMkLst>
+        </pc:spChg>
+      </pc:sldChg>
+      <pc:sldChg chg="addSp delSp modSp add mod modTransition delAnim modAnim modNotesTx">
+        <pc:chgData name="Scruel Tao" userId="5ea5c98d59b44d4b" providerId="LiveId" clId="{88D73D01-CABB-4B2D-80EC-648726E3C219}" dt="2023-05-05T14:59:33.343" v="4422"/>
+        <pc:sldMkLst>
+          <pc:docMk/>
+          <pc:sldMk cId="696613599" sldId="308"/>
+        </pc:sldMkLst>
+        <pc:spChg chg="del">
+          <ac:chgData name="Scruel Tao" userId="5ea5c98d59b44d4b" providerId="LiveId" clId="{88D73D01-CABB-4B2D-80EC-648726E3C219}" dt="2023-05-01T13:48:00.710" v="3879" actId="21"/>
+          <ac:spMkLst>
+            <pc:docMk/>
+            <pc:sldMk cId="696613599" sldId="308"/>
+            <ac:spMk id="3" creationId="{3582DCCD-854D-FFAC-5FCD-D309DDC9FA2E}"/>
+          </ac:spMkLst>
+        </pc:spChg>
+        <pc:spChg chg="mod">
+          <ac:chgData name="Scruel Tao" userId="5ea5c98d59b44d4b" providerId="LiveId" clId="{88D73D01-CABB-4B2D-80EC-648726E3C219}" dt="2023-05-03T02:45:28.695" v="4061" actId="5793"/>
+          <ac:spMkLst>
+            <pc:docMk/>
+            <pc:sldMk cId="696613599" sldId="308"/>
+            <ac:spMk id="4" creationId="{A8729A87-597D-F8A5-FA4B-9A53ABB05769}"/>
+          </ac:spMkLst>
+        </pc:spChg>
+        <pc:spChg chg="del">
+          <ac:chgData name="Scruel Tao" userId="5ea5c98d59b44d4b" providerId="LiveId" clId="{88D73D01-CABB-4B2D-80EC-648726E3C219}" dt="2023-05-01T13:48:01.523" v="3880" actId="21"/>
+          <ac:spMkLst>
+            <pc:docMk/>
+            <pc:sldMk cId="696613599" sldId="308"/>
+            <ac:spMk id="5" creationId="{A60E2775-3E9E-E228-883B-C145AE0AD99C}"/>
+          </ac:spMkLst>
+        </pc:spChg>
+        <pc:spChg chg="mod">
+          <ac:chgData name="Scruel Tao" userId="5ea5c98d59b44d4b" providerId="LiveId" clId="{88D73D01-CABB-4B2D-80EC-648726E3C219}" dt="2023-05-01T13:50:36.496" v="3937" actId="1038"/>
+          <ac:spMkLst>
+            <pc:docMk/>
+            <pc:sldMk cId="696613599" sldId="308"/>
+            <ac:spMk id="6" creationId="{5A0CF9C0-4BEE-6A42-A1A5-10454583A2EA}"/>
+          </ac:spMkLst>
+        </pc:spChg>
+        <pc:spChg chg="mod">
+          <ac:chgData name="Scruel Tao" userId="5ea5c98d59b44d4b" providerId="LiveId" clId="{88D73D01-CABB-4B2D-80EC-648726E3C219}" dt="2023-05-01T13:51:35.769" v="3950" actId="113"/>
+          <ac:spMkLst>
+            <pc:docMk/>
+            <pc:sldMk cId="696613599" sldId="308"/>
+            <ac:spMk id="7" creationId="{12C899D8-51C5-D9B7-A323-E6EFE4AB5C33}"/>
+          </ac:spMkLst>
+        </pc:spChg>
+        <pc:spChg chg="add mod">
+          <ac:chgData name="Scruel Tao" userId="5ea5c98d59b44d4b" providerId="LiveId" clId="{88D73D01-CABB-4B2D-80EC-648726E3C219}" dt="2023-05-01T13:52:28.183" v="3963" actId="1035"/>
+          <ac:spMkLst>
+            <pc:docMk/>
+            <pc:sldMk cId="696613599" sldId="308"/>
+            <ac:spMk id="8" creationId="{DAECFDA2-5344-F9B0-D4E5-659DEBAF6419}"/>
+          </ac:spMkLst>
+        </pc:spChg>
+        <pc:spChg chg="add mod">
+          <ac:chgData name="Scruel Tao" userId="5ea5c98d59b44d4b" providerId="LiveId" clId="{88D73D01-CABB-4B2D-80EC-648726E3C219}" dt="2023-05-01T13:52:32.847" v="3967" actId="1035"/>
+          <ac:spMkLst>
+            <pc:docMk/>
+            <pc:sldMk cId="696613599" sldId="308"/>
+            <ac:spMk id="9" creationId="{D0CAF910-89F4-141E-452C-CA0BB90553E5}"/>
+          </ac:spMkLst>
+        </pc:spChg>
+        <pc:spChg chg="add mod">
+          <ac:chgData name="Scruel Tao" userId="5ea5c98d59b44d4b" providerId="LiveId" clId="{88D73D01-CABB-4B2D-80EC-648726E3C219}" dt="2023-05-01T13:52:38.332" v="3984" actId="1036"/>
+          <ac:spMkLst>
+            <pc:docMk/>
+            <pc:sldMk cId="696613599" sldId="308"/>
+            <ac:spMk id="10" creationId="{5F665F6B-1FC1-77ED-2300-1816626FA5B2}"/>
+          </ac:spMkLst>
+        </pc:spChg>
+        <pc:spChg chg="add mod">
+          <ac:chgData name="Scruel Tao" userId="5ea5c98d59b44d4b" providerId="LiveId" clId="{88D73D01-CABB-4B2D-80EC-648726E3C219}" dt="2023-05-01T13:52:30.793" v="3966" actId="1035"/>
+          <ac:spMkLst>
+            <pc:docMk/>
+            <pc:sldMk cId="696613599" sldId="308"/>
+            <ac:spMk id="11" creationId="{D93C928E-F40A-A5A3-55E3-CFF6BDBD5DC0}"/>
+          </ac:spMkLst>
+        </pc:spChg>
+      </pc:sldChg>
+      <pc:sldChg chg="add del">
+        <pc:chgData name="Scruel Tao" userId="5ea5c98d59b44d4b" providerId="LiveId" clId="{88D73D01-CABB-4B2D-80EC-648726E3C219}" dt="2023-05-02T23:03:13.213" v="4040" actId="47"/>
+        <pc:sldMkLst>
+          <pc:docMk/>
+          <pc:sldMk cId="1599418885" sldId="309"/>
+        </pc:sldMkLst>
+      </pc:sldChg>
+      <pc:sldChg chg="modSp add del mod">
+        <pc:chgData name="Scruel Tao" userId="5ea5c98d59b44d4b" providerId="LiveId" clId="{88D73D01-CABB-4B2D-80EC-648726E3C219}" dt="2023-05-04T01:17:50.963" v="4307" actId="47"/>
+        <pc:sldMkLst>
+          <pc:docMk/>
+          <pc:sldMk cId="3161108256" sldId="310"/>
+        </pc:sldMkLst>
+        <pc:spChg chg="mod">
+          <ac:chgData name="Scruel Tao" userId="5ea5c98d59b44d4b" providerId="LiveId" clId="{88D73D01-CABB-4B2D-80EC-648726E3C219}" dt="2023-05-04T01:16:40.156" v="4305" actId="21"/>
+          <ac:spMkLst>
+            <pc:docMk/>
+            <pc:sldMk cId="3161108256" sldId="310"/>
+            <ac:spMk id="3" creationId="{AC7759D9-0BB4-08ED-8476-24F7D903D6DE}"/>
+          </ac:spMkLst>
+        </pc:spChg>
+      </pc:sldChg>
+      <pc:sldChg chg="add">
+        <pc:chgData name="Scruel Tao" userId="5ea5c98d59b44d4b" providerId="LiveId" clId="{88D73D01-CABB-4B2D-80EC-648726E3C219}" dt="2023-05-04T01:17:49.863" v="4306"/>
+        <pc:sldMkLst>
+          <pc:docMk/>
+          <pc:sldMk cId="1751938706" sldId="311"/>
+        </pc:sldMkLst>
+      </pc:sldChg>
+      <pc:sldChg chg="add del">
+        <pc:chgData name="Scruel Tao" userId="5ea5c98d59b44d4b" providerId="LiveId" clId="{88D73D01-CABB-4B2D-80EC-648726E3C219}" dt="2023-05-05T02:30:23.908" v="4418" actId="47"/>
+        <pc:sldMkLst>
+          <pc:docMk/>
+          <pc:sldMk cId="3161108256" sldId="363"/>
+        </pc:sldMkLst>
+      </pc:sldChg>
+      <pc:sldChg chg="add del">
+        <pc:chgData name="Scruel Tao" userId="5ea5c98d59b44d4b" providerId="LiveId" clId="{88D73D01-CABB-4B2D-80EC-648726E3C219}" dt="2023-05-04T18:24:01.597" v="4420" actId="47"/>
+        <pc:sldMkLst>
+          <pc:docMk/>
+          <pc:sldMk cId="2281300164" sldId="364"/>
+        </pc:sldMkLst>
+      </pc:sldChg>
+      <pc:sldChg chg="add modTransition">
+        <pc:chgData name="Scruel Tao" userId="5ea5c98d59b44d4b" providerId="LiveId" clId="{88D73D01-CABB-4B2D-80EC-648726E3C219}" dt="2023-05-05T14:59:33.343" v="4422"/>
+        <pc:sldMkLst>
+          <pc:docMk/>
+          <pc:sldMk cId="3625446739" sldId="366"/>
+        </pc:sldMkLst>
+      </pc:sldChg>
+      <pc:sldChg chg="modSp add del mod modAnim">
+        <pc:chgData name="Scruel Tao" userId="5ea5c98d59b44d4b" providerId="LiveId" clId="{88D73D01-CABB-4B2D-80EC-648726E3C219}" dt="2023-05-06T10:35:24.764" v="5602" actId="47"/>
+        <pc:sldMkLst>
+          <pc:docMk/>
+          <pc:sldMk cId="3721856918" sldId="367"/>
+        </pc:sldMkLst>
+        <pc:spChg chg="mod">
+          <ac:chgData name="Scruel Tao" userId="5ea5c98d59b44d4b" providerId="LiveId" clId="{88D73D01-CABB-4B2D-80EC-648726E3C219}" dt="2023-05-06T10:09:19.949" v="4581" actId="21"/>
+          <ac:spMkLst>
+            <pc:docMk/>
+            <pc:sldMk cId="3721856918" sldId="367"/>
+            <ac:spMk id="4" creationId="{85D6D174-6A04-9AED-7984-BD4330ED7E3A}"/>
+          </ac:spMkLst>
+        </pc:spChg>
+      </pc:sldChg>
+      <pc:sldChg chg="addSp delSp modSp add del mod delAnim modAnim modNotesTx">
+        <pc:chgData name="Scruel Tao" userId="5ea5c98d59b44d4b" providerId="LiveId" clId="{88D73D01-CABB-4B2D-80EC-648726E3C219}" dt="2023-05-06T10:35:18.897" v="5600" actId="47"/>
+        <pc:sldMkLst>
+          <pc:docMk/>
+          <pc:sldMk cId="627793953" sldId="368"/>
+        </pc:sldMkLst>
+        <pc:spChg chg="add mod">
+          <ac:chgData name="Scruel Tao" userId="5ea5c98d59b44d4b" providerId="LiveId" clId="{88D73D01-CABB-4B2D-80EC-648726E3C219}" dt="2023-05-06T10:13:03.982" v="4832" actId="6549"/>
+          <ac:spMkLst>
+            <pc:docMk/>
+            <pc:sldMk cId="627793953" sldId="368"/>
+            <ac:spMk id="3" creationId="{57367B0E-CD05-0F40-05C0-94309B557E74}"/>
+          </ac:spMkLst>
+        </pc:spChg>
+        <pc:spChg chg="mod">
+          <ac:chgData name="Scruel Tao" userId="5ea5c98d59b44d4b" providerId="LiveId" clId="{88D73D01-CABB-4B2D-80EC-648726E3C219}" dt="2023-05-06T10:12:50.017" v="4822" actId="403"/>
+          <ac:spMkLst>
+            <pc:docMk/>
+            <pc:sldMk cId="627793953" sldId="368"/>
+            <ac:spMk id="4" creationId="{85D6D174-6A04-9AED-7984-BD4330ED7E3A}"/>
+          </ac:spMkLst>
+        </pc:spChg>
+        <pc:spChg chg="del mod">
+          <ac:chgData name="Scruel Tao" userId="5ea5c98d59b44d4b" providerId="LiveId" clId="{88D73D01-CABB-4B2D-80EC-648726E3C219}" dt="2023-05-06T10:13:23.271" v="4837" actId="21"/>
+          <ac:spMkLst>
+            <pc:docMk/>
+            <pc:sldMk cId="627793953" sldId="368"/>
+            <ac:spMk id="5" creationId="{4B3FACC7-2E92-1DB1-1018-0263AD342247}"/>
+          </ac:spMkLst>
+        </pc:spChg>
+        <pc:spChg chg="add mod">
+          <ac:chgData name="Scruel Tao" userId="5ea5c98d59b44d4b" providerId="LiveId" clId="{88D73D01-CABB-4B2D-80EC-648726E3C219}" dt="2023-05-06T10:13:33.832" v="4850" actId="14100"/>
+          <ac:spMkLst>
+            <pc:docMk/>
+            <pc:sldMk cId="627793953" sldId="368"/>
+            <ac:spMk id="6" creationId="{3462DCDB-C482-BC4F-E1E5-E42E6CBCF835}"/>
+          </ac:spMkLst>
+        </pc:spChg>
+        <pc:spChg chg="del mod">
+          <ac:chgData name="Scruel Tao" userId="5ea5c98d59b44d4b" providerId="LiveId" clId="{88D73D01-CABB-4B2D-80EC-648726E3C219}" dt="2023-05-06T10:12:58.648" v="4823" actId="478"/>
+          <ac:spMkLst>
+            <pc:docMk/>
+            <pc:sldMk cId="627793953" sldId="368"/>
+            <ac:spMk id="7" creationId="{12C899D8-51C5-D9B7-A323-E6EFE4AB5C33}"/>
+          </ac:spMkLst>
+        </pc:spChg>
+      </pc:sldChg>
+      <pc:sldChg chg="delSp modSp add del mod addAnim delAnim modAnim">
+        <pc:chgData name="Scruel Tao" userId="5ea5c98d59b44d4b" providerId="LiveId" clId="{88D73D01-CABB-4B2D-80EC-648726E3C219}" dt="2023-05-06T10:35:15.387" v="5599" actId="47"/>
+        <pc:sldMkLst>
+          <pc:docMk/>
+          <pc:sldMk cId="3855342063" sldId="369"/>
+        </pc:sldMkLst>
+        <pc:spChg chg="mod">
+          <ac:chgData name="Scruel Tao" userId="5ea5c98d59b44d4b" providerId="LiveId" clId="{88D73D01-CABB-4B2D-80EC-648726E3C219}" dt="2023-05-06T10:18:58.231" v="5050" actId="21"/>
+          <ac:spMkLst>
+            <pc:docMk/>
+            <pc:sldMk cId="3855342063" sldId="369"/>
+            <ac:spMk id="4" creationId="{85D6D174-6A04-9AED-7984-BD4330ED7E3A}"/>
+          </ac:spMkLst>
+        </pc:spChg>
+        <pc:spChg chg="del">
+          <ac:chgData name="Scruel Tao" userId="5ea5c98d59b44d4b" providerId="LiveId" clId="{88D73D01-CABB-4B2D-80EC-648726E3C219}" dt="2023-05-06T10:19:04.081" v="5053" actId="478"/>
+          <ac:spMkLst>
+            <pc:docMk/>
+            <pc:sldMk cId="3855342063" sldId="369"/>
+            <ac:spMk id="5" creationId="{4B3FACC7-2E92-1DB1-1018-0263AD342247}"/>
+          </ac:spMkLst>
+        </pc:spChg>
+      </pc:sldChg>
+      <pc:sldChg chg="addSp delSp modSp add mod modTransition addAnim delAnim modAnim modNotesTx">
+        <pc:chgData name="Scruel Tao" userId="5ea5c98d59b44d4b" providerId="LiveId" clId="{88D73D01-CABB-4B2D-80EC-648726E3C219}" dt="2023-05-06T10:42:44.018" v="5743" actId="20577"/>
+        <pc:sldMkLst>
+          <pc:docMk/>
+          <pc:sldMk cId="4150484648" sldId="370"/>
+        </pc:sldMkLst>
+        <pc:spChg chg="add del mod">
+          <ac:chgData name="Scruel Tao" userId="5ea5c98d59b44d4b" providerId="LiveId" clId="{88D73D01-CABB-4B2D-80EC-648726E3C219}" dt="2023-05-06T10:21:27.068" v="5181" actId="21"/>
+          <ac:spMkLst>
+            <pc:docMk/>
+            <pc:sldMk cId="4150484648" sldId="370"/>
+            <ac:spMk id="3" creationId="{E936F911-9235-6C43-7507-2D38A70BA92D}"/>
+          </ac:spMkLst>
+        </pc:spChg>
+        <pc:spChg chg="mod">
+          <ac:chgData name="Scruel Tao" userId="5ea5c98d59b44d4b" providerId="LiveId" clId="{88D73D01-CABB-4B2D-80EC-648726E3C219}" dt="2023-05-06T10:25:06.042" v="5351"/>
+          <ac:spMkLst>
+            <pc:docMk/>
+            <pc:sldMk cId="4150484648" sldId="370"/>
+            <ac:spMk id="4" creationId="{85D6D174-6A04-9AED-7984-BD4330ED7E3A}"/>
+          </ac:spMkLst>
+        </pc:spChg>
+        <pc:spChg chg="del">
+          <ac:chgData name="Scruel Tao" userId="5ea5c98d59b44d4b" providerId="LiveId" clId="{88D73D01-CABB-4B2D-80EC-648726E3C219}" dt="2023-05-06T10:20:53.443" v="5177" actId="478"/>
+          <ac:spMkLst>
+            <pc:docMk/>
+            <pc:sldMk cId="4150484648" sldId="370"/>
+            <ac:spMk id="5" creationId="{4B3FACC7-2E92-1DB1-1018-0263AD342247}"/>
+          </ac:spMkLst>
+        </pc:spChg>
+        <pc:spChg chg="del mod">
+          <ac:chgData name="Scruel Tao" userId="5ea5c98d59b44d4b" providerId="LiveId" clId="{88D73D01-CABB-4B2D-80EC-648726E3C219}" dt="2023-05-06T10:30:56.492" v="5537" actId="21"/>
+          <ac:spMkLst>
+            <pc:docMk/>
+            <pc:sldMk cId="4150484648" sldId="370"/>
+            <ac:spMk id="7" creationId="{12C899D8-51C5-D9B7-A323-E6EFE4AB5C33}"/>
+          </ac:spMkLst>
+        </pc:spChg>
+        <pc:spChg chg="add mod">
+          <ac:chgData name="Scruel Tao" userId="5ea5c98d59b44d4b" providerId="LiveId" clId="{88D73D01-CABB-4B2D-80EC-648726E3C219}" dt="2023-05-06T10:31:03.175" v="5539" actId="1076"/>
+          <ac:spMkLst>
+            <pc:docMk/>
+            <pc:sldMk cId="4150484648" sldId="370"/>
+            <ac:spMk id="9" creationId="{670407E6-E283-A614-5A06-709337CEB40C}"/>
+          </ac:spMkLst>
+        </pc:spChg>
+        <pc:spChg chg="add del mod">
+          <ac:chgData name="Scruel Tao" userId="5ea5c98d59b44d4b" providerId="LiveId" clId="{88D73D01-CABB-4B2D-80EC-648726E3C219}" dt="2023-05-06T10:41:30.146" v="5728" actId="478"/>
+          <ac:spMkLst>
+            <pc:docMk/>
+            <pc:sldMk cId="4150484648" sldId="370"/>
+            <ac:spMk id="11" creationId="{B87EEE72-5E0E-7A6E-8F69-5EA5E24E559E}"/>
+          </ac:spMkLst>
+        </pc:spChg>
+        <pc:spChg chg="add del mod">
+          <ac:chgData name="Scruel Tao" userId="5ea5c98d59b44d4b" providerId="LiveId" clId="{88D73D01-CABB-4B2D-80EC-648726E3C219}" dt="2023-05-06T10:41:09.359" v="5722"/>
+          <ac:spMkLst>
+            <pc:docMk/>
+            <pc:sldMk cId="4150484648" sldId="370"/>
+            <ac:spMk id="12" creationId="{7306D7D8-1DD3-240F-E834-424432CB74D9}"/>
+          </ac:spMkLst>
+        </pc:spChg>
+        <pc:spChg chg="add mod">
+          <ac:chgData name="Scruel Tao" userId="5ea5c98d59b44d4b" providerId="LiveId" clId="{88D73D01-CABB-4B2D-80EC-648726E3C219}" dt="2023-05-06T10:42:44.018" v="5743" actId="20577"/>
+          <ac:spMkLst>
+            <pc:docMk/>
+            <pc:sldMk cId="4150484648" sldId="370"/>
+            <ac:spMk id="13" creationId="{79A8903A-1546-E48E-D310-9D962AFA78C2}"/>
+          </ac:spMkLst>
+        </pc:spChg>
+        <pc:cxnChg chg="add mod">
+          <ac:chgData name="Scruel Tao" userId="5ea5c98d59b44d4b" providerId="LiveId" clId="{88D73D01-CABB-4B2D-80EC-648726E3C219}" dt="2023-05-06T10:25:15.868" v="5357" actId="1037"/>
+          <ac:cxnSpMkLst>
+            <pc:docMk/>
+            <pc:sldMk cId="4150484648" sldId="370"/>
+            <ac:cxnSpMk id="8" creationId="{93293218-85A6-05CF-8833-ABF04B0CBBFB}"/>
+          </ac:cxnSpMkLst>
+        </pc:cxnChg>
+      </pc:sldChg>
+      <pc:sldChg chg="delSp add del mod delAnim">
+        <pc:chgData name="Scruel Tao" userId="5ea5c98d59b44d4b" providerId="LiveId" clId="{88D73D01-CABB-4B2D-80EC-648726E3C219}" dt="2023-05-06T10:23:15.533" v="5264" actId="47"/>
+        <pc:sldMkLst>
+          <pc:docMk/>
+          <pc:sldMk cId="706584052" sldId="371"/>
+        </pc:sldMkLst>
+        <pc:spChg chg="del">
+          <ac:chgData name="Scruel Tao" userId="5ea5c98d59b44d4b" providerId="LiveId" clId="{88D73D01-CABB-4B2D-80EC-648726E3C219}" dt="2023-05-06T10:22:54.183" v="5238" actId="21"/>
+          <ac:spMkLst>
+            <pc:docMk/>
+            <pc:sldMk cId="706584052" sldId="371"/>
+            <ac:spMk id="5" creationId="{4B3FACC7-2E92-1DB1-1018-0263AD342247}"/>
+          </ac:spMkLst>
+        </pc:spChg>
+      </pc:sldChg>
+      <pc:sldChg chg="addSp delSp modSp add mod modTransition delAnim modAnim modNotesTx">
+        <pc:chgData name="Scruel Tao" userId="5ea5c98d59b44d4b" providerId="LiveId" clId="{88D73D01-CABB-4B2D-80EC-648726E3C219}" dt="2023-05-06T10:42:47.170" v="5744"/>
+        <pc:sldMkLst>
+          <pc:docMk/>
+          <pc:sldMk cId="2142768243" sldId="372"/>
+        </pc:sldMkLst>
+        <pc:spChg chg="add del mod">
+          <ac:chgData name="Scruel Tao" userId="5ea5c98d59b44d4b" providerId="LiveId" clId="{88D73D01-CABB-4B2D-80EC-648726E3C219}" dt="2023-05-06T10:41:02.595" v="5718" actId="478"/>
+          <ac:spMkLst>
+            <pc:docMk/>
+            <pc:sldMk cId="2142768243" sldId="372"/>
+            <ac:spMk id="3" creationId="{FD31F5AC-F385-2BAA-4BA7-8E203840422C}"/>
+          </ac:spMkLst>
+        </pc:spChg>
+        <pc:spChg chg="mod">
+          <ac:chgData name="Scruel Tao" userId="5ea5c98d59b44d4b" providerId="LiveId" clId="{88D73D01-CABB-4B2D-80EC-648726E3C219}" dt="2023-05-06T10:34:14.890" v="5580" actId="21"/>
+          <ac:spMkLst>
+            <pc:docMk/>
+            <pc:sldMk cId="2142768243" sldId="372"/>
+            <ac:spMk id="4" creationId="{85D6D174-6A04-9AED-7984-BD4330ED7E3A}"/>
+          </ac:spMkLst>
+        </pc:spChg>
+        <pc:spChg chg="add mod">
+          <ac:chgData name="Scruel Tao" userId="5ea5c98d59b44d4b" providerId="LiveId" clId="{88D73D01-CABB-4B2D-80EC-648726E3C219}" dt="2023-05-06T10:34:26.145" v="5584"/>
+          <ac:spMkLst>
+            <pc:docMk/>
+            <pc:sldMk cId="2142768243" sldId="372"/>
+            <ac:spMk id="5" creationId="{CC25594C-2828-80C3-2CBF-1191B14988FC}"/>
+          </ac:spMkLst>
+        </pc:spChg>
+        <pc:spChg chg="add mod">
+          <ac:chgData name="Scruel Tao" userId="5ea5c98d59b44d4b" providerId="LiveId" clId="{88D73D01-CABB-4B2D-80EC-648726E3C219}" dt="2023-05-06T10:42:47.170" v="5744"/>
+          <ac:spMkLst>
+            <pc:docMk/>
+            <pc:sldMk cId="2142768243" sldId="372"/>
+            <ac:spMk id="6" creationId="{9A3FC26B-952B-0F6D-D7B2-4FF56D648E04}"/>
+          </ac:spMkLst>
+        </pc:spChg>
+        <pc:spChg chg="del mod">
+          <ac:chgData name="Scruel Tao" userId="5ea5c98d59b44d4b" providerId="LiveId" clId="{88D73D01-CABB-4B2D-80EC-648726E3C219}" dt="2023-05-06T10:34:20.986" v="5581" actId="478"/>
+          <ac:spMkLst>
+            <pc:docMk/>
+            <pc:sldMk cId="2142768243" sldId="372"/>
+            <ac:spMk id="7" creationId="{12C899D8-51C5-D9B7-A323-E6EFE4AB5C33}"/>
+          </ac:spMkLst>
+        </pc:spChg>
+        <pc:spChg chg="del mod">
+          <ac:chgData name="Scruel Tao" userId="5ea5c98d59b44d4b" providerId="LiveId" clId="{88D73D01-CABB-4B2D-80EC-648726E3C219}" dt="2023-05-06T10:34:23.611" v="5583" actId="478"/>
+          <ac:spMkLst>
+            <pc:docMk/>
+            <pc:sldMk cId="2142768243" sldId="372"/>
+            <ac:spMk id="9" creationId="{670407E6-E283-A614-5A06-709337CEB40C}"/>
+          </ac:spMkLst>
+        </pc:spChg>
+        <pc:cxnChg chg="del">
+          <ac:chgData name="Scruel Tao" userId="5ea5c98d59b44d4b" providerId="LiveId" clId="{88D73D01-CABB-4B2D-80EC-648726E3C219}" dt="2023-05-06T10:23:34.731" v="5268" actId="478"/>
+          <ac:cxnSpMkLst>
+            <pc:docMk/>
+            <pc:sldMk cId="2142768243" sldId="372"/>
+            <ac:cxnSpMk id="8" creationId="{93293218-85A6-05CF-8833-ABF04B0CBBFB}"/>
+          </ac:cxnSpMkLst>
+        </pc:cxnChg>
+      </pc:sldChg>
+      <pc:sldChg chg="modSp add del mod">
+        <pc:chgData name="Scruel Tao" userId="5ea5c98d59b44d4b" providerId="LiveId" clId="{88D73D01-CABB-4B2D-80EC-648726E3C219}" dt="2023-05-06T10:35:13.845" v="5598" actId="47"/>
+        <pc:sldMkLst>
+          <pc:docMk/>
+          <pc:sldMk cId="447287064" sldId="373"/>
+        </pc:sldMkLst>
+        <pc:spChg chg="mod">
+          <ac:chgData name="Scruel Tao" userId="5ea5c98d59b44d4b" providerId="LiveId" clId="{88D73D01-CABB-4B2D-80EC-648726E3C219}" dt="2023-05-06T10:29:42.859" v="5529" actId="115"/>
+          <ac:spMkLst>
+            <pc:docMk/>
+            <pc:sldMk cId="447287064" sldId="373"/>
+            <ac:spMk id="4" creationId="{85D6D174-6A04-9AED-7984-BD4330ED7E3A}"/>
+          </ac:spMkLst>
+        </pc:spChg>
+      </pc:sldChg>
+      <pc:sldChg chg="addSp delSp modSp add mod modTransition modAnim modNotesTx">
+        <pc:chgData name="Scruel Tao" userId="5ea5c98d59b44d4b" providerId="LiveId" clId="{88D73D01-CABB-4B2D-80EC-648726E3C219}" dt="2023-05-06T10:41:48.464" v="5737" actId="6549"/>
+        <pc:sldMkLst>
+          <pc:docMk/>
+          <pc:sldMk cId="402016715" sldId="374"/>
+        </pc:sldMkLst>
+        <pc:spChg chg="add mod">
+          <ac:chgData name="Scruel Tao" userId="5ea5c98d59b44d4b" providerId="LiveId" clId="{88D73D01-CABB-4B2D-80EC-648726E3C219}" dt="2023-05-06T10:41:48.464" v="5737" actId="6549"/>
+          <ac:spMkLst>
+            <pc:docMk/>
+            <pc:sldMk cId="402016715" sldId="374"/>
+            <ac:spMk id="3" creationId="{C8F3162A-29D7-8220-3A2D-398E1C5A7DF7}"/>
+          </ac:spMkLst>
+        </pc:spChg>
+        <pc:spChg chg="del mod">
+          <ac:chgData name="Scruel Tao" userId="5ea5c98d59b44d4b" providerId="LiveId" clId="{88D73D01-CABB-4B2D-80EC-648726E3C219}" dt="2023-05-06T10:41:44.930" v="5731" actId="478"/>
+          <ac:spMkLst>
+            <pc:docMk/>
+            <pc:sldMk cId="402016715" sldId="374"/>
+            <ac:spMk id="7" creationId="{12C899D8-51C5-D9B7-A323-E6EFE4AB5C33}"/>
+          </ac:spMkLst>
+        </pc:spChg>
+        <pc:spChg chg="mod">
+          <ac:chgData name="Scruel Tao" userId="5ea5c98d59b44d4b" providerId="LiveId" clId="{88D73D01-CABB-4B2D-80EC-648726E3C219}" dt="2023-05-06T10:35:11.110" v="5597" actId="20577"/>
+          <ac:spMkLst>
+            <pc:docMk/>
+            <pc:sldMk cId="402016715" sldId="374"/>
+            <ac:spMk id="9" creationId="{670407E6-E283-A614-5A06-709337CEB40C}"/>
+          </ac:spMkLst>
+        </pc:spChg>
+      </pc:sldChg>
+      <pc:sldChg chg="addSp delSp modSp add mod modTransition modAnim">
+        <pc:chgData name="Scruel Tao" userId="5ea5c98d59b44d4b" providerId="LiveId" clId="{88D73D01-CABB-4B2D-80EC-648726E3C219}" dt="2023-05-06T10:44:47.368" v="5768"/>
+        <pc:sldMkLst>
+          <pc:docMk/>
+          <pc:sldMk cId="310738446" sldId="375"/>
+        </pc:sldMkLst>
+        <pc:spChg chg="mod">
+          <ac:chgData name="Scruel Tao" userId="5ea5c98d59b44d4b" providerId="LiveId" clId="{88D73D01-CABB-4B2D-80EC-648726E3C219}" dt="2023-05-06T10:40:55.105" v="5715" actId="14100"/>
+          <ac:spMkLst>
+            <pc:docMk/>
+            <pc:sldMk cId="310738446" sldId="375"/>
+            <ac:spMk id="7" creationId="{12C899D8-51C5-D9B7-A323-E6EFE4AB5C33}"/>
+          </ac:spMkLst>
+        </pc:spChg>
+        <pc:spChg chg="add del">
+          <ac:chgData name="Scruel Tao" userId="5ea5c98d59b44d4b" providerId="LiveId" clId="{88D73D01-CABB-4B2D-80EC-648726E3C219}" dt="2023-05-06T10:40:11.969" v="5709" actId="21"/>
+          <ac:spMkLst>
+            <pc:docMk/>
+            <pc:sldMk cId="310738446" sldId="375"/>
+            <ac:spMk id="18" creationId="{247D4F7A-A804-99B7-82A4-C9014E0420EE}"/>
+          </ac:spMkLst>
+        </pc:spChg>
+        <pc:grpChg chg="mod">
+          <ac:chgData name="Scruel Tao" userId="5ea5c98d59b44d4b" providerId="LiveId" clId="{88D73D01-CABB-4B2D-80EC-648726E3C219}" dt="2023-05-06T10:39:29.772" v="5695"/>
+          <ac:grpSpMkLst>
+            <pc:docMk/>
+            <pc:sldMk cId="310738446" sldId="375"/>
+            <ac:grpSpMk id="6" creationId="{782C3D2F-FD4D-3241-0C44-6D789CA3934B}"/>
+          </ac:grpSpMkLst>
+        </pc:grpChg>
+        <pc:picChg chg="add del mod ord">
+          <ac:chgData name="Scruel Tao" userId="5ea5c98d59b44d4b" providerId="LiveId" clId="{88D73D01-CABB-4B2D-80EC-648726E3C219}" dt="2023-05-06T10:44:09.277" v="5756" actId="21"/>
+          <ac:picMkLst>
+            <pc:docMk/>
+            <pc:sldMk cId="310738446" sldId="375"/>
+            <ac:picMk id="23" creationId="{DDF9587D-56C2-6FE7-2054-D73E7DB6032A}"/>
+          </ac:picMkLst>
+        </pc:picChg>
+        <pc:picChg chg="add mod">
+          <ac:chgData name="Scruel Tao" userId="5ea5c98d59b44d4b" providerId="LiveId" clId="{88D73D01-CABB-4B2D-80EC-648726E3C219}" dt="2023-05-06T10:44:20.355" v="5761" actId="1076"/>
+          <ac:picMkLst>
+            <pc:docMk/>
+            <pc:sldMk cId="310738446" sldId="375"/>
+            <ac:picMk id="25" creationId="{36AC07E6-AD70-9939-1FDA-5CF3898743E2}"/>
+          </ac:picMkLst>
+        </pc:picChg>
+        <pc:inkChg chg="add del mod">
+          <ac:chgData name="Scruel Tao" userId="5ea5c98d59b44d4b" providerId="LiveId" clId="{88D73D01-CABB-4B2D-80EC-648726E3C219}" dt="2023-05-06T10:39:30.155" v="5696" actId="9405"/>
+          <ac:inkMkLst>
+            <pc:docMk/>
+            <pc:sldMk cId="310738446" sldId="375"/>
+            <ac:inkMk id="3" creationId="{6DACD5A1-E318-B225-B799-F98E81474480}"/>
+          </ac:inkMkLst>
+        </pc:inkChg>
+        <pc:inkChg chg="add del mod">
+          <ac:chgData name="Scruel Tao" userId="5ea5c98d59b44d4b" providerId="LiveId" clId="{88D73D01-CABB-4B2D-80EC-648726E3C219}" dt="2023-05-06T10:39:29.772" v="5695"/>
+          <ac:inkMkLst>
+            <pc:docMk/>
+            <pc:sldMk cId="310738446" sldId="375"/>
+            <ac:inkMk id="5" creationId="{802080B2-C423-6D80-F7A6-FC3C68DC1B3F}"/>
+          </ac:inkMkLst>
+        </pc:inkChg>
+        <pc:inkChg chg="add del">
+          <ac:chgData name="Scruel Tao" userId="5ea5c98d59b44d4b" providerId="LiveId" clId="{88D73D01-CABB-4B2D-80EC-648726E3C219}" dt="2023-05-06T10:39:29.506" v="5693" actId="9405"/>
+          <ac:inkMkLst>
+            <pc:docMk/>
+            <pc:sldMk cId="310738446" sldId="375"/>
+            <ac:inkMk id="8" creationId="{1B2359D7-1C2D-A835-92D9-EEF3E83D9B1A}"/>
+          </ac:inkMkLst>
+        </pc:inkChg>
+        <pc:inkChg chg="add del">
+          <ac:chgData name="Scruel Tao" userId="5ea5c98d59b44d4b" providerId="LiveId" clId="{88D73D01-CABB-4B2D-80EC-648726E3C219}" dt="2023-05-06T10:39:33.042" v="5698" actId="9405"/>
+          <ac:inkMkLst>
+            <pc:docMk/>
+            <pc:sldMk cId="310738446" sldId="375"/>
+            <ac:inkMk id="10" creationId="{4ED5453F-93C0-5CD6-C730-5F00D0F5F088}"/>
+          </ac:inkMkLst>
+        </pc:inkChg>
+        <pc:inkChg chg="add del">
+          <ac:chgData name="Scruel Tao" userId="5ea5c98d59b44d4b" providerId="LiveId" clId="{88D73D01-CABB-4B2D-80EC-648726E3C219}" dt="2023-05-06T10:39:35.127" v="5700" actId="9405"/>
+          <ac:inkMkLst>
+            <pc:docMk/>
+            <pc:sldMk cId="310738446" sldId="375"/>
+            <ac:inkMk id="11" creationId="{309F42E2-F1E4-CEE6-0BF4-9B44B7347A74}"/>
+          </ac:inkMkLst>
+        </pc:inkChg>
+        <pc:cxnChg chg="add del mod">
+          <ac:chgData name="Scruel Tao" userId="5ea5c98d59b44d4b" providerId="LiveId" clId="{88D73D01-CABB-4B2D-80EC-648726E3C219}" dt="2023-05-06T10:40:04.021" v="5707" actId="21"/>
+          <ac:cxnSpMkLst>
+            <pc:docMk/>
+            <pc:sldMk cId="310738446" sldId="375"/>
+            <ac:cxnSpMk id="13" creationId="{3C278CB8-80D2-2639-62A9-DCAE9D65BB41}"/>
+          </ac:cxnSpMkLst>
+        </pc:cxnChg>
+        <pc:cxnChg chg="add del mod">
+          <ac:chgData name="Scruel Tao" userId="5ea5c98d59b44d4b" providerId="LiveId" clId="{88D73D01-CABB-4B2D-80EC-648726E3C219}" dt="2023-05-06T10:40:32.984" v="5712" actId="21"/>
+          <ac:cxnSpMkLst>
+            <pc:docMk/>
+            <pc:sldMk cId="310738446" sldId="375"/>
+            <ac:cxnSpMk id="20" creationId="{4B4F8F12-4BA4-D64F-6F19-3DD9DC31BC1E}"/>
+          </ac:cxnSpMkLst>
+        </pc:cxnChg>
+      </pc:sldChg>
+      <pc:sldChg chg="addSp delSp modSp add mod modAnim">
+        <pc:chgData name="Scruel Tao" userId="5ea5c98d59b44d4b" providerId="LiveId" clId="{88D73D01-CABB-4B2D-80EC-648726E3C219}" dt="2023-05-27T04:04:09.324" v="6397" actId="14100"/>
+        <pc:sldMkLst>
+          <pc:docMk/>
+          <pc:sldMk cId="3746649369" sldId="376"/>
+        </pc:sldMkLst>
+        <pc:picChg chg="add mod">
+          <ac:chgData name="Scruel Tao" userId="5ea5c98d59b44d4b" providerId="LiveId" clId="{88D73D01-CABB-4B2D-80EC-648726E3C219}" dt="2023-05-06T21:06:00.456" v="5866" actId="1076"/>
+          <ac:picMkLst>
+            <pc:docMk/>
+            <pc:sldMk cId="3746649369" sldId="376"/>
+            <ac:picMk id="4" creationId="{5A7F3C1C-EABB-6A1D-6376-219F20919FD1}"/>
+          </ac:picMkLst>
+        </pc:picChg>
+        <pc:picChg chg="add mod">
+          <ac:chgData name="Scruel Tao" userId="5ea5c98d59b44d4b" providerId="LiveId" clId="{88D73D01-CABB-4B2D-80EC-648726E3C219}" dt="2023-05-06T21:06:15.888" v="5870" actId="1076"/>
+          <ac:picMkLst>
+            <pc:docMk/>
+            <pc:sldMk cId="3746649369" sldId="376"/>
+            <ac:picMk id="6" creationId="{FE11F4B8-47C5-7B0B-2025-2E17A84FB112}"/>
+          </ac:picMkLst>
+        </pc:picChg>
+        <pc:picChg chg="del mod">
+          <ac:chgData name="Scruel Tao" userId="5ea5c98d59b44d4b" providerId="LiveId" clId="{88D73D01-CABB-4B2D-80EC-648726E3C219}" dt="2023-05-06T21:06:32.821" v="5876" actId="21"/>
+          <ac:picMkLst>
+            <pc:docMk/>
+            <pc:sldMk cId="3746649369" sldId="376"/>
+            <ac:picMk id="8" creationId="{8AB5090F-5018-48C0-EBF4-ED6B0DBB8E37}"/>
+          </ac:picMkLst>
+        </pc:picChg>
+        <pc:picChg chg="add mod">
+          <ac:chgData name="Scruel Tao" userId="5ea5c98d59b44d4b" providerId="LiveId" clId="{88D73D01-CABB-4B2D-80EC-648726E3C219}" dt="2023-05-06T21:06:55.473" v="5881" actId="1076"/>
+          <ac:picMkLst>
+            <pc:docMk/>
+            <pc:sldMk cId="3746649369" sldId="376"/>
+            <ac:picMk id="9" creationId="{BE39C642-C3A1-39C6-F0AB-B9F93EFE74C9}"/>
+          </ac:picMkLst>
+        </pc:picChg>
+        <pc:picChg chg="add mod">
+          <ac:chgData name="Scruel Tao" userId="5ea5c98d59b44d4b" providerId="LiveId" clId="{88D73D01-CABB-4B2D-80EC-648726E3C219}" dt="2023-05-06T21:06:52.197" v="5880" actId="1076"/>
+          <ac:picMkLst>
+            <pc:docMk/>
+            <pc:sldMk cId="3746649369" sldId="376"/>
+            <ac:picMk id="11" creationId="{6FD886B8-BCE1-FF55-1AA9-77619778DBF2}"/>
+          </ac:picMkLst>
+        </pc:picChg>
+        <pc:picChg chg="add mod">
+          <ac:chgData name="Scruel Tao" userId="5ea5c98d59b44d4b" providerId="LiveId" clId="{88D73D01-CABB-4B2D-80EC-648726E3C219}" dt="2023-05-06T21:07:22.467" v="5887" actId="14100"/>
+          <ac:picMkLst>
+            <pc:docMk/>
+            <pc:sldMk cId="3746649369" sldId="376"/>
+            <ac:picMk id="13" creationId="{EAB1916E-F5E2-1FD6-6A9D-68BBE0EFF6F6}"/>
+          </ac:picMkLst>
+        </pc:picChg>
+        <pc:picChg chg="add mod">
+          <ac:chgData name="Scruel Tao" userId="5ea5c98d59b44d4b" providerId="LiveId" clId="{88D73D01-CABB-4B2D-80EC-648726E3C219}" dt="2023-05-27T04:04:09.324" v="6397" actId="14100"/>
+          <ac:picMkLst>
+            <pc:docMk/>
+            <pc:sldMk cId="3746649369" sldId="376"/>
+            <ac:picMk id="16" creationId="{FEA98888-774B-F489-56BF-D3B6D097529F}"/>
+          </ac:picMkLst>
+        </pc:picChg>
+        <pc:picChg chg="mod">
+          <ac:chgData name="Scruel Tao" userId="5ea5c98d59b44d4b" providerId="LiveId" clId="{88D73D01-CABB-4B2D-80EC-648726E3C219}" dt="2023-05-27T04:03:59.299" v="6396" actId="1036"/>
+          <ac:picMkLst>
+            <pc:docMk/>
+            <pc:sldMk cId="3746649369" sldId="376"/>
+            <ac:picMk id="17" creationId="{B4BA9574-9B96-B884-236F-FE5B9F192448}"/>
+          </ac:picMkLst>
+        </pc:picChg>
+        <pc:picChg chg="mod">
+          <ac:chgData name="Scruel Tao" userId="5ea5c98d59b44d4b" providerId="LiveId" clId="{88D73D01-CABB-4B2D-80EC-648726E3C219}" dt="2023-05-06T21:07:03.913" v="5883" actId="1076"/>
+          <ac:picMkLst>
+            <pc:docMk/>
+            <pc:sldMk cId="3746649369" sldId="376"/>
+            <ac:picMk id="18" creationId="{25B4A285-7F44-C972-3812-DD190DC73F65}"/>
+          </ac:picMkLst>
+        </pc:picChg>
+        <pc:picChg chg="mod">
+          <ac:chgData name="Scruel Tao" userId="5ea5c98d59b44d4b" providerId="LiveId" clId="{88D73D01-CABB-4B2D-80EC-648726E3C219}" dt="2023-05-06T21:08:03.397" v="5892" actId="1076"/>
+          <ac:picMkLst>
+            <pc:docMk/>
+            <pc:sldMk cId="3746649369" sldId="376"/>
+            <ac:picMk id="22" creationId="{3A55B12E-91EC-DC60-A02F-622D42775EFC}"/>
+          </ac:picMkLst>
+        </pc:picChg>
+      </pc:sldChg>
+      <pc:sldChg chg="addSp delSp modSp add mod ord modClrScheme delAnim chgLayout">
+        <pc:chgData name="Scruel Tao" userId="5ea5c98d59b44d4b" providerId="LiveId" clId="{88D73D01-CABB-4B2D-80EC-648726E3C219}" dt="2023-05-08T02:20:48.774" v="6375" actId="20577"/>
+        <pc:sldMkLst>
+          <pc:docMk/>
+          <pc:sldMk cId="428468609" sldId="377"/>
+        </pc:sldMkLst>
+        <pc:spChg chg="mod ord">
+          <ac:chgData name="Scruel Tao" userId="5ea5c98d59b44d4b" providerId="LiveId" clId="{88D73D01-CABB-4B2D-80EC-648726E3C219}" dt="2023-05-08T02:17:38.773" v="6158" actId="700"/>
+          <ac:spMkLst>
+            <pc:docMk/>
+            <pc:sldMk cId="428468609" sldId="377"/>
+            <ac:spMk id="2" creationId="{BAD162F0-2175-84E9-2387-55F669162449}"/>
+          </ac:spMkLst>
+        </pc:spChg>
+        <pc:spChg chg="add del mod">
+          <ac:chgData name="Scruel Tao" userId="5ea5c98d59b44d4b" providerId="LiveId" clId="{88D73D01-CABB-4B2D-80EC-648726E3C219}" dt="2023-05-08T02:03:20.489" v="6112" actId="478"/>
+          <ac:spMkLst>
+            <pc:docMk/>
+            <pc:sldMk cId="428468609" sldId="377"/>
+            <ac:spMk id="5" creationId="{9467C76F-0237-A438-9025-A0A72146F95A}"/>
+          </ac:spMkLst>
+        </pc:spChg>
+        <pc:spChg chg="add mod ord">
+          <ac:chgData name="Scruel Tao" userId="5ea5c98d59b44d4b" providerId="LiveId" clId="{88D73D01-CABB-4B2D-80EC-648726E3C219}" dt="2023-05-08T02:18:55.149" v="6190" actId="20577"/>
+          <ac:spMkLst>
+            <pc:docMk/>
+            <pc:sldMk cId="428468609" sldId="377"/>
+            <ac:spMk id="7" creationId="{0F4A2D72-7588-A1A6-108F-2A6CC629E742}"/>
+          </ac:spMkLst>
+        </pc:spChg>
+        <pc:spChg chg="add del mod ord">
+          <ac:chgData name="Scruel Tao" userId="5ea5c98d59b44d4b" providerId="LiveId" clId="{88D73D01-CABB-4B2D-80EC-648726E3C219}" dt="2023-05-08T01:28:25.045" v="5920" actId="478"/>
+          <ac:spMkLst>
+            <pc:docMk/>
+            <pc:sldMk cId="428468609" sldId="377"/>
+            <ac:spMk id="8" creationId="{05C56AB0-EBB5-2E6C-252A-B9976933144C}"/>
+          </ac:spMkLst>
+        </pc:spChg>
+        <pc:spChg chg="add del mod ord">
+          <ac:chgData name="Scruel Tao" userId="5ea5c98d59b44d4b" providerId="LiveId" clId="{88D73D01-CABB-4B2D-80EC-648726E3C219}" dt="2023-05-08T02:17:43.348" v="6160" actId="478"/>
+          <ac:spMkLst>
+            <pc:docMk/>
+            <pc:sldMk cId="428468609" sldId="377"/>
+            <ac:spMk id="10" creationId="{EA3D8956-9AF8-0A75-5A4F-14E71CAC4C46}"/>
+          </ac:spMkLst>
+        </pc:spChg>
+        <pc:spChg chg="del">
+          <ac:chgData name="Scruel Tao" userId="5ea5c98d59b44d4b" providerId="LiveId" clId="{88D73D01-CABB-4B2D-80EC-648726E3C219}" dt="2023-05-08T01:28:20.273" v="5919" actId="21"/>
+          <ac:spMkLst>
+            <pc:docMk/>
+            <pc:sldMk cId="428468609" sldId="377"/>
+            <ac:spMk id="14" creationId="{0E3316AF-03D2-E954-8D9C-19BFF8D01C35}"/>
+          </ac:spMkLst>
+        </pc:spChg>
+        <pc:spChg chg="add mod">
+          <ac:chgData name="Scruel Tao" userId="5ea5c98d59b44d4b" providerId="LiveId" clId="{88D73D01-CABB-4B2D-80EC-648726E3C219}" dt="2023-05-08T02:20:39.868" v="6371" actId="1076"/>
+          <ac:spMkLst>
+            <pc:docMk/>
+            <pc:sldMk cId="428468609" sldId="377"/>
+            <ac:spMk id="25" creationId="{45A748C2-C1A1-98B4-6E03-5644AB4B4ED6}"/>
+          </ac:spMkLst>
+        </pc:spChg>
+        <pc:spChg chg="add mod">
+          <ac:chgData name="Scruel Tao" userId="5ea5c98d59b44d4b" providerId="LiveId" clId="{88D73D01-CABB-4B2D-80EC-648726E3C219}" dt="2023-05-08T02:20:48.774" v="6375" actId="20577"/>
+          <ac:spMkLst>
+            <pc:docMk/>
+            <pc:sldMk cId="428468609" sldId="377"/>
+            <ac:spMk id="26" creationId="{08C7E4F3-FDC9-2B74-CD2B-0A5AFAD69403}"/>
+          </ac:spMkLst>
+        </pc:spChg>
+        <pc:picChg chg="del">
+          <ac:chgData name="Scruel Tao" userId="5ea5c98d59b44d4b" providerId="LiveId" clId="{88D73D01-CABB-4B2D-80EC-648726E3C219}" dt="2023-05-08T01:32:06.585" v="6105" actId="21"/>
+          <ac:picMkLst>
+            <pc:docMk/>
+            <pc:sldMk cId="428468609" sldId="377"/>
+            <ac:picMk id="4" creationId="{5A7F3C1C-EABB-6A1D-6376-219F20919FD1}"/>
+          </ac:picMkLst>
+        </pc:picChg>
+        <pc:picChg chg="del">
+          <ac:chgData name="Scruel Tao" userId="5ea5c98d59b44d4b" providerId="LiveId" clId="{88D73D01-CABB-4B2D-80EC-648726E3C219}" dt="2023-05-08T01:32:07.424" v="6106" actId="21"/>
+          <ac:picMkLst>
+            <pc:docMk/>
+            <pc:sldMk cId="428468609" sldId="377"/>
+            <ac:picMk id="6" creationId="{FE11F4B8-47C5-7B0B-2025-2E17A84FB112}"/>
+          </ac:picMkLst>
+        </pc:picChg>
+        <pc:picChg chg="del">
+          <ac:chgData name="Scruel Tao" userId="5ea5c98d59b44d4b" providerId="LiveId" clId="{88D73D01-CABB-4B2D-80EC-648726E3C219}" dt="2023-05-08T01:32:09.830" v="6107" actId="21"/>
+          <ac:picMkLst>
+            <pc:docMk/>
+            <pc:sldMk cId="428468609" sldId="377"/>
+            <ac:picMk id="9" creationId="{BE39C642-C3A1-39C6-F0AB-B9F93EFE74C9}"/>
+          </ac:picMkLst>
+        </pc:picChg>
+        <pc:picChg chg="del">
+          <ac:chgData name="Scruel Tao" userId="5ea5c98d59b44d4b" providerId="LiveId" clId="{88D73D01-CABB-4B2D-80EC-648726E3C219}" dt="2023-05-08T01:32:11.112" v="6108" actId="21"/>
+          <ac:picMkLst>
+            <pc:docMk/>
+            <pc:sldMk cId="428468609" sldId="377"/>
+            <ac:picMk id="11" creationId="{6FD886B8-BCE1-FF55-1AA9-77619778DBF2}"/>
+          </ac:picMkLst>
+        </pc:picChg>
+        <pc:picChg chg="del">
+          <ac:chgData name="Scruel Tao" userId="5ea5c98d59b44d4b" providerId="LiveId" clId="{88D73D01-CABB-4B2D-80EC-648726E3C219}" dt="2023-05-08T01:32:12.420" v="6109" actId="21"/>
+          <ac:picMkLst>
+            <pc:docMk/>
+            <pc:sldMk cId="428468609" sldId="377"/>
+            <ac:picMk id="13" creationId="{EAB1916E-F5E2-1FD6-6A9D-68BBE0EFF6F6}"/>
+          </ac:picMkLst>
+        </pc:picChg>
+        <pc:picChg chg="add mod">
+          <ac:chgData name="Scruel Tao" userId="5ea5c98d59b44d4b" providerId="LiveId" clId="{88D73D01-CABB-4B2D-80EC-648726E3C219}" dt="2023-05-08T02:18:33.304" v="6171" actId="1076"/>
+          <ac:picMkLst>
+            <pc:docMk/>
+            <pc:sldMk cId="428468609" sldId="377"/>
+            <ac:picMk id="15" creationId="{7AA90CC3-1958-AC98-D32C-0D5BE7918C66}"/>
+          </ac:picMkLst>
+        </pc:picChg>
+        <pc:picChg chg="del">
+          <ac:chgData name="Scruel Tao" userId="5ea5c98d59b44d4b" providerId="LiveId" clId="{88D73D01-CABB-4B2D-80EC-648726E3C219}" dt="2023-05-08T01:30:31.489" v="5970" actId="21"/>
+          <ac:picMkLst>
+            <pc:docMk/>
+            <pc:sldMk cId="428468609" sldId="377"/>
+            <ac:picMk id="16" creationId="{FEA98888-774B-F489-56BF-D3B6D097529F}"/>
+          </ac:picMkLst>
+        </pc:picChg>
+        <pc:picChg chg="del">
+          <ac:chgData name="Scruel Tao" userId="5ea5c98d59b44d4b" providerId="LiveId" clId="{88D73D01-CABB-4B2D-80EC-648726E3C219}" dt="2023-05-08T01:30:32.379" v="5971" actId="21"/>
+          <ac:picMkLst>
+            <pc:docMk/>
+            <pc:sldMk cId="428468609" sldId="377"/>
+            <ac:picMk id="17" creationId="{B4BA9574-9B96-B884-236F-FE5B9F192448}"/>
+          </ac:picMkLst>
+        </pc:picChg>
+        <pc:picChg chg="del">
+          <ac:chgData name="Scruel Tao" userId="5ea5c98d59b44d4b" providerId="LiveId" clId="{88D73D01-CABB-4B2D-80EC-648726E3C219}" dt="2023-05-08T01:32:05.715" v="6104" actId="21"/>
+          <ac:picMkLst>
+            <pc:docMk/>
+            <pc:sldMk cId="428468609" sldId="377"/>
+            <ac:picMk id="18" creationId="{25B4A285-7F44-C972-3812-DD190DC73F65}"/>
+          </ac:picMkLst>
+        </pc:picChg>
+        <pc:picChg chg="add del mod">
+          <ac:chgData name="Scruel Tao" userId="5ea5c98d59b44d4b" providerId="LiveId" clId="{88D73D01-CABB-4B2D-80EC-648726E3C219}" dt="2023-05-08T02:12:43.489" v="6120" actId="478"/>
+          <ac:picMkLst>
+            <pc:docMk/>
+            <pc:sldMk cId="428468609" sldId="377"/>
+            <ac:picMk id="20" creationId="{DC52D43B-1A7D-21A0-1FCC-DD1E34BB6B76}"/>
+          </ac:picMkLst>
+        </pc:picChg>
+        <pc:picChg chg="del">
+          <ac:chgData name="Scruel Tao" userId="5ea5c98d59b44d4b" providerId="LiveId" clId="{88D73D01-CABB-4B2D-80EC-648726E3C219}" dt="2023-05-08T01:32:04.209" v="6103" actId="21"/>
+          <ac:picMkLst>
+            <pc:docMk/>
+            <pc:sldMk cId="428468609" sldId="377"/>
+            <ac:picMk id="22" creationId="{3A55B12E-91EC-DC60-A02F-622D42775EFC}"/>
+          </ac:picMkLst>
+        </pc:picChg>
+        <pc:picChg chg="add mod">
+          <ac:chgData name="Scruel Tao" userId="5ea5c98d59b44d4b" providerId="LiveId" clId="{88D73D01-CABB-4B2D-80EC-648726E3C219}" dt="2023-05-08T02:18:34.712" v="6172" actId="1076"/>
+          <ac:picMkLst>
+            <pc:docMk/>
+            <pc:sldMk cId="428468609" sldId="377"/>
+            <ac:picMk id="23" creationId="{0F0819D7-61A5-E572-C58E-5AEAAC327E95}"/>
+          </ac:picMkLst>
+        </pc:picChg>
+      </pc:sldChg>
+      <pc:sldMasterChg chg="modTransition modSldLayout">
+        <pc:chgData name="Scruel Tao" userId="5ea5c98d59b44d4b" providerId="LiveId" clId="{88D73D01-CABB-4B2D-80EC-648726E3C219}" dt="2023-05-16T03:56:23.899" v="6377" actId="478"/>
+        <pc:sldMasterMkLst>
+          <pc:docMk/>
+          <pc:sldMasterMk cId="1766057859" sldId="2147483648"/>
+        </pc:sldMasterMkLst>
+        <pc:sldLayoutChg chg="modTransition">
+          <pc:chgData name="Scruel Tao" userId="5ea5c98d59b44d4b" providerId="LiveId" clId="{88D73D01-CABB-4B2D-80EC-648726E3C219}" dt="2023-05-05T14:59:33.343" v="4422"/>
+          <pc:sldLayoutMkLst>
+            <pc:docMk/>
+            <pc:sldMasterMk cId="1766057859" sldId="2147483648"/>
+            <pc:sldLayoutMk cId="2187492797" sldId="2147483649"/>
+          </pc:sldLayoutMkLst>
+        </pc:sldLayoutChg>
+        <pc:sldLayoutChg chg="addSp delSp modSp mod modTransition">
+          <pc:chgData name="Scruel Tao" userId="5ea5c98d59b44d4b" providerId="LiveId" clId="{88D73D01-CABB-4B2D-80EC-648726E3C219}" dt="2023-05-05T14:59:33.343" v="4422"/>
+          <pc:sldLayoutMkLst>
+            <pc:docMk/>
+            <pc:sldMasterMk cId="1766057859" sldId="2147483648"/>
+            <pc:sldLayoutMk cId="2116765151" sldId="2147483650"/>
+          </pc:sldLayoutMkLst>
+          <pc:spChg chg="del">
+            <ac:chgData name="Scruel Tao" userId="5ea5c98d59b44d4b" providerId="LiveId" clId="{88D73D01-CABB-4B2D-80EC-648726E3C219}" dt="2023-05-03T00:06:16.932" v="4047" actId="478"/>
+            <ac:spMkLst>
+              <pc:docMk/>
+              <pc:sldMasterMk cId="1766057859" sldId="2147483648"/>
+              <pc:sldLayoutMk cId="2116765151" sldId="2147483650"/>
+              <ac:spMk id="7" creationId="{CC508A81-C1C7-B1D4-63BC-4C397A9B30DA}"/>
+            </ac:spMkLst>
+          </pc:spChg>
+          <pc:spChg chg="add mod">
+            <ac:chgData name="Scruel Tao" userId="5ea5c98d59b44d4b" providerId="LiveId" clId="{88D73D01-CABB-4B2D-80EC-648726E3C219}" dt="2023-05-03T00:06:17.252" v="4048"/>
+            <ac:spMkLst>
+              <pc:docMk/>
+              <pc:sldMasterMk cId="1766057859" sldId="2147483648"/>
+              <pc:sldLayoutMk cId="2116765151" sldId="2147483650"/>
+              <ac:spMk id="8" creationId="{25973751-9434-2845-7261-188CF1A67B9E}"/>
+            </ac:spMkLst>
+          </pc:spChg>
+        </pc:sldLayoutChg>
+        <pc:sldLayoutChg chg="modTransition">
+          <pc:chgData name="Scruel Tao" userId="5ea5c98d59b44d4b" providerId="LiveId" clId="{88D73D01-CABB-4B2D-80EC-648726E3C219}" dt="2023-05-05T14:59:33.343" v="4422"/>
+          <pc:sldLayoutMkLst>
+            <pc:docMk/>
+            <pc:sldMasterMk cId="1766057859" sldId="2147483648"/>
+            <pc:sldLayoutMk cId="3876442843" sldId="2147483651"/>
+          </pc:sldLayoutMkLst>
+        </pc:sldLayoutChg>
+        <pc:sldLayoutChg chg="addSp delSp modSp mod modTransition">
+          <pc:chgData name="Scruel Tao" userId="5ea5c98d59b44d4b" providerId="LiveId" clId="{88D73D01-CABB-4B2D-80EC-648726E3C219}" dt="2023-05-05T14:59:33.343" v="4422"/>
+          <pc:sldLayoutMkLst>
+            <pc:docMk/>
+            <pc:sldMasterMk cId="1766057859" sldId="2147483648"/>
+            <pc:sldLayoutMk cId="2296489930" sldId="2147483652"/>
+          </pc:sldLayoutMkLst>
+          <pc:spChg chg="del">
+            <ac:chgData name="Scruel Tao" userId="5ea5c98d59b44d4b" providerId="LiveId" clId="{88D73D01-CABB-4B2D-80EC-648726E3C219}" dt="2023-05-03T00:06:50.161" v="4049" actId="478"/>
+            <ac:spMkLst>
+              <pc:docMk/>
+              <pc:sldMasterMk cId="1766057859" sldId="2147483648"/>
+              <pc:sldLayoutMk cId="2296489930" sldId="2147483652"/>
+              <ac:spMk id="8" creationId="{C5A5C420-1B53-618C-C968-A8FEF109459A}"/>
+            </ac:spMkLst>
+          </pc:spChg>
+          <pc:spChg chg="add mod">
+            <ac:chgData name="Scruel Tao" userId="5ea5c98d59b44d4b" providerId="LiveId" clId="{88D73D01-CABB-4B2D-80EC-648726E3C219}" dt="2023-05-03T00:06:50.458" v="4050"/>
+            <ac:spMkLst>
+              <pc:docMk/>
+              <pc:sldMasterMk cId="1766057859" sldId="2147483648"/>
+              <pc:sldLayoutMk cId="2296489930" sldId="2147483652"/>
+              <ac:spMk id="9" creationId="{15D63F93-5B88-76F9-2352-FF2AD405A610}"/>
+            </ac:spMkLst>
+          </pc:spChg>
+        </pc:sldLayoutChg>
+        <pc:sldLayoutChg chg="modTransition">
+          <pc:chgData name="Scruel Tao" userId="5ea5c98d59b44d4b" providerId="LiveId" clId="{88D73D01-CABB-4B2D-80EC-648726E3C219}" dt="2023-05-05T14:59:33.343" v="4422"/>
+          <pc:sldLayoutMkLst>
+            <pc:docMk/>
+            <pc:sldMasterMk cId="1766057859" sldId="2147483648"/>
+            <pc:sldLayoutMk cId="1903742116" sldId="2147483653"/>
+          </pc:sldLayoutMkLst>
+        </pc:sldLayoutChg>
+        <pc:sldLayoutChg chg="modTransition">
+          <pc:chgData name="Scruel Tao" userId="5ea5c98d59b44d4b" providerId="LiveId" clId="{88D73D01-CABB-4B2D-80EC-648726E3C219}" dt="2023-05-05T14:59:33.343" v="4422"/>
+          <pc:sldLayoutMkLst>
+            <pc:docMk/>
+            <pc:sldMasterMk cId="1766057859" sldId="2147483648"/>
+            <pc:sldLayoutMk cId="2266343131" sldId="2147483654"/>
+          </pc:sldLayoutMkLst>
+        </pc:sldLayoutChg>
+        <pc:sldLayoutChg chg="modTransition">
+          <pc:chgData name="Scruel Tao" userId="5ea5c98d59b44d4b" providerId="LiveId" clId="{88D73D01-CABB-4B2D-80EC-648726E3C219}" dt="2023-05-05T14:59:33.343" v="4422"/>
+          <pc:sldLayoutMkLst>
+            <pc:docMk/>
+            <pc:sldMasterMk cId="1766057859" sldId="2147483648"/>
+            <pc:sldLayoutMk cId="3125871839" sldId="2147483655"/>
+          </pc:sldLayoutMkLst>
+        </pc:sldLayoutChg>
+        <pc:sldLayoutChg chg="modTransition">
+          <pc:chgData name="Scruel Tao" userId="5ea5c98d59b44d4b" providerId="LiveId" clId="{88D73D01-CABB-4B2D-80EC-648726E3C219}" dt="2023-05-05T14:59:33.343" v="4422"/>
+          <pc:sldLayoutMkLst>
+            <pc:docMk/>
+            <pc:sldMasterMk cId="1766057859" sldId="2147483648"/>
+            <pc:sldLayoutMk cId="4269120921" sldId="2147483656"/>
+          </pc:sldLayoutMkLst>
+        </pc:sldLayoutChg>
+        <pc:sldLayoutChg chg="modTransition">
+          <pc:chgData name="Scruel Tao" userId="5ea5c98d59b44d4b" providerId="LiveId" clId="{88D73D01-CABB-4B2D-80EC-648726E3C219}" dt="2023-05-05T14:59:33.343" v="4422"/>
+          <pc:sldLayoutMkLst>
+            <pc:docMk/>
+            <pc:sldMasterMk cId="1766057859" sldId="2147483648"/>
+            <pc:sldLayoutMk cId="3839517779" sldId="2147483657"/>
+          </pc:sldLayoutMkLst>
+        </pc:sldLayoutChg>
+        <pc:sldLayoutChg chg="modTransition">
+          <pc:chgData name="Scruel Tao" userId="5ea5c98d59b44d4b" providerId="LiveId" clId="{88D73D01-CABB-4B2D-80EC-648726E3C219}" dt="2023-05-05T14:59:33.343" v="4422"/>
+          <pc:sldLayoutMkLst>
+            <pc:docMk/>
+            <pc:sldMasterMk cId="1766057859" sldId="2147483648"/>
+            <pc:sldLayoutMk cId="3533658407" sldId="2147483658"/>
+          </pc:sldLayoutMkLst>
+        </pc:sldLayoutChg>
+        <pc:sldLayoutChg chg="modTransition">
+          <pc:chgData name="Scruel Tao" userId="5ea5c98d59b44d4b" providerId="LiveId" clId="{88D73D01-CABB-4B2D-80EC-648726E3C219}" dt="2023-05-05T14:59:33.343" v="4422"/>
+          <pc:sldLayoutMkLst>
+            <pc:docMk/>
+            <pc:sldMasterMk cId="1766057859" sldId="2147483648"/>
+            <pc:sldLayoutMk cId="1976972956" sldId="2147483659"/>
+          </pc:sldLayoutMkLst>
+        </pc:sldLayoutChg>
+        <pc:sldLayoutChg chg="delSp modTransition">
+          <pc:chgData name="Scruel Tao" userId="5ea5c98d59b44d4b" providerId="LiveId" clId="{88D73D01-CABB-4B2D-80EC-648726E3C219}" dt="2023-05-16T03:56:23.899" v="6377" actId="478"/>
+          <pc:sldLayoutMkLst>
+            <pc:docMk/>
+            <pc:sldMasterMk cId="1766057859" sldId="2147483648"/>
+            <pc:sldLayoutMk cId="1337634028" sldId="2147483660"/>
+          </pc:sldLayoutMkLst>
+          <pc:spChg chg="del">
+            <ac:chgData name="Scruel Tao" userId="5ea5c98d59b44d4b" providerId="LiveId" clId="{88D73D01-CABB-4B2D-80EC-648726E3C219}" dt="2023-05-16T03:56:23.899" v="6377" actId="478"/>
+            <ac:spMkLst>
+              <pc:docMk/>
+              <pc:sldMasterMk cId="1766057859" sldId="2147483648"/>
+              <pc:sldLayoutMk cId="1337634028" sldId="2147483660"/>
+              <ac:spMk id="19472" creationId="{BD0BF484-93B1-9A87-952A-7D5E9B29C38D}"/>
+            </ac:spMkLst>
+          </pc:spChg>
+        </pc:sldLayoutChg>
+      </pc:sldMasterChg>
+    </pc:docChg>
+  </pc:docChgLst>
+  <pc:docChgLst>
+    <pc:chgData name="Scruel Tao" userId="5ea5c98d59b44d4b" providerId="LiveId" clId="{90F6E66C-EDE2-4E69-89C8-78233A222532}"/>
+    <pc:docChg chg="undo redo custSel modSld">
+      <pc:chgData name="Scruel Tao" userId="5ea5c98d59b44d4b" providerId="LiveId" clId="{90F6E66C-EDE2-4E69-89C8-78233A222532}" dt="2024-01-02T08:35:55.132" v="344" actId="20577"/>
+      <pc:docMkLst>
+        <pc:docMk/>
+      </pc:docMkLst>
+      <pc:sldChg chg="modSp modAnim">
+        <pc:chgData name="Scruel Tao" userId="5ea5c98d59b44d4b" providerId="LiveId" clId="{90F6E66C-EDE2-4E69-89C8-78233A222532}" dt="2023-12-03T10:09:29.729" v="210" actId="20577"/>
+        <pc:sldMkLst>
+          <pc:docMk/>
+          <pc:sldMk cId="3210565020" sldId="283"/>
+        </pc:sldMkLst>
+        <pc:spChg chg="mod">
+          <ac:chgData name="Scruel Tao" userId="5ea5c98d59b44d4b" providerId="LiveId" clId="{90F6E66C-EDE2-4E69-89C8-78233A222532}" dt="2023-12-03T10:09:29.729" v="210" actId="20577"/>
+          <ac:spMkLst>
+            <pc:docMk/>
+            <pc:sldMk cId="3210565020" sldId="283"/>
+            <ac:spMk id="4" creationId="{85D6D174-6A04-9AED-7984-BD4330ED7E3A}"/>
+          </ac:spMkLst>
+        </pc:spChg>
+      </pc:sldChg>
+      <pc:sldChg chg="modSp">
+        <pc:chgData name="Scruel Tao" userId="5ea5c98d59b44d4b" providerId="LiveId" clId="{90F6E66C-EDE2-4E69-89C8-78233A222532}" dt="2024-01-02T08:35:55.132" v="344" actId="20577"/>
+        <pc:sldMkLst>
+          <pc:docMk/>
+          <pc:sldMk cId="587836252" sldId="284"/>
+        </pc:sldMkLst>
+        <pc:spChg chg="mod">
+          <ac:chgData name="Scruel Tao" userId="5ea5c98d59b44d4b" providerId="LiveId" clId="{90F6E66C-EDE2-4E69-89C8-78233A222532}" dt="2024-01-02T08:35:55.132" v="344" actId="20577"/>
+          <ac:spMkLst>
+            <pc:docMk/>
+            <pc:sldMk cId="587836252" sldId="284"/>
+            <ac:spMk id="5" creationId="{B7A8CE03-6A77-60EC-056E-D7A0019640A3}"/>
+          </ac:spMkLst>
+        </pc:spChg>
+      </pc:sldChg>
+      <pc:sldChg chg="modAnim">
+        <pc:chgData name="Scruel Tao" userId="5ea5c98d59b44d4b" providerId="LiveId" clId="{90F6E66C-EDE2-4E69-89C8-78233A222532}" dt="2023-12-03T10:04:14.505" v="88"/>
+        <pc:sldMkLst>
+          <pc:docMk/>
+          <pc:sldMk cId="3618025480" sldId="286"/>
+        </pc:sldMkLst>
+      </pc:sldChg>
+      <pc:sldChg chg="modSp mod">
+        <pc:chgData name="Scruel Tao" userId="5ea5c98d59b44d4b" providerId="LiveId" clId="{90F6E66C-EDE2-4E69-89C8-78233A222532}" dt="2023-12-03T10:09:37.881" v="213"/>
+        <pc:sldMkLst>
+          <pc:docMk/>
+          <pc:sldMk cId="2877461038" sldId="288"/>
+        </pc:sldMkLst>
+        <pc:spChg chg="mod">
+          <ac:chgData name="Scruel Tao" userId="5ea5c98d59b44d4b" providerId="LiveId" clId="{90F6E66C-EDE2-4E69-89C8-78233A222532}" dt="2023-12-03T10:09:37.881" v="213"/>
+          <ac:spMkLst>
+            <pc:docMk/>
+            <pc:sldMk cId="2877461038" sldId="288"/>
+            <ac:spMk id="4" creationId="{85D6D174-6A04-9AED-7984-BD4330ED7E3A}"/>
+          </ac:spMkLst>
+        </pc:spChg>
+      </pc:sldChg>
+      <pc:sldChg chg="modSp mod">
+        <pc:chgData name="Scruel Tao" userId="5ea5c98d59b44d4b" providerId="LiveId" clId="{90F6E66C-EDE2-4E69-89C8-78233A222532}" dt="2023-12-03T10:09:42.806" v="216"/>
+        <pc:sldMkLst>
+          <pc:docMk/>
+          <pc:sldMk cId="348119642" sldId="289"/>
+        </pc:sldMkLst>
+        <pc:spChg chg="mod">
+          <ac:chgData name="Scruel Tao" userId="5ea5c98d59b44d4b" providerId="LiveId" clId="{90F6E66C-EDE2-4E69-89C8-78233A222532}" dt="2023-12-03T10:09:42.806" v="216"/>
+          <ac:spMkLst>
+            <pc:docMk/>
+            <pc:sldMk cId="348119642" sldId="289"/>
+            <ac:spMk id="4" creationId="{85D6D174-6A04-9AED-7984-BD4330ED7E3A}"/>
+          </ac:spMkLst>
+        </pc:spChg>
+      </pc:sldChg>
+      <pc:sldChg chg="modSp mod">
+        <pc:chgData name="Scruel Tao" userId="5ea5c98d59b44d4b" providerId="LiveId" clId="{90F6E66C-EDE2-4E69-89C8-78233A222532}" dt="2023-12-03T10:09:46.416" v="219"/>
+        <pc:sldMkLst>
+          <pc:docMk/>
+          <pc:sldMk cId="1685143547" sldId="290"/>
+        </pc:sldMkLst>
+        <pc:spChg chg="mod">
+          <ac:chgData name="Scruel Tao" userId="5ea5c98d59b44d4b" providerId="LiveId" clId="{90F6E66C-EDE2-4E69-89C8-78233A222532}" dt="2023-12-03T10:09:46.416" v="219"/>
+          <ac:spMkLst>
+            <pc:docMk/>
+            <pc:sldMk cId="1685143547" sldId="290"/>
+            <ac:spMk id="4" creationId="{85D6D174-6A04-9AED-7984-BD4330ED7E3A}"/>
+          </ac:spMkLst>
+        </pc:spChg>
+      </pc:sldChg>
+      <pc:sldChg chg="modSp mod">
+        <pc:chgData name="Scruel Tao" userId="5ea5c98d59b44d4b" providerId="LiveId" clId="{90F6E66C-EDE2-4E69-89C8-78233A222532}" dt="2023-12-03T10:09:50.186" v="222"/>
+        <pc:sldMkLst>
+          <pc:docMk/>
+          <pc:sldMk cId="1485813308" sldId="291"/>
+        </pc:sldMkLst>
+        <pc:spChg chg="mod">
+          <ac:chgData name="Scruel Tao" userId="5ea5c98d59b44d4b" providerId="LiveId" clId="{90F6E66C-EDE2-4E69-89C8-78233A222532}" dt="2023-12-03T10:09:50.186" v="222"/>
+          <ac:spMkLst>
+            <pc:docMk/>
+            <pc:sldMk cId="1485813308" sldId="291"/>
+            <ac:spMk id="4" creationId="{85D6D174-6A04-9AED-7984-BD4330ED7E3A}"/>
+          </ac:spMkLst>
+        </pc:spChg>
+      </pc:sldChg>
+      <pc:sldChg chg="modSp mod">
+        <pc:chgData name="Scruel Tao" userId="5ea5c98d59b44d4b" providerId="LiveId" clId="{90F6E66C-EDE2-4E69-89C8-78233A222532}" dt="2023-12-03T10:09:53.494" v="225"/>
+        <pc:sldMkLst>
+          <pc:docMk/>
+          <pc:sldMk cId="3821772885" sldId="292"/>
+        </pc:sldMkLst>
+        <pc:spChg chg="mod">
+          <ac:chgData name="Scruel Tao" userId="5ea5c98d59b44d4b" providerId="LiveId" clId="{90F6E66C-EDE2-4E69-89C8-78233A222532}" dt="2023-12-03T10:09:53.494" v="225"/>
+          <ac:spMkLst>
+            <pc:docMk/>
+            <pc:sldMk cId="3821772885" sldId="292"/>
+            <ac:spMk id="4" creationId="{85D6D174-6A04-9AED-7984-BD4330ED7E3A}"/>
+          </ac:spMkLst>
+        </pc:spChg>
+      </pc:sldChg>
+      <pc:sldChg chg="modAnim">
+        <pc:chgData name="Scruel Tao" userId="5ea5c98d59b44d4b" providerId="LiveId" clId="{90F6E66C-EDE2-4E69-89C8-78233A222532}" dt="2023-12-03T10:29:44.016" v="227"/>
+        <pc:sldMkLst>
+          <pc:docMk/>
+          <pc:sldMk cId="2065461227" sldId="293"/>
+        </pc:sldMkLst>
+      </pc:sldChg>
+      <pc:sldChg chg="addSp modSp mod chgLayout">
+        <pc:chgData name="Scruel Tao" userId="5ea5c98d59b44d4b" providerId="LiveId" clId="{90F6E66C-EDE2-4E69-89C8-78233A222532}" dt="2023-12-03T10:05:59.072" v="162" actId="1036"/>
+        <pc:sldMkLst>
+          <pc:docMk/>
+          <pc:sldMk cId="4005172658" sldId="303"/>
+        </pc:sldMkLst>
+        <pc:spChg chg="mod ord">
+          <ac:chgData name="Scruel Tao" userId="5ea5c98d59b44d4b" providerId="LiveId" clId="{90F6E66C-EDE2-4E69-89C8-78233A222532}" dt="2023-12-03T10:03:07.718" v="63" actId="700"/>
+          <ac:spMkLst>
+            <pc:docMk/>
+            <pc:sldMk cId="4005172658" sldId="303"/>
+            <ac:spMk id="2" creationId="{BAD162F0-2175-84E9-2387-55F669162449}"/>
+          </ac:spMkLst>
+        </pc:spChg>
+        <pc:spChg chg="add mod ord">
+          <ac:chgData name="Scruel Tao" userId="5ea5c98d59b44d4b" providerId="LiveId" clId="{90F6E66C-EDE2-4E69-89C8-78233A222532}" dt="2023-12-03T10:04:27.399" v="90" actId="21"/>
+          <ac:spMkLst>
+            <pc:docMk/>
+            <pc:sldMk cId="4005172658" sldId="303"/>
+            <ac:spMk id="3" creationId="{5A02116E-3AED-9BB8-B348-7C84B9A10060}"/>
+          </ac:spMkLst>
+        </pc:spChg>
+        <pc:spChg chg="mod">
+          <ac:chgData name="Scruel Tao" userId="5ea5c98d59b44d4b" providerId="LiveId" clId="{90F6E66C-EDE2-4E69-89C8-78233A222532}" dt="2023-12-03T10:04:04.916" v="87" actId="1038"/>
+          <ac:spMkLst>
+            <pc:docMk/>
+            <pc:sldMk cId="4005172658" sldId="303"/>
+            <ac:spMk id="14" creationId="{0E3316AF-03D2-E954-8D9C-19BFF8D01C35}"/>
+          </ac:spMkLst>
+        </pc:spChg>
+        <pc:picChg chg="mod">
+          <ac:chgData name="Scruel Tao" userId="5ea5c98d59b44d4b" providerId="LiveId" clId="{90F6E66C-EDE2-4E69-89C8-78233A222532}" dt="2023-12-03T10:05:59.072" v="162" actId="1036"/>
+          <ac:picMkLst>
+            <pc:docMk/>
+            <pc:sldMk cId="4005172658" sldId="303"/>
+            <ac:picMk id="17" creationId="{B4BA9574-9B96-B884-236F-FE5B9F192448}"/>
+          </ac:picMkLst>
+        </pc:picChg>
+      </pc:sldChg>
+      <pc:sldChg chg="modSp mod modAnim">
+        <pc:chgData name="Scruel Tao" userId="5ea5c98d59b44d4b" providerId="LiveId" clId="{90F6E66C-EDE2-4E69-89C8-78233A222532}" dt="2024-01-02T08:34:37.912" v="341" actId="313"/>
+        <pc:sldMkLst>
+          <pc:docMk/>
+          <pc:sldMk cId="696613599" sldId="308"/>
+        </pc:sldMkLst>
+        <pc:spChg chg="mod">
+          <ac:chgData name="Scruel Tao" userId="5ea5c98d59b44d4b" providerId="LiveId" clId="{90F6E66C-EDE2-4E69-89C8-78233A222532}" dt="2024-01-02T08:34:36.672" v="340" actId="313"/>
+          <ac:spMkLst>
+            <pc:docMk/>
+            <pc:sldMk cId="696613599" sldId="308"/>
+            <ac:spMk id="7" creationId="{12C899D8-51C5-D9B7-A323-E6EFE4AB5C33}"/>
+          </ac:spMkLst>
+        </pc:spChg>
+      </pc:sldChg>
+      <pc:sldChg chg="addSp modSp mod modAnim">
+        <pc:chgData name="Scruel Tao" userId="5ea5c98d59b44d4b" providerId="LiveId" clId="{90F6E66C-EDE2-4E69-89C8-78233A222532}" dt="2023-12-03T10:35:03.586" v="265" actId="20577"/>
+        <pc:sldMkLst>
+          <pc:docMk/>
+          <pc:sldMk cId="4150484648" sldId="370"/>
+        </pc:sldMkLst>
+        <pc:spChg chg="mod">
+          <ac:chgData name="Scruel Tao" userId="5ea5c98d59b44d4b" providerId="LiveId" clId="{90F6E66C-EDE2-4E69-89C8-78233A222532}" dt="2023-12-03T10:33:30.445" v="234" actId="20577"/>
+          <ac:spMkLst>
+            <pc:docMk/>
+            <pc:sldMk cId="4150484648" sldId="370"/>
+            <ac:spMk id="4" creationId="{85D6D174-6A04-9AED-7984-BD4330ED7E3A}"/>
+          </ac:spMkLst>
+        </pc:spChg>
+        <pc:spChg chg="add mod">
+          <ac:chgData name="Scruel Tao" userId="5ea5c98d59b44d4b" providerId="LiveId" clId="{90F6E66C-EDE2-4E69-89C8-78233A222532}" dt="2023-12-03T10:35:03.586" v="265" actId="20577"/>
+          <ac:spMkLst>
+            <pc:docMk/>
+            <pc:sldMk cId="4150484648" sldId="370"/>
+            <ac:spMk id="5" creationId="{9C922FF5-5FF8-FEC1-92B6-55AB1FDE9C2A}"/>
+          </ac:spMkLst>
+        </pc:spChg>
+      </pc:sldChg>
+      <pc:sldChg chg="modSp mod">
+        <pc:chgData name="Scruel Tao" userId="5ea5c98d59b44d4b" providerId="LiveId" clId="{90F6E66C-EDE2-4E69-89C8-78233A222532}" dt="2023-12-03T10:35:45.234" v="299" actId="20577"/>
+        <pc:sldMkLst>
+          <pc:docMk/>
+          <pc:sldMk cId="2142768243" sldId="372"/>
+        </pc:sldMkLst>
+        <pc:spChg chg="mod">
+          <ac:chgData name="Scruel Tao" userId="5ea5c98d59b44d4b" providerId="LiveId" clId="{90F6E66C-EDE2-4E69-89C8-78233A222532}" dt="2023-12-03T10:35:45.234" v="299" actId="20577"/>
+          <ac:spMkLst>
+            <pc:docMk/>
+            <pc:sldMk cId="2142768243" sldId="372"/>
+            <ac:spMk id="4" creationId="{85D6D174-6A04-9AED-7984-BD4330ED7E3A}"/>
+          </ac:spMkLst>
+        </pc:spChg>
+      </pc:sldChg>
+      <pc:sldChg chg="modSp mod">
+        <pc:chgData name="Scruel Tao" userId="5ea5c98d59b44d4b" providerId="LiveId" clId="{90F6E66C-EDE2-4E69-89C8-78233A222532}" dt="2023-12-03T10:37:30.764" v="334" actId="20577"/>
+        <pc:sldMkLst>
+          <pc:docMk/>
+          <pc:sldMk cId="402016715" sldId="374"/>
+        </pc:sldMkLst>
+        <pc:spChg chg="mod">
+          <ac:chgData name="Scruel Tao" userId="5ea5c98d59b44d4b" providerId="LiveId" clId="{90F6E66C-EDE2-4E69-89C8-78233A222532}" dt="2023-12-03T10:37:30.764" v="334" actId="20577"/>
+          <ac:spMkLst>
+            <pc:docMk/>
+            <pc:sldMk cId="402016715" sldId="374"/>
+            <ac:spMk id="4" creationId="{85D6D174-6A04-9AED-7984-BD4330ED7E3A}"/>
+          </ac:spMkLst>
+        </pc:spChg>
+      </pc:sldChg>
+      <pc:sldChg chg="modSp mod">
+        <pc:chgData name="Scruel Tao" userId="5ea5c98d59b44d4b" providerId="LiveId" clId="{90F6E66C-EDE2-4E69-89C8-78233A222532}" dt="2023-12-03T10:36:44.790" v="328" actId="20577"/>
+        <pc:sldMkLst>
+          <pc:docMk/>
+          <pc:sldMk cId="310738446" sldId="375"/>
+        </pc:sldMkLst>
+        <pc:spChg chg="mod">
+          <ac:chgData name="Scruel Tao" userId="5ea5c98d59b44d4b" providerId="LiveId" clId="{90F6E66C-EDE2-4E69-89C8-78233A222532}" dt="2023-12-03T10:36:44.790" v="328" actId="20577"/>
+          <ac:spMkLst>
+            <pc:docMk/>
+            <pc:sldMk cId="310738446" sldId="375"/>
+            <ac:spMk id="4" creationId="{85D6D174-6A04-9AED-7984-BD4330ED7E3A}"/>
+          </ac:spMkLst>
+        </pc:spChg>
+      </pc:sldChg>
+      <pc:sldChg chg="addSp modSp mod modAnim chgLayout">
+        <pc:chgData name="Scruel Tao" userId="5ea5c98d59b44d4b" providerId="LiveId" clId="{90F6E66C-EDE2-4E69-89C8-78233A222532}" dt="2023-12-03T10:07:09.468" v="165"/>
+        <pc:sldMkLst>
+          <pc:docMk/>
+          <pc:sldMk cId="3746649369" sldId="376"/>
+        </pc:sldMkLst>
+        <pc:spChg chg="mod ord">
+          <ac:chgData name="Scruel Tao" userId="5ea5c98d59b44d4b" providerId="LiveId" clId="{90F6E66C-EDE2-4E69-89C8-78233A222532}" dt="2023-12-03T10:02:39.276" v="0" actId="700"/>
+          <ac:spMkLst>
+            <pc:docMk/>
+            <pc:sldMk cId="3746649369" sldId="376"/>
+            <ac:spMk id="2" creationId="{BAD162F0-2175-84E9-2387-55F669162449}"/>
+          </ac:spMkLst>
+        </pc:spChg>
+        <pc:spChg chg="add mod ord">
+          <ac:chgData name="Scruel Tao" userId="5ea5c98d59b44d4b" providerId="LiveId" clId="{90F6E66C-EDE2-4E69-89C8-78233A222532}" dt="2023-12-03T10:06:34.264" v="163"/>
+          <ac:spMkLst>
+            <pc:docMk/>
+            <pc:sldMk cId="3746649369" sldId="376"/>
+            <ac:spMk id="3" creationId="{9999C155-A13C-2621-03F6-EB459BEF36BA}"/>
+          </ac:spMkLst>
+        </pc:spChg>
+        <pc:spChg chg="mod">
+          <ac:chgData name="Scruel Tao" userId="5ea5c98d59b44d4b" providerId="LiveId" clId="{90F6E66C-EDE2-4E69-89C8-78233A222532}" dt="2023-12-03T10:06:42.248" v="164" actId="207"/>
+          <ac:spMkLst>
+            <pc:docMk/>
+            <pc:sldMk cId="3746649369" sldId="376"/>
+            <ac:spMk id="14" creationId="{0E3316AF-03D2-E954-8D9C-19BFF8D01C35}"/>
+          </ac:spMkLst>
+        </pc:spChg>
+        <pc:picChg chg="mod">
+          <ac:chgData name="Scruel Tao" userId="5ea5c98d59b44d4b" providerId="LiveId" clId="{90F6E66C-EDE2-4E69-89C8-78233A222532}" dt="2023-12-03T10:05:50.380" v="161" actId="1035"/>
+          <ac:picMkLst>
+            <pc:docMk/>
+            <pc:sldMk cId="3746649369" sldId="376"/>
+            <ac:picMk id="16" creationId="{FEA98888-774B-F489-56BF-D3B6D097529F}"/>
+          </ac:picMkLst>
+        </pc:picChg>
+        <pc:picChg chg="mod">
+          <ac:chgData name="Scruel Tao" userId="5ea5c98d59b44d4b" providerId="LiveId" clId="{90F6E66C-EDE2-4E69-89C8-78233A222532}" dt="2023-12-03T10:05:50.380" v="161" actId="1035"/>
+          <ac:picMkLst>
+            <pc:docMk/>
+            <pc:sldMk cId="3746649369" sldId="376"/>
+            <ac:picMk id="17" creationId="{B4BA9574-9B96-B884-236F-FE5B9F192448}"/>
+          </ac:picMkLst>
+        </pc:picChg>
+      </pc:sldChg>
+      <pc:sldChg chg="addSp delSp modSp mod modAnim">
+        <pc:chgData name="Scruel Tao" userId="5ea5c98d59b44d4b" providerId="LiveId" clId="{90F6E66C-EDE2-4E69-89C8-78233A222532}" dt="2023-12-03T10:09:01.489" v="193"/>
+        <pc:sldMkLst>
+          <pc:docMk/>
+          <pc:sldMk cId="428468609" sldId="377"/>
+        </pc:sldMkLst>
+        <pc:spChg chg="add mod">
+          <ac:chgData name="Scruel Tao" userId="5ea5c98d59b44d4b" providerId="LiveId" clId="{90F6E66C-EDE2-4E69-89C8-78233A222532}" dt="2023-12-03T10:08:48.079" v="191" actId="1076"/>
+          <ac:spMkLst>
+            <pc:docMk/>
+            <pc:sldMk cId="428468609" sldId="377"/>
+            <ac:spMk id="4" creationId="{ED9C3CBF-649C-456F-08A1-19F27C8CD37B}"/>
+          </ac:spMkLst>
+        </pc:spChg>
+        <pc:spChg chg="add del mod">
+          <ac:chgData name="Scruel Tao" userId="5ea5c98d59b44d4b" providerId="LiveId" clId="{90F6E66C-EDE2-4E69-89C8-78233A222532}" dt="2023-12-03T10:07:57.399" v="172" actId="478"/>
+          <ac:spMkLst>
+            <pc:docMk/>
+            <pc:sldMk cId="428468609" sldId="377"/>
+            <ac:spMk id="6" creationId="{E81610C6-56B4-6E53-C048-0AEF0BB9C08F}"/>
+          </ac:spMkLst>
+        </pc:spChg>
+        <pc:spChg chg="del mod">
+          <ac:chgData name="Scruel Tao" userId="5ea5c98d59b44d4b" providerId="LiveId" clId="{90F6E66C-EDE2-4E69-89C8-78233A222532}" dt="2023-12-03T10:07:54.586" v="170" actId="478"/>
+          <ac:spMkLst>
+            <pc:docMk/>
+            <pc:sldMk cId="428468609" sldId="377"/>
+            <ac:spMk id="7" creationId="{0F4A2D72-7588-A1A6-108F-2A6CC629E742}"/>
+          </ac:spMkLst>
+        </pc:spChg>
+        <pc:spChg chg="add mod">
+          <ac:chgData name="Scruel Tao" userId="5ea5c98d59b44d4b" providerId="LiveId" clId="{90F6E66C-EDE2-4E69-89C8-78233A222532}" dt="2023-12-03T10:08:17.081" v="178" actId="1076"/>
+          <ac:spMkLst>
+            <pc:docMk/>
+            <pc:sldMk cId="428468609" sldId="377"/>
+            <ac:spMk id="9" creationId="{1C48257C-ECFA-4DA8-A076-ECED3B7D23F9}"/>
+          </ac:spMkLst>
+        </pc:spChg>
+      </pc:sldChg>
+    </pc:docChg>
+  </pc:docChgLst>
+  <pc:docChgLst>
     <pc:chgData name="Scruel Tao" userId="5ea5c98d59b44d4b" providerId="LiveId" clId="{42F73B06-DA81-4C67-8473-07E158E9C79B}"/>
     <pc:docChg chg="undo redo custSel addSld delSld modSld sldOrd modMainMaster">
       <pc:chgData name="Scruel Tao" userId="5ea5c98d59b44d4b" providerId="LiveId" clId="{42F73B06-DA81-4C67-8473-07E158E9C79B}" dt="2023-04-25T04:46:22.938" v="2599" actId="20577"/>
@@ -2780,2350 +5124,6 @@
               <ac:picMk id="19482" creationId="{8F2B9C9A-7CA4-5723-784E-DBADCF09186B}"/>
             </ac:picMkLst>
           </pc:picChg>
-        </pc:sldLayoutChg>
-      </pc:sldMasterChg>
-    </pc:docChg>
-  </pc:docChgLst>
-  <pc:docChgLst>
-    <pc:chgData name="Scruel Tao" userId="5ea5c98d59b44d4b" providerId="LiveId" clId="{88D73D01-CABB-4B2D-80EC-648726E3C219}"/>
-    <pc:docChg chg="undo redo custSel addSld delSld modSld sldOrd modMainMaster">
-      <pc:chgData name="Scruel Tao" userId="5ea5c98d59b44d4b" providerId="LiveId" clId="{88D73D01-CABB-4B2D-80EC-648726E3C219}" dt="2023-06-02T13:43:51.723" v="6398" actId="20577"/>
-      <pc:docMkLst>
-        <pc:docMk/>
-      </pc:docMkLst>
-      <pc:sldChg chg="addSp delSp modSp add del mod modTransition">
-        <pc:chgData name="Scruel Tao" userId="5ea5c98d59b44d4b" providerId="LiveId" clId="{88D73D01-CABB-4B2D-80EC-648726E3C219}" dt="2023-05-05T14:59:33.343" v="4422"/>
-        <pc:sldMkLst>
-          <pc:docMk/>
-          <pc:sldMk cId="1112998187" sldId="257"/>
-        </pc:sldMkLst>
-        <pc:spChg chg="mod">
-          <ac:chgData name="Scruel Tao" userId="5ea5c98d59b44d4b" providerId="LiveId" clId="{88D73D01-CABB-4B2D-80EC-648726E3C219}" dt="2023-04-26T04:44:19.770" v="24" actId="20577"/>
-          <ac:spMkLst>
-            <pc:docMk/>
-            <pc:sldMk cId="1112998187" sldId="257"/>
-            <ac:spMk id="2" creationId="{1422DFF6-0952-1023-64E3-97184D36BE3F}"/>
-          </ac:spMkLst>
-        </pc:spChg>
-        <pc:spChg chg="mod">
-          <ac:chgData name="Scruel Tao" userId="5ea5c98d59b44d4b" providerId="LiveId" clId="{88D73D01-CABB-4B2D-80EC-648726E3C219}" dt="2023-04-26T04:45:06.262" v="47"/>
-          <ac:spMkLst>
-            <pc:docMk/>
-            <pc:sldMk cId="1112998187" sldId="257"/>
-            <ac:spMk id="3" creationId="{AC7759D9-0BB4-08ED-8476-24F7D903D6DE}"/>
-          </ac:spMkLst>
-        </pc:spChg>
-        <pc:spChg chg="add del mod">
-          <ac:chgData name="Scruel Tao" userId="5ea5c98d59b44d4b" providerId="LiveId" clId="{88D73D01-CABB-4B2D-80EC-648726E3C219}" dt="2023-04-26T10:57:28.701" v="2621" actId="478"/>
-          <ac:spMkLst>
-            <pc:docMk/>
-            <pc:sldMk cId="1112998187" sldId="257"/>
-            <ac:spMk id="4" creationId="{B1A8FEFE-AF03-7678-E583-B0C324FF7C5C}"/>
-          </ac:spMkLst>
-        </pc:spChg>
-      </pc:sldChg>
-      <pc:sldChg chg="del">
-        <pc:chgData name="Scruel Tao" userId="5ea5c98d59b44d4b" providerId="LiveId" clId="{88D73D01-CABB-4B2D-80EC-648726E3C219}" dt="2023-04-26T02:43:28.228" v="0" actId="47"/>
-        <pc:sldMkLst>
-          <pc:docMk/>
-          <pc:sldMk cId="1199684676" sldId="259"/>
-        </pc:sldMkLst>
-      </pc:sldChg>
-      <pc:sldChg chg="addSp delSp modSp mod modTransition modNotes">
-        <pc:chgData name="Scruel Tao" userId="5ea5c98d59b44d4b" providerId="LiveId" clId="{88D73D01-CABB-4B2D-80EC-648726E3C219}" dt="2023-06-02T13:43:51.723" v="6398" actId="20577"/>
-        <pc:sldMkLst>
-          <pc:docMk/>
-          <pc:sldMk cId="0" sldId="260"/>
-        </pc:sldMkLst>
-        <pc:spChg chg="del">
-          <ac:chgData name="Scruel Tao" userId="5ea5c98d59b44d4b" providerId="LiveId" clId="{88D73D01-CABB-4B2D-80EC-648726E3C219}" dt="2023-05-16T03:56:16.049" v="6376" actId="478"/>
-          <ac:spMkLst>
-            <pc:docMk/>
-            <pc:sldMk cId="0" sldId="260"/>
-            <ac:spMk id="2" creationId="{51B8E4C0-E15B-4BD0-7B5B-A44A3D5B0C34}"/>
-          </ac:spMkLst>
-        </pc:spChg>
-        <pc:spChg chg="del">
-          <ac:chgData name="Scruel Tao" userId="5ea5c98d59b44d4b" providerId="LiveId" clId="{88D73D01-CABB-4B2D-80EC-648726E3C219}" dt="2023-05-03T00:05:42.931" v="4045" actId="478"/>
-          <ac:spMkLst>
-            <pc:docMk/>
-            <pc:sldMk cId="0" sldId="260"/>
-            <ac:spMk id="3" creationId="{C8068F35-EF78-6218-F528-48E9ED924DF4}"/>
-          </ac:spMkLst>
-        </pc:spChg>
-        <pc:spChg chg="add del mod">
-          <ac:chgData name="Scruel Tao" userId="5ea5c98d59b44d4b" providerId="LiveId" clId="{88D73D01-CABB-4B2D-80EC-648726E3C219}" dt="2023-05-03T00:05:41.674" v="4044"/>
-          <ac:spMkLst>
-            <pc:docMk/>
-            <pc:sldMk cId="0" sldId="260"/>
-            <ac:spMk id="4" creationId="{836A5BEA-0B28-F483-0FC5-ECAA0890B72D}"/>
-          </ac:spMkLst>
-        </pc:spChg>
-        <pc:spChg chg="add mod">
-          <ac:chgData name="Scruel Tao" userId="5ea5c98d59b44d4b" providerId="LiveId" clId="{88D73D01-CABB-4B2D-80EC-648726E3C219}" dt="2023-05-03T00:05:43.302" v="4046"/>
-          <ac:spMkLst>
-            <pc:docMk/>
-            <pc:sldMk cId="0" sldId="260"/>
-            <ac:spMk id="5" creationId="{44939AF0-12AF-355A-65AB-49B915A3AE52}"/>
-          </ac:spMkLst>
-        </pc:spChg>
-        <pc:spChg chg="mod">
-          <ac:chgData name="Scruel Tao" userId="5ea5c98d59b44d4b" providerId="LiveId" clId="{88D73D01-CABB-4B2D-80EC-648726E3C219}" dt="2023-06-02T13:43:51.723" v="6398" actId="20577"/>
-          <ac:spMkLst>
-            <pc:docMk/>
-            <pc:sldMk cId="0" sldId="260"/>
-            <ac:spMk id="1227783" creationId="{F7B3941E-B689-22D6-F18C-358E4BAEDF5F}"/>
-          </ac:spMkLst>
-        </pc:spChg>
-      </pc:sldChg>
-      <pc:sldChg chg="del">
-        <pc:chgData name="Scruel Tao" userId="5ea5c98d59b44d4b" providerId="LiveId" clId="{88D73D01-CABB-4B2D-80EC-648726E3C219}" dt="2023-04-26T02:43:28.228" v="0" actId="47"/>
-        <pc:sldMkLst>
-          <pc:docMk/>
-          <pc:sldMk cId="1751565490" sldId="276"/>
-        </pc:sldMkLst>
-      </pc:sldChg>
-      <pc:sldChg chg="add del">
-        <pc:chgData name="Scruel Tao" userId="5ea5c98d59b44d4b" providerId="LiveId" clId="{88D73D01-CABB-4B2D-80EC-648726E3C219}" dt="2023-05-01T18:27:14.756" v="4038" actId="47"/>
-        <pc:sldMkLst>
-          <pc:docMk/>
-          <pc:sldMk cId="2706538019" sldId="277"/>
-        </pc:sldMkLst>
-      </pc:sldChg>
-      <pc:sldChg chg="modSp add del mod modAnim">
-        <pc:chgData name="Scruel Tao" userId="5ea5c98d59b44d4b" providerId="LiveId" clId="{88D73D01-CABB-4B2D-80EC-648726E3C219}" dt="2023-04-26T08:55:49.663" v="79" actId="47"/>
-        <pc:sldMkLst>
-          <pc:docMk/>
-          <pc:sldMk cId="3519437269" sldId="279"/>
-        </pc:sldMkLst>
-        <pc:spChg chg="mod">
-          <ac:chgData name="Scruel Tao" userId="5ea5c98d59b44d4b" providerId="LiveId" clId="{88D73D01-CABB-4B2D-80EC-648726E3C219}" dt="2023-04-26T04:44:30.725" v="31"/>
-          <ac:spMkLst>
-            <pc:docMk/>
-            <pc:sldMk cId="3519437269" sldId="279"/>
-            <ac:spMk id="2" creationId="{BAD162F0-2175-84E9-2387-55F669162449}"/>
-          </ac:spMkLst>
-        </pc:spChg>
-      </pc:sldChg>
-      <pc:sldChg chg="modSp add mod modTransition modAnim">
-        <pc:chgData name="Scruel Tao" userId="5ea5c98d59b44d4b" providerId="LiveId" clId="{88D73D01-CABB-4B2D-80EC-648726E3C219}" dt="2023-05-05T14:59:33.343" v="4422"/>
-        <pc:sldMkLst>
-          <pc:docMk/>
-          <pc:sldMk cId="3745708182" sldId="280"/>
-        </pc:sldMkLst>
-        <pc:spChg chg="mod">
-          <ac:chgData name="Scruel Tao" userId="5ea5c98d59b44d4b" providerId="LiveId" clId="{88D73D01-CABB-4B2D-80EC-648726E3C219}" dt="2023-05-04T10:03:57.350" v="4416" actId="20577"/>
-          <ac:spMkLst>
-            <pc:docMk/>
-            <pc:sldMk cId="3745708182" sldId="280"/>
-            <ac:spMk id="3" creationId="{9E0BA8B8-92DA-1AC9-79B9-A552D184BB54}"/>
-          </ac:spMkLst>
-        </pc:spChg>
-      </pc:sldChg>
-      <pc:sldChg chg="modSp add mod modTransition modAnim">
-        <pc:chgData name="Scruel Tao" userId="5ea5c98d59b44d4b" providerId="LiveId" clId="{88D73D01-CABB-4B2D-80EC-648726E3C219}" dt="2023-05-05T14:59:33.343" v="4422"/>
-        <pc:sldMkLst>
-          <pc:docMk/>
-          <pc:sldMk cId="364430658" sldId="282"/>
-        </pc:sldMkLst>
-        <pc:spChg chg="mod">
-          <ac:chgData name="Scruel Tao" userId="5ea5c98d59b44d4b" providerId="LiveId" clId="{88D73D01-CABB-4B2D-80EC-648726E3C219}" dt="2023-04-26T04:45:09.137" v="50"/>
-          <ac:spMkLst>
-            <pc:docMk/>
-            <pc:sldMk cId="364430658" sldId="282"/>
-            <ac:spMk id="2" creationId="{1CBF67D3-549D-0623-7687-618F66C7933B}"/>
-          </ac:spMkLst>
-        </pc:spChg>
-        <pc:spChg chg="mod">
-          <ac:chgData name="Scruel Tao" userId="5ea5c98d59b44d4b" providerId="LiveId" clId="{88D73D01-CABB-4B2D-80EC-648726E3C219}" dt="2023-05-01T16:07:27.756" v="4032" actId="5793"/>
-          <ac:spMkLst>
-            <pc:docMk/>
-            <pc:sldMk cId="364430658" sldId="282"/>
-            <ac:spMk id="5" creationId="{27E734E7-DC50-2043-E0F4-ADDF97100AAB}"/>
-          </ac:spMkLst>
-        </pc:spChg>
-      </pc:sldChg>
-      <pc:sldChg chg="addSp delSp modSp add mod modTransition modClrScheme delAnim modAnim chgLayout">
-        <pc:chgData name="Scruel Tao" userId="5ea5c98d59b44d4b" providerId="LiveId" clId="{88D73D01-CABB-4B2D-80EC-648726E3C219}" dt="2023-05-08T01:30:51.838" v="5977" actId="5793"/>
-        <pc:sldMkLst>
-          <pc:docMk/>
-          <pc:sldMk cId="3210565020" sldId="283"/>
-        </pc:sldMkLst>
-        <pc:spChg chg="mod ord">
-          <ac:chgData name="Scruel Tao" userId="5ea5c98d59b44d4b" providerId="LiveId" clId="{88D73D01-CABB-4B2D-80EC-648726E3C219}" dt="2023-04-26T08:58:46.693" v="302" actId="700"/>
-          <ac:spMkLst>
-            <pc:docMk/>
-            <pc:sldMk cId="3210565020" sldId="283"/>
-            <ac:spMk id="2" creationId="{BAD162F0-2175-84E9-2387-55F669162449}"/>
-          </ac:spMkLst>
-        </pc:spChg>
-        <pc:spChg chg="del mod ord">
-          <ac:chgData name="Scruel Tao" userId="5ea5c98d59b44d4b" providerId="LiveId" clId="{88D73D01-CABB-4B2D-80EC-648726E3C219}" dt="2023-04-26T08:58:46.693" v="302" actId="700"/>
-          <ac:spMkLst>
-            <pc:docMk/>
-            <pc:sldMk cId="3210565020" sldId="283"/>
-            <ac:spMk id="3" creationId="{0E2FC508-1AFD-A957-52F2-FA1DEF2A9D27}"/>
-          </ac:spMkLst>
-        </pc:spChg>
-        <pc:spChg chg="add mod ord">
-          <ac:chgData name="Scruel Tao" userId="5ea5c98d59b44d4b" providerId="LiveId" clId="{88D73D01-CABB-4B2D-80EC-648726E3C219}" dt="2023-05-08T01:30:51.838" v="5977" actId="5793"/>
-          <ac:spMkLst>
-            <pc:docMk/>
-            <pc:sldMk cId="3210565020" sldId="283"/>
-            <ac:spMk id="4" creationId="{85D6D174-6A04-9AED-7984-BD4330ED7E3A}"/>
-          </ac:spMkLst>
-        </pc:spChg>
-        <pc:spChg chg="del mod">
-          <ac:chgData name="Scruel Tao" userId="5ea5c98d59b44d4b" providerId="LiveId" clId="{88D73D01-CABB-4B2D-80EC-648726E3C219}" dt="2023-04-30T17:26:16.714" v="2804" actId="478"/>
-          <ac:spMkLst>
-            <pc:docMk/>
-            <pc:sldMk cId="3210565020" sldId="283"/>
-            <ac:spMk id="5" creationId="{B7A8CE03-6A77-60EC-056E-D7A0019640A3}"/>
-          </ac:spMkLst>
-        </pc:spChg>
-        <pc:spChg chg="del mod">
-          <ac:chgData name="Scruel Tao" userId="5ea5c98d59b44d4b" providerId="LiveId" clId="{88D73D01-CABB-4B2D-80EC-648726E3C219}" dt="2023-04-30T17:26:15.943" v="2803" actId="478"/>
-          <ac:spMkLst>
-            <pc:docMk/>
-            <pc:sldMk cId="3210565020" sldId="283"/>
-            <ac:spMk id="7" creationId="{12C899D8-51C5-D9B7-A323-E6EFE4AB5C33}"/>
-          </ac:spMkLst>
-        </pc:spChg>
-      </pc:sldChg>
-      <pc:sldChg chg="addSp delSp modSp add mod modTransition modClrScheme delAnim modAnim chgLayout modNotesTx">
-        <pc:chgData name="Scruel Tao" userId="5ea5c98d59b44d4b" providerId="LiveId" clId="{88D73D01-CABB-4B2D-80EC-648726E3C219}" dt="2023-05-05T15:52:30.247" v="4449"/>
-        <pc:sldMkLst>
-          <pc:docMk/>
-          <pc:sldMk cId="587836252" sldId="284"/>
-        </pc:sldMkLst>
-        <pc:spChg chg="mod ord">
-          <ac:chgData name="Scruel Tao" userId="5ea5c98d59b44d4b" providerId="LiveId" clId="{88D73D01-CABB-4B2D-80EC-648726E3C219}" dt="2023-05-01T13:35:29.457" v="3583"/>
-          <ac:spMkLst>
-            <pc:docMk/>
-            <pc:sldMk cId="587836252" sldId="284"/>
-            <ac:spMk id="2" creationId="{BAD162F0-2175-84E9-2387-55F669162449}"/>
-          </ac:spMkLst>
-        </pc:spChg>
-        <pc:spChg chg="del mod ord">
-          <ac:chgData name="Scruel Tao" userId="5ea5c98d59b44d4b" providerId="LiveId" clId="{88D73D01-CABB-4B2D-80EC-648726E3C219}" dt="2023-04-26T08:59:08.110" v="309" actId="700"/>
-          <ac:spMkLst>
-            <pc:docMk/>
-            <pc:sldMk cId="587836252" sldId="284"/>
-            <ac:spMk id="3" creationId="{0E2FC508-1AFD-A957-52F2-FA1DEF2A9D27}"/>
-          </ac:spMkLst>
-        </pc:spChg>
-        <pc:spChg chg="add mod ord">
-          <ac:chgData name="Scruel Tao" userId="5ea5c98d59b44d4b" providerId="LiveId" clId="{88D73D01-CABB-4B2D-80EC-648726E3C219}" dt="2023-05-01T13:35:10.735" v="3570" actId="21"/>
-          <ac:spMkLst>
-            <pc:docMk/>
-            <pc:sldMk cId="587836252" sldId="284"/>
-            <ac:spMk id="4" creationId="{01B48343-3D1C-FDA9-2DD5-C88222E962F2}"/>
-          </ac:spMkLst>
-        </pc:spChg>
-        <pc:spChg chg="mod">
-          <ac:chgData name="Scruel Tao" userId="5ea5c98d59b44d4b" providerId="LiveId" clId="{88D73D01-CABB-4B2D-80EC-648726E3C219}" dt="2023-05-01T13:36:47.015" v="3592" actId="1076"/>
-          <ac:spMkLst>
-            <pc:docMk/>
-            <pc:sldMk cId="587836252" sldId="284"/>
-            <ac:spMk id="5" creationId="{B7A8CE03-6A77-60EC-056E-D7A0019640A3}"/>
-          </ac:spMkLst>
-        </pc:spChg>
-        <pc:spChg chg="add del mod">
-          <ac:chgData name="Scruel Tao" userId="5ea5c98d59b44d4b" providerId="LiveId" clId="{88D73D01-CABB-4B2D-80EC-648726E3C219}" dt="2023-05-03T14:53:45.399" v="4127" actId="207"/>
-          <ac:spMkLst>
-            <pc:docMk/>
-            <pc:sldMk cId="587836252" sldId="284"/>
-            <ac:spMk id="7" creationId="{12C899D8-51C5-D9B7-A323-E6EFE4AB5C33}"/>
-          </ac:spMkLst>
-        </pc:spChg>
-        <pc:spChg chg="add del">
-          <ac:chgData name="Scruel Tao" userId="5ea5c98d59b44d4b" providerId="LiveId" clId="{88D73D01-CABB-4B2D-80EC-648726E3C219}" dt="2023-04-30T17:32:29.730" v="2880" actId="21"/>
-          <ac:spMkLst>
-            <pc:docMk/>
-            <pc:sldMk cId="587836252" sldId="284"/>
-            <ac:spMk id="9" creationId="{CEA4ADB6-F110-0C2A-2981-2983A6B642FF}"/>
-          </ac:spMkLst>
-        </pc:spChg>
-        <pc:spChg chg="add del">
-          <ac:chgData name="Scruel Tao" userId="5ea5c98d59b44d4b" providerId="LiveId" clId="{88D73D01-CABB-4B2D-80EC-648726E3C219}" dt="2023-04-30T17:32:39.928" v="2882" actId="21"/>
-          <ac:spMkLst>
-            <pc:docMk/>
-            <pc:sldMk cId="587836252" sldId="284"/>
-            <ac:spMk id="10" creationId="{3FC8D461-926B-6656-DCF4-4AE13D8DE588}"/>
-          </ac:spMkLst>
-        </pc:spChg>
-        <pc:spChg chg="add del mod">
-          <ac:chgData name="Scruel Tao" userId="5ea5c98d59b44d4b" providerId="LiveId" clId="{88D73D01-CABB-4B2D-80EC-648726E3C219}" dt="2023-04-30T17:32:52.412" v="2885" actId="21"/>
-          <ac:spMkLst>
-            <pc:docMk/>
-            <pc:sldMk cId="587836252" sldId="284"/>
-            <ac:spMk id="11" creationId="{98E4F262-E710-3617-DD49-27801B58C19E}"/>
-          </ac:spMkLst>
-        </pc:spChg>
-        <pc:spChg chg="add del mod">
-          <ac:chgData name="Scruel Tao" userId="5ea5c98d59b44d4b" providerId="LiveId" clId="{88D73D01-CABB-4B2D-80EC-648726E3C219}" dt="2023-04-30T17:35:45.694" v="2904" actId="21"/>
-          <ac:spMkLst>
-            <pc:docMk/>
-            <pc:sldMk cId="587836252" sldId="284"/>
-            <ac:spMk id="12" creationId="{069450B2-0ABB-BC6F-8094-6C23BE64DB69}"/>
-          </ac:spMkLst>
-        </pc:spChg>
-        <pc:spChg chg="add del mod">
-          <ac:chgData name="Scruel Tao" userId="5ea5c98d59b44d4b" providerId="LiveId" clId="{88D73D01-CABB-4B2D-80EC-648726E3C219}" dt="2023-04-30T17:35:03.098" v="2897" actId="21"/>
-          <ac:spMkLst>
-            <pc:docMk/>
-            <pc:sldMk cId="587836252" sldId="284"/>
-            <ac:spMk id="13" creationId="{FD59A6F6-582F-FA0B-4600-DB1F88A24D5E}"/>
-          </ac:spMkLst>
-        </pc:spChg>
-        <pc:cxnChg chg="add del mod">
-          <ac:chgData name="Scruel Tao" userId="5ea5c98d59b44d4b" providerId="LiveId" clId="{88D73D01-CABB-4B2D-80EC-648726E3C219}" dt="2023-04-30T17:32:02.262" v="2878" actId="21"/>
-          <ac:cxnSpMkLst>
-            <pc:docMk/>
-            <pc:sldMk cId="587836252" sldId="284"/>
-            <ac:cxnSpMk id="6" creationId="{5F4ED83B-299C-9A93-5774-4B9CD8EACF47}"/>
-          </ac:cxnSpMkLst>
-        </pc:cxnChg>
-        <pc:cxnChg chg="add del mod">
-          <ac:chgData name="Scruel Tao" userId="5ea5c98d59b44d4b" providerId="LiveId" clId="{88D73D01-CABB-4B2D-80EC-648726E3C219}" dt="2023-04-30T17:35:34.083" v="2902" actId="21"/>
-          <ac:cxnSpMkLst>
-            <pc:docMk/>
-            <pc:sldMk cId="587836252" sldId="284"/>
-            <ac:cxnSpMk id="15" creationId="{BC744BA8-C5D6-E1D2-2E10-3B10FD2910C8}"/>
-          </ac:cxnSpMkLst>
-        </pc:cxnChg>
-        <pc:cxnChg chg="add del mod">
-          <ac:chgData name="Scruel Tao" userId="5ea5c98d59b44d4b" providerId="LiveId" clId="{88D73D01-CABB-4B2D-80EC-648726E3C219}" dt="2023-04-30T17:35:35.788" v="2903" actId="21"/>
-          <ac:cxnSpMkLst>
-            <pc:docMk/>
-            <pc:sldMk cId="587836252" sldId="284"/>
-            <ac:cxnSpMk id="17" creationId="{8DA404D1-D015-9AEA-D85F-A63EA4FC580C}"/>
-          </ac:cxnSpMkLst>
-        </pc:cxnChg>
-      </pc:sldChg>
-      <pc:sldChg chg="addSp delSp modSp add del mod modClrScheme chgLayout">
-        <pc:chgData name="Scruel Tao" userId="5ea5c98d59b44d4b" providerId="LiveId" clId="{88D73D01-CABB-4B2D-80EC-648726E3C219}" dt="2023-04-26T09:46:22.271" v="2343" actId="47"/>
-        <pc:sldMkLst>
-          <pc:docMk/>
-          <pc:sldMk cId="1774767121" sldId="285"/>
-        </pc:sldMkLst>
-        <pc:spChg chg="mod ord">
-          <ac:chgData name="Scruel Tao" userId="5ea5c98d59b44d4b" providerId="LiveId" clId="{88D73D01-CABB-4B2D-80EC-648726E3C219}" dt="2023-04-26T09:44:52.526" v="2282"/>
-          <ac:spMkLst>
-            <pc:docMk/>
-            <pc:sldMk cId="1774767121" sldId="285"/>
-            <ac:spMk id="2" creationId="{BAD162F0-2175-84E9-2387-55F669162449}"/>
-          </ac:spMkLst>
-        </pc:spChg>
-        <pc:spChg chg="del mod ord">
-          <ac:chgData name="Scruel Tao" userId="5ea5c98d59b44d4b" providerId="LiveId" clId="{88D73D01-CABB-4B2D-80EC-648726E3C219}" dt="2023-04-26T08:59:08.110" v="309" actId="700"/>
-          <ac:spMkLst>
-            <pc:docMk/>
-            <pc:sldMk cId="1774767121" sldId="285"/>
-            <ac:spMk id="3" creationId="{0E2FC508-1AFD-A957-52F2-FA1DEF2A9D27}"/>
-          </ac:spMkLst>
-        </pc:spChg>
-        <pc:spChg chg="add mod ord">
-          <ac:chgData name="Scruel Tao" userId="5ea5c98d59b44d4b" providerId="LiveId" clId="{88D73D01-CABB-4B2D-80EC-648726E3C219}" dt="2023-04-26T08:59:08.110" v="309" actId="700"/>
-          <ac:spMkLst>
-            <pc:docMk/>
-            <pc:sldMk cId="1774767121" sldId="285"/>
-            <ac:spMk id="4" creationId="{A8729A87-597D-F8A5-FA4B-9A53ABB05769}"/>
-          </ac:spMkLst>
-        </pc:spChg>
-      </pc:sldChg>
-      <pc:sldChg chg="addSp delSp modSp add mod modTransition modAnim">
-        <pc:chgData name="Scruel Tao" userId="5ea5c98d59b44d4b" providerId="LiveId" clId="{88D73D01-CABB-4B2D-80EC-648726E3C219}" dt="2023-05-05T14:59:33.343" v="4422"/>
-        <pc:sldMkLst>
-          <pc:docMk/>
-          <pc:sldMk cId="3618025480" sldId="286"/>
-        </pc:sldMkLst>
-        <pc:spChg chg="mod">
-          <ac:chgData name="Scruel Tao" userId="5ea5c98d59b44d4b" providerId="LiveId" clId="{88D73D01-CABB-4B2D-80EC-648726E3C219}" dt="2023-04-26T08:55:46.727" v="78"/>
-          <ac:spMkLst>
-            <pc:docMk/>
-            <pc:sldMk cId="3618025480" sldId="286"/>
-            <ac:spMk id="2" creationId="{BAD162F0-2175-84E9-2387-55F669162449}"/>
-          </ac:spMkLst>
-        </pc:spChg>
-        <pc:spChg chg="mod">
-          <ac:chgData name="Scruel Tao" userId="5ea5c98d59b44d4b" providerId="LiveId" clId="{88D73D01-CABB-4B2D-80EC-648726E3C219}" dt="2023-05-01T09:23:05.787" v="3492" actId="20577"/>
-          <ac:spMkLst>
-            <pc:docMk/>
-            <pc:sldMk cId="3618025480" sldId="286"/>
-            <ac:spMk id="3" creationId="{0E2FC508-1AFD-A957-52F2-FA1DEF2A9D27}"/>
-          </ac:spMkLst>
-        </pc:spChg>
-        <pc:spChg chg="mod">
-          <ac:chgData name="Scruel Tao" userId="5ea5c98d59b44d4b" providerId="LiveId" clId="{88D73D01-CABB-4B2D-80EC-648726E3C219}" dt="2023-05-04T09:54:39.904" v="4310" actId="947"/>
-          <ac:spMkLst>
-            <pc:docMk/>
-            <pc:sldMk cId="3618025480" sldId="286"/>
-            <ac:spMk id="5" creationId="{B7A8CE03-6A77-60EC-056E-D7A0019640A3}"/>
-          </ac:spMkLst>
-        </pc:spChg>
-        <pc:spChg chg="add del mod">
-          <ac:chgData name="Scruel Tao" userId="5ea5c98d59b44d4b" providerId="LiveId" clId="{88D73D01-CABB-4B2D-80EC-648726E3C219}" dt="2023-04-30T16:34:31.753" v="2702" actId="21"/>
-          <ac:spMkLst>
-            <pc:docMk/>
-            <pc:sldMk cId="3618025480" sldId="286"/>
-            <ac:spMk id="6" creationId="{AEDF4E98-4C73-5D1D-E9CA-9CA75FC57374}"/>
-          </ac:spMkLst>
-        </pc:spChg>
-        <pc:spChg chg="mod">
-          <ac:chgData name="Scruel Tao" userId="5ea5c98d59b44d4b" providerId="LiveId" clId="{88D73D01-CABB-4B2D-80EC-648726E3C219}" dt="2023-04-30T16:34:37.382" v="2704" actId="1076"/>
-          <ac:spMkLst>
-            <pc:docMk/>
-            <pc:sldMk cId="3618025480" sldId="286"/>
-            <ac:spMk id="7" creationId="{12C899D8-51C5-D9B7-A323-E6EFE4AB5C33}"/>
-          </ac:spMkLst>
-        </pc:spChg>
-      </pc:sldChg>
-      <pc:sldChg chg="modSp add del mod">
-        <pc:chgData name="Scruel Tao" userId="5ea5c98d59b44d4b" providerId="LiveId" clId="{88D73D01-CABB-4B2D-80EC-648726E3C219}" dt="2023-04-26T09:07:11.328" v="701" actId="47"/>
-        <pc:sldMkLst>
-          <pc:docMk/>
-          <pc:sldMk cId="1430406189" sldId="287"/>
-        </pc:sldMkLst>
-        <pc:spChg chg="mod">
-          <ac:chgData name="Scruel Tao" userId="5ea5c98d59b44d4b" providerId="LiveId" clId="{88D73D01-CABB-4B2D-80EC-648726E3C219}" dt="2023-04-26T09:06:31.420" v="648" actId="20577"/>
-          <ac:spMkLst>
-            <pc:docMk/>
-            <pc:sldMk cId="1430406189" sldId="287"/>
-            <ac:spMk id="4" creationId="{85D6D174-6A04-9AED-7984-BD4330ED7E3A}"/>
-          </ac:spMkLst>
-        </pc:spChg>
-      </pc:sldChg>
-      <pc:sldChg chg="modSp add mod modTransition modAnim">
-        <pc:chgData name="Scruel Tao" userId="5ea5c98d59b44d4b" providerId="LiveId" clId="{88D73D01-CABB-4B2D-80EC-648726E3C219}" dt="2023-05-08T01:30:49.497" v="5976" actId="5793"/>
-        <pc:sldMkLst>
-          <pc:docMk/>
-          <pc:sldMk cId="2877461038" sldId="288"/>
-        </pc:sldMkLst>
-        <pc:spChg chg="mod">
-          <ac:chgData name="Scruel Tao" userId="5ea5c98d59b44d4b" providerId="LiveId" clId="{88D73D01-CABB-4B2D-80EC-648726E3C219}" dt="2023-04-26T09:10:33.967" v="824"/>
-          <ac:spMkLst>
-            <pc:docMk/>
-            <pc:sldMk cId="2877461038" sldId="288"/>
-            <ac:spMk id="2" creationId="{BAD162F0-2175-84E9-2387-55F669162449}"/>
-          </ac:spMkLst>
-        </pc:spChg>
-        <pc:spChg chg="mod">
-          <ac:chgData name="Scruel Tao" userId="5ea5c98d59b44d4b" providerId="LiveId" clId="{88D73D01-CABB-4B2D-80EC-648726E3C219}" dt="2023-05-08T01:30:49.497" v="5976" actId="5793"/>
-          <ac:spMkLst>
-            <pc:docMk/>
-            <pc:sldMk cId="2877461038" sldId="288"/>
-            <ac:spMk id="4" creationId="{85D6D174-6A04-9AED-7984-BD4330ED7E3A}"/>
-          </ac:spMkLst>
-        </pc:spChg>
-        <pc:spChg chg="mod">
-          <ac:chgData name="Scruel Tao" userId="5ea5c98d59b44d4b" providerId="LiveId" clId="{88D73D01-CABB-4B2D-80EC-648726E3C219}" dt="2023-04-29T18:19:58.150" v="2673" actId="14100"/>
-          <ac:spMkLst>
-            <pc:docMk/>
-            <pc:sldMk cId="2877461038" sldId="288"/>
-            <ac:spMk id="7" creationId="{12C899D8-51C5-D9B7-A323-E6EFE4AB5C33}"/>
-          </ac:spMkLst>
-        </pc:spChg>
-      </pc:sldChg>
-      <pc:sldChg chg="modSp add mod modTransition modAnim">
-        <pc:chgData name="Scruel Tao" userId="5ea5c98d59b44d4b" providerId="LiveId" clId="{88D73D01-CABB-4B2D-80EC-648726E3C219}" dt="2023-05-08T01:30:59.834" v="5981"/>
-        <pc:sldMkLst>
-          <pc:docMk/>
-          <pc:sldMk cId="348119642" sldId="289"/>
-        </pc:sldMkLst>
-        <pc:spChg chg="mod">
-          <ac:chgData name="Scruel Tao" userId="5ea5c98d59b44d4b" providerId="LiveId" clId="{88D73D01-CABB-4B2D-80EC-648726E3C219}" dt="2023-04-26T09:10:42.494" v="830"/>
-          <ac:spMkLst>
-            <pc:docMk/>
-            <pc:sldMk cId="348119642" sldId="289"/>
-            <ac:spMk id="2" creationId="{BAD162F0-2175-84E9-2387-55F669162449}"/>
-          </ac:spMkLst>
-        </pc:spChg>
-        <pc:spChg chg="mod">
-          <ac:chgData name="Scruel Tao" userId="5ea5c98d59b44d4b" providerId="LiveId" clId="{88D73D01-CABB-4B2D-80EC-648726E3C219}" dt="2023-05-08T01:30:59.834" v="5981"/>
-          <ac:spMkLst>
-            <pc:docMk/>
-            <pc:sldMk cId="348119642" sldId="289"/>
-            <ac:spMk id="4" creationId="{85D6D174-6A04-9AED-7984-BD4330ED7E3A}"/>
-          </ac:spMkLst>
-        </pc:spChg>
-        <pc:spChg chg="mod">
-          <ac:chgData name="Scruel Tao" userId="5ea5c98d59b44d4b" providerId="LiveId" clId="{88D73D01-CABB-4B2D-80EC-648726E3C219}" dt="2023-04-26T09:19:02.637" v="1129" actId="1076"/>
-          <ac:spMkLst>
-            <pc:docMk/>
-            <pc:sldMk cId="348119642" sldId="289"/>
-            <ac:spMk id="5" creationId="{B7A8CE03-6A77-60EC-056E-D7A0019640A3}"/>
-          </ac:spMkLst>
-        </pc:spChg>
-        <pc:spChg chg="mod">
-          <ac:chgData name="Scruel Tao" userId="5ea5c98d59b44d4b" providerId="LiveId" clId="{88D73D01-CABB-4B2D-80EC-648726E3C219}" dt="2023-04-29T18:20:36.028" v="2678" actId="14100"/>
-          <ac:spMkLst>
-            <pc:docMk/>
-            <pc:sldMk cId="348119642" sldId="289"/>
-            <ac:spMk id="7" creationId="{12C899D8-51C5-D9B7-A323-E6EFE4AB5C33}"/>
-          </ac:spMkLst>
-        </pc:spChg>
-      </pc:sldChg>
-      <pc:sldChg chg="addSp delSp modSp add mod modTransition delAnim modAnim">
-        <pc:chgData name="Scruel Tao" userId="5ea5c98d59b44d4b" providerId="LiveId" clId="{88D73D01-CABB-4B2D-80EC-648726E3C219}" dt="2023-05-08T01:31:03.910" v="5985"/>
-        <pc:sldMkLst>
-          <pc:docMk/>
-          <pc:sldMk cId="1685143547" sldId="290"/>
-        </pc:sldMkLst>
-        <pc:spChg chg="mod">
-          <ac:chgData name="Scruel Tao" userId="5ea5c98d59b44d4b" providerId="LiveId" clId="{88D73D01-CABB-4B2D-80EC-648726E3C219}" dt="2023-04-26T09:13:21.201" v="880"/>
-          <ac:spMkLst>
-            <pc:docMk/>
-            <pc:sldMk cId="1685143547" sldId="290"/>
-            <ac:spMk id="2" creationId="{BAD162F0-2175-84E9-2387-55F669162449}"/>
-          </ac:spMkLst>
-        </pc:spChg>
-        <pc:spChg chg="add mod">
-          <ac:chgData name="Scruel Tao" userId="5ea5c98d59b44d4b" providerId="LiveId" clId="{88D73D01-CABB-4B2D-80EC-648726E3C219}" dt="2023-04-29T18:20:24.280" v="2677"/>
-          <ac:spMkLst>
-            <pc:docMk/>
-            <pc:sldMk cId="1685143547" sldId="290"/>
-            <ac:spMk id="3" creationId="{A6880A42-6751-187F-0E58-18DA12F5EB9F}"/>
-          </ac:spMkLst>
-        </pc:spChg>
-        <pc:spChg chg="mod">
-          <ac:chgData name="Scruel Tao" userId="5ea5c98d59b44d4b" providerId="LiveId" clId="{88D73D01-CABB-4B2D-80EC-648726E3C219}" dt="2023-05-08T01:31:03.910" v="5985"/>
-          <ac:spMkLst>
-            <pc:docMk/>
-            <pc:sldMk cId="1685143547" sldId="290"/>
-            <ac:spMk id="4" creationId="{85D6D174-6A04-9AED-7984-BD4330ED7E3A}"/>
-          </ac:spMkLst>
-        </pc:spChg>
-        <pc:spChg chg="del mod">
-          <ac:chgData name="Scruel Tao" userId="5ea5c98d59b44d4b" providerId="LiveId" clId="{88D73D01-CABB-4B2D-80EC-648726E3C219}" dt="2023-04-29T18:20:20.273" v="2676" actId="21"/>
-          <ac:spMkLst>
-            <pc:docMk/>
-            <pc:sldMk cId="1685143547" sldId="290"/>
-            <ac:spMk id="5" creationId="{B7A8CE03-6A77-60EC-056E-D7A0019640A3}"/>
-          </ac:spMkLst>
-        </pc:spChg>
-        <pc:spChg chg="mod">
-          <ac:chgData name="Scruel Tao" userId="5ea5c98d59b44d4b" providerId="LiveId" clId="{88D73D01-CABB-4B2D-80EC-648726E3C219}" dt="2023-04-29T18:19:39.969" v="2670" actId="1076"/>
-          <ac:spMkLst>
-            <pc:docMk/>
-            <pc:sldMk cId="1685143547" sldId="290"/>
-            <ac:spMk id="7" creationId="{12C899D8-51C5-D9B7-A323-E6EFE4AB5C33}"/>
-          </ac:spMkLst>
-        </pc:spChg>
-      </pc:sldChg>
-      <pc:sldChg chg="modSp add mod modTransition modAnim">
-        <pc:chgData name="Scruel Tao" userId="5ea5c98d59b44d4b" providerId="LiveId" clId="{88D73D01-CABB-4B2D-80EC-648726E3C219}" dt="2023-05-08T01:31:08.632" v="5989"/>
-        <pc:sldMkLst>
-          <pc:docMk/>
-          <pc:sldMk cId="1485813308" sldId="291"/>
-        </pc:sldMkLst>
-        <pc:spChg chg="mod">
-          <ac:chgData name="Scruel Tao" userId="5ea5c98d59b44d4b" providerId="LiveId" clId="{88D73D01-CABB-4B2D-80EC-648726E3C219}" dt="2023-04-26T09:16:53.596" v="1071"/>
-          <ac:spMkLst>
-            <pc:docMk/>
-            <pc:sldMk cId="1485813308" sldId="291"/>
-            <ac:spMk id="2" creationId="{BAD162F0-2175-84E9-2387-55F669162449}"/>
-          </ac:spMkLst>
-        </pc:spChg>
-        <pc:spChg chg="mod">
-          <ac:chgData name="Scruel Tao" userId="5ea5c98d59b44d4b" providerId="LiveId" clId="{88D73D01-CABB-4B2D-80EC-648726E3C219}" dt="2023-05-08T01:31:08.632" v="5989"/>
-          <ac:spMkLst>
-            <pc:docMk/>
-            <pc:sldMk cId="1485813308" sldId="291"/>
-            <ac:spMk id="4" creationId="{85D6D174-6A04-9AED-7984-BD4330ED7E3A}"/>
-          </ac:spMkLst>
-        </pc:spChg>
-        <pc:spChg chg="mod">
-          <ac:chgData name="Scruel Tao" userId="5ea5c98d59b44d4b" providerId="LiveId" clId="{88D73D01-CABB-4B2D-80EC-648726E3C219}" dt="2023-04-26T09:16:40.908" v="1067" actId="1076"/>
-          <ac:spMkLst>
-            <pc:docMk/>
-            <pc:sldMk cId="1485813308" sldId="291"/>
-            <ac:spMk id="5" creationId="{B7A8CE03-6A77-60EC-056E-D7A0019640A3}"/>
-          </ac:spMkLst>
-        </pc:spChg>
-        <pc:spChg chg="mod">
-          <ac:chgData name="Scruel Tao" userId="5ea5c98d59b44d4b" providerId="LiveId" clId="{88D73D01-CABB-4B2D-80EC-648726E3C219}" dt="2023-04-29T18:11:18.357" v="2651" actId="113"/>
-          <ac:spMkLst>
-            <pc:docMk/>
-            <pc:sldMk cId="1485813308" sldId="291"/>
-            <ac:spMk id="7" creationId="{12C899D8-51C5-D9B7-A323-E6EFE4AB5C33}"/>
-          </ac:spMkLst>
-        </pc:spChg>
-      </pc:sldChg>
-      <pc:sldChg chg="modSp add mod modTransition modAnim modNotesTx">
-        <pc:chgData name="Scruel Tao" userId="5ea5c98d59b44d4b" providerId="LiveId" clId="{88D73D01-CABB-4B2D-80EC-648726E3C219}" dt="2023-05-08T01:31:13.544" v="5993"/>
-        <pc:sldMkLst>
-          <pc:docMk/>
-          <pc:sldMk cId="3821772885" sldId="292"/>
-        </pc:sldMkLst>
-        <pc:spChg chg="mod">
-          <ac:chgData name="Scruel Tao" userId="5ea5c98d59b44d4b" providerId="LiveId" clId="{88D73D01-CABB-4B2D-80EC-648726E3C219}" dt="2023-04-26T09:17:03.202" v="1077" actId="20577"/>
-          <ac:spMkLst>
-            <pc:docMk/>
-            <pc:sldMk cId="3821772885" sldId="292"/>
-            <ac:spMk id="2" creationId="{BAD162F0-2175-84E9-2387-55F669162449}"/>
-          </ac:spMkLst>
-        </pc:spChg>
-        <pc:spChg chg="mod">
-          <ac:chgData name="Scruel Tao" userId="5ea5c98d59b44d4b" providerId="LiveId" clId="{88D73D01-CABB-4B2D-80EC-648726E3C219}" dt="2023-05-08T01:31:13.544" v="5993"/>
-          <ac:spMkLst>
-            <pc:docMk/>
-            <pc:sldMk cId="3821772885" sldId="292"/>
-            <ac:spMk id="4" creationId="{85D6D174-6A04-9AED-7984-BD4330ED7E3A}"/>
-          </ac:spMkLst>
-        </pc:spChg>
-        <pc:spChg chg="mod">
-          <ac:chgData name="Scruel Tao" userId="5ea5c98d59b44d4b" providerId="LiveId" clId="{88D73D01-CABB-4B2D-80EC-648726E3C219}" dt="2023-05-06T10:06:51.336" v="4502" actId="1076"/>
-          <ac:spMkLst>
-            <pc:docMk/>
-            <pc:sldMk cId="3821772885" sldId="292"/>
-            <ac:spMk id="5" creationId="{B7A8CE03-6A77-60EC-056E-D7A0019640A3}"/>
-          </ac:spMkLst>
-        </pc:spChg>
-        <pc:spChg chg="mod">
-          <ac:chgData name="Scruel Tao" userId="5ea5c98d59b44d4b" providerId="LiveId" clId="{88D73D01-CABB-4B2D-80EC-648726E3C219}" dt="2023-05-06T10:06:38.573" v="4500" actId="20577"/>
-          <ac:spMkLst>
-            <pc:docMk/>
-            <pc:sldMk cId="3821772885" sldId="292"/>
-            <ac:spMk id="7" creationId="{12C899D8-51C5-D9B7-A323-E6EFE4AB5C33}"/>
-          </ac:spMkLst>
-        </pc:spChg>
-      </pc:sldChg>
-      <pc:sldChg chg="addSp delSp modSp add mod modTransition delAnim">
-        <pc:chgData name="Scruel Tao" userId="5ea5c98d59b44d4b" providerId="LiveId" clId="{88D73D01-CABB-4B2D-80EC-648726E3C219}" dt="2023-05-05T14:59:33.343" v="4422"/>
-        <pc:sldMkLst>
-          <pc:docMk/>
-          <pc:sldMk cId="2065461227" sldId="293"/>
-        </pc:sldMkLst>
-        <pc:spChg chg="mod">
-          <ac:chgData name="Scruel Tao" userId="5ea5c98d59b44d4b" providerId="LiveId" clId="{88D73D01-CABB-4B2D-80EC-648726E3C219}" dt="2023-04-26T09:21:02.860" v="1158"/>
-          <ac:spMkLst>
-            <pc:docMk/>
-            <pc:sldMk cId="2065461227" sldId="293"/>
-            <ac:spMk id="2" creationId="{BAD162F0-2175-84E9-2387-55F669162449}"/>
-          </ac:spMkLst>
-        </pc:spChg>
-        <pc:spChg chg="add mod">
-          <ac:chgData name="Scruel Tao" userId="5ea5c98d59b44d4b" providerId="LiveId" clId="{88D73D01-CABB-4B2D-80EC-648726E3C219}" dt="2023-04-29T18:11:07.779" v="2646" actId="113"/>
-          <ac:spMkLst>
-            <pc:docMk/>
-            <pc:sldMk cId="2065461227" sldId="293"/>
-            <ac:spMk id="3" creationId="{6161918E-4117-86BA-1348-EFDCE664B1EF}"/>
-          </ac:spMkLst>
-        </pc:spChg>
-        <pc:spChg chg="mod">
-          <ac:chgData name="Scruel Tao" userId="5ea5c98d59b44d4b" providerId="LiveId" clId="{88D73D01-CABB-4B2D-80EC-648726E3C219}" dt="2023-05-03T02:45:19.180" v="4057" actId="5793"/>
-          <ac:spMkLst>
-            <pc:docMk/>
-            <pc:sldMk cId="2065461227" sldId="293"/>
-            <ac:spMk id="4" creationId="{85D6D174-6A04-9AED-7984-BD4330ED7E3A}"/>
-          </ac:spMkLst>
-        </pc:spChg>
-        <pc:spChg chg="del">
-          <ac:chgData name="Scruel Tao" userId="5ea5c98d59b44d4b" providerId="LiveId" clId="{88D73D01-CABB-4B2D-80EC-648726E3C219}" dt="2023-04-26T09:24:34.514" v="1284" actId="478"/>
-          <ac:spMkLst>
-            <pc:docMk/>
-            <pc:sldMk cId="2065461227" sldId="293"/>
-            <ac:spMk id="5" creationId="{B7A8CE03-6A77-60EC-056E-D7A0019640A3}"/>
-          </ac:spMkLst>
-        </pc:spChg>
-        <pc:spChg chg="add del mod">
-          <ac:chgData name="Scruel Tao" userId="5ea5c98d59b44d4b" providerId="LiveId" clId="{88D73D01-CABB-4B2D-80EC-648726E3C219}" dt="2023-04-26T09:22:02.165" v="1164"/>
-          <ac:spMkLst>
-            <pc:docMk/>
-            <pc:sldMk cId="2065461227" sldId="293"/>
-            <ac:spMk id="6" creationId="{E44E8B36-6CC4-8694-3BD6-AA5FC778B064}"/>
-          </ac:spMkLst>
-        </pc:spChg>
-        <pc:spChg chg="mod">
-          <ac:chgData name="Scruel Tao" userId="5ea5c98d59b44d4b" providerId="LiveId" clId="{88D73D01-CABB-4B2D-80EC-648726E3C219}" dt="2023-04-29T18:11:11.543" v="2647"/>
-          <ac:spMkLst>
-            <pc:docMk/>
-            <pc:sldMk cId="2065461227" sldId="293"/>
-            <ac:spMk id="7" creationId="{12C899D8-51C5-D9B7-A323-E6EFE4AB5C33}"/>
-          </ac:spMkLst>
-        </pc:spChg>
-        <pc:spChg chg="add mod">
-          <ac:chgData name="Scruel Tao" userId="5ea5c98d59b44d4b" providerId="LiveId" clId="{88D73D01-CABB-4B2D-80EC-648726E3C219}" dt="2023-05-03T02:23:24.241" v="4055" actId="2711"/>
-          <ac:spMkLst>
-            <pc:docMk/>
-            <pc:sldMk cId="2065461227" sldId="293"/>
-            <ac:spMk id="9" creationId="{E08D2CD8-382B-DC0F-3A4E-1F4D30B0F2D1}"/>
-          </ac:spMkLst>
-        </pc:spChg>
-        <pc:spChg chg="add mod">
-          <ac:chgData name="Scruel Tao" userId="5ea5c98d59b44d4b" providerId="LiveId" clId="{88D73D01-CABB-4B2D-80EC-648726E3C219}" dt="2023-05-03T02:23:29.364" v="4056" actId="2711"/>
-          <ac:spMkLst>
-            <pc:docMk/>
-            <pc:sldMk cId="2065461227" sldId="293"/>
-            <ac:spMk id="11" creationId="{ACFAA2F2-2C12-2F3E-6F61-A2E4D3BBAF3C}"/>
-          </ac:spMkLst>
-        </pc:spChg>
-      </pc:sldChg>
-      <pc:sldChg chg="addSp delSp modSp add mod modTransition modAnim">
-        <pc:chgData name="Scruel Tao" userId="5ea5c98d59b44d4b" providerId="LiveId" clId="{88D73D01-CABB-4B2D-80EC-648726E3C219}" dt="2023-05-05T14:59:33.343" v="4422"/>
-        <pc:sldMkLst>
-          <pc:docMk/>
-          <pc:sldMk cId="1915997927" sldId="294"/>
-        </pc:sldMkLst>
-        <pc:spChg chg="mod">
-          <ac:chgData name="Scruel Tao" userId="5ea5c98d59b44d4b" providerId="LiveId" clId="{88D73D01-CABB-4B2D-80EC-648726E3C219}" dt="2023-04-26T09:26:35.093" v="1494" actId="20577"/>
-          <ac:spMkLst>
-            <pc:docMk/>
-            <pc:sldMk cId="1915997927" sldId="294"/>
-            <ac:spMk id="2" creationId="{BAD162F0-2175-84E9-2387-55F669162449}"/>
-          </ac:spMkLst>
-        </pc:spChg>
-        <pc:spChg chg="del">
-          <ac:chgData name="Scruel Tao" userId="5ea5c98d59b44d4b" providerId="LiveId" clId="{88D73D01-CABB-4B2D-80EC-648726E3C219}" dt="2023-04-26T09:37:02.376" v="1988" actId="478"/>
-          <ac:spMkLst>
-            <pc:docMk/>
-            <pc:sldMk cId="1915997927" sldId="294"/>
-            <ac:spMk id="3" creationId="{6161918E-4117-86BA-1348-EFDCE664B1EF}"/>
-          </ac:spMkLst>
-        </pc:spChg>
-        <pc:spChg chg="mod">
-          <ac:chgData name="Scruel Tao" userId="5ea5c98d59b44d4b" providerId="LiveId" clId="{88D73D01-CABB-4B2D-80EC-648726E3C219}" dt="2023-05-03T02:22:54.232" v="4052" actId="113"/>
-          <ac:spMkLst>
-            <pc:docMk/>
-            <pc:sldMk cId="1915997927" sldId="294"/>
-            <ac:spMk id="4" creationId="{85D6D174-6A04-9AED-7984-BD4330ED7E3A}"/>
-          </ac:spMkLst>
-        </pc:spChg>
-        <pc:spChg chg="add mod">
-          <ac:chgData name="Scruel Tao" userId="5ea5c98d59b44d4b" providerId="LiveId" clId="{88D73D01-CABB-4B2D-80EC-648726E3C219}" dt="2023-05-03T12:52:19.065" v="4125" actId="207"/>
-          <ac:spMkLst>
-            <pc:docMk/>
-            <pc:sldMk cId="1915997927" sldId="294"/>
-            <ac:spMk id="5" creationId="{4B3FACC7-2E92-1DB1-1018-0263AD342247}"/>
-          </ac:spMkLst>
-        </pc:spChg>
-        <pc:spChg chg="mod">
-          <ac:chgData name="Scruel Tao" userId="5ea5c98d59b44d4b" providerId="LiveId" clId="{88D73D01-CABB-4B2D-80EC-648726E3C219}" dt="2023-04-29T18:11:35.970" v="2654" actId="113"/>
-          <ac:spMkLst>
-            <pc:docMk/>
-            <pc:sldMk cId="1915997927" sldId="294"/>
-            <ac:spMk id="7" creationId="{12C899D8-51C5-D9B7-A323-E6EFE4AB5C33}"/>
-          </ac:spMkLst>
-        </pc:spChg>
-        <pc:spChg chg="del">
-          <ac:chgData name="Scruel Tao" userId="5ea5c98d59b44d4b" providerId="LiveId" clId="{88D73D01-CABB-4B2D-80EC-648726E3C219}" dt="2023-04-26T09:37:41.485" v="2000" actId="478"/>
-          <ac:spMkLst>
-            <pc:docMk/>
-            <pc:sldMk cId="1915997927" sldId="294"/>
-            <ac:spMk id="9" creationId="{E08D2CD8-382B-DC0F-3A4E-1F4D30B0F2D1}"/>
-          </ac:spMkLst>
-        </pc:spChg>
-        <pc:spChg chg="del">
-          <ac:chgData name="Scruel Tao" userId="5ea5c98d59b44d4b" providerId="LiveId" clId="{88D73D01-CABB-4B2D-80EC-648726E3C219}" dt="2023-04-26T09:37:42.788" v="2001" actId="478"/>
-          <ac:spMkLst>
-            <pc:docMk/>
-            <pc:sldMk cId="1915997927" sldId="294"/>
-            <ac:spMk id="11" creationId="{ACFAA2F2-2C12-2F3E-6F61-A2E4D3BBAF3C}"/>
-          </ac:spMkLst>
-        </pc:spChg>
-      </pc:sldChg>
-      <pc:sldChg chg="addSp delSp modSp add mod modTransition delAnim modAnim modNotesTx">
-        <pc:chgData name="Scruel Tao" userId="5ea5c98d59b44d4b" providerId="LiveId" clId="{88D73D01-CABB-4B2D-80EC-648726E3C219}" dt="2023-05-06T10:22:43.987" v="5236" actId="478"/>
-        <pc:sldMkLst>
-          <pc:docMk/>
-          <pc:sldMk cId="1937024701" sldId="295"/>
-        </pc:sldMkLst>
-        <pc:spChg chg="mod">
-          <ac:chgData name="Scruel Tao" userId="5ea5c98d59b44d4b" providerId="LiveId" clId="{88D73D01-CABB-4B2D-80EC-648726E3C219}" dt="2023-05-06T10:19:53.302" v="5073" actId="20577"/>
-          <ac:spMkLst>
-            <pc:docMk/>
-            <pc:sldMk cId="1937024701" sldId="295"/>
-            <ac:spMk id="4" creationId="{85D6D174-6A04-9AED-7984-BD4330ED7E3A}"/>
-          </ac:spMkLst>
-        </pc:spChg>
-        <pc:spChg chg="del mod">
-          <ac:chgData name="Scruel Tao" userId="5ea5c98d59b44d4b" providerId="LiveId" clId="{88D73D01-CABB-4B2D-80EC-648726E3C219}" dt="2023-05-06T10:20:59.567" v="5178" actId="21"/>
-          <ac:spMkLst>
-            <pc:docMk/>
-            <pc:sldMk cId="1937024701" sldId="295"/>
-            <ac:spMk id="5" creationId="{4B3FACC7-2E92-1DB1-1018-0263AD342247}"/>
-          </ac:spMkLst>
-        </pc:spChg>
-        <pc:spChg chg="del mod">
-          <ac:chgData name="Scruel Tao" userId="5ea5c98d59b44d4b" providerId="LiveId" clId="{88D73D01-CABB-4B2D-80EC-648726E3C219}" dt="2023-05-06T10:22:43.987" v="5236" actId="478"/>
-          <ac:spMkLst>
-            <pc:docMk/>
-            <pc:sldMk cId="1937024701" sldId="295"/>
-            <ac:spMk id="7" creationId="{12C899D8-51C5-D9B7-A323-E6EFE4AB5C33}"/>
-          </ac:spMkLst>
-        </pc:spChg>
-        <pc:cxnChg chg="add del mod">
-          <ac:chgData name="Scruel Tao" userId="5ea5c98d59b44d4b" providerId="LiveId" clId="{88D73D01-CABB-4B2D-80EC-648726E3C219}" dt="2023-05-06T10:15:22.925" v="4874" actId="21"/>
-          <ac:cxnSpMkLst>
-            <pc:docMk/>
-            <pc:sldMk cId="1937024701" sldId="295"/>
-            <ac:cxnSpMk id="6" creationId="{8DD8547B-651D-8B2E-1A48-B2E55E635FA7}"/>
-          </ac:cxnSpMkLst>
-        </pc:cxnChg>
-      </pc:sldChg>
-      <pc:sldChg chg="modSp add del mod">
-        <pc:chgData name="Scruel Tao" userId="5ea5c98d59b44d4b" providerId="LiveId" clId="{88D73D01-CABB-4B2D-80EC-648726E3C219}" dt="2023-04-26T09:47:57.021" v="2416" actId="2696"/>
-        <pc:sldMkLst>
-          <pc:docMk/>
-          <pc:sldMk cId="749947478" sldId="296"/>
-        </pc:sldMkLst>
-        <pc:spChg chg="mod">
-          <ac:chgData name="Scruel Tao" userId="5ea5c98d59b44d4b" providerId="LiveId" clId="{88D73D01-CABB-4B2D-80EC-648726E3C219}" dt="2023-04-26T09:45:04.423" v="2286"/>
-          <ac:spMkLst>
-            <pc:docMk/>
-            <pc:sldMk cId="749947478" sldId="296"/>
-            <ac:spMk id="2" creationId="{BAD162F0-2175-84E9-2387-55F669162449}"/>
-          </ac:spMkLst>
-        </pc:spChg>
-      </pc:sldChg>
-      <pc:sldChg chg="modSp add del mod">
-        <pc:chgData name="Scruel Tao" userId="5ea5c98d59b44d4b" providerId="LiveId" clId="{88D73D01-CABB-4B2D-80EC-648726E3C219}" dt="2023-04-26T09:48:15.363" v="2419" actId="2696"/>
-        <pc:sldMkLst>
-          <pc:docMk/>
-          <pc:sldMk cId="3393753264" sldId="297"/>
-        </pc:sldMkLst>
-        <pc:spChg chg="mod">
-          <ac:chgData name="Scruel Tao" userId="5ea5c98d59b44d4b" providerId="LiveId" clId="{88D73D01-CABB-4B2D-80EC-648726E3C219}" dt="2023-04-26T09:45:17.420" v="2290"/>
-          <ac:spMkLst>
-            <pc:docMk/>
-            <pc:sldMk cId="3393753264" sldId="297"/>
-            <ac:spMk id="2" creationId="{BAD162F0-2175-84E9-2387-55F669162449}"/>
-          </ac:spMkLst>
-        </pc:spChg>
-        <pc:spChg chg="mod">
-          <ac:chgData name="Scruel Tao" userId="5ea5c98d59b44d4b" providerId="LiveId" clId="{88D73D01-CABB-4B2D-80EC-648726E3C219}" dt="2023-04-26T09:46:14.704" v="2339" actId="20577"/>
-          <ac:spMkLst>
-            <pc:docMk/>
-            <pc:sldMk cId="3393753264" sldId="297"/>
-            <ac:spMk id="4" creationId="{A8729A87-597D-F8A5-FA4B-9A53ABB05769}"/>
-          </ac:spMkLst>
-        </pc:spChg>
-        <pc:spChg chg="mod">
-          <ac:chgData name="Scruel Tao" userId="5ea5c98d59b44d4b" providerId="LiveId" clId="{88D73D01-CABB-4B2D-80EC-648726E3C219}" dt="2023-04-26T09:45:53.859" v="2297" actId="1076"/>
-          <ac:spMkLst>
-            <pc:docMk/>
-            <pc:sldMk cId="3393753264" sldId="297"/>
-            <ac:spMk id="7" creationId="{12C899D8-51C5-D9B7-A323-E6EFE4AB5C33}"/>
-          </ac:spMkLst>
-        </pc:spChg>
-      </pc:sldChg>
-      <pc:sldChg chg="addSp modSp add mod ord modTransition modAnim modNotesTx">
-        <pc:chgData name="Scruel Tao" userId="5ea5c98d59b44d4b" providerId="LiveId" clId="{88D73D01-CABB-4B2D-80EC-648726E3C219}" dt="2023-05-06T03:52:09.847" v="4475"/>
-        <pc:sldMkLst>
-          <pc:docMk/>
-          <pc:sldMk cId="1877091463" sldId="298"/>
-        </pc:sldMkLst>
-        <pc:spChg chg="mod">
-          <ac:chgData name="Scruel Tao" userId="5ea5c98d59b44d4b" providerId="LiveId" clId="{88D73D01-CABB-4B2D-80EC-648726E3C219}" dt="2023-04-26T09:46:24.820" v="2344"/>
-          <ac:spMkLst>
-            <pc:docMk/>
-            <pc:sldMk cId="1877091463" sldId="298"/>
-            <ac:spMk id="2" creationId="{BAD162F0-2175-84E9-2387-55F669162449}"/>
-          </ac:spMkLst>
-        </pc:spChg>
-        <pc:spChg chg="add mod">
-          <ac:chgData name="Scruel Tao" userId="5ea5c98d59b44d4b" providerId="LiveId" clId="{88D73D01-CABB-4B2D-80EC-648726E3C219}" dt="2023-05-06T03:52:06.220" v="4473" actId="14100"/>
-          <ac:spMkLst>
-            <pc:docMk/>
-            <pc:sldMk cId="1877091463" sldId="298"/>
-            <ac:spMk id="3" creationId="{1226AE05-381E-07B9-F66E-CC6235D17313}"/>
-          </ac:spMkLst>
-        </pc:spChg>
-        <pc:spChg chg="mod">
-          <ac:chgData name="Scruel Tao" userId="5ea5c98d59b44d4b" providerId="LiveId" clId="{88D73D01-CABB-4B2D-80EC-648726E3C219}" dt="2023-05-03T02:45:25.928" v="4058" actId="5793"/>
-          <ac:spMkLst>
-            <pc:docMk/>
-            <pc:sldMk cId="1877091463" sldId="298"/>
-            <ac:spMk id="4" creationId="{A8729A87-597D-F8A5-FA4B-9A53ABB05769}"/>
-          </ac:spMkLst>
-        </pc:spChg>
-        <pc:spChg chg="mod">
-          <ac:chgData name="Scruel Tao" userId="5ea5c98d59b44d4b" providerId="LiveId" clId="{88D73D01-CABB-4B2D-80EC-648726E3C219}" dt="2023-04-26T09:47:17.949" v="2400" actId="14100"/>
-          <ac:spMkLst>
-            <pc:docMk/>
-            <pc:sldMk cId="1877091463" sldId="298"/>
-            <ac:spMk id="5" creationId="{B7A8CE03-6A77-60EC-056E-D7A0019640A3}"/>
-          </ac:spMkLst>
-        </pc:spChg>
-        <pc:spChg chg="mod">
-          <ac:chgData name="Scruel Tao" userId="5ea5c98d59b44d4b" providerId="LiveId" clId="{88D73D01-CABB-4B2D-80EC-648726E3C219}" dt="2023-04-29T18:12:05.924" v="2663" actId="113"/>
-          <ac:spMkLst>
-            <pc:docMk/>
-            <pc:sldMk cId="1877091463" sldId="298"/>
-            <ac:spMk id="7" creationId="{12C899D8-51C5-D9B7-A323-E6EFE4AB5C33}"/>
-          </ac:spMkLst>
-        </pc:spChg>
-      </pc:sldChg>
-      <pc:sldChg chg="addSp delSp modSp add mod modTransition delAnim modAnim modNotesTx">
-        <pc:chgData name="Scruel Tao" userId="5ea5c98d59b44d4b" providerId="LiveId" clId="{88D73D01-CABB-4B2D-80EC-648726E3C219}" dt="2023-05-05T16:31:55.622" v="4468" actId="20577"/>
-        <pc:sldMkLst>
-          <pc:docMk/>
-          <pc:sldMk cId="3690737645" sldId="299"/>
-        </pc:sldMkLst>
-        <pc:spChg chg="mod">
-          <ac:chgData name="Scruel Tao" userId="5ea5c98d59b44d4b" providerId="LiveId" clId="{88D73D01-CABB-4B2D-80EC-648726E3C219}" dt="2023-04-26T09:48:25.692" v="2420" actId="20577"/>
-          <ac:spMkLst>
-            <pc:docMk/>
-            <pc:sldMk cId="3690737645" sldId="299"/>
-            <ac:spMk id="2" creationId="{BAD162F0-2175-84E9-2387-55F669162449}"/>
-          </ac:spMkLst>
-        </pc:spChg>
-        <pc:spChg chg="add del mod">
-          <ac:chgData name="Scruel Tao" userId="5ea5c98d59b44d4b" providerId="LiveId" clId="{88D73D01-CABB-4B2D-80EC-648726E3C219}" dt="2023-05-01T13:46:12.614" v="3846" actId="478"/>
-          <ac:spMkLst>
-            <pc:docMk/>
-            <pc:sldMk cId="3690737645" sldId="299"/>
-            <ac:spMk id="3" creationId="{7E49B1C0-55DA-B300-490F-82C8CB51DD16}"/>
-          </ac:spMkLst>
-        </pc:spChg>
-        <pc:spChg chg="mod">
-          <ac:chgData name="Scruel Tao" userId="5ea5c98d59b44d4b" providerId="LiveId" clId="{88D73D01-CABB-4B2D-80EC-648726E3C219}" dt="2023-05-03T02:45:26.793" v="4059" actId="5793"/>
-          <ac:spMkLst>
-            <pc:docMk/>
-            <pc:sldMk cId="3690737645" sldId="299"/>
-            <ac:spMk id="4" creationId="{A8729A87-597D-F8A5-FA4B-9A53ABB05769}"/>
-          </ac:spMkLst>
-        </pc:spChg>
-        <pc:spChg chg="mod">
-          <ac:chgData name="Scruel Tao" userId="5ea5c98d59b44d4b" providerId="LiveId" clId="{88D73D01-CABB-4B2D-80EC-648726E3C219}" dt="2023-05-01T13:45:43.318" v="3841" actId="1076"/>
-          <ac:spMkLst>
-            <pc:docMk/>
-            <pc:sldMk cId="3690737645" sldId="299"/>
-            <ac:spMk id="5" creationId="{B7A8CE03-6A77-60EC-056E-D7A0019640A3}"/>
-          </ac:spMkLst>
-        </pc:spChg>
-        <pc:spChg chg="add mod">
-          <ac:chgData name="Scruel Tao" userId="5ea5c98d59b44d4b" providerId="LiveId" clId="{88D73D01-CABB-4B2D-80EC-648726E3C219}" dt="2023-05-01T13:46:17.494" v="3849" actId="1038"/>
-          <ac:spMkLst>
-            <pc:docMk/>
-            <pc:sldMk cId="3690737645" sldId="299"/>
-            <ac:spMk id="6" creationId="{9558DF9E-DBDC-9969-D142-F5FE785F300E}"/>
-          </ac:spMkLst>
-        </pc:spChg>
-        <pc:spChg chg="mod">
-          <ac:chgData name="Scruel Tao" userId="5ea5c98d59b44d4b" providerId="LiveId" clId="{88D73D01-CABB-4B2D-80EC-648726E3C219}" dt="2023-05-01T13:45:41.289" v="3840" actId="1076"/>
-          <ac:spMkLst>
-            <pc:docMk/>
-            <pc:sldMk cId="3690737645" sldId="299"/>
-            <ac:spMk id="7" creationId="{12C899D8-51C5-D9B7-A323-E6EFE4AB5C33}"/>
-          </ac:spMkLst>
-        </pc:spChg>
-        <pc:spChg chg="add mod">
-          <ac:chgData name="Scruel Tao" userId="5ea5c98d59b44d4b" providerId="LiveId" clId="{88D73D01-CABB-4B2D-80EC-648726E3C219}" dt="2023-05-01T13:46:21.375" v="3850" actId="1076"/>
-          <ac:spMkLst>
-            <pc:docMk/>
-            <pc:sldMk cId="3690737645" sldId="299"/>
-            <ac:spMk id="8" creationId="{80A85D88-CBBF-E591-A75C-E5C10B0DD5F1}"/>
-          </ac:spMkLst>
-        </pc:spChg>
-      </pc:sldChg>
-      <pc:sldChg chg="addSp delSp modSp add mod modTransition delAnim modAnim modNotesTx">
-        <pc:chgData name="Scruel Tao" userId="5ea5c98d59b44d4b" providerId="LiveId" clId="{88D73D01-CABB-4B2D-80EC-648726E3C219}" dt="2023-05-05T14:59:33.343" v="4422"/>
-        <pc:sldMkLst>
-          <pc:docMk/>
-          <pc:sldMk cId="3466020836" sldId="300"/>
-        </pc:sldMkLst>
-        <pc:spChg chg="mod">
-          <ac:chgData name="Scruel Tao" userId="5ea5c98d59b44d4b" providerId="LiveId" clId="{88D73D01-CABB-4B2D-80EC-648726E3C219}" dt="2023-04-26T09:48:32.508" v="2422"/>
-          <ac:spMkLst>
-            <pc:docMk/>
-            <pc:sldMk cId="3466020836" sldId="300"/>
-            <ac:spMk id="2" creationId="{BAD162F0-2175-84E9-2387-55F669162449}"/>
-          </ac:spMkLst>
-        </pc:spChg>
-        <pc:spChg chg="add del mod">
-          <ac:chgData name="Scruel Tao" userId="5ea5c98d59b44d4b" providerId="LiveId" clId="{88D73D01-CABB-4B2D-80EC-648726E3C219}" dt="2023-05-01T13:51:09.841" v="3947" actId="21"/>
-          <ac:spMkLst>
-            <pc:docMk/>
-            <pc:sldMk cId="3466020836" sldId="300"/>
-            <ac:spMk id="3" creationId="{3582DCCD-854D-FFAC-5FCD-D309DDC9FA2E}"/>
-          </ac:spMkLst>
-        </pc:spChg>
-        <pc:spChg chg="add del mod">
-          <ac:chgData name="Scruel Tao" userId="5ea5c98d59b44d4b" providerId="LiveId" clId="{88D73D01-CABB-4B2D-80EC-648726E3C219}" dt="2023-04-26T09:54:57.958" v="2599" actId="21"/>
-          <ac:spMkLst>
-            <pc:docMk/>
-            <pc:sldMk cId="3466020836" sldId="300"/>
-            <ac:spMk id="3" creationId="{6D534F35-9D9D-39E7-D401-825A0475250F}"/>
-          </ac:spMkLst>
-        </pc:spChg>
-        <pc:spChg chg="mod">
-          <ac:chgData name="Scruel Tao" userId="5ea5c98d59b44d4b" providerId="LiveId" clId="{88D73D01-CABB-4B2D-80EC-648726E3C219}" dt="2023-05-03T02:45:27.675" v="4060" actId="5793"/>
-          <ac:spMkLst>
-            <pc:docMk/>
-            <pc:sldMk cId="3466020836" sldId="300"/>
-            <ac:spMk id="4" creationId="{A8729A87-597D-F8A5-FA4B-9A53ABB05769}"/>
-          </ac:spMkLst>
-        </pc:spChg>
-        <pc:spChg chg="add del mod">
-          <ac:chgData name="Scruel Tao" userId="5ea5c98d59b44d4b" providerId="LiveId" clId="{88D73D01-CABB-4B2D-80EC-648726E3C219}" dt="2023-05-01T13:51:09.841" v="3947" actId="21"/>
-          <ac:spMkLst>
-            <pc:docMk/>
-            <pc:sldMk cId="3466020836" sldId="300"/>
-            <ac:spMk id="5" creationId="{A60E2775-3E9E-E228-883B-C145AE0AD99C}"/>
-          </ac:spMkLst>
-        </pc:spChg>
-        <pc:spChg chg="del">
-          <ac:chgData name="Scruel Tao" userId="5ea5c98d59b44d4b" providerId="LiveId" clId="{88D73D01-CABB-4B2D-80EC-648726E3C219}" dt="2023-04-26T09:54:22.405" v="2592" actId="478"/>
-          <ac:spMkLst>
-            <pc:docMk/>
-            <pc:sldMk cId="3466020836" sldId="300"/>
-            <ac:spMk id="5" creationId="{B7A8CE03-6A77-60EC-056E-D7A0019640A3}"/>
-          </ac:spMkLst>
-        </pc:spChg>
-        <pc:spChg chg="add del mod">
-          <ac:chgData name="Scruel Tao" userId="5ea5c98d59b44d4b" providerId="LiveId" clId="{88D73D01-CABB-4B2D-80EC-648726E3C219}" dt="2023-05-01T13:48:49.268" v="3891" actId="478"/>
-          <ac:spMkLst>
-            <pc:docMk/>
-            <pc:sldMk cId="3466020836" sldId="300"/>
-            <ac:spMk id="6" creationId="{5A0CF9C0-4BEE-6A42-A1A5-10454583A2EA}"/>
-          </ac:spMkLst>
-        </pc:spChg>
-        <pc:spChg chg="mod">
-          <ac:chgData name="Scruel Tao" userId="5ea5c98d59b44d4b" providerId="LiveId" clId="{88D73D01-CABB-4B2D-80EC-648726E3C219}" dt="2023-05-01T13:51:19.360" v="3948" actId="1076"/>
-          <ac:spMkLst>
-            <pc:docMk/>
-            <pc:sldMk cId="3466020836" sldId="300"/>
-            <ac:spMk id="7" creationId="{12C899D8-51C5-D9B7-A323-E6EFE4AB5C33}"/>
-          </ac:spMkLst>
-        </pc:spChg>
-      </pc:sldChg>
-      <pc:sldChg chg="add del">
-        <pc:chgData name="Scruel Tao" userId="5ea5c98d59b44d4b" providerId="LiveId" clId="{88D73D01-CABB-4B2D-80EC-648726E3C219}" dt="2023-04-26T09:48:34.256" v="2423" actId="47"/>
-        <pc:sldMkLst>
-          <pc:docMk/>
-          <pc:sldMk cId="609854546" sldId="301"/>
-        </pc:sldMkLst>
-      </pc:sldChg>
-      <pc:sldChg chg="addSp delSp modSp add del mod delAnim">
-        <pc:chgData name="Scruel Tao" userId="5ea5c98d59b44d4b" providerId="LiveId" clId="{88D73D01-CABB-4B2D-80EC-648726E3C219}" dt="2023-04-30T17:53:55.378" v="3358" actId="47"/>
-        <pc:sldMkLst>
-          <pc:docMk/>
-          <pc:sldMk cId="2686343367" sldId="301"/>
-        </pc:sldMkLst>
-        <pc:spChg chg="del">
-          <ac:chgData name="Scruel Tao" userId="5ea5c98d59b44d4b" providerId="LiveId" clId="{88D73D01-CABB-4B2D-80EC-648726E3C219}" dt="2023-04-26T09:53:32.524" v="2562" actId="21"/>
-          <ac:spMkLst>
-            <pc:docMk/>
-            <pc:sldMk cId="2686343367" sldId="301"/>
-            <ac:spMk id="3" creationId="{6D534F35-9D9D-39E7-D401-825A0475250F}"/>
-          </ac:spMkLst>
-        </pc:spChg>
-        <pc:spChg chg="mod">
-          <ac:chgData name="Scruel Tao" userId="5ea5c98d59b44d4b" providerId="LiveId" clId="{88D73D01-CABB-4B2D-80EC-648726E3C219}" dt="2023-04-26T09:55:27.370" v="2609"/>
-          <ac:spMkLst>
-            <pc:docMk/>
-            <pc:sldMk cId="2686343367" sldId="301"/>
-            <ac:spMk id="4" creationId="{A8729A87-597D-F8A5-FA4B-9A53ABB05769}"/>
-          </ac:spMkLst>
-        </pc:spChg>
-        <pc:spChg chg="del mod">
-          <ac:chgData name="Scruel Tao" userId="5ea5c98d59b44d4b" providerId="LiveId" clId="{88D73D01-CABB-4B2D-80EC-648726E3C219}" dt="2023-04-26T09:55:16.748" v="2606" actId="21"/>
-          <ac:spMkLst>
-            <pc:docMk/>
-            <pc:sldMk cId="2686343367" sldId="301"/>
-            <ac:spMk id="5" creationId="{B7A8CE03-6A77-60EC-056E-D7A0019640A3}"/>
-          </ac:spMkLst>
-        </pc:spChg>
-        <pc:spChg chg="add mod">
-          <ac:chgData name="Scruel Tao" userId="5ea5c98d59b44d4b" providerId="LiveId" clId="{88D73D01-CABB-4B2D-80EC-648726E3C219}" dt="2023-04-29T18:12:11.220" v="2666" actId="113"/>
-          <ac:spMkLst>
-            <pc:docMk/>
-            <pc:sldMk cId="2686343367" sldId="301"/>
-            <ac:spMk id="6" creationId="{96E40A6E-E2C7-A8E8-BC3B-0C034B391FDD}"/>
-          </ac:spMkLst>
-        </pc:spChg>
-        <pc:spChg chg="del">
-          <ac:chgData name="Scruel Tao" userId="5ea5c98d59b44d4b" providerId="LiveId" clId="{88D73D01-CABB-4B2D-80EC-648726E3C219}" dt="2023-04-26T09:53:31.626" v="2561" actId="21"/>
-          <ac:spMkLst>
-            <pc:docMk/>
-            <pc:sldMk cId="2686343367" sldId="301"/>
-            <ac:spMk id="7" creationId="{12C899D8-51C5-D9B7-A323-E6EFE4AB5C33}"/>
-          </ac:spMkLst>
-        </pc:spChg>
-      </pc:sldChg>
-      <pc:sldChg chg="delSp modSp add del mod">
-        <pc:chgData name="Scruel Tao" userId="5ea5c98d59b44d4b" providerId="LiveId" clId="{88D73D01-CABB-4B2D-80EC-648726E3C219}" dt="2023-04-30T17:55:19.916" v="3368" actId="47"/>
-        <pc:sldMkLst>
-          <pc:docMk/>
-          <pc:sldMk cId="1645371285" sldId="302"/>
-        </pc:sldMkLst>
-        <pc:spChg chg="mod">
-          <ac:chgData name="Scruel Tao" userId="5ea5c98d59b44d4b" providerId="LiveId" clId="{88D73D01-CABB-4B2D-80EC-648726E3C219}" dt="2023-04-26T09:55:29.640" v="2610"/>
-          <ac:spMkLst>
-            <pc:docMk/>
-            <pc:sldMk cId="1645371285" sldId="302"/>
-            <ac:spMk id="4" creationId="{A8729A87-597D-F8A5-FA4B-9A53ABB05769}"/>
-          </ac:spMkLst>
-        </pc:spChg>
-        <pc:spChg chg="mod">
-          <ac:chgData name="Scruel Tao" userId="5ea5c98d59b44d4b" providerId="LiveId" clId="{88D73D01-CABB-4B2D-80EC-648726E3C219}" dt="2023-04-26T09:55:22.535" v="2608" actId="1076"/>
-          <ac:spMkLst>
-            <pc:docMk/>
-            <pc:sldMk cId="1645371285" sldId="302"/>
-            <ac:spMk id="5" creationId="{B7A8CE03-6A77-60EC-056E-D7A0019640A3}"/>
-          </ac:spMkLst>
-        </pc:spChg>
-        <pc:spChg chg="del">
-          <ac:chgData name="Scruel Tao" userId="5ea5c98d59b44d4b" providerId="LiveId" clId="{88D73D01-CABB-4B2D-80EC-648726E3C219}" dt="2023-04-26T09:55:19.313" v="2607" actId="21"/>
-          <ac:spMkLst>
-            <pc:docMk/>
-            <pc:sldMk cId="1645371285" sldId="302"/>
-            <ac:spMk id="6" creationId="{96E40A6E-E2C7-A8E8-BC3B-0C034B391FDD}"/>
-          </ac:spMkLst>
-        </pc:spChg>
-      </pc:sldChg>
-      <pc:sldChg chg="addSp delSp modSp add mod modTransition delAnim">
-        <pc:chgData name="Scruel Tao" userId="5ea5c98d59b44d4b" providerId="LiveId" clId="{88D73D01-CABB-4B2D-80EC-648726E3C219}" dt="2023-05-05T14:59:33.343" v="4422"/>
-        <pc:sldMkLst>
-          <pc:docMk/>
-          <pc:sldMk cId="4005172658" sldId="303"/>
-        </pc:sldMkLst>
-        <pc:spChg chg="add del mod">
-          <ac:chgData name="Scruel Tao" userId="5ea5c98d59b44d4b" providerId="LiveId" clId="{88D73D01-CABB-4B2D-80EC-648726E3C219}" dt="2023-04-30T17:07:35.632" v="2726" actId="478"/>
-          <ac:spMkLst>
-            <pc:docMk/>
-            <pc:sldMk cId="4005172658" sldId="303"/>
-            <ac:spMk id="3" creationId="{0E2FC508-1AFD-A957-52F2-FA1DEF2A9D27}"/>
-          </ac:spMkLst>
-        </pc:spChg>
-        <pc:spChg chg="del">
-          <ac:chgData name="Scruel Tao" userId="5ea5c98d59b44d4b" providerId="LiveId" clId="{88D73D01-CABB-4B2D-80EC-648726E3C219}" dt="2023-04-30T17:06:55.678" v="2710" actId="478"/>
-          <ac:spMkLst>
-            <pc:docMk/>
-            <pc:sldMk cId="4005172658" sldId="303"/>
-            <ac:spMk id="5" creationId="{B7A8CE03-6A77-60EC-056E-D7A0019640A3}"/>
-          </ac:spMkLst>
-        </pc:spChg>
-        <pc:spChg chg="del mod">
-          <ac:chgData name="Scruel Tao" userId="5ea5c98d59b44d4b" providerId="LiveId" clId="{88D73D01-CABB-4B2D-80EC-648726E3C219}" dt="2023-04-30T17:06:54.841" v="2709" actId="478"/>
-          <ac:spMkLst>
-            <pc:docMk/>
-            <pc:sldMk cId="4005172658" sldId="303"/>
-            <ac:spMk id="7" creationId="{12C899D8-51C5-D9B7-A323-E6EFE4AB5C33}"/>
-          </ac:spMkLst>
-        </pc:spChg>
-        <pc:spChg chg="add mod">
-          <ac:chgData name="Scruel Tao" userId="5ea5c98d59b44d4b" providerId="LiveId" clId="{88D73D01-CABB-4B2D-80EC-648726E3C219}" dt="2023-04-30T17:25:20.630" v="2785" actId="21"/>
-          <ac:spMkLst>
-            <pc:docMk/>
-            <pc:sldMk cId="4005172658" sldId="303"/>
-            <ac:spMk id="14" creationId="{0E3316AF-03D2-E954-8D9C-19BFF8D01C35}"/>
-          </ac:spMkLst>
-        </pc:spChg>
-        <pc:spChg chg="add del mod">
-          <ac:chgData name="Scruel Tao" userId="5ea5c98d59b44d4b" providerId="LiveId" clId="{88D73D01-CABB-4B2D-80EC-648726E3C219}" dt="2023-04-30T17:17:43.400" v="2767" actId="21"/>
-          <ac:spMkLst>
-            <pc:docMk/>
-            <pc:sldMk cId="4005172658" sldId="303"/>
-            <ac:spMk id="15" creationId="{B86710B8-8E24-3096-1823-5BC0A6C16F23}"/>
-          </ac:spMkLst>
-        </pc:spChg>
-        <pc:picChg chg="add del mod">
-          <ac:chgData name="Scruel Tao" userId="5ea5c98d59b44d4b" providerId="LiveId" clId="{88D73D01-CABB-4B2D-80EC-648726E3C219}" dt="2023-04-30T17:07:10.637" v="2716" actId="21"/>
-          <ac:picMkLst>
-            <pc:docMk/>
-            <pc:sldMk cId="4005172658" sldId="303"/>
-            <ac:picMk id="6" creationId="{F565E68C-0CEE-A04A-671B-03DB47E0C6F5}"/>
-          </ac:picMkLst>
-        </pc:picChg>
-        <pc:picChg chg="add del mod ord">
-          <ac:chgData name="Scruel Tao" userId="5ea5c98d59b44d4b" providerId="LiveId" clId="{88D73D01-CABB-4B2D-80EC-648726E3C219}" dt="2023-04-30T17:07:32.222" v="2725" actId="22"/>
-          <ac:picMkLst>
-            <pc:docMk/>
-            <pc:sldMk cId="4005172658" sldId="303"/>
-            <ac:picMk id="9" creationId="{A615F8B8-143C-45E2-C75D-730EBD2E4B7C}"/>
-          </ac:picMkLst>
-        </pc:picChg>
-        <pc:picChg chg="add del mod">
-          <ac:chgData name="Scruel Tao" userId="5ea5c98d59b44d4b" providerId="LiveId" clId="{88D73D01-CABB-4B2D-80EC-648726E3C219}" dt="2023-04-30T17:14:16.240" v="2734" actId="21"/>
-          <ac:picMkLst>
-            <pc:docMk/>
-            <pc:sldMk cId="4005172658" sldId="303"/>
-            <ac:picMk id="11" creationId="{D3C63D22-ED70-BC91-005E-CFE848BA4AF5}"/>
-          </ac:picMkLst>
-        </pc:picChg>
-        <pc:picChg chg="add del mod">
-          <ac:chgData name="Scruel Tao" userId="5ea5c98d59b44d4b" providerId="LiveId" clId="{88D73D01-CABB-4B2D-80EC-648726E3C219}" dt="2023-04-30T17:25:22.374" v="2786" actId="478"/>
-          <ac:picMkLst>
-            <pc:docMk/>
-            <pc:sldMk cId="4005172658" sldId="303"/>
-            <ac:picMk id="13" creationId="{1FDF7BE3-899F-35AE-FB9D-5F8091A8E461}"/>
-          </ac:picMkLst>
-        </pc:picChg>
-        <pc:picChg chg="add mod">
-          <ac:chgData name="Scruel Tao" userId="5ea5c98d59b44d4b" providerId="LiveId" clId="{88D73D01-CABB-4B2D-80EC-648726E3C219}" dt="2023-04-30T17:25:49.168" v="2800" actId="1036"/>
-          <ac:picMkLst>
-            <pc:docMk/>
-            <pc:sldMk cId="4005172658" sldId="303"/>
-            <ac:picMk id="17" creationId="{B4BA9574-9B96-B884-236F-FE5B9F192448}"/>
-          </ac:picMkLst>
-        </pc:picChg>
-      </pc:sldChg>
-      <pc:sldChg chg="addSp delSp modSp add del mod modTransition">
-        <pc:chgData name="Scruel Tao" userId="5ea5c98d59b44d4b" providerId="LiveId" clId="{88D73D01-CABB-4B2D-80EC-648726E3C219}" dt="2023-05-06T21:07:39.913" v="5888" actId="47"/>
-        <pc:sldMkLst>
-          <pc:docMk/>
-          <pc:sldMk cId="2904614809" sldId="304"/>
-        </pc:sldMkLst>
-        <pc:spChg chg="add del">
-          <ac:chgData name="Scruel Tao" userId="5ea5c98d59b44d4b" providerId="LiveId" clId="{88D73D01-CABB-4B2D-80EC-648726E3C219}" dt="2023-05-06T20:59:14.766" v="5770" actId="22"/>
-          <ac:spMkLst>
-            <pc:docMk/>
-            <pc:sldMk cId="2904614809" sldId="304"/>
-            <ac:spMk id="4" creationId="{4BD13178-00F2-52DB-BDA7-D53E6A1DAA64}"/>
-          </ac:spMkLst>
-        </pc:spChg>
-        <pc:spChg chg="add del">
-          <ac:chgData name="Scruel Tao" userId="5ea5c98d59b44d4b" providerId="LiveId" clId="{88D73D01-CABB-4B2D-80EC-648726E3C219}" dt="2023-05-06T21:02:48.602" v="5799" actId="22"/>
-          <ac:spMkLst>
-            <pc:docMk/>
-            <pc:sldMk cId="2904614809" sldId="304"/>
-            <ac:spMk id="15" creationId="{A837DDAD-95CE-417C-0C9A-28A5813F9745}"/>
-          </ac:spMkLst>
-        </pc:spChg>
-        <pc:spChg chg="add del">
-          <ac:chgData name="Scruel Tao" userId="5ea5c98d59b44d4b" providerId="LiveId" clId="{88D73D01-CABB-4B2D-80EC-648726E3C219}" dt="2023-05-06T21:03:06.579" v="5804" actId="22"/>
-          <ac:spMkLst>
-            <pc:docMk/>
-            <pc:sldMk cId="2904614809" sldId="304"/>
-            <ac:spMk id="20" creationId="{C3B19355-9CDD-AB83-B52C-BDB364B40561}"/>
-          </ac:spMkLst>
-        </pc:spChg>
-        <pc:picChg chg="add del mod">
-          <ac:chgData name="Scruel Tao" userId="5ea5c98d59b44d4b" providerId="LiveId" clId="{88D73D01-CABB-4B2D-80EC-648726E3C219}" dt="2023-05-06T21:00:21.409" v="5784" actId="21"/>
-          <ac:picMkLst>
-            <pc:docMk/>
-            <pc:sldMk cId="2904614809" sldId="304"/>
-            <ac:picMk id="6" creationId="{5C4F9057-7536-57A2-F29B-861865706BFC}"/>
-          </ac:picMkLst>
-        </pc:picChg>
-        <pc:picChg chg="add mod">
-          <ac:chgData name="Scruel Tao" userId="5ea5c98d59b44d4b" providerId="LiveId" clId="{88D73D01-CABB-4B2D-80EC-648726E3C219}" dt="2023-05-06T21:04:57.208" v="5853" actId="1035"/>
-          <ac:picMkLst>
-            <pc:docMk/>
-            <pc:sldMk cId="2904614809" sldId="304"/>
-            <ac:picMk id="8" creationId="{8AB5090F-5018-48C0-EBF4-ED6B0DBB8E37}"/>
-          </ac:picMkLst>
-        </pc:picChg>
-        <pc:picChg chg="add del mod">
-          <ac:chgData name="Scruel Tao" userId="5ea5c98d59b44d4b" providerId="LiveId" clId="{88D73D01-CABB-4B2D-80EC-648726E3C219}" dt="2023-05-06T21:02:46.868" v="5797" actId="478"/>
-          <ac:picMkLst>
-            <pc:docMk/>
-            <pc:sldMk cId="2904614809" sldId="304"/>
-            <ac:picMk id="10" creationId="{4AEF12E1-0C3C-CCF5-4389-965AF8B4FE21}"/>
-          </ac:picMkLst>
-        </pc:picChg>
-        <pc:picChg chg="add del mod">
-          <ac:chgData name="Scruel Tao" userId="5ea5c98d59b44d4b" providerId="LiveId" clId="{88D73D01-CABB-4B2D-80EC-648726E3C219}" dt="2023-05-06T21:01:02.155" v="5794" actId="21"/>
-          <ac:picMkLst>
-            <pc:docMk/>
-            <pc:sldMk cId="2904614809" sldId="304"/>
-            <ac:picMk id="11" creationId="{93A7E669-6699-DCB8-A0BE-DFE699276A6C}"/>
-          </ac:picMkLst>
-        </pc:picChg>
-        <pc:picChg chg="del">
-          <ac:chgData name="Scruel Tao" userId="5ea5c98d59b44d4b" providerId="LiveId" clId="{88D73D01-CABB-4B2D-80EC-648726E3C219}" dt="2023-05-06T20:59:34.858" v="5776" actId="21"/>
-          <ac:picMkLst>
-            <pc:docMk/>
-            <pc:sldMk cId="2904614809" sldId="304"/>
-            <ac:picMk id="13" creationId="{1FDF7BE3-899F-35AE-FB9D-5F8091A8E461}"/>
-          </ac:picMkLst>
-        </pc:picChg>
-        <pc:picChg chg="mod">
-          <ac:chgData name="Scruel Tao" userId="5ea5c98d59b44d4b" providerId="LiveId" clId="{88D73D01-CABB-4B2D-80EC-648726E3C219}" dt="2023-04-30T17:25:37.227" v="2799" actId="1035"/>
-          <ac:picMkLst>
-            <pc:docMk/>
-            <pc:sldMk cId="2904614809" sldId="304"/>
-            <ac:picMk id="17" creationId="{B4BA9574-9B96-B884-236F-FE5B9F192448}"/>
-          </ac:picMkLst>
-        </pc:picChg>
-        <pc:picChg chg="add mod">
-          <ac:chgData name="Scruel Tao" userId="5ea5c98d59b44d4b" providerId="LiveId" clId="{88D73D01-CABB-4B2D-80EC-648726E3C219}" dt="2023-05-06T21:04:57.208" v="5853" actId="1035"/>
-          <ac:picMkLst>
-            <pc:docMk/>
-            <pc:sldMk cId="2904614809" sldId="304"/>
-            <ac:picMk id="18" creationId="{25B4A285-7F44-C972-3812-DD190DC73F65}"/>
-          </ac:picMkLst>
-        </pc:picChg>
-        <pc:picChg chg="add mod">
-          <ac:chgData name="Scruel Tao" userId="5ea5c98d59b44d4b" providerId="LiveId" clId="{88D73D01-CABB-4B2D-80EC-648726E3C219}" dt="2023-05-06T21:04:57.208" v="5853" actId="1035"/>
-          <ac:picMkLst>
-            <pc:docMk/>
-            <pc:sldMk cId="2904614809" sldId="304"/>
-            <ac:picMk id="22" creationId="{3A55B12E-91EC-DC60-A02F-622D42775EFC}"/>
-          </ac:picMkLst>
-        </pc:picChg>
-        <pc:picChg chg="add del mod">
-          <ac:chgData name="Scruel Tao" userId="5ea5c98d59b44d4b" providerId="LiveId" clId="{88D73D01-CABB-4B2D-80EC-648726E3C219}" dt="2023-05-06T21:05:06.961" v="5862" actId="21"/>
-          <ac:picMkLst>
-            <pc:docMk/>
-            <pc:sldMk cId="2904614809" sldId="304"/>
-            <ac:picMk id="24" creationId="{B299B1EC-1ACF-C4FC-CE97-D8A4F4C2ADE6}"/>
-          </ac:picMkLst>
-        </pc:picChg>
-      </pc:sldChg>
-      <pc:sldChg chg="modSp add mod ord modTransition">
-        <pc:chgData name="Scruel Tao" userId="5ea5c98d59b44d4b" providerId="LiveId" clId="{88D73D01-CABB-4B2D-80EC-648726E3C219}" dt="2023-05-05T14:59:33.343" v="4422"/>
-        <pc:sldMkLst>
-          <pc:docMk/>
-          <pc:sldMk cId="126184490" sldId="305"/>
-        </pc:sldMkLst>
-        <pc:spChg chg="mod">
-          <ac:chgData name="Scruel Tao" userId="5ea5c98d59b44d4b" providerId="LiveId" clId="{88D73D01-CABB-4B2D-80EC-648726E3C219}" dt="2023-05-01T13:34:40.825" v="3560" actId="20577"/>
-          <ac:spMkLst>
-            <pc:docMk/>
-            <pc:sldMk cId="126184490" sldId="305"/>
-            <ac:spMk id="2" creationId="{BAD162F0-2175-84E9-2387-55F669162449}"/>
-          </ac:spMkLst>
-        </pc:spChg>
-        <pc:spChg chg="mod">
-          <ac:chgData name="Scruel Tao" userId="5ea5c98d59b44d4b" providerId="LiveId" clId="{88D73D01-CABB-4B2D-80EC-648726E3C219}" dt="2023-05-01T13:34:23.020" v="3554" actId="21"/>
-          <ac:spMkLst>
-            <pc:docMk/>
-            <pc:sldMk cId="126184490" sldId="305"/>
-            <ac:spMk id="4" creationId="{01B48343-3D1C-FDA9-2DD5-C88222E962F2}"/>
-          </ac:spMkLst>
-        </pc:spChg>
-        <pc:spChg chg="mod">
-          <ac:chgData name="Scruel Tao" userId="5ea5c98d59b44d4b" providerId="LiveId" clId="{88D73D01-CABB-4B2D-80EC-648726E3C219}" dt="2023-05-01T13:35:01.954" v="3568" actId="21"/>
-          <ac:spMkLst>
-            <pc:docMk/>
-            <pc:sldMk cId="126184490" sldId="305"/>
-            <ac:spMk id="5" creationId="{B7A8CE03-6A77-60EC-056E-D7A0019640A3}"/>
-          </ac:spMkLst>
-        </pc:spChg>
-        <pc:spChg chg="mod">
-          <ac:chgData name="Scruel Tao" userId="5ea5c98d59b44d4b" providerId="LiveId" clId="{88D73D01-CABB-4B2D-80EC-648726E3C219}" dt="2023-05-01T13:34:58.738" v="3566" actId="21"/>
-          <ac:spMkLst>
-            <pc:docMk/>
-            <pc:sldMk cId="126184490" sldId="305"/>
-            <ac:spMk id="7" creationId="{12C899D8-51C5-D9B7-A323-E6EFE4AB5C33}"/>
-          </ac:spMkLst>
-        </pc:spChg>
-      </pc:sldChg>
-      <pc:sldChg chg="modSp add del mod modAnim">
-        <pc:chgData name="Scruel Tao" userId="5ea5c98d59b44d4b" providerId="LiveId" clId="{88D73D01-CABB-4B2D-80EC-648726E3C219}" dt="2023-04-30T17:27:14.869" v="2812" actId="47"/>
-        <pc:sldMkLst>
-          <pc:docMk/>
-          <pc:sldMk cId="3117374983" sldId="305"/>
-        </pc:sldMkLst>
-        <pc:spChg chg="mod">
-          <ac:chgData name="Scruel Tao" userId="5ea5c98d59b44d4b" providerId="LiveId" clId="{88D73D01-CABB-4B2D-80EC-648726E3C219}" dt="2023-04-30T17:26:28.979" v="2805" actId="113"/>
-          <ac:spMkLst>
-            <pc:docMk/>
-            <pc:sldMk cId="3117374983" sldId="305"/>
-            <ac:spMk id="4" creationId="{85D6D174-6A04-9AED-7984-BD4330ED7E3A}"/>
-          </ac:spMkLst>
-        </pc:spChg>
-      </pc:sldChg>
-      <pc:sldChg chg="modSp add mod modTransition modAnim">
-        <pc:chgData name="Scruel Tao" userId="5ea5c98d59b44d4b" providerId="LiveId" clId="{88D73D01-CABB-4B2D-80EC-648726E3C219}" dt="2023-05-05T14:59:33.343" v="4422"/>
-        <pc:sldMkLst>
-          <pc:docMk/>
-          <pc:sldMk cId="2742842729" sldId="306"/>
-        </pc:sldMkLst>
-        <pc:spChg chg="mod">
-          <ac:chgData name="Scruel Tao" userId="5ea5c98d59b44d4b" providerId="LiveId" clId="{88D73D01-CABB-4B2D-80EC-648726E3C219}" dt="2023-05-01T13:39:51.539" v="3751"/>
-          <ac:spMkLst>
-            <pc:docMk/>
-            <pc:sldMk cId="2742842729" sldId="306"/>
-            <ac:spMk id="2" creationId="{BAD162F0-2175-84E9-2387-55F669162449}"/>
-          </ac:spMkLst>
-        </pc:spChg>
-        <pc:spChg chg="mod">
-          <ac:chgData name="Scruel Tao" userId="5ea5c98d59b44d4b" providerId="LiveId" clId="{88D73D01-CABB-4B2D-80EC-648726E3C219}" dt="2023-05-01T13:41:00.638" v="3798" actId="20577"/>
-          <ac:spMkLst>
-            <pc:docMk/>
-            <pc:sldMk cId="2742842729" sldId="306"/>
-            <ac:spMk id="5" creationId="{B7A8CE03-6A77-60EC-056E-D7A0019640A3}"/>
-          </ac:spMkLst>
-        </pc:spChg>
-        <pc:spChg chg="mod">
-          <ac:chgData name="Scruel Tao" userId="5ea5c98d59b44d4b" providerId="LiveId" clId="{88D73D01-CABB-4B2D-80EC-648726E3C219}" dt="2023-05-03T14:54:28.453" v="4130" actId="207"/>
-          <ac:spMkLst>
-            <pc:docMk/>
-            <pc:sldMk cId="2742842729" sldId="306"/>
-            <ac:spMk id="7" creationId="{12C899D8-51C5-D9B7-A323-E6EFE4AB5C33}"/>
-          </ac:spMkLst>
-        </pc:spChg>
-      </pc:sldChg>
-      <pc:sldChg chg="addSp delSp modSp add mod modTransition modAnim">
-        <pc:chgData name="Scruel Tao" userId="5ea5c98d59b44d4b" providerId="LiveId" clId="{88D73D01-CABB-4B2D-80EC-648726E3C219}" dt="2023-05-06T03:52:01.685" v="4472"/>
-        <pc:sldMkLst>
-          <pc:docMk/>
-          <pc:sldMk cId="1966825670" sldId="307"/>
-        </pc:sldMkLst>
-        <pc:spChg chg="mod">
-          <ac:chgData name="Scruel Tao" userId="5ea5c98d59b44d4b" providerId="LiveId" clId="{88D73D01-CABB-4B2D-80EC-648726E3C219}" dt="2023-05-01T13:37:46.747" v="3697" actId="20577"/>
-          <ac:spMkLst>
-            <pc:docMk/>
-            <pc:sldMk cId="1966825670" sldId="307"/>
-            <ac:spMk id="2" creationId="{BAD162F0-2175-84E9-2387-55F669162449}"/>
-          </ac:spMkLst>
-        </pc:spChg>
-        <pc:spChg chg="add del mod">
-          <ac:chgData name="Scruel Tao" userId="5ea5c98d59b44d4b" providerId="LiveId" clId="{88D73D01-CABB-4B2D-80EC-648726E3C219}" dt="2023-05-01T13:39:32.162" v="3746" actId="21"/>
-          <ac:spMkLst>
-            <pc:docMk/>
-            <pc:sldMk cId="1966825670" sldId="307"/>
-            <ac:spMk id="3" creationId="{F2477069-A667-C3D0-B7FD-F2E8D83C6D3A}"/>
-          </ac:spMkLst>
-        </pc:spChg>
-        <pc:spChg chg="mod">
-          <ac:chgData name="Scruel Tao" userId="5ea5c98d59b44d4b" providerId="LiveId" clId="{88D73D01-CABB-4B2D-80EC-648726E3C219}" dt="2023-05-03T16:45:53.982" v="4302" actId="115"/>
-          <ac:spMkLst>
-            <pc:docMk/>
-            <pc:sldMk cId="1966825670" sldId="307"/>
-            <ac:spMk id="4" creationId="{01B48343-3D1C-FDA9-2DD5-C88222E962F2}"/>
-          </ac:spMkLst>
-        </pc:spChg>
-        <pc:spChg chg="mod">
-          <ac:chgData name="Scruel Tao" userId="5ea5c98d59b44d4b" providerId="LiveId" clId="{88D73D01-CABB-4B2D-80EC-648726E3C219}" dt="2023-05-01T13:41:45" v="3799" actId="20577"/>
-          <ac:spMkLst>
-            <pc:docMk/>
-            <pc:sldMk cId="1966825670" sldId="307"/>
-            <ac:spMk id="5" creationId="{B7A8CE03-6A77-60EC-056E-D7A0019640A3}"/>
-          </ac:spMkLst>
-        </pc:spChg>
-        <pc:spChg chg="add">
-          <ac:chgData name="Scruel Tao" userId="5ea5c98d59b44d4b" providerId="LiveId" clId="{88D73D01-CABB-4B2D-80EC-648726E3C219}" dt="2023-05-01T13:39:39.118" v="3747" actId="11529"/>
-          <ac:spMkLst>
-            <pc:docMk/>
-            <pc:sldMk cId="1966825670" sldId="307"/>
-            <ac:spMk id="6" creationId="{095BDCDC-C8E9-12DF-C5CE-151016E4FC92}"/>
-          </ac:spMkLst>
-        </pc:spChg>
-        <pc:spChg chg="mod">
-          <ac:chgData name="Scruel Tao" userId="5ea5c98d59b44d4b" providerId="LiveId" clId="{88D73D01-CABB-4B2D-80EC-648726E3C219}" dt="2023-05-03T14:54:02.061" v="4129" actId="207"/>
-          <ac:spMkLst>
-            <pc:docMk/>
-            <pc:sldMk cId="1966825670" sldId="307"/>
-            <ac:spMk id="7" creationId="{12C899D8-51C5-D9B7-A323-E6EFE4AB5C33}"/>
-          </ac:spMkLst>
-        </pc:spChg>
-      </pc:sldChg>
-      <pc:sldChg chg="addSp delSp modSp add mod modTransition delAnim modAnim modNotesTx">
-        <pc:chgData name="Scruel Tao" userId="5ea5c98d59b44d4b" providerId="LiveId" clId="{88D73D01-CABB-4B2D-80EC-648726E3C219}" dt="2023-05-05T14:59:33.343" v="4422"/>
-        <pc:sldMkLst>
-          <pc:docMk/>
-          <pc:sldMk cId="696613599" sldId="308"/>
-        </pc:sldMkLst>
-        <pc:spChg chg="del">
-          <ac:chgData name="Scruel Tao" userId="5ea5c98d59b44d4b" providerId="LiveId" clId="{88D73D01-CABB-4B2D-80EC-648726E3C219}" dt="2023-05-01T13:48:00.710" v="3879" actId="21"/>
-          <ac:spMkLst>
-            <pc:docMk/>
-            <pc:sldMk cId="696613599" sldId="308"/>
-            <ac:spMk id="3" creationId="{3582DCCD-854D-FFAC-5FCD-D309DDC9FA2E}"/>
-          </ac:spMkLst>
-        </pc:spChg>
-        <pc:spChg chg="mod">
-          <ac:chgData name="Scruel Tao" userId="5ea5c98d59b44d4b" providerId="LiveId" clId="{88D73D01-CABB-4B2D-80EC-648726E3C219}" dt="2023-05-03T02:45:28.695" v="4061" actId="5793"/>
-          <ac:spMkLst>
-            <pc:docMk/>
-            <pc:sldMk cId="696613599" sldId="308"/>
-            <ac:spMk id="4" creationId="{A8729A87-597D-F8A5-FA4B-9A53ABB05769}"/>
-          </ac:spMkLst>
-        </pc:spChg>
-        <pc:spChg chg="del">
-          <ac:chgData name="Scruel Tao" userId="5ea5c98d59b44d4b" providerId="LiveId" clId="{88D73D01-CABB-4B2D-80EC-648726E3C219}" dt="2023-05-01T13:48:01.523" v="3880" actId="21"/>
-          <ac:spMkLst>
-            <pc:docMk/>
-            <pc:sldMk cId="696613599" sldId="308"/>
-            <ac:spMk id="5" creationId="{A60E2775-3E9E-E228-883B-C145AE0AD99C}"/>
-          </ac:spMkLst>
-        </pc:spChg>
-        <pc:spChg chg="mod">
-          <ac:chgData name="Scruel Tao" userId="5ea5c98d59b44d4b" providerId="LiveId" clId="{88D73D01-CABB-4B2D-80EC-648726E3C219}" dt="2023-05-01T13:50:36.496" v="3937" actId="1038"/>
-          <ac:spMkLst>
-            <pc:docMk/>
-            <pc:sldMk cId="696613599" sldId="308"/>
-            <ac:spMk id="6" creationId="{5A0CF9C0-4BEE-6A42-A1A5-10454583A2EA}"/>
-          </ac:spMkLst>
-        </pc:spChg>
-        <pc:spChg chg="mod">
-          <ac:chgData name="Scruel Tao" userId="5ea5c98d59b44d4b" providerId="LiveId" clId="{88D73D01-CABB-4B2D-80EC-648726E3C219}" dt="2023-05-01T13:51:35.769" v="3950" actId="113"/>
-          <ac:spMkLst>
-            <pc:docMk/>
-            <pc:sldMk cId="696613599" sldId="308"/>
-            <ac:spMk id="7" creationId="{12C899D8-51C5-D9B7-A323-E6EFE4AB5C33}"/>
-          </ac:spMkLst>
-        </pc:spChg>
-        <pc:spChg chg="add mod">
-          <ac:chgData name="Scruel Tao" userId="5ea5c98d59b44d4b" providerId="LiveId" clId="{88D73D01-CABB-4B2D-80EC-648726E3C219}" dt="2023-05-01T13:52:28.183" v="3963" actId="1035"/>
-          <ac:spMkLst>
-            <pc:docMk/>
-            <pc:sldMk cId="696613599" sldId="308"/>
-            <ac:spMk id="8" creationId="{DAECFDA2-5344-F9B0-D4E5-659DEBAF6419}"/>
-          </ac:spMkLst>
-        </pc:spChg>
-        <pc:spChg chg="add mod">
-          <ac:chgData name="Scruel Tao" userId="5ea5c98d59b44d4b" providerId="LiveId" clId="{88D73D01-CABB-4B2D-80EC-648726E3C219}" dt="2023-05-01T13:52:32.847" v="3967" actId="1035"/>
-          <ac:spMkLst>
-            <pc:docMk/>
-            <pc:sldMk cId="696613599" sldId="308"/>
-            <ac:spMk id="9" creationId="{D0CAF910-89F4-141E-452C-CA0BB90553E5}"/>
-          </ac:spMkLst>
-        </pc:spChg>
-        <pc:spChg chg="add mod">
-          <ac:chgData name="Scruel Tao" userId="5ea5c98d59b44d4b" providerId="LiveId" clId="{88D73D01-CABB-4B2D-80EC-648726E3C219}" dt="2023-05-01T13:52:38.332" v="3984" actId="1036"/>
-          <ac:spMkLst>
-            <pc:docMk/>
-            <pc:sldMk cId="696613599" sldId="308"/>
-            <ac:spMk id="10" creationId="{5F665F6B-1FC1-77ED-2300-1816626FA5B2}"/>
-          </ac:spMkLst>
-        </pc:spChg>
-        <pc:spChg chg="add mod">
-          <ac:chgData name="Scruel Tao" userId="5ea5c98d59b44d4b" providerId="LiveId" clId="{88D73D01-CABB-4B2D-80EC-648726E3C219}" dt="2023-05-01T13:52:30.793" v="3966" actId="1035"/>
-          <ac:spMkLst>
-            <pc:docMk/>
-            <pc:sldMk cId="696613599" sldId="308"/>
-            <ac:spMk id="11" creationId="{D93C928E-F40A-A5A3-55E3-CFF6BDBD5DC0}"/>
-          </ac:spMkLst>
-        </pc:spChg>
-      </pc:sldChg>
-      <pc:sldChg chg="add del">
-        <pc:chgData name="Scruel Tao" userId="5ea5c98d59b44d4b" providerId="LiveId" clId="{88D73D01-CABB-4B2D-80EC-648726E3C219}" dt="2023-05-02T23:03:13.213" v="4040" actId="47"/>
-        <pc:sldMkLst>
-          <pc:docMk/>
-          <pc:sldMk cId="1599418885" sldId="309"/>
-        </pc:sldMkLst>
-      </pc:sldChg>
-      <pc:sldChg chg="modSp add del mod">
-        <pc:chgData name="Scruel Tao" userId="5ea5c98d59b44d4b" providerId="LiveId" clId="{88D73D01-CABB-4B2D-80EC-648726E3C219}" dt="2023-05-04T01:17:50.963" v="4307" actId="47"/>
-        <pc:sldMkLst>
-          <pc:docMk/>
-          <pc:sldMk cId="3161108256" sldId="310"/>
-        </pc:sldMkLst>
-        <pc:spChg chg="mod">
-          <ac:chgData name="Scruel Tao" userId="5ea5c98d59b44d4b" providerId="LiveId" clId="{88D73D01-CABB-4B2D-80EC-648726E3C219}" dt="2023-05-04T01:16:40.156" v="4305" actId="21"/>
-          <ac:spMkLst>
-            <pc:docMk/>
-            <pc:sldMk cId="3161108256" sldId="310"/>
-            <ac:spMk id="3" creationId="{AC7759D9-0BB4-08ED-8476-24F7D903D6DE}"/>
-          </ac:spMkLst>
-        </pc:spChg>
-      </pc:sldChg>
-      <pc:sldChg chg="add">
-        <pc:chgData name="Scruel Tao" userId="5ea5c98d59b44d4b" providerId="LiveId" clId="{88D73D01-CABB-4B2D-80EC-648726E3C219}" dt="2023-05-04T01:17:49.863" v="4306"/>
-        <pc:sldMkLst>
-          <pc:docMk/>
-          <pc:sldMk cId="1751938706" sldId="311"/>
-        </pc:sldMkLst>
-      </pc:sldChg>
-      <pc:sldChg chg="add del">
-        <pc:chgData name="Scruel Tao" userId="5ea5c98d59b44d4b" providerId="LiveId" clId="{88D73D01-CABB-4B2D-80EC-648726E3C219}" dt="2023-05-05T02:30:23.908" v="4418" actId="47"/>
-        <pc:sldMkLst>
-          <pc:docMk/>
-          <pc:sldMk cId="3161108256" sldId="363"/>
-        </pc:sldMkLst>
-      </pc:sldChg>
-      <pc:sldChg chg="add del">
-        <pc:chgData name="Scruel Tao" userId="5ea5c98d59b44d4b" providerId="LiveId" clId="{88D73D01-CABB-4B2D-80EC-648726E3C219}" dt="2023-05-04T18:24:01.597" v="4420" actId="47"/>
-        <pc:sldMkLst>
-          <pc:docMk/>
-          <pc:sldMk cId="2281300164" sldId="364"/>
-        </pc:sldMkLst>
-      </pc:sldChg>
-      <pc:sldChg chg="add modTransition">
-        <pc:chgData name="Scruel Tao" userId="5ea5c98d59b44d4b" providerId="LiveId" clId="{88D73D01-CABB-4B2D-80EC-648726E3C219}" dt="2023-05-05T14:59:33.343" v="4422"/>
-        <pc:sldMkLst>
-          <pc:docMk/>
-          <pc:sldMk cId="3625446739" sldId="366"/>
-        </pc:sldMkLst>
-      </pc:sldChg>
-      <pc:sldChg chg="modSp add del mod modAnim">
-        <pc:chgData name="Scruel Tao" userId="5ea5c98d59b44d4b" providerId="LiveId" clId="{88D73D01-CABB-4B2D-80EC-648726E3C219}" dt="2023-05-06T10:35:24.764" v="5602" actId="47"/>
-        <pc:sldMkLst>
-          <pc:docMk/>
-          <pc:sldMk cId="3721856918" sldId="367"/>
-        </pc:sldMkLst>
-        <pc:spChg chg="mod">
-          <ac:chgData name="Scruel Tao" userId="5ea5c98d59b44d4b" providerId="LiveId" clId="{88D73D01-CABB-4B2D-80EC-648726E3C219}" dt="2023-05-06T10:09:19.949" v="4581" actId="21"/>
-          <ac:spMkLst>
-            <pc:docMk/>
-            <pc:sldMk cId="3721856918" sldId="367"/>
-            <ac:spMk id="4" creationId="{85D6D174-6A04-9AED-7984-BD4330ED7E3A}"/>
-          </ac:spMkLst>
-        </pc:spChg>
-      </pc:sldChg>
-      <pc:sldChg chg="addSp delSp modSp add del mod delAnim modAnim modNotesTx">
-        <pc:chgData name="Scruel Tao" userId="5ea5c98d59b44d4b" providerId="LiveId" clId="{88D73D01-CABB-4B2D-80EC-648726E3C219}" dt="2023-05-06T10:35:18.897" v="5600" actId="47"/>
-        <pc:sldMkLst>
-          <pc:docMk/>
-          <pc:sldMk cId="627793953" sldId="368"/>
-        </pc:sldMkLst>
-        <pc:spChg chg="add mod">
-          <ac:chgData name="Scruel Tao" userId="5ea5c98d59b44d4b" providerId="LiveId" clId="{88D73D01-CABB-4B2D-80EC-648726E3C219}" dt="2023-05-06T10:13:03.982" v="4832" actId="6549"/>
-          <ac:spMkLst>
-            <pc:docMk/>
-            <pc:sldMk cId="627793953" sldId="368"/>
-            <ac:spMk id="3" creationId="{57367B0E-CD05-0F40-05C0-94309B557E74}"/>
-          </ac:spMkLst>
-        </pc:spChg>
-        <pc:spChg chg="mod">
-          <ac:chgData name="Scruel Tao" userId="5ea5c98d59b44d4b" providerId="LiveId" clId="{88D73D01-CABB-4B2D-80EC-648726E3C219}" dt="2023-05-06T10:12:50.017" v="4822" actId="403"/>
-          <ac:spMkLst>
-            <pc:docMk/>
-            <pc:sldMk cId="627793953" sldId="368"/>
-            <ac:spMk id="4" creationId="{85D6D174-6A04-9AED-7984-BD4330ED7E3A}"/>
-          </ac:spMkLst>
-        </pc:spChg>
-        <pc:spChg chg="del mod">
-          <ac:chgData name="Scruel Tao" userId="5ea5c98d59b44d4b" providerId="LiveId" clId="{88D73D01-CABB-4B2D-80EC-648726E3C219}" dt="2023-05-06T10:13:23.271" v="4837" actId="21"/>
-          <ac:spMkLst>
-            <pc:docMk/>
-            <pc:sldMk cId="627793953" sldId="368"/>
-            <ac:spMk id="5" creationId="{4B3FACC7-2E92-1DB1-1018-0263AD342247}"/>
-          </ac:spMkLst>
-        </pc:spChg>
-        <pc:spChg chg="add mod">
-          <ac:chgData name="Scruel Tao" userId="5ea5c98d59b44d4b" providerId="LiveId" clId="{88D73D01-CABB-4B2D-80EC-648726E3C219}" dt="2023-05-06T10:13:33.832" v="4850" actId="14100"/>
-          <ac:spMkLst>
-            <pc:docMk/>
-            <pc:sldMk cId="627793953" sldId="368"/>
-            <ac:spMk id="6" creationId="{3462DCDB-C482-BC4F-E1E5-E42E6CBCF835}"/>
-          </ac:spMkLst>
-        </pc:spChg>
-        <pc:spChg chg="del mod">
-          <ac:chgData name="Scruel Tao" userId="5ea5c98d59b44d4b" providerId="LiveId" clId="{88D73D01-CABB-4B2D-80EC-648726E3C219}" dt="2023-05-06T10:12:58.648" v="4823" actId="478"/>
-          <ac:spMkLst>
-            <pc:docMk/>
-            <pc:sldMk cId="627793953" sldId="368"/>
-            <ac:spMk id="7" creationId="{12C899D8-51C5-D9B7-A323-E6EFE4AB5C33}"/>
-          </ac:spMkLst>
-        </pc:spChg>
-      </pc:sldChg>
-      <pc:sldChg chg="delSp modSp add del mod addAnim delAnim modAnim">
-        <pc:chgData name="Scruel Tao" userId="5ea5c98d59b44d4b" providerId="LiveId" clId="{88D73D01-CABB-4B2D-80EC-648726E3C219}" dt="2023-05-06T10:35:15.387" v="5599" actId="47"/>
-        <pc:sldMkLst>
-          <pc:docMk/>
-          <pc:sldMk cId="3855342063" sldId="369"/>
-        </pc:sldMkLst>
-        <pc:spChg chg="mod">
-          <ac:chgData name="Scruel Tao" userId="5ea5c98d59b44d4b" providerId="LiveId" clId="{88D73D01-CABB-4B2D-80EC-648726E3C219}" dt="2023-05-06T10:18:58.231" v="5050" actId="21"/>
-          <ac:spMkLst>
-            <pc:docMk/>
-            <pc:sldMk cId="3855342063" sldId="369"/>
-            <ac:spMk id="4" creationId="{85D6D174-6A04-9AED-7984-BD4330ED7E3A}"/>
-          </ac:spMkLst>
-        </pc:spChg>
-        <pc:spChg chg="del">
-          <ac:chgData name="Scruel Tao" userId="5ea5c98d59b44d4b" providerId="LiveId" clId="{88D73D01-CABB-4B2D-80EC-648726E3C219}" dt="2023-05-06T10:19:04.081" v="5053" actId="478"/>
-          <ac:spMkLst>
-            <pc:docMk/>
-            <pc:sldMk cId="3855342063" sldId="369"/>
-            <ac:spMk id="5" creationId="{4B3FACC7-2E92-1DB1-1018-0263AD342247}"/>
-          </ac:spMkLst>
-        </pc:spChg>
-      </pc:sldChg>
-      <pc:sldChg chg="addSp delSp modSp add mod modTransition addAnim delAnim modAnim modNotesTx">
-        <pc:chgData name="Scruel Tao" userId="5ea5c98d59b44d4b" providerId="LiveId" clId="{88D73D01-CABB-4B2D-80EC-648726E3C219}" dt="2023-05-06T10:42:44.018" v="5743" actId="20577"/>
-        <pc:sldMkLst>
-          <pc:docMk/>
-          <pc:sldMk cId="4150484648" sldId="370"/>
-        </pc:sldMkLst>
-        <pc:spChg chg="add del mod">
-          <ac:chgData name="Scruel Tao" userId="5ea5c98d59b44d4b" providerId="LiveId" clId="{88D73D01-CABB-4B2D-80EC-648726E3C219}" dt="2023-05-06T10:21:27.068" v="5181" actId="21"/>
-          <ac:spMkLst>
-            <pc:docMk/>
-            <pc:sldMk cId="4150484648" sldId="370"/>
-            <ac:spMk id="3" creationId="{E936F911-9235-6C43-7507-2D38A70BA92D}"/>
-          </ac:spMkLst>
-        </pc:spChg>
-        <pc:spChg chg="mod">
-          <ac:chgData name="Scruel Tao" userId="5ea5c98d59b44d4b" providerId="LiveId" clId="{88D73D01-CABB-4B2D-80EC-648726E3C219}" dt="2023-05-06T10:25:06.042" v="5351"/>
-          <ac:spMkLst>
-            <pc:docMk/>
-            <pc:sldMk cId="4150484648" sldId="370"/>
-            <ac:spMk id="4" creationId="{85D6D174-6A04-9AED-7984-BD4330ED7E3A}"/>
-          </ac:spMkLst>
-        </pc:spChg>
-        <pc:spChg chg="del">
-          <ac:chgData name="Scruel Tao" userId="5ea5c98d59b44d4b" providerId="LiveId" clId="{88D73D01-CABB-4B2D-80EC-648726E3C219}" dt="2023-05-06T10:20:53.443" v="5177" actId="478"/>
-          <ac:spMkLst>
-            <pc:docMk/>
-            <pc:sldMk cId="4150484648" sldId="370"/>
-            <ac:spMk id="5" creationId="{4B3FACC7-2E92-1DB1-1018-0263AD342247}"/>
-          </ac:spMkLst>
-        </pc:spChg>
-        <pc:spChg chg="del mod">
-          <ac:chgData name="Scruel Tao" userId="5ea5c98d59b44d4b" providerId="LiveId" clId="{88D73D01-CABB-4B2D-80EC-648726E3C219}" dt="2023-05-06T10:30:56.492" v="5537" actId="21"/>
-          <ac:spMkLst>
-            <pc:docMk/>
-            <pc:sldMk cId="4150484648" sldId="370"/>
-            <ac:spMk id="7" creationId="{12C899D8-51C5-D9B7-A323-E6EFE4AB5C33}"/>
-          </ac:spMkLst>
-        </pc:spChg>
-        <pc:spChg chg="add mod">
-          <ac:chgData name="Scruel Tao" userId="5ea5c98d59b44d4b" providerId="LiveId" clId="{88D73D01-CABB-4B2D-80EC-648726E3C219}" dt="2023-05-06T10:31:03.175" v="5539" actId="1076"/>
-          <ac:spMkLst>
-            <pc:docMk/>
-            <pc:sldMk cId="4150484648" sldId="370"/>
-            <ac:spMk id="9" creationId="{670407E6-E283-A614-5A06-709337CEB40C}"/>
-          </ac:spMkLst>
-        </pc:spChg>
-        <pc:spChg chg="add del mod">
-          <ac:chgData name="Scruel Tao" userId="5ea5c98d59b44d4b" providerId="LiveId" clId="{88D73D01-CABB-4B2D-80EC-648726E3C219}" dt="2023-05-06T10:41:30.146" v="5728" actId="478"/>
-          <ac:spMkLst>
-            <pc:docMk/>
-            <pc:sldMk cId="4150484648" sldId="370"/>
-            <ac:spMk id="11" creationId="{B87EEE72-5E0E-7A6E-8F69-5EA5E24E559E}"/>
-          </ac:spMkLst>
-        </pc:spChg>
-        <pc:spChg chg="add del mod">
-          <ac:chgData name="Scruel Tao" userId="5ea5c98d59b44d4b" providerId="LiveId" clId="{88D73D01-CABB-4B2D-80EC-648726E3C219}" dt="2023-05-06T10:41:09.359" v="5722"/>
-          <ac:spMkLst>
-            <pc:docMk/>
-            <pc:sldMk cId="4150484648" sldId="370"/>
-            <ac:spMk id="12" creationId="{7306D7D8-1DD3-240F-E834-424432CB74D9}"/>
-          </ac:spMkLst>
-        </pc:spChg>
-        <pc:spChg chg="add mod">
-          <ac:chgData name="Scruel Tao" userId="5ea5c98d59b44d4b" providerId="LiveId" clId="{88D73D01-CABB-4B2D-80EC-648726E3C219}" dt="2023-05-06T10:42:44.018" v="5743" actId="20577"/>
-          <ac:spMkLst>
-            <pc:docMk/>
-            <pc:sldMk cId="4150484648" sldId="370"/>
-            <ac:spMk id="13" creationId="{79A8903A-1546-E48E-D310-9D962AFA78C2}"/>
-          </ac:spMkLst>
-        </pc:spChg>
-        <pc:cxnChg chg="add mod">
-          <ac:chgData name="Scruel Tao" userId="5ea5c98d59b44d4b" providerId="LiveId" clId="{88D73D01-CABB-4B2D-80EC-648726E3C219}" dt="2023-05-06T10:25:15.868" v="5357" actId="1037"/>
-          <ac:cxnSpMkLst>
-            <pc:docMk/>
-            <pc:sldMk cId="4150484648" sldId="370"/>
-            <ac:cxnSpMk id="8" creationId="{93293218-85A6-05CF-8833-ABF04B0CBBFB}"/>
-          </ac:cxnSpMkLst>
-        </pc:cxnChg>
-      </pc:sldChg>
-      <pc:sldChg chg="delSp add del mod delAnim">
-        <pc:chgData name="Scruel Tao" userId="5ea5c98d59b44d4b" providerId="LiveId" clId="{88D73D01-CABB-4B2D-80EC-648726E3C219}" dt="2023-05-06T10:23:15.533" v="5264" actId="47"/>
-        <pc:sldMkLst>
-          <pc:docMk/>
-          <pc:sldMk cId="706584052" sldId="371"/>
-        </pc:sldMkLst>
-        <pc:spChg chg="del">
-          <ac:chgData name="Scruel Tao" userId="5ea5c98d59b44d4b" providerId="LiveId" clId="{88D73D01-CABB-4B2D-80EC-648726E3C219}" dt="2023-05-06T10:22:54.183" v="5238" actId="21"/>
-          <ac:spMkLst>
-            <pc:docMk/>
-            <pc:sldMk cId="706584052" sldId="371"/>
-            <ac:spMk id="5" creationId="{4B3FACC7-2E92-1DB1-1018-0263AD342247}"/>
-          </ac:spMkLst>
-        </pc:spChg>
-      </pc:sldChg>
-      <pc:sldChg chg="addSp delSp modSp add mod modTransition delAnim modAnim modNotesTx">
-        <pc:chgData name="Scruel Tao" userId="5ea5c98d59b44d4b" providerId="LiveId" clId="{88D73D01-CABB-4B2D-80EC-648726E3C219}" dt="2023-05-06T10:42:47.170" v="5744"/>
-        <pc:sldMkLst>
-          <pc:docMk/>
-          <pc:sldMk cId="2142768243" sldId="372"/>
-        </pc:sldMkLst>
-        <pc:spChg chg="add del mod">
-          <ac:chgData name="Scruel Tao" userId="5ea5c98d59b44d4b" providerId="LiveId" clId="{88D73D01-CABB-4B2D-80EC-648726E3C219}" dt="2023-05-06T10:41:02.595" v="5718" actId="478"/>
-          <ac:spMkLst>
-            <pc:docMk/>
-            <pc:sldMk cId="2142768243" sldId="372"/>
-            <ac:spMk id="3" creationId="{FD31F5AC-F385-2BAA-4BA7-8E203840422C}"/>
-          </ac:spMkLst>
-        </pc:spChg>
-        <pc:spChg chg="mod">
-          <ac:chgData name="Scruel Tao" userId="5ea5c98d59b44d4b" providerId="LiveId" clId="{88D73D01-CABB-4B2D-80EC-648726E3C219}" dt="2023-05-06T10:34:14.890" v="5580" actId="21"/>
-          <ac:spMkLst>
-            <pc:docMk/>
-            <pc:sldMk cId="2142768243" sldId="372"/>
-            <ac:spMk id="4" creationId="{85D6D174-6A04-9AED-7984-BD4330ED7E3A}"/>
-          </ac:spMkLst>
-        </pc:spChg>
-        <pc:spChg chg="add mod">
-          <ac:chgData name="Scruel Tao" userId="5ea5c98d59b44d4b" providerId="LiveId" clId="{88D73D01-CABB-4B2D-80EC-648726E3C219}" dt="2023-05-06T10:34:26.145" v="5584"/>
-          <ac:spMkLst>
-            <pc:docMk/>
-            <pc:sldMk cId="2142768243" sldId="372"/>
-            <ac:spMk id="5" creationId="{CC25594C-2828-80C3-2CBF-1191B14988FC}"/>
-          </ac:spMkLst>
-        </pc:spChg>
-        <pc:spChg chg="add mod">
-          <ac:chgData name="Scruel Tao" userId="5ea5c98d59b44d4b" providerId="LiveId" clId="{88D73D01-CABB-4B2D-80EC-648726E3C219}" dt="2023-05-06T10:42:47.170" v="5744"/>
-          <ac:spMkLst>
-            <pc:docMk/>
-            <pc:sldMk cId="2142768243" sldId="372"/>
-            <ac:spMk id="6" creationId="{9A3FC26B-952B-0F6D-D7B2-4FF56D648E04}"/>
-          </ac:spMkLst>
-        </pc:spChg>
-        <pc:spChg chg="del mod">
-          <ac:chgData name="Scruel Tao" userId="5ea5c98d59b44d4b" providerId="LiveId" clId="{88D73D01-CABB-4B2D-80EC-648726E3C219}" dt="2023-05-06T10:34:20.986" v="5581" actId="478"/>
-          <ac:spMkLst>
-            <pc:docMk/>
-            <pc:sldMk cId="2142768243" sldId="372"/>
-            <ac:spMk id="7" creationId="{12C899D8-51C5-D9B7-A323-E6EFE4AB5C33}"/>
-          </ac:spMkLst>
-        </pc:spChg>
-        <pc:spChg chg="del mod">
-          <ac:chgData name="Scruel Tao" userId="5ea5c98d59b44d4b" providerId="LiveId" clId="{88D73D01-CABB-4B2D-80EC-648726E3C219}" dt="2023-05-06T10:34:23.611" v="5583" actId="478"/>
-          <ac:spMkLst>
-            <pc:docMk/>
-            <pc:sldMk cId="2142768243" sldId="372"/>
-            <ac:spMk id="9" creationId="{670407E6-E283-A614-5A06-709337CEB40C}"/>
-          </ac:spMkLst>
-        </pc:spChg>
-        <pc:cxnChg chg="del">
-          <ac:chgData name="Scruel Tao" userId="5ea5c98d59b44d4b" providerId="LiveId" clId="{88D73D01-CABB-4B2D-80EC-648726E3C219}" dt="2023-05-06T10:23:34.731" v="5268" actId="478"/>
-          <ac:cxnSpMkLst>
-            <pc:docMk/>
-            <pc:sldMk cId="2142768243" sldId="372"/>
-            <ac:cxnSpMk id="8" creationId="{93293218-85A6-05CF-8833-ABF04B0CBBFB}"/>
-          </ac:cxnSpMkLst>
-        </pc:cxnChg>
-      </pc:sldChg>
-      <pc:sldChg chg="modSp add del mod">
-        <pc:chgData name="Scruel Tao" userId="5ea5c98d59b44d4b" providerId="LiveId" clId="{88D73D01-CABB-4B2D-80EC-648726E3C219}" dt="2023-05-06T10:35:13.845" v="5598" actId="47"/>
-        <pc:sldMkLst>
-          <pc:docMk/>
-          <pc:sldMk cId="447287064" sldId="373"/>
-        </pc:sldMkLst>
-        <pc:spChg chg="mod">
-          <ac:chgData name="Scruel Tao" userId="5ea5c98d59b44d4b" providerId="LiveId" clId="{88D73D01-CABB-4B2D-80EC-648726E3C219}" dt="2023-05-06T10:29:42.859" v="5529" actId="115"/>
-          <ac:spMkLst>
-            <pc:docMk/>
-            <pc:sldMk cId="447287064" sldId="373"/>
-            <ac:spMk id="4" creationId="{85D6D174-6A04-9AED-7984-BD4330ED7E3A}"/>
-          </ac:spMkLst>
-        </pc:spChg>
-      </pc:sldChg>
-      <pc:sldChg chg="addSp delSp modSp add mod modTransition modAnim modNotesTx">
-        <pc:chgData name="Scruel Tao" userId="5ea5c98d59b44d4b" providerId="LiveId" clId="{88D73D01-CABB-4B2D-80EC-648726E3C219}" dt="2023-05-06T10:41:48.464" v="5737" actId="6549"/>
-        <pc:sldMkLst>
-          <pc:docMk/>
-          <pc:sldMk cId="402016715" sldId="374"/>
-        </pc:sldMkLst>
-        <pc:spChg chg="add mod">
-          <ac:chgData name="Scruel Tao" userId="5ea5c98d59b44d4b" providerId="LiveId" clId="{88D73D01-CABB-4B2D-80EC-648726E3C219}" dt="2023-05-06T10:41:48.464" v="5737" actId="6549"/>
-          <ac:spMkLst>
-            <pc:docMk/>
-            <pc:sldMk cId="402016715" sldId="374"/>
-            <ac:spMk id="3" creationId="{C8F3162A-29D7-8220-3A2D-398E1C5A7DF7}"/>
-          </ac:spMkLst>
-        </pc:spChg>
-        <pc:spChg chg="del mod">
-          <ac:chgData name="Scruel Tao" userId="5ea5c98d59b44d4b" providerId="LiveId" clId="{88D73D01-CABB-4B2D-80EC-648726E3C219}" dt="2023-05-06T10:41:44.930" v="5731" actId="478"/>
-          <ac:spMkLst>
-            <pc:docMk/>
-            <pc:sldMk cId="402016715" sldId="374"/>
-            <ac:spMk id="7" creationId="{12C899D8-51C5-D9B7-A323-E6EFE4AB5C33}"/>
-          </ac:spMkLst>
-        </pc:spChg>
-        <pc:spChg chg="mod">
-          <ac:chgData name="Scruel Tao" userId="5ea5c98d59b44d4b" providerId="LiveId" clId="{88D73D01-CABB-4B2D-80EC-648726E3C219}" dt="2023-05-06T10:35:11.110" v="5597" actId="20577"/>
-          <ac:spMkLst>
-            <pc:docMk/>
-            <pc:sldMk cId="402016715" sldId="374"/>
-            <ac:spMk id="9" creationId="{670407E6-E283-A614-5A06-709337CEB40C}"/>
-          </ac:spMkLst>
-        </pc:spChg>
-      </pc:sldChg>
-      <pc:sldChg chg="addSp delSp modSp add mod modTransition modAnim">
-        <pc:chgData name="Scruel Tao" userId="5ea5c98d59b44d4b" providerId="LiveId" clId="{88D73D01-CABB-4B2D-80EC-648726E3C219}" dt="2023-05-06T10:44:47.368" v="5768"/>
-        <pc:sldMkLst>
-          <pc:docMk/>
-          <pc:sldMk cId="310738446" sldId="375"/>
-        </pc:sldMkLst>
-        <pc:spChg chg="mod">
-          <ac:chgData name="Scruel Tao" userId="5ea5c98d59b44d4b" providerId="LiveId" clId="{88D73D01-CABB-4B2D-80EC-648726E3C219}" dt="2023-05-06T10:40:55.105" v="5715" actId="14100"/>
-          <ac:spMkLst>
-            <pc:docMk/>
-            <pc:sldMk cId="310738446" sldId="375"/>
-            <ac:spMk id="7" creationId="{12C899D8-51C5-D9B7-A323-E6EFE4AB5C33}"/>
-          </ac:spMkLst>
-        </pc:spChg>
-        <pc:spChg chg="add del">
-          <ac:chgData name="Scruel Tao" userId="5ea5c98d59b44d4b" providerId="LiveId" clId="{88D73D01-CABB-4B2D-80EC-648726E3C219}" dt="2023-05-06T10:40:11.969" v="5709" actId="21"/>
-          <ac:spMkLst>
-            <pc:docMk/>
-            <pc:sldMk cId="310738446" sldId="375"/>
-            <ac:spMk id="18" creationId="{247D4F7A-A804-99B7-82A4-C9014E0420EE}"/>
-          </ac:spMkLst>
-        </pc:spChg>
-        <pc:grpChg chg="mod">
-          <ac:chgData name="Scruel Tao" userId="5ea5c98d59b44d4b" providerId="LiveId" clId="{88D73D01-CABB-4B2D-80EC-648726E3C219}" dt="2023-05-06T10:39:29.772" v="5695"/>
-          <ac:grpSpMkLst>
-            <pc:docMk/>
-            <pc:sldMk cId="310738446" sldId="375"/>
-            <ac:grpSpMk id="6" creationId="{782C3D2F-FD4D-3241-0C44-6D789CA3934B}"/>
-          </ac:grpSpMkLst>
-        </pc:grpChg>
-        <pc:picChg chg="add del mod ord">
-          <ac:chgData name="Scruel Tao" userId="5ea5c98d59b44d4b" providerId="LiveId" clId="{88D73D01-CABB-4B2D-80EC-648726E3C219}" dt="2023-05-06T10:44:09.277" v="5756" actId="21"/>
-          <ac:picMkLst>
-            <pc:docMk/>
-            <pc:sldMk cId="310738446" sldId="375"/>
-            <ac:picMk id="23" creationId="{DDF9587D-56C2-6FE7-2054-D73E7DB6032A}"/>
-          </ac:picMkLst>
-        </pc:picChg>
-        <pc:picChg chg="add mod">
-          <ac:chgData name="Scruel Tao" userId="5ea5c98d59b44d4b" providerId="LiveId" clId="{88D73D01-CABB-4B2D-80EC-648726E3C219}" dt="2023-05-06T10:44:20.355" v="5761" actId="1076"/>
-          <ac:picMkLst>
-            <pc:docMk/>
-            <pc:sldMk cId="310738446" sldId="375"/>
-            <ac:picMk id="25" creationId="{36AC07E6-AD70-9939-1FDA-5CF3898743E2}"/>
-          </ac:picMkLst>
-        </pc:picChg>
-        <pc:inkChg chg="add del mod">
-          <ac:chgData name="Scruel Tao" userId="5ea5c98d59b44d4b" providerId="LiveId" clId="{88D73D01-CABB-4B2D-80EC-648726E3C219}" dt="2023-05-06T10:39:30.155" v="5696" actId="9405"/>
-          <ac:inkMkLst>
-            <pc:docMk/>
-            <pc:sldMk cId="310738446" sldId="375"/>
-            <ac:inkMk id="3" creationId="{6DACD5A1-E318-B225-B799-F98E81474480}"/>
-          </ac:inkMkLst>
-        </pc:inkChg>
-        <pc:inkChg chg="add del mod">
-          <ac:chgData name="Scruel Tao" userId="5ea5c98d59b44d4b" providerId="LiveId" clId="{88D73D01-CABB-4B2D-80EC-648726E3C219}" dt="2023-05-06T10:39:29.772" v="5695"/>
-          <ac:inkMkLst>
-            <pc:docMk/>
-            <pc:sldMk cId="310738446" sldId="375"/>
-            <ac:inkMk id="5" creationId="{802080B2-C423-6D80-F7A6-FC3C68DC1B3F}"/>
-          </ac:inkMkLst>
-        </pc:inkChg>
-        <pc:inkChg chg="add del">
-          <ac:chgData name="Scruel Tao" userId="5ea5c98d59b44d4b" providerId="LiveId" clId="{88D73D01-CABB-4B2D-80EC-648726E3C219}" dt="2023-05-06T10:39:29.506" v="5693" actId="9405"/>
-          <ac:inkMkLst>
-            <pc:docMk/>
-            <pc:sldMk cId="310738446" sldId="375"/>
-            <ac:inkMk id="8" creationId="{1B2359D7-1C2D-A835-92D9-EEF3E83D9B1A}"/>
-          </ac:inkMkLst>
-        </pc:inkChg>
-        <pc:inkChg chg="add del">
-          <ac:chgData name="Scruel Tao" userId="5ea5c98d59b44d4b" providerId="LiveId" clId="{88D73D01-CABB-4B2D-80EC-648726E3C219}" dt="2023-05-06T10:39:33.042" v="5698" actId="9405"/>
-          <ac:inkMkLst>
-            <pc:docMk/>
-            <pc:sldMk cId="310738446" sldId="375"/>
-            <ac:inkMk id="10" creationId="{4ED5453F-93C0-5CD6-C730-5F00D0F5F088}"/>
-          </ac:inkMkLst>
-        </pc:inkChg>
-        <pc:inkChg chg="add del">
-          <ac:chgData name="Scruel Tao" userId="5ea5c98d59b44d4b" providerId="LiveId" clId="{88D73D01-CABB-4B2D-80EC-648726E3C219}" dt="2023-05-06T10:39:35.127" v="5700" actId="9405"/>
-          <ac:inkMkLst>
-            <pc:docMk/>
-            <pc:sldMk cId="310738446" sldId="375"/>
-            <ac:inkMk id="11" creationId="{309F42E2-F1E4-CEE6-0BF4-9B44B7347A74}"/>
-          </ac:inkMkLst>
-        </pc:inkChg>
-        <pc:cxnChg chg="add del mod">
-          <ac:chgData name="Scruel Tao" userId="5ea5c98d59b44d4b" providerId="LiveId" clId="{88D73D01-CABB-4B2D-80EC-648726E3C219}" dt="2023-05-06T10:40:04.021" v="5707" actId="21"/>
-          <ac:cxnSpMkLst>
-            <pc:docMk/>
-            <pc:sldMk cId="310738446" sldId="375"/>
-            <ac:cxnSpMk id="13" creationId="{3C278CB8-80D2-2639-62A9-DCAE9D65BB41}"/>
-          </ac:cxnSpMkLst>
-        </pc:cxnChg>
-        <pc:cxnChg chg="add del mod">
-          <ac:chgData name="Scruel Tao" userId="5ea5c98d59b44d4b" providerId="LiveId" clId="{88D73D01-CABB-4B2D-80EC-648726E3C219}" dt="2023-05-06T10:40:32.984" v="5712" actId="21"/>
-          <ac:cxnSpMkLst>
-            <pc:docMk/>
-            <pc:sldMk cId="310738446" sldId="375"/>
-            <ac:cxnSpMk id="20" creationId="{4B4F8F12-4BA4-D64F-6F19-3DD9DC31BC1E}"/>
-          </ac:cxnSpMkLst>
-        </pc:cxnChg>
-      </pc:sldChg>
-      <pc:sldChg chg="addSp delSp modSp add mod modAnim">
-        <pc:chgData name="Scruel Tao" userId="5ea5c98d59b44d4b" providerId="LiveId" clId="{88D73D01-CABB-4B2D-80EC-648726E3C219}" dt="2023-05-27T04:04:09.324" v="6397" actId="14100"/>
-        <pc:sldMkLst>
-          <pc:docMk/>
-          <pc:sldMk cId="3746649369" sldId="376"/>
-        </pc:sldMkLst>
-        <pc:picChg chg="add mod">
-          <ac:chgData name="Scruel Tao" userId="5ea5c98d59b44d4b" providerId="LiveId" clId="{88D73D01-CABB-4B2D-80EC-648726E3C219}" dt="2023-05-06T21:06:00.456" v="5866" actId="1076"/>
-          <ac:picMkLst>
-            <pc:docMk/>
-            <pc:sldMk cId="3746649369" sldId="376"/>
-            <ac:picMk id="4" creationId="{5A7F3C1C-EABB-6A1D-6376-219F20919FD1}"/>
-          </ac:picMkLst>
-        </pc:picChg>
-        <pc:picChg chg="add mod">
-          <ac:chgData name="Scruel Tao" userId="5ea5c98d59b44d4b" providerId="LiveId" clId="{88D73D01-CABB-4B2D-80EC-648726E3C219}" dt="2023-05-06T21:06:15.888" v="5870" actId="1076"/>
-          <ac:picMkLst>
-            <pc:docMk/>
-            <pc:sldMk cId="3746649369" sldId="376"/>
-            <ac:picMk id="6" creationId="{FE11F4B8-47C5-7B0B-2025-2E17A84FB112}"/>
-          </ac:picMkLst>
-        </pc:picChg>
-        <pc:picChg chg="del mod">
-          <ac:chgData name="Scruel Tao" userId="5ea5c98d59b44d4b" providerId="LiveId" clId="{88D73D01-CABB-4B2D-80EC-648726E3C219}" dt="2023-05-06T21:06:32.821" v="5876" actId="21"/>
-          <ac:picMkLst>
-            <pc:docMk/>
-            <pc:sldMk cId="3746649369" sldId="376"/>
-            <ac:picMk id="8" creationId="{8AB5090F-5018-48C0-EBF4-ED6B0DBB8E37}"/>
-          </ac:picMkLst>
-        </pc:picChg>
-        <pc:picChg chg="add mod">
-          <ac:chgData name="Scruel Tao" userId="5ea5c98d59b44d4b" providerId="LiveId" clId="{88D73D01-CABB-4B2D-80EC-648726E3C219}" dt="2023-05-06T21:06:55.473" v="5881" actId="1076"/>
-          <ac:picMkLst>
-            <pc:docMk/>
-            <pc:sldMk cId="3746649369" sldId="376"/>
-            <ac:picMk id="9" creationId="{BE39C642-C3A1-39C6-F0AB-B9F93EFE74C9}"/>
-          </ac:picMkLst>
-        </pc:picChg>
-        <pc:picChg chg="add mod">
-          <ac:chgData name="Scruel Tao" userId="5ea5c98d59b44d4b" providerId="LiveId" clId="{88D73D01-CABB-4B2D-80EC-648726E3C219}" dt="2023-05-06T21:06:52.197" v="5880" actId="1076"/>
-          <ac:picMkLst>
-            <pc:docMk/>
-            <pc:sldMk cId="3746649369" sldId="376"/>
-            <ac:picMk id="11" creationId="{6FD886B8-BCE1-FF55-1AA9-77619778DBF2}"/>
-          </ac:picMkLst>
-        </pc:picChg>
-        <pc:picChg chg="add mod">
-          <ac:chgData name="Scruel Tao" userId="5ea5c98d59b44d4b" providerId="LiveId" clId="{88D73D01-CABB-4B2D-80EC-648726E3C219}" dt="2023-05-06T21:07:22.467" v="5887" actId="14100"/>
-          <ac:picMkLst>
-            <pc:docMk/>
-            <pc:sldMk cId="3746649369" sldId="376"/>
-            <ac:picMk id="13" creationId="{EAB1916E-F5E2-1FD6-6A9D-68BBE0EFF6F6}"/>
-          </ac:picMkLst>
-        </pc:picChg>
-        <pc:picChg chg="add mod">
-          <ac:chgData name="Scruel Tao" userId="5ea5c98d59b44d4b" providerId="LiveId" clId="{88D73D01-CABB-4B2D-80EC-648726E3C219}" dt="2023-05-27T04:04:09.324" v="6397" actId="14100"/>
-          <ac:picMkLst>
-            <pc:docMk/>
-            <pc:sldMk cId="3746649369" sldId="376"/>
-            <ac:picMk id="16" creationId="{FEA98888-774B-F489-56BF-D3B6D097529F}"/>
-          </ac:picMkLst>
-        </pc:picChg>
-        <pc:picChg chg="mod">
-          <ac:chgData name="Scruel Tao" userId="5ea5c98d59b44d4b" providerId="LiveId" clId="{88D73D01-CABB-4B2D-80EC-648726E3C219}" dt="2023-05-27T04:03:59.299" v="6396" actId="1036"/>
-          <ac:picMkLst>
-            <pc:docMk/>
-            <pc:sldMk cId="3746649369" sldId="376"/>
-            <ac:picMk id="17" creationId="{B4BA9574-9B96-B884-236F-FE5B9F192448}"/>
-          </ac:picMkLst>
-        </pc:picChg>
-        <pc:picChg chg="mod">
-          <ac:chgData name="Scruel Tao" userId="5ea5c98d59b44d4b" providerId="LiveId" clId="{88D73D01-CABB-4B2D-80EC-648726E3C219}" dt="2023-05-06T21:07:03.913" v="5883" actId="1076"/>
-          <ac:picMkLst>
-            <pc:docMk/>
-            <pc:sldMk cId="3746649369" sldId="376"/>
-            <ac:picMk id="18" creationId="{25B4A285-7F44-C972-3812-DD190DC73F65}"/>
-          </ac:picMkLst>
-        </pc:picChg>
-        <pc:picChg chg="mod">
-          <ac:chgData name="Scruel Tao" userId="5ea5c98d59b44d4b" providerId="LiveId" clId="{88D73D01-CABB-4B2D-80EC-648726E3C219}" dt="2023-05-06T21:08:03.397" v="5892" actId="1076"/>
-          <ac:picMkLst>
-            <pc:docMk/>
-            <pc:sldMk cId="3746649369" sldId="376"/>
-            <ac:picMk id="22" creationId="{3A55B12E-91EC-DC60-A02F-622D42775EFC}"/>
-          </ac:picMkLst>
-        </pc:picChg>
-      </pc:sldChg>
-      <pc:sldChg chg="addSp delSp modSp add mod ord modClrScheme delAnim chgLayout">
-        <pc:chgData name="Scruel Tao" userId="5ea5c98d59b44d4b" providerId="LiveId" clId="{88D73D01-CABB-4B2D-80EC-648726E3C219}" dt="2023-05-08T02:20:48.774" v="6375" actId="20577"/>
-        <pc:sldMkLst>
-          <pc:docMk/>
-          <pc:sldMk cId="428468609" sldId="377"/>
-        </pc:sldMkLst>
-        <pc:spChg chg="mod ord">
-          <ac:chgData name="Scruel Tao" userId="5ea5c98d59b44d4b" providerId="LiveId" clId="{88D73D01-CABB-4B2D-80EC-648726E3C219}" dt="2023-05-08T02:17:38.773" v="6158" actId="700"/>
-          <ac:spMkLst>
-            <pc:docMk/>
-            <pc:sldMk cId="428468609" sldId="377"/>
-            <ac:spMk id="2" creationId="{BAD162F0-2175-84E9-2387-55F669162449}"/>
-          </ac:spMkLst>
-        </pc:spChg>
-        <pc:spChg chg="add del mod">
-          <ac:chgData name="Scruel Tao" userId="5ea5c98d59b44d4b" providerId="LiveId" clId="{88D73D01-CABB-4B2D-80EC-648726E3C219}" dt="2023-05-08T02:03:20.489" v="6112" actId="478"/>
-          <ac:spMkLst>
-            <pc:docMk/>
-            <pc:sldMk cId="428468609" sldId="377"/>
-            <ac:spMk id="5" creationId="{9467C76F-0237-A438-9025-A0A72146F95A}"/>
-          </ac:spMkLst>
-        </pc:spChg>
-        <pc:spChg chg="add mod ord">
-          <ac:chgData name="Scruel Tao" userId="5ea5c98d59b44d4b" providerId="LiveId" clId="{88D73D01-CABB-4B2D-80EC-648726E3C219}" dt="2023-05-08T02:18:55.149" v="6190" actId="20577"/>
-          <ac:spMkLst>
-            <pc:docMk/>
-            <pc:sldMk cId="428468609" sldId="377"/>
-            <ac:spMk id="7" creationId="{0F4A2D72-7588-A1A6-108F-2A6CC629E742}"/>
-          </ac:spMkLst>
-        </pc:spChg>
-        <pc:spChg chg="add del mod ord">
-          <ac:chgData name="Scruel Tao" userId="5ea5c98d59b44d4b" providerId="LiveId" clId="{88D73D01-CABB-4B2D-80EC-648726E3C219}" dt="2023-05-08T01:28:25.045" v="5920" actId="478"/>
-          <ac:spMkLst>
-            <pc:docMk/>
-            <pc:sldMk cId="428468609" sldId="377"/>
-            <ac:spMk id="8" creationId="{05C56AB0-EBB5-2E6C-252A-B9976933144C}"/>
-          </ac:spMkLst>
-        </pc:spChg>
-        <pc:spChg chg="add del mod ord">
-          <ac:chgData name="Scruel Tao" userId="5ea5c98d59b44d4b" providerId="LiveId" clId="{88D73D01-CABB-4B2D-80EC-648726E3C219}" dt="2023-05-08T02:17:43.348" v="6160" actId="478"/>
-          <ac:spMkLst>
-            <pc:docMk/>
-            <pc:sldMk cId="428468609" sldId="377"/>
-            <ac:spMk id="10" creationId="{EA3D8956-9AF8-0A75-5A4F-14E71CAC4C46}"/>
-          </ac:spMkLst>
-        </pc:spChg>
-        <pc:spChg chg="del">
-          <ac:chgData name="Scruel Tao" userId="5ea5c98d59b44d4b" providerId="LiveId" clId="{88D73D01-CABB-4B2D-80EC-648726E3C219}" dt="2023-05-08T01:28:20.273" v="5919" actId="21"/>
-          <ac:spMkLst>
-            <pc:docMk/>
-            <pc:sldMk cId="428468609" sldId="377"/>
-            <ac:spMk id="14" creationId="{0E3316AF-03D2-E954-8D9C-19BFF8D01C35}"/>
-          </ac:spMkLst>
-        </pc:spChg>
-        <pc:spChg chg="add mod">
-          <ac:chgData name="Scruel Tao" userId="5ea5c98d59b44d4b" providerId="LiveId" clId="{88D73D01-CABB-4B2D-80EC-648726E3C219}" dt="2023-05-08T02:20:39.868" v="6371" actId="1076"/>
-          <ac:spMkLst>
-            <pc:docMk/>
-            <pc:sldMk cId="428468609" sldId="377"/>
-            <ac:spMk id="25" creationId="{45A748C2-C1A1-98B4-6E03-5644AB4B4ED6}"/>
-          </ac:spMkLst>
-        </pc:spChg>
-        <pc:spChg chg="add mod">
-          <ac:chgData name="Scruel Tao" userId="5ea5c98d59b44d4b" providerId="LiveId" clId="{88D73D01-CABB-4B2D-80EC-648726E3C219}" dt="2023-05-08T02:20:48.774" v="6375" actId="20577"/>
-          <ac:spMkLst>
-            <pc:docMk/>
-            <pc:sldMk cId="428468609" sldId="377"/>
-            <ac:spMk id="26" creationId="{08C7E4F3-FDC9-2B74-CD2B-0A5AFAD69403}"/>
-          </ac:spMkLst>
-        </pc:spChg>
-        <pc:picChg chg="del">
-          <ac:chgData name="Scruel Tao" userId="5ea5c98d59b44d4b" providerId="LiveId" clId="{88D73D01-CABB-4B2D-80EC-648726E3C219}" dt="2023-05-08T01:32:06.585" v="6105" actId="21"/>
-          <ac:picMkLst>
-            <pc:docMk/>
-            <pc:sldMk cId="428468609" sldId="377"/>
-            <ac:picMk id="4" creationId="{5A7F3C1C-EABB-6A1D-6376-219F20919FD1}"/>
-          </ac:picMkLst>
-        </pc:picChg>
-        <pc:picChg chg="del">
-          <ac:chgData name="Scruel Tao" userId="5ea5c98d59b44d4b" providerId="LiveId" clId="{88D73D01-CABB-4B2D-80EC-648726E3C219}" dt="2023-05-08T01:32:07.424" v="6106" actId="21"/>
-          <ac:picMkLst>
-            <pc:docMk/>
-            <pc:sldMk cId="428468609" sldId="377"/>
-            <ac:picMk id="6" creationId="{FE11F4B8-47C5-7B0B-2025-2E17A84FB112}"/>
-          </ac:picMkLst>
-        </pc:picChg>
-        <pc:picChg chg="del">
-          <ac:chgData name="Scruel Tao" userId="5ea5c98d59b44d4b" providerId="LiveId" clId="{88D73D01-CABB-4B2D-80EC-648726E3C219}" dt="2023-05-08T01:32:09.830" v="6107" actId="21"/>
-          <ac:picMkLst>
-            <pc:docMk/>
-            <pc:sldMk cId="428468609" sldId="377"/>
-            <ac:picMk id="9" creationId="{BE39C642-C3A1-39C6-F0AB-B9F93EFE74C9}"/>
-          </ac:picMkLst>
-        </pc:picChg>
-        <pc:picChg chg="del">
-          <ac:chgData name="Scruel Tao" userId="5ea5c98d59b44d4b" providerId="LiveId" clId="{88D73D01-CABB-4B2D-80EC-648726E3C219}" dt="2023-05-08T01:32:11.112" v="6108" actId="21"/>
-          <ac:picMkLst>
-            <pc:docMk/>
-            <pc:sldMk cId="428468609" sldId="377"/>
-            <ac:picMk id="11" creationId="{6FD886B8-BCE1-FF55-1AA9-77619778DBF2}"/>
-          </ac:picMkLst>
-        </pc:picChg>
-        <pc:picChg chg="del">
-          <ac:chgData name="Scruel Tao" userId="5ea5c98d59b44d4b" providerId="LiveId" clId="{88D73D01-CABB-4B2D-80EC-648726E3C219}" dt="2023-05-08T01:32:12.420" v="6109" actId="21"/>
-          <ac:picMkLst>
-            <pc:docMk/>
-            <pc:sldMk cId="428468609" sldId="377"/>
-            <ac:picMk id="13" creationId="{EAB1916E-F5E2-1FD6-6A9D-68BBE0EFF6F6}"/>
-          </ac:picMkLst>
-        </pc:picChg>
-        <pc:picChg chg="add mod">
-          <ac:chgData name="Scruel Tao" userId="5ea5c98d59b44d4b" providerId="LiveId" clId="{88D73D01-CABB-4B2D-80EC-648726E3C219}" dt="2023-05-08T02:18:33.304" v="6171" actId="1076"/>
-          <ac:picMkLst>
-            <pc:docMk/>
-            <pc:sldMk cId="428468609" sldId="377"/>
-            <ac:picMk id="15" creationId="{7AA90CC3-1958-AC98-D32C-0D5BE7918C66}"/>
-          </ac:picMkLst>
-        </pc:picChg>
-        <pc:picChg chg="del">
-          <ac:chgData name="Scruel Tao" userId="5ea5c98d59b44d4b" providerId="LiveId" clId="{88D73D01-CABB-4B2D-80EC-648726E3C219}" dt="2023-05-08T01:30:31.489" v="5970" actId="21"/>
-          <ac:picMkLst>
-            <pc:docMk/>
-            <pc:sldMk cId="428468609" sldId="377"/>
-            <ac:picMk id="16" creationId="{FEA98888-774B-F489-56BF-D3B6D097529F}"/>
-          </ac:picMkLst>
-        </pc:picChg>
-        <pc:picChg chg="del">
-          <ac:chgData name="Scruel Tao" userId="5ea5c98d59b44d4b" providerId="LiveId" clId="{88D73D01-CABB-4B2D-80EC-648726E3C219}" dt="2023-05-08T01:30:32.379" v="5971" actId="21"/>
-          <ac:picMkLst>
-            <pc:docMk/>
-            <pc:sldMk cId="428468609" sldId="377"/>
-            <ac:picMk id="17" creationId="{B4BA9574-9B96-B884-236F-FE5B9F192448}"/>
-          </ac:picMkLst>
-        </pc:picChg>
-        <pc:picChg chg="del">
-          <ac:chgData name="Scruel Tao" userId="5ea5c98d59b44d4b" providerId="LiveId" clId="{88D73D01-CABB-4B2D-80EC-648726E3C219}" dt="2023-05-08T01:32:05.715" v="6104" actId="21"/>
-          <ac:picMkLst>
-            <pc:docMk/>
-            <pc:sldMk cId="428468609" sldId="377"/>
-            <ac:picMk id="18" creationId="{25B4A285-7F44-C972-3812-DD190DC73F65}"/>
-          </ac:picMkLst>
-        </pc:picChg>
-        <pc:picChg chg="add del mod">
-          <ac:chgData name="Scruel Tao" userId="5ea5c98d59b44d4b" providerId="LiveId" clId="{88D73D01-CABB-4B2D-80EC-648726E3C219}" dt="2023-05-08T02:12:43.489" v="6120" actId="478"/>
-          <ac:picMkLst>
-            <pc:docMk/>
-            <pc:sldMk cId="428468609" sldId="377"/>
-            <ac:picMk id="20" creationId="{DC52D43B-1A7D-21A0-1FCC-DD1E34BB6B76}"/>
-          </ac:picMkLst>
-        </pc:picChg>
-        <pc:picChg chg="del">
-          <ac:chgData name="Scruel Tao" userId="5ea5c98d59b44d4b" providerId="LiveId" clId="{88D73D01-CABB-4B2D-80EC-648726E3C219}" dt="2023-05-08T01:32:04.209" v="6103" actId="21"/>
-          <ac:picMkLst>
-            <pc:docMk/>
-            <pc:sldMk cId="428468609" sldId="377"/>
-            <ac:picMk id="22" creationId="{3A55B12E-91EC-DC60-A02F-622D42775EFC}"/>
-          </ac:picMkLst>
-        </pc:picChg>
-        <pc:picChg chg="add mod">
-          <ac:chgData name="Scruel Tao" userId="5ea5c98d59b44d4b" providerId="LiveId" clId="{88D73D01-CABB-4B2D-80EC-648726E3C219}" dt="2023-05-08T02:18:34.712" v="6172" actId="1076"/>
-          <ac:picMkLst>
-            <pc:docMk/>
-            <pc:sldMk cId="428468609" sldId="377"/>
-            <ac:picMk id="23" creationId="{0F0819D7-61A5-E572-C58E-5AEAAC327E95}"/>
-          </ac:picMkLst>
-        </pc:picChg>
-      </pc:sldChg>
-      <pc:sldMasterChg chg="modTransition modSldLayout">
-        <pc:chgData name="Scruel Tao" userId="5ea5c98d59b44d4b" providerId="LiveId" clId="{88D73D01-CABB-4B2D-80EC-648726E3C219}" dt="2023-05-16T03:56:23.899" v="6377" actId="478"/>
-        <pc:sldMasterMkLst>
-          <pc:docMk/>
-          <pc:sldMasterMk cId="1766057859" sldId="2147483648"/>
-        </pc:sldMasterMkLst>
-        <pc:sldLayoutChg chg="modTransition">
-          <pc:chgData name="Scruel Tao" userId="5ea5c98d59b44d4b" providerId="LiveId" clId="{88D73D01-CABB-4B2D-80EC-648726E3C219}" dt="2023-05-05T14:59:33.343" v="4422"/>
-          <pc:sldLayoutMkLst>
-            <pc:docMk/>
-            <pc:sldMasterMk cId="1766057859" sldId="2147483648"/>
-            <pc:sldLayoutMk cId="2187492797" sldId="2147483649"/>
-          </pc:sldLayoutMkLst>
-        </pc:sldLayoutChg>
-        <pc:sldLayoutChg chg="addSp delSp modSp mod modTransition">
-          <pc:chgData name="Scruel Tao" userId="5ea5c98d59b44d4b" providerId="LiveId" clId="{88D73D01-CABB-4B2D-80EC-648726E3C219}" dt="2023-05-05T14:59:33.343" v="4422"/>
-          <pc:sldLayoutMkLst>
-            <pc:docMk/>
-            <pc:sldMasterMk cId="1766057859" sldId="2147483648"/>
-            <pc:sldLayoutMk cId="2116765151" sldId="2147483650"/>
-          </pc:sldLayoutMkLst>
-          <pc:spChg chg="del">
-            <ac:chgData name="Scruel Tao" userId="5ea5c98d59b44d4b" providerId="LiveId" clId="{88D73D01-CABB-4B2D-80EC-648726E3C219}" dt="2023-05-03T00:06:16.932" v="4047" actId="478"/>
-            <ac:spMkLst>
-              <pc:docMk/>
-              <pc:sldMasterMk cId="1766057859" sldId="2147483648"/>
-              <pc:sldLayoutMk cId="2116765151" sldId="2147483650"/>
-              <ac:spMk id="7" creationId="{CC508A81-C1C7-B1D4-63BC-4C397A9B30DA}"/>
-            </ac:spMkLst>
-          </pc:spChg>
-          <pc:spChg chg="add mod">
-            <ac:chgData name="Scruel Tao" userId="5ea5c98d59b44d4b" providerId="LiveId" clId="{88D73D01-CABB-4B2D-80EC-648726E3C219}" dt="2023-05-03T00:06:17.252" v="4048"/>
-            <ac:spMkLst>
-              <pc:docMk/>
-              <pc:sldMasterMk cId="1766057859" sldId="2147483648"/>
-              <pc:sldLayoutMk cId="2116765151" sldId="2147483650"/>
-              <ac:spMk id="8" creationId="{25973751-9434-2845-7261-188CF1A67B9E}"/>
-            </ac:spMkLst>
-          </pc:spChg>
-        </pc:sldLayoutChg>
-        <pc:sldLayoutChg chg="modTransition">
-          <pc:chgData name="Scruel Tao" userId="5ea5c98d59b44d4b" providerId="LiveId" clId="{88D73D01-CABB-4B2D-80EC-648726E3C219}" dt="2023-05-05T14:59:33.343" v="4422"/>
-          <pc:sldLayoutMkLst>
-            <pc:docMk/>
-            <pc:sldMasterMk cId="1766057859" sldId="2147483648"/>
-            <pc:sldLayoutMk cId="3876442843" sldId="2147483651"/>
-          </pc:sldLayoutMkLst>
-        </pc:sldLayoutChg>
-        <pc:sldLayoutChg chg="addSp delSp modSp mod modTransition">
-          <pc:chgData name="Scruel Tao" userId="5ea5c98d59b44d4b" providerId="LiveId" clId="{88D73D01-CABB-4B2D-80EC-648726E3C219}" dt="2023-05-05T14:59:33.343" v="4422"/>
-          <pc:sldLayoutMkLst>
-            <pc:docMk/>
-            <pc:sldMasterMk cId="1766057859" sldId="2147483648"/>
-            <pc:sldLayoutMk cId="2296489930" sldId="2147483652"/>
-          </pc:sldLayoutMkLst>
-          <pc:spChg chg="del">
-            <ac:chgData name="Scruel Tao" userId="5ea5c98d59b44d4b" providerId="LiveId" clId="{88D73D01-CABB-4B2D-80EC-648726E3C219}" dt="2023-05-03T00:06:50.161" v="4049" actId="478"/>
-            <ac:spMkLst>
-              <pc:docMk/>
-              <pc:sldMasterMk cId="1766057859" sldId="2147483648"/>
-              <pc:sldLayoutMk cId="2296489930" sldId="2147483652"/>
-              <ac:spMk id="8" creationId="{C5A5C420-1B53-618C-C968-A8FEF109459A}"/>
-            </ac:spMkLst>
-          </pc:spChg>
-          <pc:spChg chg="add mod">
-            <ac:chgData name="Scruel Tao" userId="5ea5c98d59b44d4b" providerId="LiveId" clId="{88D73D01-CABB-4B2D-80EC-648726E3C219}" dt="2023-05-03T00:06:50.458" v="4050"/>
-            <ac:spMkLst>
-              <pc:docMk/>
-              <pc:sldMasterMk cId="1766057859" sldId="2147483648"/>
-              <pc:sldLayoutMk cId="2296489930" sldId="2147483652"/>
-              <ac:spMk id="9" creationId="{15D63F93-5B88-76F9-2352-FF2AD405A610}"/>
-            </ac:spMkLst>
-          </pc:spChg>
-        </pc:sldLayoutChg>
-        <pc:sldLayoutChg chg="modTransition">
-          <pc:chgData name="Scruel Tao" userId="5ea5c98d59b44d4b" providerId="LiveId" clId="{88D73D01-CABB-4B2D-80EC-648726E3C219}" dt="2023-05-05T14:59:33.343" v="4422"/>
-          <pc:sldLayoutMkLst>
-            <pc:docMk/>
-            <pc:sldMasterMk cId="1766057859" sldId="2147483648"/>
-            <pc:sldLayoutMk cId="1903742116" sldId="2147483653"/>
-          </pc:sldLayoutMkLst>
-        </pc:sldLayoutChg>
-        <pc:sldLayoutChg chg="modTransition">
-          <pc:chgData name="Scruel Tao" userId="5ea5c98d59b44d4b" providerId="LiveId" clId="{88D73D01-CABB-4B2D-80EC-648726E3C219}" dt="2023-05-05T14:59:33.343" v="4422"/>
-          <pc:sldLayoutMkLst>
-            <pc:docMk/>
-            <pc:sldMasterMk cId="1766057859" sldId="2147483648"/>
-            <pc:sldLayoutMk cId="2266343131" sldId="2147483654"/>
-          </pc:sldLayoutMkLst>
-        </pc:sldLayoutChg>
-        <pc:sldLayoutChg chg="modTransition">
-          <pc:chgData name="Scruel Tao" userId="5ea5c98d59b44d4b" providerId="LiveId" clId="{88D73D01-CABB-4B2D-80EC-648726E3C219}" dt="2023-05-05T14:59:33.343" v="4422"/>
-          <pc:sldLayoutMkLst>
-            <pc:docMk/>
-            <pc:sldMasterMk cId="1766057859" sldId="2147483648"/>
-            <pc:sldLayoutMk cId="3125871839" sldId="2147483655"/>
-          </pc:sldLayoutMkLst>
-        </pc:sldLayoutChg>
-        <pc:sldLayoutChg chg="modTransition">
-          <pc:chgData name="Scruel Tao" userId="5ea5c98d59b44d4b" providerId="LiveId" clId="{88D73D01-CABB-4B2D-80EC-648726E3C219}" dt="2023-05-05T14:59:33.343" v="4422"/>
-          <pc:sldLayoutMkLst>
-            <pc:docMk/>
-            <pc:sldMasterMk cId="1766057859" sldId="2147483648"/>
-            <pc:sldLayoutMk cId="4269120921" sldId="2147483656"/>
-          </pc:sldLayoutMkLst>
-        </pc:sldLayoutChg>
-        <pc:sldLayoutChg chg="modTransition">
-          <pc:chgData name="Scruel Tao" userId="5ea5c98d59b44d4b" providerId="LiveId" clId="{88D73D01-CABB-4B2D-80EC-648726E3C219}" dt="2023-05-05T14:59:33.343" v="4422"/>
-          <pc:sldLayoutMkLst>
-            <pc:docMk/>
-            <pc:sldMasterMk cId="1766057859" sldId="2147483648"/>
-            <pc:sldLayoutMk cId="3839517779" sldId="2147483657"/>
-          </pc:sldLayoutMkLst>
-        </pc:sldLayoutChg>
-        <pc:sldLayoutChg chg="modTransition">
-          <pc:chgData name="Scruel Tao" userId="5ea5c98d59b44d4b" providerId="LiveId" clId="{88D73D01-CABB-4B2D-80EC-648726E3C219}" dt="2023-05-05T14:59:33.343" v="4422"/>
-          <pc:sldLayoutMkLst>
-            <pc:docMk/>
-            <pc:sldMasterMk cId="1766057859" sldId="2147483648"/>
-            <pc:sldLayoutMk cId="3533658407" sldId="2147483658"/>
-          </pc:sldLayoutMkLst>
-        </pc:sldLayoutChg>
-        <pc:sldLayoutChg chg="modTransition">
-          <pc:chgData name="Scruel Tao" userId="5ea5c98d59b44d4b" providerId="LiveId" clId="{88D73D01-CABB-4B2D-80EC-648726E3C219}" dt="2023-05-05T14:59:33.343" v="4422"/>
-          <pc:sldLayoutMkLst>
-            <pc:docMk/>
-            <pc:sldMasterMk cId="1766057859" sldId="2147483648"/>
-            <pc:sldLayoutMk cId="1976972956" sldId="2147483659"/>
-          </pc:sldLayoutMkLst>
-        </pc:sldLayoutChg>
-        <pc:sldLayoutChg chg="delSp modTransition">
-          <pc:chgData name="Scruel Tao" userId="5ea5c98d59b44d4b" providerId="LiveId" clId="{88D73D01-CABB-4B2D-80EC-648726E3C219}" dt="2023-05-16T03:56:23.899" v="6377" actId="478"/>
-          <pc:sldLayoutMkLst>
-            <pc:docMk/>
-            <pc:sldMasterMk cId="1766057859" sldId="2147483648"/>
-            <pc:sldLayoutMk cId="1337634028" sldId="2147483660"/>
-          </pc:sldLayoutMkLst>
-          <pc:spChg chg="del">
-            <ac:chgData name="Scruel Tao" userId="5ea5c98d59b44d4b" providerId="LiveId" clId="{88D73D01-CABB-4B2D-80EC-648726E3C219}" dt="2023-05-16T03:56:23.899" v="6377" actId="478"/>
-            <ac:spMkLst>
-              <pc:docMk/>
-              <pc:sldMasterMk cId="1766057859" sldId="2147483648"/>
-              <pc:sldLayoutMk cId="1337634028" sldId="2147483660"/>
-              <ac:spMk id="19472" creationId="{BD0BF484-93B1-9A87-952A-7D5E9B29C38D}"/>
-            </ac:spMkLst>
-          </pc:spChg>
         </pc:sldLayoutChg>
       </pc:sldMasterChg>
     </pc:docChg>
@@ -5225,7 +5225,7 @@
           <a:p>
             <a:fld id="{AC7E1972-C479-4420-A687-8FB83BA90DEB}" type="datetimeFigureOut">
               <a:rPr lang="zh-CN" altLang="en-US" smtClean="0"/>
-              <a:t>2024/1/2</a:t>
+              <a:t>2024/7/19 Fri</a:t>
             </a:fld>
             <a:endParaRPr lang="zh-CN" altLang="en-US"/>
           </a:p>
@@ -5402,7 +5402,7 @@
           <a:p>
             <a:fld id="{89B7AB8D-BCC0-43C6-B24C-055A25DB558F}" type="datetimeFigureOut">
               <a:rPr lang="zh-CN" altLang="en-US" smtClean="0"/>
-              <a:t>2024/1/2</a:t>
+              <a:t>2024/7/19 Fri</a:t>
             </a:fld>
             <a:endParaRPr lang="zh-CN" altLang="en-US"/>
           </a:p>
@@ -8637,7 +8637,7 @@
           <a:p>
             <a:fld id="{F721228B-0167-4061-A906-8575043315EE}" type="datetimeFigureOut">
               <a:rPr lang="zh-CN" altLang="en-US" smtClean="0"/>
-              <a:t>2024/1/2</a:t>
+              <a:t>2024/7/19 Fri</a:t>
             </a:fld>
             <a:endParaRPr lang="zh-CN" altLang="en-US"/>
           </a:p>
@@ -8847,7 +8847,7 @@
           <a:p>
             <a:fld id="{F721228B-0167-4061-A906-8575043315EE}" type="datetimeFigureOut">
               <a:rPr lang="zh-CN" altLang="en-US" smtClean="0"/>
-              <a:t>2024/1/2</a:t>
+              <a:t>2024/7/19 Fri</a:t>
             </a:fld>
             <a:endParaRPr lang="zh-CN" altLang="en-US"/>
           </a:p>
@@ -9067,7 +9067,7 @@
           <a:p>
             <a:fld id="{F721228B-0167-4061-A906-8575043315EE}" type="datetimeFigureOut">
               <a:rPr lang="zh-CN" altLang="en-US" smtClean="0"/>
-              <a:t>2024/1/2</a:t>
+              <a:t>2024/7/19 Fri</a:t>
             </a:fld>
             <a:endParaRPr lang="zh-CN" altLang="en-US"/>
           </a:p>
@@ -9564,7 +9564,7 @@
           <a:p>
             <a:fld id="{F721228B-0167-4061-A906-8575043315EE}" type="datetimeFigureOut">
               <a:rPr lang="zh-CN" altLang="en-US" smtClean="0"/>
-              <a:t>2024/1/2</a:t>
+              <a:t>2024/7/19 Fri</a:t>
             </a:fld>
             <a:endParaRPr lang="zh-CN" altLang="en-US"/>
           </a:p>
@@ -9900,7 +9900,7 @@
           <a:p>
             <a:fld id="{F721228B-0167-4061-A906-8575043315EE}" type="datetimeFigureOut">
               <a:rPr lang="zh-CN" altLang="en-US" smtClean="0"/>
-              <a:t>2024/1/2</a:t>
+              <a:t>2024/7/19 Fri</a:t>
             </a:fld>
             <a:endParaRPr lang="zh-CN" altLang="en-US"/>
           </a:p>
@@ -10258,7 +10258,7 @@
           <a:p>
             <a:fld id="{F721228B-0167-4061-A906-8575043315EE}" type="datetimeFigureOut">
               <a:rPr lang="zh-CN" altLang="en-US" smtClean="0"/>
-              <a:t>2024/1/2</a:t>
+              <a:t>2024/7/19 Fri</a:t>
             </a:fld>
             <a:endParaRPr lang="zh-CN" altLang="en-US"/>
           </a:p>
@@ -10731,7 +10731,7 @@
           <a:p>
             <a:fld id="{F721228B-0167-4061-A906-8575043315EE}" type="datetimeFigureOut">
               <a:rPr lang="zh-CN" altLang="en-US" smtClean="0"/>
-              <a:t>2024/1/2</a:t>
+              <a:t>2024/7/19 Fri</a:t>
             </a:fld>
             <a:endParaRPr lang="zh-CN" altLang="en-US"/>
           </a:p>
@@ -10884,7 +10884,7 @@
           <a:p>
             <a:fld id="{F721228B-0167-4061-A906-8575043315EE}" type="datetimeFigureOut">
               <a:rPr lang="zh-CN" altLang="en-US" smtClean="0"/>
-              <a:t>2024/1/2</a:t>
+              <a:t>2024/7/19 Fri</a:t>
             </a:fld>
             <a:endParaRPr lang="zh-CN" altLang="en-US"/>
           </a:p>
@@ -11009,7 +11009,7 @@
           <a:p>
             <a:fld id="{F721228B-0167-4061-A906-8575043315EE}" type="datetimeFigureOut">
               <a:rPr lang="zh-CN" altLang="en-US" smtClean="0"/>
-              <a:t>2024/1/2</a:t>
+              <a:t>2024/7/19 Fri</a:t>
             </a:fld>
             <a:endParaRPr lang="zh-CN" altLang="en-US"/>
           </a:p>
@@ -11332,7 +11332,7 @@
           <a:p>
             <a:fld id="{F721228B-0167-4061-A906-8575043315EE}" type="datetimeFigureOut">
               <a:rPr lang="zh-CN" altLang="en-US" smtClean="0"/>
-              <a:t>2024/1/2</a:t>
+              <a:t>2024/7/19 Fri</a:t>
             </a:fld>
             <a:endParaRPr lang="zh-CN" altLang="en-US"/>
           </a:p>
@@ -11632,7 +11632,7 @@
           <a:p>
             <a:fld id="{F721228B-0167-4061-A906-8575043315EE}" type="datetimeFigureOut">
               <a:rPr lang="zh-CN" altLang="en-US" smtClean="0"/>
-              <a:t>2024/1/2</a:t>
+              <a:t>2024/7/19 Fri</a:t>
             </a:fld>
             <a:endParaRPr lang="zh-CN" altLang="en-US"/>
           </a:p>
@@ -11885,7 +11885,7 @@
           <a:p>
             <a:fld id="{F721228B-0167-4061-A906-8575043315EE}" type="datetimeFigureOut">
               <a:rPr lang="zh-CN" altLang="en-US" smtClean="0"/>
-              <a:t>2024/1/2</a:t>
+              <a:t>2024/7/19 Fri</a:t>
             </a:fld>
             <a:endParaRPr lang="zh-CN" altLang="en-US"/>
           </a:p>
@@ -29007,7 +29007,7 @@
             </a:pPr>
             <a:r>
               <a:rPr lang="zh-CN" altLang="en-US" dirty="0"/>
-              <a:t>学习了列表是什么，以及如何使用其中的元素。</a:t>
+              <a:t>学习了如何定义字典，以及如何使用存储在字典中的信息。</a:t>
             </a:r>
             <a:endParaRPr lang="en-US" altLang="zh-CN" dirty="0"/>
           </a:p>
@@ -29019,7 +29019,7 @@
             </a:pPr>
             <a:r>
               <a:rPr lang="zh-CN" altLang="en-US" dirty="0"/>
-              <a:t>学习了如何定义列表，如何增删元素，以及如何对列表进行永久排序和临时排序。</a:t>
+              <a:t>学习了如何访问和修改字典中的元素。</a:t>
             </a:r>
             <a:endParaRPr lang="en-US" altLang="zh-CN" dirty="0"/>
           </a:p>
@@ -29031,7 +29031,19 @@
             </a:pPr>
             <a:r>
               <a:rPr lang="zh-CN" altLang="en-US" dirty="0"/>
-              <a:t>学习了如何获得列表的长度，以及如何在使用列表时避免索引错误。</a:t>
+              <a:t>学习了如何遍历字典中的所有信息、键和值。</a:t>
+            </a:r>
+            <a:endParaRPr lang="en-US" altLang="zh-CN" dirty="0"/>
+          </a:p>
+          <a:p>
+            <a:pPr>
+              <a:lnSpc>
+                <a:spcPct val="100000"/>
+              </a:lnSpc>
+            </a:pPr>
+            <a:r>
+              <a:rPr lang="zh-CN" altLang="en-US" dirty="0"/>
+              <a:t>学习了如何在列表中嵌套字典，以及在字典中嵌套列表或字典</a:t>
             </a:r>
             <a:endParaRPr lang="en-US" altLang="zh-CN" dirty="0"/>
           </a:p>
@@ -29045,11 +29057,22 @@
           </a:p>
           <a:p>
             <a:pPr marL="0" indent="0">
+              <a:lnSpc>
+                <a:spcPct val="100000"/>
+              </a:lnSpc>
               <a:buNone/>
             </a:pPr>
             <a:r>
               <a:rPr lang="zh-CN" altLang="en-US" dirty="0"/>
-              <a:t>在下一章中，我们将学习更多关于列表的相关知识，尤其是如何以更高效的方式处理列表元素。</a:t>
+              <a:t>在下一章中，我们将学习 </a:t>
+            </a:r>
+            <a:r>
+              <a:rPr lang="en-US" altLang="zh-CN" dirty="0"/>
+              <a:t>while </a:t>
+            </a:r>
+            <a:r>
+              <a:rPr lang="zh-CN" altLang="en-US" dirty="0"/>
+              <a:t>循环，以及学习如何获取用户的输入。这是激动人心的一章，我们将让程序变得可交互，并能够对用户的输入做出响应。</a:t>
             </a:r>
           </a:p>
         </p:txBody>
@@ -29076,85 +29099,6 @@
       </p:transition>
     </mc:Fallback>
   </mc:AlternateContent>
-  <p:timing>
-    <p:tnLst>
-      <p:par>
-        <p:cTn id="1" dur="indefinite" restart="never" nodeType="tmRoot">
-          <p:childTnLst>
-            <p:seq concurrent="1" nextAc="seek">
-              <p:cTn id="2" dur="indefinite" nodeType="mainSeq">
-                <p:childTnLst>
-                  <p:par>
-                    <p:cTn id="3" fill="hold">
-                      <p:stCondLst>
-                        <p:cond delay="indefinite"/>
-                      </p:stCondLst>
-                      <p:childTnLst>
-                        <p:par>
-                          <p:cTn id="4" fill="hold">
-                            <p:stCondLst>
-                              <p:cond delay="0"/>
-                            </p:stCondLst>
-                            <p:childTnLst>
-                              <p:par>
-                                <p:cTn id="5" presetID="1" presetClass="entr" presetSubtype="0" fill="hold" nodeType="clickEffect">
-                                  <p:stCondLst>
-                                    <p:cond delay="0"/>
-                                  </p:stCondLst>
-                                  <p:childTnLst>
-                                    <p:set>
-                                      <p:cBhvr>
-                                        <p:cTn id="6" dur="1" fill="hold">
-                                          <p:stCondLst>
-                                            <p:cond delay="0"/>
-                                          </p:stCondLst>
-                                        </p:cTn>
-                                        <p:tgtEl>
-                                          <p:spTgt spid="5">
-                                            <p:txEl>
-                                              <p:pRg st="4" end="4"/>
-                                            </p:txEl>
-                                          </p:spTgt>
-                                        </p:tgtEl>
-                                        <p:attrNameLst>
-                                          <p:attrName>style.visibility</p:attrName>
-                                        </p:attrNameLst>
-                                      </p:cBhvr>
-                                      <p:to>
-                                        <p:strVal val="visible"/>
-                                      </p:to>
-                                    </p:set>
-                                  </p:childTnLst>
-                                </p:cTn>
-                              </p:par>
-                            </p:childTnLst>
-                          </p:cTn>
-                        </p:par>
-                      </p:childTnLst>
-                    </p:cTn>
-                  </p:par>
-                </p:childTnLst>
-              </p:cTn>
-              <p:prevCondLst>
-                <p:cond evt="onPrev" delay="0">
-                  <p:tgtEl>
-                    <p:sldTgt/>
-                  </p:tgtEl>
-                </p:cond>
-              </p:prevCondLst>
-              <p:nextCondLst>
-                <p:cond evt="onNext" delay="0">
-                  <p:tgtEl>
-                    <p:sldTgt/>
-                  </p:tgtEl>
-                </p:cond>
-              </p:nextCondLst>
-            </p:seq>
-          </p:childTnLst>
-        </p:cTn>
-      </p:par>
-    </p:tnLst>
-  </p:timing>
 </p:sld>
 </file>
 
